--- a/Chess Snake Puzzles – 2022 IA Project - Final Delivery.pptx
+++ b/Chess Snake Puzzles – 2022 IA Project - Final Delivery.pptx
@@ -131,10 +131,154 @@
 </p:presentation>
 </file>
 
+<file path=ppt/revisionInfo.xml><?xml version="1.0" encoding="utf-8"?>
+<p1510:revInfo xmlns:a="http://schemas.openxmlformats.org/drawingml/2006/main" xmlns:r="http://schemas.openxmlformats.org/officeDocument/2006/relationships" xmlns:p1510="http://schemas.microsoft.com/office/powerpoint/2015/10/main">
+  <p1510:revLst>
+    <p1510:client id="{1FAC947E-5D31-4632-AFA2-6C66DC948B4A}" v="26" dt="2022-04-25T15:38:05.132"/>
+  </p1510:revLst>
+</p1510:revInfo>
+</file>
+
+<file path=ppt/changesInfos/changesInfo1.xml><?xml version="1.0" encoding="utf-8"?>
+<pc:chgInfo xmlns:a="http://schemas.openxmlformats.org/drawingml/2006/main" xmlns:r="http://schemas.openxmlformats.org/officeDocument/2006/relationships" xmlns:ac="http://schemas.microsoft.com/office/drawing/2013/main/command" xmlns:pc="http://schemas.microsoft.com/office/powerpoint/2013/main/command">
+  <pc:docChgLst>
+    <pc:chgData name="Carlos Gomes" userId="befe0c0c48f41b83" providerId="LiveId" clId="{1FAC947E-5D31-4632-AFA2-6C66DC948B4A}"/>
+    <pc:docChg chg="undo custSel modSld">
+      <pc:chgData name="Carlos Gomes" userId="befe0c0c48f41b83" providerId="LiveId" clId="{1FAC947E-5D31-4632-AFA2-6C66DC948B4A}" dt="2022-04-25T15:52:01.587" v="1366" actId="20577"/>
+      <pc:docMkLst>
+        <pc:docMk/>
+      </pc:docMkLst>
+      <pc:sldChg chg="modSp mod">
+        <pc:chgData name="Carlos Gomes" userId="befe0c0c48f41b83" providerId="LiveId" clId="{1FAC947E-5D31-4632-AFA2-6C66DC948B4A}" dt="2022-04-25T15:16:39.211" v="23" actId="20577"/>
+        <pc:sldMkLst>
+          <pc:docMk/>
+          <pc:sldMk cId="0" sldId="256"/>
+        </pc:sldMkLst>
+        <pc:spChg chg="mod">
+          <ac:chgData name="Carlos Gomes" userId="befe0c0c48f41b83" providerId="LiveId" clId="{1FAC947E-5D31-4632-AFA2-6C66DC948B4A}" dt="2022-04-25T15:16:39.211" v="23" actId="20577"/>
+          <ac:spMkLst>
+            <pc:docMk/>
+            <pc:sldMk cId="0" sldId="256"/>
+            <ac:spMk id="2" creationId="{00000000-0000-0000-0000-000000000000}"/>
+          </ac:spMkLst>
+        </pc:spChg>
+      </pc:sldChg>
+      <pc:sldChg chg="addSp delSp modSp mod">
+        <pc:chgData name="Carlos Gomes" userId="befe0c0c48f41b83" providerId="LiveId" clId="{1FAC947E-5D31-4632-AFA2-6C66DC948B4A}" dt="2022-04-25T15:25:17.465" v="448" actId="1076"/>
+        <pc:sldMkLst>
+          <pc:docMk/>
+          <pc:sldMk cId="0" sldId="259"/>
+        </pc:sldMkLst>
+        <pc:spChg chg="mod">
+          <ac:chgData name="Carlos Gomes" userId="befe0c0c48f41b83" providerId="LiveId" clId="{1FAC947E-5D31-4632-AFA2-6C66DC948B4A}" dt="2022-04-25T15:25:17.465" v="448" actId="1076"/>
+          <ac:spMkLst>
+            <pc:docMk/>
+            <pc:sldMk cId="0" sldId="259"/>
+            <ac:spMk id="3" creationId="{00000000-0000-0000-0000-000000000000}"/>
+          </ac:spMkLst>
+        </pc:spChg>
+        <pc:spChg chg="add del">
+          <ac:chgData name="Carlos Gomes" userId="befe0c0c48f41b83" providerId="LiveId" clId="{1FAC947E-5D31-4632-AFA2-6C66DC948B4A}" dt="2022-04-25T15:18:40.513" v="65"/>
+          <ac:spMkLst>
+            <pc:docMk/>
+            <pc:sldMk cId="0" sldId="259"/>
+            <ac:spMk id="4" creationId="{1608BB0B-849C-4952-97B5-F8E3168693A9}"/>
+          </ac:spMkLst>
+        </pc:spChg>
+      </pc:sldChg>
+      <pc:sldChg chg="modSp mod">
+        <pc:chgData name="Carlos Gomes" userId="befe0c0c48f41b83" providerId="LiveId" clId="{1FAC947E-5D31-4632-AFA2-6C66DC948B4A}" dt="2022-04-25T15:30:22.292" v="549" actId="404"/>
+        <pc:sldMkLst>
+          <pc:docMk/>
+          <pc:sldMk cId="0" sldId="260"/>
+        </pc:sldMkLst>
+        <pc:graphicFrameChg chg="mod modGraphic">
+          <ac:chgData name="Carlos Gomes" userId="befe0c0c48f41b83" providerId="LiveId" clId="{1FAC947E-5D31-4632-AFA2-6C66DC948B4A}" dt="2022-04-25T15:30:22.292" v="549" actId="404"/>
+          <ac:graphicFrameMkLst>
+            <pc:docMk/>
+            <pc:sldMk cId="0" sldId="260"/>
+            <ac:graphicFrameMk id="4" creationId="{00000000-0000-0000-0000-000000000000}"/>
+          </ac:graphicFrameMkLst>
+        </pc:graphicFrameChg>
+      </pc:sldChg>
+      <pc:sldChg chg="addSp delSp modSp mod">
+        <pc:chgData name="Carlos Gomes" userId="befe0c0c48f41b83" providerId="LiveId" clId="{1FAC947E-5D31-4632-AFA2-6C66DC948B4A}" dt="2022-04-25T15:38:46.671" v="690" actId="113"/>
+        <pc:sldMkLst>
+          <pc:docMk/>
+          <pc:sldMk cId="0" sldId="261"/>
+        </pc:sldMkLst>
+        <pc:spChg chg="mod">
+          <ac:chgData name="Carlos Gomes" userId="befe0c0c48f41b83" providerId="LiveId" clId="{1FAC947E-5D31-4632-AFA2-6C66DC948B4A}" dt="2022-04-25T15:38:46.671" v="690" actId="113"/>
+          <ac:spMkLst>
+            <pc:docMk/>
+            <pc:sldMk cId="0" sldId="261"/>
+            <ac:spMk id="3" creationId="{00000000-0000-0000-0000-000000000000}"/>
+          </ac:spMkLst>
+        </pc:spChg>
+        <pc:spChg chg="add del">
+          <ac:chgData name="Carlos Gomes" userId="befe0c0c48f41b83" providerId="LiveId" clId="{1FAC947E-5D31-4632-AFA2-6C66DC948B4A}" dt="2022-04-25T15:33:38.404" v="563"/>
+          <ac:spMkLst>
+            <pc:docMk/>
+            <pc:sldMk cId="0" sldId="261"/>
+            <ac:spMk id="4" creationId="{FB2DF42D-0F61-4E10-8D21-4D809578D54F}"/>
+          </ac:spMkLst>
+        </pc:spChg>
+        <pc:spChg chg="add del">
+          <ac:chgData name="Carlos Gomes" userId="befe0c0c48f41b83" providerId="LiveId" clId="{1FAC947E-5D31-4632-AFA2-6C66DC948B4A}" dt="2022-04-25T15:38:05.132" v="664"/>
+          <ac:spMkLst>
+            <pc:docMk/>
+            <pc:sldMk cId="0" sldId="261"/>
+            <ac:spMk id="5" creationId="{99488B37-ADCE-47D1-AED1-10BDE623A89F}"/>
+          </ac:spMkLst>
+        </pc:spChg>
+      </pc:sldChg>
+      <pc:sldChg chg="modSp mod">
+        <pc:chgData name="Carlos Gomes" userId="befe0c0c48f41b83" providerId="LiveId" clId="{1FAC947E-5D31-4632-AFA2-6C66DC948B4A}" dt="2022-04-25T15:52:01.587" v="1366" actId="20577"/>
+        <pc:sldMkLst>
+          <pc:docMk/>
+          <pc:sldMk cId="2821232108" sldId="262"/>
+        </pc:sldMkLst>
+        <pc:spChg chg="mod">
+          <ac:chgData name="Carlos Gomes" userId="befe0c0c48f41b83" providerId="LiveId" clId="{1FAC947E-5D31-4632-AFA2-6C66DC948B4A}" dt="2022-04-25T15:52:01.587" v="1366" actId="20577"/>
+          <ac:spMkLst>
+            <pc:docMk/>
+            <pc:sldMk cId="2821232108" sldId="262"/>
+            <ac:spMk id="3" creationId="{2D332176-E858-8927-48C6-57123435F282}"/>
+          </ac:spMkLst>
+        </pc:spChg>
+      </pc:sldChg>
+      <pc:sldChg chg="modSp mod">
+        <pc:chgData name="Carlos Gomes" userId="befe0c0c48f41b83" providerId="LiveId" clId="{1FAC947E-5D31-4632-AFA2-6C66DC948B4A}" dt="2022-04-25T15:13:07.944" v="22" actId="692"/>
+        <pc:sldMkLst>
+          <pc:docMk/>
+          <pc:sldMk cId="1535208297" sldId="264"/>
+        </pc:sldMkLst>
+        <pc:graphicFrameChg chg="mod">
+          <ac:chgData name="Carlos Gomes" userId="befe0c0c48f41b83" providerId="LiveId" clId="{1FAC947E-5D31-4632-AFA2-6C66DC948B4A}" dt="2022-04-25T15:08:38.693" v="7" actId="692"/>
+          <ac:graphicFrameMkLst>
+            <pc:docMk/>
+            <pc:sldMk cId="1535208297" sldId="264"/>
+            <ac:graphicFrameMk id="7" creationId="{E71EE01E-51C0-4538-8A33-100DC49D0A10}"/>
+          </ac:graphicFrameMkLst>
+        </pc:graphicFrameChg>
+        <pc:graphicFrameChg chg="mod">
+          <ac:chgData name="Carlos Gomes" userId="befe0c0c48f41b83" providerId="LiveId" clId="{1FAC947E-5D31-4632-AFA2-6C66DC948B4A}" dt="2022-04-25T15:13:07.944" v="22" actId="692"/>
+          <ac:graphicFrameMkLst>
+            <pc:docMk/>
+            <pc:sldMk cId="1535208297" sldId="264"/>
+            <ac:graphicFrameMk id="8" creationId="{5998C934-CF5B-4085-9EB6-7295C56FFCA1}"/>
+          </ac:graphicFrameMkLst>
+        </pc:graphicFrameChg>
+      </pc:sldChg>
+    </pc:docChg>
+  </pc:docChgLst>
+</pc:chgInfo>
+</file>
+
 <file path=ppt/charts/chart1.xml><?xml version="1.0" encoding="utf-8"?>
 <c:chartSpace xmlns:c="http://schemas.openxmlformats.org/drawingml/2006/chart" xmlns:a="http://schemas.openxmlformats.org/drawingml/2006/main" xmlns:r="http://schemas.openxmlformats.org/officeDocument/2006/relationships" xmlns:c16r2="http://schemas.microsoft.com/office/drawing/2015/06/chart">
   <c:date1904 val="0"/>
-  <c:lang val="pt-PT"/>
+  <c:lang val="en-US"/>
   <c:roundedCorners val="0"/>
   <mc:AlternateContent xmlns:mc="http://schemas.openxmlformats.org/markup-compatibility/2006">
     <mc:Choice xmlns:c14="http://schemas.microsoft.com/office/drawing/2007/8/2/chart" Requires="c14">
@@ -168,7 +312,7 @@
           <c:spPr>
             <a:ln w="28575" cap="rnd">
               <a:solidFill>
-                <a:schemeClr val="accent1"/>
+                <a:srgbClr val="FF0000"/>
               </a:solidFill>
               <a:round/>
             </a:ln>
@@ -254,7 +398,7 @@
           <c:spPr>
             <a:ln w="28575" cap="rnd">
               <a:solidFill>
-                <a:schemeClr val="accent2"/>
+                <a:srgbClr val="92D050"/>
               </a:solidFill>
               <a:round/>
             </a:ln>
@@ -340,7 +484,7 @@
           <c:spPr>
             <a:ln w="28575" cap="rnd">
               <a:solidFill>
-                <a:schemeClr val="accent3"/>
+                <a:srgbClr val="090ED5"/>
               </a:solidFill>
               <a:round/>
             </a:ln>
@@ -426,7 +570,7 @@
           <c:spPr>
             <a:ln w="28575" cap="rnd">
               <a:solidFill>
-                <a:schemeClr val="accent4"/>
+                <a:srgbClr val="00B0F0"/>
               </a:solidFill>
               <a:round/>
             </a:ln>
@@ -512,7 +656,7 @@
           <c:spPr>
             <a:ln w="28575" cap="rnd">
               <a:solidFill>
-                <a:schemeClr val="accent5"/>
+                <a:srgbClr val="7030A0"/>
               </a:solidFill>
               <a:round/>
             </a:ln>
@@ -590,7 +734,7 @@
               <c:strCache>
                 <c:ptCount val="1"/>
                 <c:pt idx="0">
-                  <c:v>GREEDY2(1)</c:v>
+                  <c:v>GREEDY(1)</c:v>
                 </c:pt>
               </c:strCache>
             </c:strRef>
@@ -598,7 +742,7 @@
           <c:spPr>
             <a:ln w="28575" cap="rnd">
               <a:solidFill>
-                <a:schemeClr val="accent6"/>
+                <a:srgbClr val="FFC000"/>
               </a:solidFill>
               <a:round/>
             </a:ln>
@@ -684,9 +828,7 @@
           <c:spPr>
             <a:ln w="28575" cap="rnd">
               <a:solidFill>
-                <a:schemeClr val="accent1">
-                  <a:lumMod val="60000"/>
-                </a:schemeClr>
+                <a:srgbClr val="866B4A"/>
               </a:solidFill>
               <a:round/>
             </a:ln>
@@ -946,7 +1088,7 @@
 <file path=ppt/charts/chart2.xml><?xml version="1.0" encoding="utf-8"?>
 <c:chartSpace xmlns:c="http://schemas.openxmlformats.org/drawingml/2006/chart" xmlns:a="http://schemas.openxmlformats.org/drawingml/2006/main" xmlns:r="http://schemas.openxmlformats.org/officeDocument/2006/relationships" xmlns:c16r2="http://schemas.microsoft.com/office/drawing/2015/06/chart">
   <c:date1904 val="0"/>
-  <c:lang val="pt-PT"/>
+  <c:lang val="en-US"/>
   <c:roundedCorners val="0"/>
   <mc:AlternateContent xmlns:mc="http://schemas.openxmlformats.org/markup-compatibility/2006">
     <mc:Choice xmlns:c14="http://schemas.microsoft.com/office/drawing/2007/8/2/chart" Requires="c14">
@@ -980,7 +1122,7 @@
           <c:spPr>
             <a:ln w="28575" cap="rnd">
               <a:solidFill>
-                <a:schemeClr val="accent2"/>
+                <a:srgbClr val="FF0000"/>
               </a:solidFill>
               <a:round/>
             </a:ln>
@@ -1066,7 +1208,7 @@
           <c:spPr>
             <a:ln w="28575" cap="rnd">
               <a:solidFill>
-                <a:schemeClr val="accent4"/>
+                <a:srgbClr val="92D050"/>
               </a:solidFill>
               <a:round/>
             </a:ln>
@@ -1152,7 +1294,7 @@
           <c:spPr>
             <a:ln w="28575" cap="rnd">
               <a:solidFill>
-                <a:schemeClr val="accent6"/>
+                <a:srgbClr val="090ED5"/>
               </a:solidFill>
               <a:round/>
             </a:ln>
@@ -1238,9 +1380,7 @@
           <c:spPr>
             <a:ln w="28575" cap="rnd">
               <a:solidFill>
-                <a:schemeClr val="accent2">
-                  <a:lumMod val="60000"/>
-                </a:schemeClr>
+                <a:srgbClr val="00B0F0"/>
               </a:solidFill>
               <a:round/>
             </a:ln>
@@ -1326,9 +1466,7 @@
           <c:spPr>
             <a:ln w="28575" cap="rnd">
               <a:solidFill>
-                <a:schemeClr val="accent4">
-                  <a:lumMod val="60000"/>
-                </a:schemeClr>
+                <a:srgbClr val="7030A0"/>
               </a:solidFill>
               <a:round/>
             </a:ln>
@@ -1406,7 +1544,7 @@
               <c:strCache>
                 <c:ptCount val="1"/>
                 <c:pt idx="0">
-                  <c:v>GREEDY2(1)</c:v>
+                  <c:v>GREEDY(1)</c:v>
                 </c:pt>
               </c:strCache>
             </c:strRef>
@@ -1414,9 +1552,7 @@
           <c:spPr>
             <a:ln w="28575" cap="rnd">
               <a:solidFill>
-                <a:schemeClr val="accent6">
-                  <a:lumMod val="60000"/>
-                </a:schemeClr>
+                <a:srgbClr val="FFC000"/>
               </a:solidFill>
               <a:round/>
             </a:ln>
@@ -1502,10 +1638,7 @@
           <c:spPr>
             <a:ln w="28575" cap="rnd">
               <a:solidFill>
-                <a:schemeClr val="accent2">
-                  <a:lumMod val="80000"/>
-                  <a:lumOff val="20000"/>
-                </a:schemeClr>
+                <a:srgbClr val="866B4A"/>
               </a:solidFill>
               <a:round/>
             </a:ln>
@@ -3059,7 +3192,7 @@
             </a:pPr>
             <a:fld id="{07CE569E-9B7C-4CB9-AB80-C0841F922CFF}" type="slidenum">
               <a:rPr lang="en-US"/>
-              <a:t>‹nº›</a:t>
+              <a:t>‹#›</a:t>
             </a:fld>
             <a:endParaRPr lang="en-US"/>
           </a:p>
@@ -3250,7 +3383,7 @@
             </a:pPr>
             <a:fld id="{07CE569E-9B7C-4CB9-AB80-C0841F922CFF}" type="slidenum">
               <a:rPr lang="en-US"/>
-              <a:t>‹nº›</a:t>
+              <a:t>‹#›</a:t>
             </a:fld>
             <a:endParaRPr lang="en-US"/>
           </a:p>
@@ -3451,7 +3584,7 @@
             </a:pPr>
             <a:fld id="{07CE569E-9B7C-4CB9-AB80-C0841F922CFF}" type="slidenum">
               <a:rPr lang="en-US"/>
-              <a:t>‹nº›</a:t>
+              <a:t>‹#›</a:t>
             </a:fld>
             <a:endParaRPr lang="en-US"/>
           </a:p>
@@ -3641,7 +3774,7 @@
             </a:pPr>
             <a:fld id="{07CE569E-9B7C-4CB9-AB80-C0841F922CFF}" type="slidenum">
               <a:rPr lang="en-US"/>
-              <a:t>‹nº›</a:t>
+              <a:t>‹#›</a:t>
             </a:fld>
             <a:endParaRPr lang="en-US"/>
           </a:p>
@@ -3897,7 +4030,7 @@
             </a:pPr>
             <a:fld id="{07CE569E-9B7C-4CB9-AB80-C0841F922CFF}" type="slidenum">
               <a:rPr lang="en-US"/>
-              <a:t>‹nº›</a:t>
+              <a:t>‹#›</a:t>
             </a:fld>
             <a:endParaRPr lang="en-US"/>
           </a:p>
@@ -4164,7 +4297,7 @@
             </a:pPr>
             <a:fld id="{07CE569E-9B7C-4CB9-AB80-C0841F922CFF}" type="slidenum">
               <a:rPr lang="en-US"/>
-              <a:t>‹nº›</a:t>
+              <a:t>‹#›</a:t>
             </a:fld>
             <a:endParaRPr lang="en-US"/>
           </a:p>
@@ -4572,7 +4705,7 @@
             </a:pPr>
             <a:fld id="{07CE569E-9B7C-4CB9-AB80-C0841F922CFF}" type="slidenum">
               <a:rPr lang="en-US"/>
-              <a:t>‹nº›</a:t>
+              <a:t>‹#›</a:t>
             </a:fld>
             <a:endParaRPr lang="en-US"/>
           </a:p>
@@ -4697,7 +4830,7 @@
             </a:pPr>
             <a:fld id="{07CE569E-9B7C-4CB9-AB80-C0841F922CFF}" type="slidenum">
               <a:rPr lang="en-US"/>
-              <a:t>‹nº›</a:t>
+              <a:t>‹#›</a:t>
             </a:fld>
             <a:endParaRPr lang="en-US"/>
           </a:p>
@@ -4796,7 +4929,7 @@
             </a:pPr>
             <a:fld id="{07CE569E-9B7C-4CB9-AB80-C0841F922CFF}" type="slidenum">
               <a:rPr lang="en-US"/>
-              <a:t>‹nº›</a:t>
+              <a:t>‹#›</a:t>
             </a:fld>
             <a:endParaRPr lang="en-US"/>
           </a:p>
@@ -5096,7 +5229,7 @@
             </a:pPr>
             <a:fld id="{07CE569E-9B7C-4CB9-AB80-C0841F922CFF}" type="slidenum">
               <a:rPr lang="en-US"/>
-              <a:t>‹nº›</a:t>
+              <a:t>‹#›</a:t>
             </a:fld>
             <a:endParaRPr lang="en-US"/>
           </a:p>
@@ -5366,7 +5499,7 @@
             </a:pPr>
             <a:fld id="{07CE569E-9B7C-4CB9-AB80-C0841F922CFF}" type="slidenum">
               <a:rPr lang="en-US"/>
-              <a:t>‹nº›</a:t>
+              <a:t>‹#›</a:t>
             </a:fld>
             <a:endParaRPr lang="en-US"/>
           </a:p>
@@ -6124,7 +6257,7 @@
             </a:pPr>
             <a:fld id="{07CE569E-9B7C-4CB9-AB80-C0841F922CFF}" type="slidenum">
               <a:rPr lang="en-US"/>
-              <a:t>‹nº›</a:t>
+              <a:t>‹#›</a:t>
             </a:fld>
             <a:endParaRPr lang="en-US"/>
           </a:p>
@@ -6540,31 +6673,15 @@
               <a:defRPr/>
             </a:pPr>
             <a:r>
-              <a:rPr lang="pt-PT" sz="4400" u="sng" dirty="0" err="1"/>
-              <a:t>Chess</a:t>
-            </a:r>
-            <a:r>
               <a:rPr lang="pt-PT" sz="4400" u="sng" dirty="0"/>
-              <a:t> </a:t>
-            </a:r>
-            <a:r>
-              <a:rPr lang="pt-PT" sz="4400" u="sng" dirty="0" err="1"/>
-              <a:t>Snake</a:t>
-            </a:r>
-            <a:r>
-              <a:rPr lang="pt-PT" sz="4400" u="sng" dirty="0"/>
-              <a:t> </a:t>
+              <a:t>Chess Snake </a:t>
             </a:r>
             <a:br>
               <a:rPr lang="pt-PT" sz="4400" u="sng" dirty="0"/>
             </a:br>
             <a:r>
               <a:rPr lang="pt-PT" sz="4400" u="sng" dirty="0"/>
-              <a:t>IART Project- Final </a:t>
-            </a:r>
-            <a:r>
-              <a:rPr lang="pt-PT" sz="4400" u="sng" dirty="0" err="1"/>
-              <a:t>Delivery</a:t>
+              <a:t>IART Project</a:t>
             </a:r>
             <a:endParaRPr dirty="0"/>
           </a:p>
@@ -7100,30 +7217,30 @@
               <a:defRPr/>
             </a:pPr>
             <a:r>
-              <a:rPr lang="pt-PT"/>
+              <a:rPr lang="pt-PT" dirty="0"/>
               <a:t>The main goal for this project is to, based on Artificial Inteligence skills and search algorithms, implement a version of the puzzle “Chess Snake”;</a:t>
             </a:r>
-            <a:endParaRPr/>
+            <a:endParaRPr dirty="0"/>
           </a:p>
           <a:p>
             <a:pPr>
               <a:defRPr/>
             </a:pPr>
             <a:r>
-              <a:rPr lang="pt-PT"/>
+              <a:rPr lang="pt-PT" dirty="0"/>
               <a:t>The main goal of the puzzle is to connect the bottom left tile of the board with the top right tile, by creating a path according to some rules;</a:t>
             </a:r>
-            <a:endParaRPr/>
+            <a:endParaRPr dirty="0"/>
           </a:p>
           <a:p>
             <a:pPr>
               <a:defRPr/>
             </a:pPr>
             <a:r>
-              <a:rPr lang="pt-PT"/>
+              <a:rPr lang="pt-PT" dirty="0"/>
               <a:t>The rules are: </a:t>
             </a:r>
-            <a:endParaRPr/>
+            <a:endParaRPr dirty="0"/>
           </a:p>
           <a:p>
             <a:pPr marL="0" indent="0">
@@ -7131,10 +7248,10 @@
               <a:defRPr/>
             </a:pPr>
             <a:r>
-              <a:rPr lang="pt-PT"/>
+              <a:rPr lang="pt-PT" dirty="0"/>
               <a:t>    - No loops are allowed;</a:t>
             </a:r>
-            <a:endParaRPr/>
+            <a:endParaRPr dirty="0"/>
           </a:p>
           <a:p>
             <a:pPr marL="0" indent="0">
@@ -7142,10 +7259,10 @@
               <a:defRPr/>
             </a:pPr>
             <a:r>
-              <a:rPr lang="pt-PT"/>
+              <a:rPr lang="pt-PT" dirty="0"/>
               <a:t>    - Each chess piece attacks an equal number of squares of the choose path;</a:t>
             </a:r>
-            <a:endParaRPr/>
+            <a:endParaRPr dirty="0"/>
           </a:p>
           <a:p>
             <a:pPr marL="0" indent="0">
@@ -7153,10 +7270,10 @@
               <a:defRPr/>
             </a:pPr>
             <a:r>
-              <a:rPr lang="pt-PT"/>
+              <a:rPr lang="pt-PT" dirty="0"/>
               <a:t>    - Pieces may not be crossed by the path;</a:t>
             </a:r>
-            <a:endParaRPr/>
+            <a:endParaRPr dirty="0"/>
           </a:p>
           <a:p>
             <a:pPr marL="0" indent="0">
@@ -7164,10 +7281,10 @@
               <a:defRPr/>
             </a:pPr>
             <a:r>
-              <a:rPr lang="pt-PT"/>
+              <a:rPr lang="pt-PT" dirty="0"/>
               <a:t>    - The snake cannot touch itself.</a:t>
             </a:r>
-            <a:endParaRPr/>
+            <a:endParaRPr dirty="0"/>
           </a:p>
         </p:txBody>
       </p:sp>
@@ -7248,10 +7365,15 @@
             <p:ph idx="1"/>
           </p:nvPr>
         </p:nvSpPr>
-        <p:spPr bwMode="auto"/>
+        <p:spPr bwMode="auto">
+          <a:xfrm>
+            <a:off x="762000" y="2132856"/>
+            <a:ext cx="10668000" cy="4311351"/>
+          </a:xfrm>
+        </p:spPr>
         <p:txBody>
           <a:bodyPr vertOverflow="overflow" horzOverflow="clip" vert="horz" wrap="square" lIns="91440" tIns="45720" rIns="91440" bIns="45720" numCol="1" spcCol="0" rtlCol="0" fromWordArt="0" anchor="t" anchorCtr="0" forceAA="0" compatLnSpc="0">
-            <a:normAutofit fontScale="55000" lnSpcReduction="20000"/>
+            <a:noAutofit/>
           </a:bodyPr>
           <a:lstStyle/>
           <a:p>
@@ -7259,1414 +7381,469 @@
               <a:defRPr/>
             </a:pPr>
             <a:r>
-              <a:rPr lang="pt-PT" dirty="0" err="1"/>
+              <a:rPr lang="pt-PT" sz="1400" dirty="0" err="1"/>
               <a:t>State</a:t>
             </a:r>
             <a:r>
-              <a:rPr lang="pt-PT" dirty="0"/>
+              <a:rPr lang="pt-PT" sz="1400" dirty="0"/>
               <a:t> </a:t>
             </a:r>
             <a:r>
-              <a:rPr lang="pt-PT" dirty="0" err="1"/>
+              <a:rPr lang="pt-PT" sz="1400" dirty="0" err="1"/>
               <a:t>Representation</a:t>
             </a:r>
             <a:r>
-              <a:rPr lang="pt-PT" dirty="0"/>
+              <a:rPr lang="pt-PT" sz="1400" dirty="0"/>
               <a:t>: </a:t>
             </a:r>
             <a:r>
-              <a:rPr lang="pt-PT" dirty="0" err="1"/>
+              <a:rPr lang="pt-PT" sz="1400" dirty="0" err="1"/>
               <a:t>The</a:t>
             </a:r>
             <a:r>
-              <a:rPr lang="pt-PT" dirty="0"/>
+              <a:rPr lang="pt-PT" sz="1400" dirty="0"/>
               <a:t> </a:t>
             </a:r>
             <a:r>
-              <a:rPr lang="pt-PT" dirty="0" err="1"/>
+              <a:rPr lang="pt-PT" sz="1400" dirty="0" err="1"/>
               <a:t>board</a:t>
             </a:r>
             <a:r>
-              <a:rPr lang="pt-PT" dirty="0"/>
+              <a:rPr lang="pt-PT" sz="1400" dirty="0"/>
               <a:t> </a:t>
             </a:r>
             <a:r>
-              <a:rPr lang="pt-PT" dirty="0" err="1"/>
+              <a:rPr lang="pt-PT" sz="1400" dirty="0" err="1"/>
               <a:t>is</a:t>
             </a:r>
             <a:r>
-              <a:rPr lang="pt-PT" dirty="0"/>
+              <a:rPr lang="pt-PT" sz="1400" dirty="0"/>
               <a:t> </a:t>
             </a:r>
             <a:r>
-              <a:rPr lang="pt-PT" dirty="0" err="1"/>
+              <a:rPr lang="pt-PT" sz="1400" dirty="0" err="1"/>
               <a:t>represented</a:t>
             </a:r>
             <a:r>
-              <a:rPr lang="pt-PT" dirty="0"/>
+              <a:rPr lang="pt-PT" sz="1400" dirty="0"/>
               <a:t> </a:t>
             </a:r>
             <a:r>
-              <a:rPr lang="pt-PT" dirty="0" err="1"/>
+              <a:rPr lang="pt-PT" sz="1400" dirty="0" err="1"/>
               <a:t>by</a:t>
             </a:r>
             <a:r>
-              <a:rPr lang="pt-PT" dirty="0"/>
+              <a:rPr lang="pt-PT" sz="1400" dirty="0"/>
               <a:t> a </a:t>
             </a:r>
             <a:r>
-              <a:rPr lang="pt-PT" dirty="0" err="1"/>
+              <a:rPr lang="pt-PT" sz="1400" dirty="0" err="1"/>
               <a:t>matrix</a:t>
             </a:r>
             <a:r>
-              <a:rPr lang="pt-PT" dirty="0"/>
+              <a:rPr lang="pt-PT" sz="1400" dirty="0"/>
               <a:t> (</a:t>
             </a:r>
             <a:r>
-              <a:rPr lang="pt-PT" dirty="0" err="1"/>
+              <a:rPr lang="pt-PT" sz="1400" dirty="0" err="1"/>
               <a:t>list</a:t>
             </a:r>
             <a:r>
-              <a:rPr lang="pt-PT" dirty="0"/>
+              <a:rPr lang="pt-PT" sz="1400" dirty="0"/>
               <a:t> </a:t>
             </a:r>
             <a:r>
-              <a:rPr lang="pt-PT" dirty="0" err="1"/>
+              <a:rPr lang="pt-PT" sz="1400" dirty="0" err="1"/>
               <a:t>of</a:t>
             </a:r>
             <a:r>
-              <a:rPr lang="pt-PT" dirty="0"/>
+              <a:rPr lang="pt-PT" sz="1400" dirty="0"/>
               <a:t> </a:t>
             </a:r>
             <a:r>
-              <a:rPr lang="pt-PT" dirty="0" err="1"/>
+              <a:rPr lang="pt-PT" sz="1400" dirty="0" err="1"/>
               <a:t>lists</a:t>
             </a:r>
             <a:r>
-              <a:rPr lang="pt-PT" dirty="0"/>
+              <a:rPr lang="pt-PT" sz="1400" dirty="0"/>
               <a:t>), </a:t>
             </a:r>
             <a:r>
-              <a:rPr lang="pt-PT" dirty="0" err="1"/>
+              <a:rPr lang="pt-PT" sz="1400" dirty="0" err="1"/>
               <a:t>start</a:t>
             </a:r>
             <a:r>
-              <a:rPr lang="pt-PT" dirty="0"/>
+              <a:rPr lang="pt-PT" sz="1400" dirty="0"/>
               <a:t> </a:t>
             </a:r>
             <a:r>
-              <a:rPr lang="pt-PT" dirty="0" err="1"/>
+              <a:rPr lang="pt-PT" sz="1400" dirty="0" err="1"/>
               <a:t>and</a:t>
             </a:r>
             <a:r>
-              <a:rPr lang="pt-PT" dirty="0"/>
+              <a:rPr lang="pt-PT" sz="1400" dirty="0"/>
               <a:t> </a:t>
             </a:r>
             <a:r>
-              <a:rPr lang="pt-PT" dirty="0" err="1"/>
+              <a:rPr lang="pt-PT" sz="1400" dirty="0" err="1"/>
               <a:t>end</a:t>
             </a:r>
             <a:r>
-              <a:rPr lang="pt-PT" dirty="0"/>
+              <a:rPr lang="pt-PT" sz="1400" dirty="0"/>
               <a:t> tile are </a:t>
             </a:r>
             <a:r>
-              <a:rPr lang="pt-PT" dirty="0" err="1"/>
+              <a:rPr lang="pt-PT" sz="1400" dirty="0" err="1"/>
               <a:t>represented</a:t>
             </a:r>
             <a:r>
-              <a:rPr lang="pt-PT" dirty="0"/>
+              <a:rPr lang="pt-PT" sz="1400" dirty="0"/>
               <a:t> </a:t>
             </a:r>
             <a:r>
-              <a:rPr lang="pt-PT" dirty="0" err="1"/>
+              <a:rPr lang="pt-PT" sz="1400" dirty="0" err="1"/>
               <a:t>by</a:t>
             </a:r>
             <a:r>
-              <a:rPr lang="pt-PT" dirty="0"/>
+              <a:rPr lang="pt-PT" sz="1400" dirty="0"/>
               <a:t> </a:t>
             </a:r>
             <a:r>
-              <a:rPr lang="pt-PT" dirty="0" err="1"/>
+              <a:rPr lang="pt-PT" sz="1400" dirty="0" err="1"/>
               <a:t>the</a:t>
             </a:r>
             <a:r>
-              <a:rPr lang="pt-PT" dirty="0"/>
+              <a:rPr lang="pt-PT" sz="1400" dirty="0"/>
               <a:t> </a:t>
             </a:r>
             <a:r>
-              <a:rPr lang="pt-PT" dirty="0" err="1"/>
+              <a:rPr lang="pt-PT" sz="1400" dirty="0" err="1"/>
               <a:t>char</a:t>
             </a:r>
             <a:r>
-              <a:rPr lang="pt-PT" dirty="0"/>
+              <a:rPr lang="pt-PT" sz="1400" dirty="0"/>
               <a:t> ‘s’ </a:t>
             </a:r>
             <a:r>
-              <a:rPr lang="pt-PT" dirty="0" err="1"/>
+              <a:rPr lang="pt-PT" sz="1400" dirty="0" err="1"/>
               <a:t>and</a:t>
             </a:r>
             <a:r>
-              <a:rPr lang="pt-PT" dirty="0"/>
+              <a:rPr lang="pt-PT" sz="1400" dirty="0"/>
               <a:t> ‘f’, </a:t>
             </a:r>
             <a:r>
-              <a:rPr lang="pt-PT" dirty="0" err="1"/>
+              <a:rPr lang="pt-PT" sz="1400" dirty="0" err="1"/>
               <a:t>respectively</a:t>
             </a:r>
             <a:r>
-              <a:rPr lang="pt-PT" dirty="0"/>
+              <a:rPr lang="pt-PT" sz="1400" dirty="0"/>
               <a:t>, </a:t>
             </a:r>
             <a:r>
-              <a:rPr lang="pt-PT" dirty="0" err="1"/>
+              <a:rPr lang="pt-PT" sz="1400" dirty="0" err="1"/>
               <a:t>each</a:t>
             </a:r>
             <a:r>
-              <a:rPr lang="pt-PT" dirty="0"/>
+              <a:rPr lang="pt-PT" sz="1400" dirty="0"/>
               <a:t> </a:t>
             </a:r>
             <a:r>
-              <a:rPr lang="pt-PT" dirty="0" err="1"/>
+              <a:rPr lang="pt-PT" sz="1400" dirty="0" err="1"/>
               <a:t>chess</a:t>
             </a:r>
             <a:r>
-              <a:rPr lang="pt-PT" dirty="0"/>
+              <a:rPr lang="pt-PT" sz="1400" dirty="0"/>
               <a:t> </a:t>
             </a:r>
             <a:r>
-              <a:rPr lang="pt-PT" dirty="0" err="1"/>
+              <a:rPr lang="pt-PT" sz="1400" dirty="0" err="1"/>
               <a:t>piece</a:t>
             </a:r>
             <a:r>
-              <a:rPr lang="pt-PT" dirty="0"/>
+              <a:rPr lang="pt-PT" sz="1400" dirty="0"/>
               <a:t> </a:t>
             </a:r>
             <a:r>
-              <a:rPr lang="pt-PT" dirty="0" err="1"/>
+              <a:rPr lang="pt-PT" sz="1400" dirty="0" err="1"/>
               <a:t>is</a:t>
             </a:r>
             <a:r>
-              <a:rPr lang="pt-PT" dirty="0"/>
+              <a:rPr lang="pt-PT" sz="1400" dirty="0"/>
               <a:t> </a:t>
             </a:r>
             <a:r>
-              <a:rPr lang="pt-PT" dirty="0" err="1"/>
+              <a:rPr lang="pt-PT" sz="1400" dirty="0" err="1"/>
               <a:t>also</a:t>
             </a:r>
             <a:r>
-              <a:rPr lang="pt-PT" dirty="0"/>
+              <a:rPr lang="pt-PT" sz="1400" dirty="0"/>
               <a:t> </a:t>
             </a:r>
             <a:r>
-              <a:rPr lang="pt-PT" dirty="0" err="1"/>
+              <a:rPr lang="pt-PT" sz="1400" dirty="0" err="1"/>
               <a:t>represented</a:t>
             </a:r>
             <a:r>
-              <a:rPr lang="pt-PT" dirty="0"/>
+              <a:rPr lang="pt-PT" sz="1400" dirty="0"/>
               <a:t> </a:t>
             </a:r>
             <a:r>
-              <a:rPr lang="pt-PT" dirty="0" err="1"/>
+              <a:rPr lang="pt-PT" sz="1400" dirty="0" err="1"/>
               <a:t>by</a:t>
             </a:r>
             <a:r>
-              <a:rPr lang="pt-PT" dirty="0"/>
+              <a:rPr lang="pt-PT" sz="1400" dirty="0"/>
               <a:t> a </a:t>
             </a:r>
             <a:r>
-              <a:rPr lang="pt-PT" dirty="0" err="1"/>
+              <a:rPr lang="pt-PT" sz="1400" dirty="0" err="1"/>
               <a:t>char</a:t>
             </a:r>
             <a:r>
-              <a:rPr lang="pt-PT" dirty="0"/>
+              <a:rPr lang="pt-PT" sz="1400" dirty="0"/>
               <a:t> (king – k, queen – q, </a:t>
             </a:r>
             <a:r>
-              <a:rPr lang="pt-PT" dirty="0" err="1"/>
+              <a:rPr lang="pt-PT" sz="1400" dirty="0" err="1"/>
               <a:t>bishop</a:t>
             </a:r>
             <a:r>
-              <a:rPr lang="pt-PT" dirty="0"/>
+              <a:rPr lang="pt-PT" sz="1400" dirty="0"/>
               <a:t> – b, </a:t>
             </a:r>
             <a:r>
-              <a:rPr lang="pt-PT" dirty="0" err="1"/>
+              <a:rPr lang="pt-PT" sz="1400" dirty="0" err="1"/>
               <a:t>knigth</a:t>
             </a:r>
             <a:r>
-              <a:rPr lang="pt-PT" dirty="0"/>
+              <a:rPr lang="pt-PT" sz="1400" dirty="0"/>
               <a:t> – n, </a:t>
             </a:r>
             <a:r>
-              <a:rPr lang="pt-PT" dirty="0" err="1"/>
+              <a:rPr lang="pt-PT" sz="1400" dirty="0" err="1"/>
               <a:t>rook</a:t>
             </a:r>
             <a:r>
-              <a:rPr lang="pt-PT" dirty="0"/>
+              <a:rPr lang="pt-PT" sz="1400" dirty="0"/>
               <a:t> –r </a:t>
             </a:r>
             <a:r>
-              <a:rPr lang="pt-PT" dirty="0" err="1"/>
+              <a:rPr lang="pt-PT" sz="1400" dirty="0" err="1"/>
               <a:t>and</a:t>
             </a:r>
             <a:r>
-              <a:rPr lang="pt-PT" dirty="0"/>
+              <a:rPr lang="pt-PT" sz="1400" dirty="0"/>
               <a:t> </a:t>
             </a:r>
             <a:r>
-              <a:rPr lang="pt-PT" dirty="0" err="1"/>
+              <a:rPr lang="pt-PT" sz="1400" dirty="0" err="1"/>
               <a:t>pawn</a:t>
             </a:r>
             <a:r>
-              <a:rPr lang="pt-PT" dirty="0"/>
+              <a:rPr lang="pt-PT" sz="1400" dirty="0"/>
               <a:t> - p) </a:t>
             </a:r>
             <a:r>
-              <a:rPr lang="pt-PT" dirty="0" err="1"/>
+              <a:rPr lang="pt-PT" sz="1400" dirty="0" err="1"/>
               <a:t>the</a:t>
             </a:r>
             <a:r>
-              <a:rPr lang="pt-PT" dirty="0"/>
+              <a:rPr lang="pt-PT" sz="1400" dirty="0"/>
               <a:t> </a:t>
             </a:r>
             <a:r>
-              <a:rPr lang="pt-PT" dirty="0" err="1"/>
+              <a:rPr lang="pt-PT" sz="1400" dirty="0" err="1"/>
               <a:t>path</a:t>
             </a:r>
             <a:r>
-              <a:rPr lang="pt-PT" dirty="0"/>
+              <a:rPr lang="pt-PT" sz="1400" dirty="0"/>
               <a:t> tiles are </a:t>
             </a:r>
             <a:r>
-              <a:rPr lang="pt-PT" dirty="0" err="1"/>
+              <a:rPr lang="pt-PT" sz="1400" dirty="0" err="1"/>
               <a:t>represented</a:t>
             </a:r>
             <a:r>
-              <a:rPr lang="pt-PT" dirty="0"/>
+              <a:rPr lang="pt-PT" sz="1400" dirty="0"/>
               <a:t> </a:t>
             </a:r>
             <a:r>
-              <a:rPr lang="pt-PT" dirty="0" err="1"/>
+              <a:rPr lang="pt-PT" sz="1400" dirty="0" err="1"/>
               <a:t>with</a:t>
             </a:r>
             <a:r>
-              <a:rPr lang="pt-PT" dirty="0"/>
+              <a:rPr lang="pt-PT" sz="1400" dirty="0"/>
               <a:t> a 1 </a:t>
             </a:r>
             <a:r>
-              <a:rPr lang="pt-PT" dirty="0" err="1"/>
+              <a:rPr lang="pt-PT" sz="1400" dirty="0" err="1"/>
               <a:t>and</a:t>
             </a:r>
             <a:r>
-              <a:rPr lang="pt-PT" dirty="0"/>
+              <a:rPr lang="pt-PT" sz="1400" dirty="0"/>
               <a:t> </a:t>
             </a:r>
             <a:r>
-              <a:rPr lang="pt-PT" dirty="0" err="1"/>
+              <a:rPr lang="pt-PT" sz="1400" dirty="0" err="1"/>
               <a:t>the</a:t>
             </a:r>
             <a:r>
-              <a:rPr lang="pt-PT" dirty="0"/>
+              <a:rPr lang="pt-PT" sz="1400" dirty="0"/>
               <a:t> </a:t>
             </a:r>
             <a:r>
-              <a:rPr lang="pt-PT" dirty="0" err="1"/>
+              <a:rPr lang="pt-PT" sz="1400" dirty="0" err="1"/>
               <a:t>empty</a:t>
             </a:r>
             <a:r>
-              <a:rPr lang="pt-PT" dirty="0"/>
+              <a:rPr lang="pt-PT" sz="1400" dirty="0"/>
               <a:t> tiles </a:t>
             </a:r>
             <a:r>
-              <a:rPr lang="pt-PT" dirty="0" err="1"/>
+              <a:rPr lang="pt-PT" sz="1400" dirty="0" err="1"/>
               <a:t>with</a:t>
             </a:r>
             <a:r>
-              <a:rPr lang="pt-PT" dirty="0"/>
-              <a:t> a 0. </a:t>
-            </a:r>
-            <a:r>
-              <a:rPr lang="pt-PT" dirty="0" err="1"/>
-              <a:t>Each</a:t>
-            </a:r>
-            <a:r>
-              <a:rPr lang="pt-PT" dirty="0"/>
+              <a:rPr lang="pt-PT" sz="1400" dirty="0"/>
+              <a:t> a 0. Each chess piece has its own type and position as well as a counter that counts each time it attacks the snake, a list containing all the positions where it can attack. Every tile has a position (x, y) to store the corresponding index of the matrix  and theres also a snake object which stores the path selected.</a:t>
+            </a:r>
+            <a:endParaRPr sz="1400" dirty="0"/>
+          </a:p>
+          <a:p>
+            <a:pPr>
+              <a:defRPr/>
+            </a:pPr>
+            <a:r>
+              <a:rPr lang="pt-PT" sz="1400" dirty="0"/>
+              <a:t>Initial state: The initial state is represented with the given chess tiles defined in the board, the start and finish tiles well-marked, snake path with the initial tile and cost stars at 0  .</a:t>
+            </a:r>
+            <a:endParaRPr sz="1400" dirty="0"/>
+          </a:p>
+          <a:p>
+            <a:pPr>
+              <a:defRPr/>
+            </a:pPr>
+            <a:r>
+              <a:rPr lang="pt-PT" sz="1400" dirty="0"/>
+              <a:t>Final </a:t>
+            </a:r>
+            <a:r>
+              <a:rPr lang="pt-PT" sz="1400" dirty="0" err="1"/>
+              <a:t>state</a:t>
+            </a:r>
+            <a:r>
+              <a:rPr lang="pt-PT" sz="1400" dirty="0"/>
+              <a:t>: </a:t>
+            </a:r>
+            <a:r>
+              <a:rPr lang="pt-PT" sz="1400" dirty="0" err="1"/>
+              <a:t>state</a:t>
+            </a:r>
+            <a:r>
+              <a:rPr lang="pt-PT" sz="1400" dirty="0"/>
               <a:t> </a:t>
             </a:r>
             <a:r>
-              <a:rPr lang="pt-PT" dirty="0" err="1"/>
-              <a:t>chess</a:t>
-            </a:r>
-            <a:r>
-              <a:rPr lang="pt-PT" dirty="0"/>
+              <a:rPr lang="pt-PT" sz="1400" dirty="0" err="1"/>
+              <a:t>with</a:t>
+            </a:r>
+            <a:r>
+              <a:rPr lang="pt-PT" sz="1400" dirty="0"/>
+              <a:t> a </a:t>
+            </a:r>
+            <a:r>
+              <a:rPr lang="pt-PT" sz="1400" dirty="0" err="1"/>
+              <a:t>chosen</a:t>
+            </a:r>
+            <a:r>
+              <a:rPr lang="pt-PT" sz="1400" dirty="0"/>
               <a:t> </a:t>
             </a:r>
             <a:r>
-              <a:rPr lang="pt-PT" dirty="0" err="1"/>
-              <a:t>piece</a:t>
-            </a:r>
-            <a:r>
-              <a:rPr lang="pt-PT" dirty="0"/>
+              <a:rPr lang="pt-PT" sz="1400" dirty="0" err="1"/>
+              <a:t>path</a:t>
+            </a:r>
+            <a:r>
+              <a:rPr lang="pt-PT" sz="1400" dirty="0"/>
               <a:t> </a:t>
             </a:r>
             <a:r>
-              <a:rPr lang="pt-PT" dirty="0" err="1"/>
-              <a:t>has</a:t>
-            </a:r>
-            <a:r>
-              <a:rPr lang="pt-PT" dirty="0"/>
-              <a:t> a </a:t>
-            </a:r>
-            <a:r>
-              <a:rPr lang="pt-PT" dirty="0" err="1"/>
-              <a:t>counter</a:t>
-            </a:r>
-            <a:r>
-              <a:rPr lang="pt-PT" dirty="0"/>
+              <a:rPr lang="pt-PT" sz="1400" dirty="0" err="1"/>
+              <a:t>which</a:t>
+            </a:r>
+            <a:r>
+              <a:rPr lang="pt-PT" sz="1400" dirty="0"/>
               <a:t> </a:t>
             </a:r>
             <a:r>
-              <a:rPr lang="pt-PT" dirty="0" err="1"/>
-              <a:t>that</a:t>
-            </a:r>
-            <a:r>
-              <a:rPr lang="pt-PT" dirty="0"/>
+              <a:rPr lang="pt-PT" sz="1400" dirty="0" err="1"/>
+              <a:t>may</a:t>
+            </a:r>
+            <a:r>
+              <a:rPr lang="pt-PT" sz="1400" dirty="0"/>
               <a:t> </a:t>
             </a:r>
             <a:r>
-              <a:rPr lang="pt-PT" dirty="0" err="1"/>
-              <a:t>counts</a:t>
-            </a:r>
-            <a:r>
-              <a:rPr lang="pt-PT" dirty="0"/>
+              <a:rPr lang="pt-PT" sz="1400" dirty="0" err="1"/>
+              <a:t>follow</a:t>
+            </a:r>
+            <a:r>
+              <a:rPr lang="pt-PT" sz="1400" dirty="0"/>
               <a:t> </a:t>
             </a:r>
             <a:r>
-              <a:rPr lang="pt-PT" dirty="0" err="1"/>
-              <a:t>each</a:t>
-            </a:r>
-            <a:r>
-              <a:rPr lang="pt-PT" dirty="0"/>
-              <a:t> time </a:t>
-            </a:r>
-            <a:r>
-              <a:rPr lang="pt-PT" dirty="0" err="1"/>
-              <a:t>it</a:t>
-            </a:r>
-            <a:r>
-              <a:rPr lang="pt-PT" dirty="0"/>
-              <a:t> </a:t>
-            </a:r>
-            <a:r>
-              <a:rPr lang="pt-PT" dirty="0" err="1"/>
-              <a:t>attacks</a:t>
-            </a:r>
-            <a:r>
-              <a:rPr lang="pt-PT" dirty="0"/>
-              <a:t> </a:t>
-            </a:r>
-            <a:r>
-              <a:rPr lang="pt-PT" dirty="0" err="1"/>
+              <a:rPr lang="pt-PT" sz="1400" dirty="0" err="1"/>
               <a:t>the</a:t>
             </a:r>
             <a:r>
-              <a:rPr lang="pt-PT" dirty="0"/>
-              <a:t> </a:t>
-            </a:r>
-            <a:r>
-              <a:rPr lang="pt-PT" dirty="0" err="1"/>
-              <a:t>snake</a:t>
-            </a:r>
-            <a:r>
-              <a:rPr lang="pt-PT" dirty="0"/>
-              <a:t>. </a:t>
-            </a:r>
-            <a:r>
-              <a:rPr lang="pt-PT" dirty="0" err="1"/>
-              <a:t>Every</a:t>
-            </a:r>
-            <a:r>
-              <a:rPr lang="pt-PT" dirty="0"/>
-              <a:t> tile </a:t>
-            </a:r>
-            <a:r>
-              <a:rPr lang="pt-PT" dirty="0" err="1"/>
-              <a:t>has</a:t>
-            </a:r>
-            <a:r>
-              <a:rPr lang="pt-PT" dirty="0"/>
-              <a:t> a </a:t>
-            </a:r>
-            <a:r>
-              <a:rPr lang="pt-PT" dirty="0" err="1"/>
-              <a:t>position</a:t>
-            </a:r>
-            <a:r>
-              <a:rPr lang="pt-PT" dirty="0"/>
-              <a:t> (x, y) to </a:t>
-            </a:r>
-            <a:r>
-              <a:rPr lang="pt-PT" dirty="0" err="1"/>
-              <a:t>store</a:t>
-            </a:r>
-            <a:r>
-              <a:rPr lang="pt-PT" dirty="0"/>
-              <a:t> </a:t>
-            </a:r>
-            <a:r>
-              <a:rPr lang="pt-PT" dirty="0" err="1"/>
+              <a:rPr lang="pt-PT" sz="1400" dirty="0"/>
+              <a:t> rules </a:t>
+            </a:r>
+            <a:r>
+              <a:rPr lang="pt-PT" sz="1400" dirty="0" err="1"/>
+              <a:t>defined</a:t>
+            </a:r>
+            <a:r>
+              <a:rPr lang="pt-PT" sz="1400" dirty="0"/>
+              <a:t> in </a:t>
+            </a:r>
+            <a:r>
+              <a:rPr lang="pt-PT" sz="1400" dirty="0" err="1"/>
               <a:t>the</a:t>
             </a:r>
             <a:r>
-              <a:rPr lang="pt-PT" dirty="0"/>
-              <a:t> </a:t>
-            </a:r>
-            <a:r>
-              <a:rPr lang="pt-PT" dirty="0" err="1"/>
-              <a:t>corresponding</a:t>
-            </a:r>
-            <a:r>
-              <a:rPr lang="pt-PT" dirty="0"/>
-              <a:t> </a:t>
-            </a:r>
-            <a:r>
-              <a:rPr lang="pt-PT" dirty="0" err="1"/>
-              <a:t>index</a:t>
-            </a:r>
-            <a:r>
-              <a:rPr lang="pt-PT" dirty="0"/>
-              <a:t> </a:t>
-            </a:r>
-            <a:r>
-              <a:rPr lang="pt-PT" dirty="0" err="1"/>
-              <a:t>of</a:t>
-            </a:r>
-            <a:r>
-              <a:rPr lang="pt-PT" dirty="0"/>
-              <a:t> </a:t>
-            </a:r>
-            <a:r>
-              <a:rPr lang="pt-PT" dirty="0" err="1"/>
-              <a:t>the</a:t>
-            </a:r>
-            <a:r>
-              <a:rPr lang="pt-PT" dirty="0"/>
-              <a:t> </a:t>
-            </a:r>
-            <a:r>
-              <a:rPr lang="pt-PT" dirty="0" err="1"/>
-              <a:t>matrix</a:t>
-            </a:r>
-            <a:r>
-              <a:rPr lang="pt-PT" dirty="0"/>
-              <a:t> </a:t>
-            </a:r>
-            <a:r>
-              <a:rPr lang="pt-PT" dirty="0" err="1"/>
-              <a:t>and</a:t>
-            </a:r>
-            <a:r>
-              <a:rPr lang="pt-PT" dirty="0"/>
-              <a:t> a </a:t>
-            </a:r>
-            <a:r>
-              <a:rPr lang="pt-PT" dirty="0" err="1"/>
-              <a:t>bool</a:t>
-            </a:r>
-            <a:r>
-              <a:rPr lang="pt-PT" dirty="0"/>
-              <a:t> to </a:t>
-            </a:r>
-            <a:r>
-              <a:rPr lang="pt-PT" dirty="0" err="1"/>
-              <a:t>know</a:t>
-            </a:r>
-            <a:r>
-              <a:rPr lang="pt-PT" dirty="0"/>
-              <a:t> </a:t>
-            </a:r>
-            <a:r>
-              <a:rPr lang="pt-PT" dirty="0" err="1"/>
-              <a:t>if</a:t>
-            </a:r>
-            <a:r>
-              <a:rPr lang="pt-PT" dirty="0"/>
-              <a:t> </a:t>
-            </a:r>
-            <a:r>
-              <a:rPr lang="pt-PT" dirty="0" err="1"/>
-              <a:t>the</a:t>
-            </a:r>
-            <a:r>
-              <a:rPr lang="pt-PT" dirty="0"/>
-              <a:t> tile </a:t>
-            </a:r>
-            <a:r>
-              <a:rPr lang="pt-PT" dirty="0" err="1"/>
-              <a:t>is</a:t>
-            </a:r>
-            <a:r>
-              <a:rPr lang="pt-PT" dirty="0"/>
-              <a:t> </a:t>
-            </a:r>
-            <a:r>
-              <a:rPr lang="pt-PT" dirty="0" err="1"/>
-              <a:t>being</a:t>
-            </a:r>
-            <a:r>
-              <a:rPr lang="pt-PT" dirty="0"/>
-              <a:t> </a:t>
-            </a:r>
-            <a:r>
-              <a:rPr lang="pt-PT" dirty="0" err="1"/>
-              <a:t>attacked</a:t>
-            </a:r>
-            <a:r>
-              <a:rPr lang="pt-PT" dirty="0"/>
-              <a:t> </a:t>
-            </a:r>
-            <a:r>
-              <a:rPr lang="pt-PT" dirty="0" err="1"/>
-              <a:t>or</a:t>
-            </a:r>
-            <a:r>
-              <a:rPr lang="pt-PT" dirty="0"/>
-              <a:t> </a:t>
-            </a:r>
-            <a:r>
-              <a:rPr lang="pt-PT" dirty="0" err="1"/>
-              <a:t>not</a:t>
-            </a:r>
-            <a:r>
-              <a:rPr lang="pt-PT" dirty="0"/>
-              <a:t>.</a:t>
-            </a:r>
-            <a:endParaRPr dirty="0"/>
+              <a:rPr lang="pt-PT" sz="1400" dirty="0"/>
+              <a:t> game </a:t>
+            </a:r>
+            <a:r>
+              <a:rPr lang="pt-PT" sz="1400" dirty="0" err="1"/>
+              <a:t>description</a:t>
+            </a:r>
+            <a:r>
+              <a:rPr lang="pt-PT" sz="1400" dirty="0"/>
+              <a:t>. So it will be a matrix similiar with the initial state but, in this case, with the tiles representing the solution path marked with a 1.</a:t>
+            </a:r>
+            <a:endParaRPr sz="1400" dirty="0"/>
           </a:p>
           <a:p>
             <a:pPr>
               <a:defRPr/>
             </a:pPr>
             <a:r>
-              <a:rPr lang="pt-PT" dirty="0" err="1"/>
-              <a:t>Initial</a:t>
-            </a:r>
-            <a:r>
-              <a:rPr lang="pt-PT" dirty="0"/>
-              <a:t> </a:t>
-            </a:r>
-            <a:r>
-              <a:rPr lang="pt-PT" dirty="0" err="1"/>
-              <a:t>state</a:t>
-            </a:r>
-            <a:r>
-              <a:rPr lang="pt-PT" dirty="0"/>
-              <a:t>: </a:t>
-            </a:r>
-            <a:r>
-              <a:rPr lang="pt-PT" dirty="0" err="1"/>
-              <a:t>The</a:t>
-            </a:r>
-            <a:r>
-              <a:rPr lang="pt-PT" dirty="0"/>
-              <a:t> </a:t>
-            </a:r>
-            <a:r>
-              <a:rPr lang="pt-PT" dirty="0" err="1"/>
-              <a:t>initial</a:t>
-            </a:r>
-            <a:r>
-              <a:rPr lang="pt-PT" dirty="0"/>
-              <a:t> </a:t>
-            </a:r>
-            <a:r>
-              <a:rPr lang="pt-PT" dirty="0" err="1"/>
-              <a:t>state</a:t>
-            </a:r>
-            <a:r>
-              <a:rPr lang="pt-PT" dirty="0"/>
-              <a:t> </a:t>
-            </a:r>
-            <a:r>
-              <a:rPr lang="pt-PT" dirty="0" err="1"/>
-              <a:t>is</a:t>
-            </a:r>
-            <a:r>
-              <a:rPr lang="pt-PT" dirty="0"/>
-              <a:t> </a:t>
-            </a:r>
-            <a:r>
-              <a:rPr lang="pt-PT" dirty="0" err="1"/>
-              <a:t>represented</a:t>
-            </a:r>
-            <a:r>
-              <a:rPr lang="pt-PT" dirty="0"/>
-              <a:t> </a:t>
-            </a:r>
-            <a:r>
-              <a:rPr lang="pt-PT" dirty="0" err="1"/>
-              <a:t>with</a:t>
-            </a:r>
-            <a:r>
-              <a:rPr lang="pt-PT" dirty="0"/>
-              <a:t> </a:t>
-            </a:r>
-            <a:r>
-              <a:rPr lang="pt-PT" dirty="0" err="1"/>
-              <a:t>the</a:t>
-            </a:r>
-            <a:r>
-              <a:rPr lang="pt-PT" dirty="0"/>
-              <a:t> </a:t>
-            </a:r>
-            <a:r>
-              <a:rPr lang="pt-PT" dirty="0" err="1"/>
-              <a:t>given</a:t>
-            </a:r>
-            <a:r>
-              <a:rPr lang="pt-PT" dirty="0"/>
-              <a:t> </a:t>
-            </a:r>
-            <a:r>
-              <a:rPr lang="pt-PT" dirty="0" err="1"/>
-              <a:t>chess</a:t>
-            </a:r>
-            <a:r>
-              <a:rPr lang="pt-PT" dirty="0"/>
-              <a:t> tiles </a:t>
-            </a:r>
-            <a:r>
-              <a:rPr lang="pt-PT" dirty="0" err="1"/>
-              <a:t>defined</a:t>
-            </a:r>
-            <a:r>
-              <a:rPr lang="pt-PT" dirty="0"/>
-              <a:t> in </a:t>
-            </a:r>
-            <a:r>
-              <a:rPr lang="pt-PT" dirty="0" err="1"/>
-              <a:t>the</a:t>
-            </a:r>
-            <a:r>
-              <a:rPr lang="pt-PT" dirty="0"/>
-              <a:t> </a:t>
-            </a:r>
-            <a:r>
-              <a:rPr lang="pt-PT" dirty="0" err="1"/>
-              <a:t>board</a:t>
-            </a:r>
-            <a:r>
-              <a:rPr lang="pt-PT" dirty="0"/>
-              <a:t> </a:t>
-            </a:r>
-            <a:r>
-              <a:rPr lang="pt-PT" dirty="0" err="1"/>
-              <a:t>and</a:t>
-            </a:r>
-            <a:r>
-              <a:rPr lang="pt-PT" dirty="0"/>
-              <a:t> </a:t>
-            </a:r>
-            <a:r>
-              <a:rPr lang="pt-PT" dirty="0" err="1"/>
-              <a:t>the</a:t>
-            </a:r>
-            <a:r>
-              <a:rPr lang="pt-PT" dirty="0"/>
-              <a:t> </a:t>
-            </a:r>
-            <a:r>
-              <a:rPr lang="pt-PT" dirty="0" err="1"/>
-              <a:t>start</a:t>
-            </a:r>
-            <a:r>
-              <a:rPr lang="pt-PT" dirty="0"/>
-              <a:t> </a:t>
-            </a:r>
-            <a:r>
-              <a:rPr lang="pt-PT" dirty="0" err="1"/>
-              <a:t>and</a:t>
-            </a:r>
-            <a:r>
-              <a:rPr lang="pt-PT" dirty="0"/>
-              <a:t> </a:t>
-            </a:r>
-            <a:r>
-              <a:rPr lang="pt-PT" dirty="0" err="1"/>
-              <a:t>finish</a:t>
-            </a:r>
-            <a:r>
-              <a:rPr lang="pt-PT" dirty="0"/>
-              <a:t> tiles </a:t>
-            </a:r>
-            <a:r>
-              <a:rPr lang="pt-PT" dirty="0" err="1"/>
-              <a:t>well-marked</a:t>
-            </a:r>
-            <a:r>
-              <a:rPr lang="pt-PT" dirty="0"/>
-              <a:t> as </a:t>
-            </a:r>
-            <a:r>
-              <a:rPr lang="pt-PT" dirty="0" err="1"/>
-              <a:t>well</a:t>
-            </a:r>
-            <a:r>
-              <a:rPr lang="pt-PT" dirty="0"/>
-              <a:t>.</a:t>
-            </a:r>
-            <a:endParaRPr dirty="0"/>
+              <a:rPr lang="pt-PT" sz="1400" dirty="0"/>
+              <a:t>Solution Cost – Each move costs 1, so the final cost will be the total length of the snake. </a:t>
+            </a:r>
           </a:p>
           <a:p>
             <a:pPr>
               <a:defRPr/>
             </a:pPr>
             <a:r>
-              <a:rPr lang="pt-PT" dirty="0"/>
-              <a:t>Final </a:t>
-            </a:r>
-            <a:r>
-              <a:rPr lang="pt-PT" dirty="0" err="1"/>
-              <a:t>state</a:t>
-            </a:r>
-            <a:r>
-              <a:rPr lang="pt-PT" dirty="0"/>
-              <a:t>: </a:t>
-            </a:r>
-            <a:r>
-              <a:rPr lang="pt-PT" dirty="0" err="1"/>
-              <a:t>state</a:t>
-            </a:r>
-            <a:r>
-              <a:rPr lang="pt-PT" dirty="0"/>
-              <a:t> </a:t>
-            </a:r>
-            <a:r>
-              <a:rPr lang="pt-PT" dirty="0" err="1"/>
-              <a:t>with</a:t>
-            </a:r>
-            <a:r>
-              <a:rPr lang="pt-PT" dirty="0"/>
-              <a:t> a </a:t>
-            </a:r>
-            <a:r>
-              <a:rPr lang="pt-PT" dirty="0" err="1"/>
-              <a:t>chosen</a:t>
-            </a:r>
-            <a:r>
-              <a:rPr lang="pt-PT" dirty="0"/>
-              <a:t> </a:t>
-            </a:r>
-            <a:r>
-              <a:rPr lang="pt-PT" dirty="0" err="1"/>
-              <a:t>path</a:t>
-            </a:r>
-            <a:r>
-              <a:rPr lang="pt-PT" dirty="0"/>
-              <a:t> </a:t>
-            </a:r>
-            <a:r>
-              <a:rPr lang="pt-PT" dirty="0" err="1"/>
-              <a:t>which</a:t>
-            </a:r>
-            <a:r>
-              <a:rPr lang="pt-PT" dirty="0"/>
-              <a:t> </a:t>
-            </a:r>
-            <a:r>
-              <a:rPr lang="pt-PT" dirty="0" err="1"/>
-              <a:t>may</a:t>
-            </a:r>
-            <a:r>
-              <a:rPr lang="pt-PT" dirty="0"/>
-              <a:t> </a:t>
-            </a:r>
-            <a:r>
-              <a:rPr lang="pt-PT" dirty="0" err="1"/>
-              <a:t>follow</a:t>
-            </a:r>
-            <a:r>
-              <a:rPr lang="pt-PT" dirty="0"/>
-              <a:t> </a:t>
-            </a:r>
-            <a:r>
-              <a:rPr lang="pt-PT" dirty="0" err="1"/>
-              <a:t>the</a:t>
-            </a:r>
-            <a:r>
-              <a:rPr lang="pt-PT" dirty="0"/>
-              <a:t> rules </a:t>
-            </a:r>
-            <a:r>
-              <a:rPr lang="pt-PT" dirty="0" err="1"/>
-              <a:t>defined</a:t>
-            </a:r>
-            <a:r>
-              <a:rPr lang="pt-PT" dirty="0"/>
-              <a:t> in </a:t>
-            </a:r>
-            <a:r>
-              <a:rPr lang="pt-PT" dirty="0" err="1"/>
-              <a:t>the</a:t>
-            </a:r>
-            <a:r>
-              <a:rPr lang="pt-PT" dirty="0"/>
-              <a:t> game </a:t>
-            </a:r>
-            <a:r>
-              <a:rPr lang="pt-PT" dirty="0" err="1"/>
-              <a:t>description</a:t>
-            </a:r>
-            <a:r>
-              <a:rPr lang="pt-PT" dirty="0"/>
-              <a:t>. </a:t>
-            </a:r>
-            <a:r>
-              <a:rPr lang="pt-PT" dirty="0" err="1"/>
-              <a:t>So</a:t>
-            </a:r>
-            <a:r>
-              <a:rPr lang="pt-PT" dirty="0"/>
-              <a:t> </a:t>
-            </a:r>
-            <a:r>
-              <a:rPr lang="pt-PT" dirty="0" err="1"/>
-              <a:t>it</a:t>
-            </a:r>
-            <a:r>
-              <a:rPr lang="pt-PT" dirty="0"/>
-              <a:t> </a:t>
-            </a:r>
-            <a:r>
-              <a:rPr lang="pt-PT" dirty="0" err="1"/>
-              <a:t>will</a:t>
-            </a:r>
-            <a:r>
-              <a:rPr lang="pt-PT" dirty="0"/>
-              <a:t> </a:t>
-            </a:r>
-            <a:r>
-              <a:rPr lang="pt-PT" dirty="0" err="1"/>
-              <a:t>be</a:t>
-            </a:r>
-            <a:r>
-              <a:rPr lang="pt-PT" dirty="0"/>
-              <a:t> a </a:t>
-            </a:r>
-            <a:r>
-              <a:rPr lang="pt-PT" dirty="0" err="1"/>
-              <a:t>matrix</a:t>
-            </a:r>
-            <a:r>
-              <a:rPr lang="pt-PT" dirty="0"/>
-              <a:t> </a:t>
-            </a:r>
-            <a:r>
-              <a:rPr lang="pt-PT" dirty="0" err="1"/>
-              <a:t>similiar</a:t>
-            </a:r>
-            <a:r>
-              <a:rPr lang="pt-PT" dirty="0"/>
-              <a:t> </a:t>
-            </a:r>
-            <a:r>
-              <a:rPr lang="pt-PT" dirty="0" err="1"/>
-              <a:t>with</a:t>
-            </a:r>
-            <a:r>
-              <a:rPr lang="pt-PT" dirty="0"/>
-              <a:t> </a:t>
-            </a:r>
-            <a:r>
-              <a:rPr lang="pt-PT" dirty="0" err="1"/>
-              <a:t>the</a:t>
-            </a:r>
-            <a:r>
-              <a:rPr lang="pt-PT" dirty="0"/>
-              <a:t> </a:t>
-            </a:r>
-            <a:r>
-              <a:rPr lang="pt-PT" dirty="0" err="1"/>
-              <a:t>initial</a:t>
-            </a:r>
-            <a:r>
-              <a:rPr lang="pt-PT" dirty="0"/>
-              <a:t> </a:t>
-            </a:r>
-            <a:r>
-              <a:rPr lang="pt-PT" dirty="0" err="1"/>
-              <a:t>state</a:t>
-            </a:r>
-            <a:r>
-              <a:rPr lang="pt-PT" dirty="0"/>
-              <a:t> </a:t>
-            </a:r>
-            <a:r>
-              <a:rPr lang="pt-PT" dirty="0" err="1"/>
-              <a:t>but</a:t>
-            </a:r>
-            <a:r>
-              <a:rPr lang="pt-PT" dirty="0"/>
-              <a:t>, in </a:t>
-            </a:r>
-            <a:r>
-              <a:rPr lang="pt-PT" dirty="0" err="1"/>
-              <a:t>this</a:t>
-            </a:r>
-            <a:r>
-              <a:rPr lang="pt-PT" dirty="0"/>
-              <a:t> case, </a:t>
-            </a:r>
-            <a:r>
-              <a:rPr lang="pt-PT" dirty="0" err="1"/>
-              <a:t>with</a:t>
-            </a:r>
-            <a:r>
-              <a:rPr lang="pt-PT" dirty="0"/>
-              <a:t> </a:t>
-            </a:r>
-            <a:r>
-              <a:rPr lang="pt-PT" dirty="0" err="1"/>
-              <a:t>the</a:t>
-            </a:r>
-            <a:r>
-              <a:rPr lang="pt-PT" dirty="0"/>
-              <a:t> tiles </a:t>
-            </a:r>
-            <a:r>
-              <a:rPr lang="pt-PT" dirty="0" err="1"/>
-              <a:t>representing</a:t>
-            </a:r>
-            <a:r>
-              <a:rPr lang="pt-PT" dirty="0"/>
-              <a:t> </a:t>
-            </a:r>
-            <a:r>
-              <a:rPr lang="pt-PT" dirty="0" err="1"/>
-              <a:t>the</a:t>
-            </a:r>
-            <a:r>
-              <a:rPr lang="pt-PT" dirty="0"/>
-              <a:t> </a:t>
-            </a:r>
-            <a:r>
-              <a:rPr lang="pt-PT" dirty="0" err="1"/>
-              <a:t>solution</a:t>
-            </a:r>
-            <a:r>
-              <a:rPr lang="pt-PT" dirty="0"/>
-              <a:t> </a:t>
-            </a:r>
-            <a:r>
-              <a:rPr lang="pt-PT" dirty="0" err="1"/>
-              <a:t>path</a:t>
-            </a:r>
-            <a:r>
-              <a:rPr lang="pt-PT" dirty="0"/>
-              <a:t> </a:t>
-            </a:r>
-            <a:r>
-              <a:rPr lang="pt-PT" dirty="0" err="1"/>
-              <a:t>marked</a:t>
-            </a:r>
-            <a:r>
-              <a:rPr lang="pt-PT" dirty="0"/>
-              <a:t> </a:t>
-            </a:r>
-            <a:r>
-              <a:rPr lang="pt-PT" dirty="0" err="1"/>
-              <a:t>with</a:t>
-            </a:r>
-            <a:r>
-              <a:rPr lang="pt-PT" dirty="0"/>
-              <a:t> a 1.</a:t>
-            </a:r>
-            <a:endParaRPr dirty="0"/>
-          </a:p>
-          <a:p>
-            <a:pPr>
-              <a:defRPr/>
-            </a:pPr>
-            <a:r>
-              <a:rPr lang="pt-PT" dirty="0" err="1"/>
-              <a:t>Solution</a:t>
-            </a:r>
-            <a:r>
-              <a:rPr lang="pt-PT" dirty="0"/>
-              <a:t> </a:t>
-            </a:r>
-            <a:r>
-              <a:rPr lang="pt-PT" dirty="0" err="1"/>
-              <a:t>Cost</a:t>
-            </a:r>
-            <a:r>
-              <a:rPr lang="pt-PT" dirty="0"/>
-              <a:t> – </a:t>
-            </a:r>
-            <a:r>
-              <a:rPr lang="pt-PT" dirty="0" err="1"/>
-              <a:t>Each</a:t>
-            </a:r>
-            <a:r>
-              <a:rPr lang="pt-PT" dirty="0"/>
-              <a:t> move </a:t>
-            </a:r>
-            <a:r>
-              <a:rPr lang="pt-PT" dirty="0" err="1"/>
-              <a:t>costs</a:t>
-            </a:r>
-            <a:r>
-              <a:rPr lang="pt-PT" dirty="0"/>
-              <a:t> 1, </a:t>
-            </a:r>
-            <a:r>
-              <a:rPr lang="pt-PT" dirty="0" err="1"/>
-              <a:t>so</a:t>
-            </a:r>
-            <a:r>
-              <a:rPr lang="pt-PT" dirty="0"/>
-              <a:t> </a:t>
-            </a:r>
-            <a:r>
-              <a:rPr lang="pt-PT" dirty="0" err="1"/>
-              <a:t>the</a:t>
-            </a:r>
-            <a:r>
-              <a:rPr lang="pt-PT" dirty="0"/>
-              <a:t> final </a:t>
-            </a:r>
-            <a:r>
-              <a:rPr lang="pt-PT" dirty="0" err="1"/>
-              <a:t>cost</a:t>
-            </a:r>
-            <a:r>
-              <a:rPr lang="pt-PT" dirty="0"/>
-              <a:t> </a:t>
-            </a:r>
-            <a:r>
-              <a:rPr lang="pt-PT" dirty="0" err="1"/>
-              <a:t>will</a:t>
-            </a:r>
-            <a:r>
-              <a:rPr lang="pt-PT" dirty="0"/>
-              <a:t> </a:t>
-            </a:r>
-            <a:r>
-              <a:rPr lang="pt-PT" dirty="0" err="1"/>
-              <a:t>be</a:t>
-            </a:r>
-            <a:r>
-              <a:rPr lang="pt-PT" dirty="0"/>
-              <a:t> </a:t>
-            </a:r>
-            <a:r>
-              <a:rPr lang="pt-PT" dirty="0" err="1"/>
-              <a:t>the</a:t>
-            </a:r>
-            <a:r>
-              <a:rPr lang="pt-PT" dirty="0"/>
-              <a:t> total </a:t>
-            </a:r>
-            <a:r>
-              <a:rPr lang="pt-PT" dirty="0" err="1"/>
-              <a:t>length</a:t>
-            </a:r>
-            <a:r>
-              <a:rPr lang="pt-PT" dirty="0"/>
-              <a:t> </a:t>
-            </a:r>
-            <a:r>
-              <a:rPr lang="pt-PT" dirty="0" err="1"/>
-              <a:t>of</a:t>
-            </a:r>
-            <a:r>
-              <a:rPr lang="pt-PT" dirty="0"/>
-              <a:t> </a:t>
-            </a:r>
-            <a:r>
-              <a:rPr lang="pt-PT" dirty="0" err="1"/>
-              <a:t>the</a:t>
-            </a:r>
-            <a:r>
-              <a:rPr lang="pt-PT" dirty="0"/>
-              <a:t> </a:t>
-            </a:r>
-            <a:r>
-              <a:rPr lang="pt-PT" dirty="0" err="1"/>
-              <a:t>snake</a:t>
-            </a:r>
-            <a:r>
-              <a:rPr lang="pt-PT" dirty="0"/>
-              <a:t>. (</a:t>
-            </a:r>
-            <a:r>
-              <a:rPr lang="pt-PT" b="1" dirty="0"/>
-              <a:t>to </a:t>
-            </a:r>
-            <a:r>
-              <a:rPr lang="pt-PT" b="1" dirty="0" err="1"/>
-              <a:t>be</a:t>
-            </a:r>
-            <a:r>
-              <a:rPr lang="pt-PT" b="1" dirty="0"/>
-              <a:t> </a:t>
-            </a:r>
-            <a:r>
-              <a:rPr lang="pt-PT" b="1" dirty="0" err="1"/>
-              <a:t>checked</a:t>
-            </a:r>
-            <a:r>
-              <a:rPr lang="pt-PT" dirty="0"/>
-              <a:t>)</a:t>
-            </a:r>
-            <a:endParaRPr dirty="0"/>
-          </a:p>
-          <a:p>
-            <a:pPr>
-              <a:defRPr/>
-            </a:pPr>
-            <a:r>
-              <a:rPr lang="pt-PT" dirty="0" err="1"/>
-              <a:t>Heuristic</a:t>
-            </a:r>
-            <a:r>
-              <a:rPr lang="pt-PT" dirty="0"/>
-              <a:t> – As </a:t>
-            </a:r>
-            <a:r>
-              <a:rPr lang="pt-PT" dirty="0" err="1"/>
-              <a:t>the</a:t>
-            </a:r>
-            <a:r>
-              <a:rPr lang="pt-PT" dirty="0"/>
-              <a:t> </a:t>
-            </a:r>
-            <a:r>
-              <a:rPr lang="pt-PT" dirty="0" err="1"/>
-              <a:t>main</a:t>
-            </a:r>
-            <a:r>
-              <a:rPr lang="pt-PT" dirty="0"/>
-              <a:t> </a:t>
-            </a:r>
-            <a:r>
-              <a:rPr lang="pt-PT" dirty="0" err="1"/>
-              <a:t>goal</a:t>
-            </a:r>
-            <a:r>
-              <a:rPr lang="pt-PT" dirty="0"/>
-              <a:t> </a:t>
-            </a:r>
-            <a:r>
-              <a:rPr lang="pt-PT" dirty="0" err="1"/>
-              <a:t>of</a:t>
-            </a:r>
-            <a:r>
-              <a:rPr lang="pt-PT" dirty="0"/>
-              <a:t> </a:t>
-            </a:r>
-            <a:r>
-              <a:rPr lang="pt-PT" dirty="0" err="1"/>
-              <a:t>the</a:t>
-            </a:r>
-            <a:r>
-              <a:rPr lang="pt-PT" dirty="0"/>
-              <a:t> puzzle </a:t>
-            </a:r>
-            <a:r>
-              <a:rPr lang="pt-PT" dirty="0" err="1"/>
-              <a:t>is</a:t>
-            </a:r>
-            <a:r>
-              <a:rPr lang="pt-PT" dirty="0"/>
-              <a:t> to </a:t>
-            </a:r>
-            <a:r>
-              <a:rPr lang="pt-PT" dirty="0" err="1"/>
-              <a:t>find</a:t>
-            </a:r>
-            <a:r>
-              <a:rPr lang="pt-PT" dirty="0"/>
-              <a:t> a </a:t>
-            </a:r>
-            <a:r>
-              <a:rPr lang="pt-PT" dirty="0" err="1"/>
-              <a:t>way</a:t>
-            </a:r>
-            <a:r>
-              <a:rPr lang="pt-PT" dirty="0"/>
-              <a:t> to </a:t>
-            </a:r>
-            <a:r>
-              <a:rPr lang="pt-PT" dirty="0" err="1"/>
-              <a:t>connect</a:t>
-            </a:r>
-            <a:r>
-              <a:rPr lang="pt-PT" dirty="0"/>
-              <a:t> </a:t>
-            </a:r>
-            <a:r>
-              <a:rPr lang="pt-PT" dirty="0" err="1"/>
-              <a:t>the</a:t>
-            </a:r>
-            <a:r>
-              <a:rPr lang="pt-PT" dirty="0"/>
-              <a:t> 2 </a:t>
-            </a:r>
-            <a:r>
-              <a:rPr lang="pt-PT" dirty="0" err="1"/>
-              <a:t>edges</a:t>
-            </a:r>
-            <a:r>
-              <a:rPr lang="pt-PT" dirty="0"/>
-              <a:t> </a:t>
-            </a:r>
-            <a:r>
-              <a:rPr lang="pt-PT" dirty="0" err="1"/>
-              <a:t>pf</a:t>
-            </a:r>
-            <a:r>
-              <a:rPr lang="pt-PT" dirty="0"/>
-              <a:t> </a:t>
-            </a:r>
-            <a:r>
-              <a:rPr lang="pt-PT" dirty="0" err="1"/>
-              <a:t>the</a:t>
-            </a:r>
-            <a:r>
-              <a:rPr lang="pt-PT" dirty="0"/>
-              <a:t> </a:t>
-            </a:r>
-            <a:r>
-              <a:rPr lang="pt-PT" dirty="0" err="1"/>
-              <a:t>board</a:t>
-            </a:r>
-            <a:r>
-              <a:rPr lang="pt-PT" dirty="0"/>
-              <a:t>, </a:t>
-            </a:r>
-            <a:r>
-              <a:rPr lang="pt-PT" dirty="0" err="1"/>
-              <a:t>an</a:t>
-            </a:r>
-            <a:r>
-              <a:rPr lang="pt-PT" dirty="0"/>
-              <a:t> </a:t>
-            </a:r>
-            <a:r>
-              <a:rPr lang="pt-PT" dirty="0" err="1"/>
-              <a:t>heuristic</a:t>
-            </a:r>
-            <a:r>
-              <a:rPr lang="pt-PT" dirty="0"/>
-              <a:t> </a:t>
-            </a:r>
-            <a:r>
-              <a:rPr lang="pt-PT" dirty="0" err="1"/>
-              <a:t>function</a:t>
-            </a:r>
-            <a:r>
-              <a:rPr lang="pt-PT" dirty="0"/>
-              <a:t> can </a:t>
-            </a:r>
-            <a:r>
-              <a:rPr lang="pt-PT" dirty="0" err="1"/>
-              <a:t>be</a:t>
-            </a:r>
-            <a:r>
-              <a:rPr lang="pt-PT" dirty="0"/>
-              <a:t> </a:t>
-            </a:r>
-            <a:r>
-              <a:rPr lang="pt-PT" dirty="0" err="1"/>
-              <a:t>defined</a:t>
-            </a:r>
-            <a:r>
-              <a:rPr lang="pt-PT" dirty="0"/>
-              <a:t> as </a:t>
-            </a:r>
-            <a:r>
-              <a:rPr lang="pt-PT" dirty="0" err="1"/>
-              <a:t>the</a:t>
-            </a:r>
-            <a:r>
-              <a:rPr lang="pt-PT" dirty="0"/>
-              <a:t> </a:t>
-            </a:r>
-            <a:r>
-              <a:rPr lang="pt-PT" dirty="0" err="1"/>
-              <a:t>remaining</a:t>
-            </a:r>
-            <a:r>
-              <a:rPr lang="pt-PT" dirty="0"/>
-              <a:t> Manhattan </a:t>
-            </a:r>
-            <a:r>
-              <a:rPr lang="pt-PT" dirty="0" err="1"/>
-              <a:t>distance</a:t>
-            </a:r>
-            <a:r>
-              <a:rPr lang="pt-PT" dirty="0"/>
-              <a:t> </a:t>
-            </a:r>
-            <a:r>
-              <a:rPr lang="pt-PT" dirty="0" err="1"/>
-              <a:t>from</a:t>
-            </a:r>
-            <a:r>
-              <a:rPr lang="pt-PT" dirty="0"/>
-              <a:t> </a:t>
-            </a:r>
-            <a:r>
-              <a:rPr lang="pt-PT" dirty="0" err="1"/>
-              <a:t>the</a:t>
-            </a:r>
-            <a:r>
-              <a:rPr lang="pt-PT" dirty="0"/>
-              <a:t> </a:t>
-            </a:r>
-            <a:r>
-              <a:rPr lang="pt-PT" dirty="0" err="1"/>
-              <a:t>current</a:t>
-            </a:r>
-            <a:r>
-              <a:rPr lang="pt-PT" dirty="0"/>
-              <a:t> </a:t>
-            </a:r>
-            <a:r>
-              <a:rPr lang="pt-PT" dirty="0" err="1"/>
-              <a:t>snake</a:t>
-            </a:r>
-            <a:r>
-              <a:rPr lang="pt-PT" dirty="0"/>
-              <a:t> </a:t>
-            </a:r>
-            <a:r>
-              <a:rPr lang="pt-PT" dirty="0" err="1"/>
-              <a:t>block</a:t>
-            </a:r>
-            <a:r>
-              <a:rPr lang="pt-PT" dirty="0"/>
-              <a:t> to </a:t>
-            </a:r>
-            <a:r>
-              <a:rPr lang="pt-PT" dirty="0" err="1"/>
-              <a:t>the</a:t>
-            </a:r>
-            <a:r>
-              <a:rPr lang="pt-PT" dirty="0"/>
-              <a:t> </a:t>
-            </a:r>
-            <a:r>
-              <a:rPr lang="pt-PT" dirty="0" err="1"/>
-              <a:t>finish</a:t>
-            </a:r>
-            <a:r>
-              <a:rPr lang="pt-PT" dirty="0"/>
-              <a:t> tile.</a:t>
-            </a:r>
-            <a:endParaRPr dirty="0"/>
+              <a:rPr lang="pt-PT" sz="1400" dirty="0"/>
+              <a:t>Heuristic – As the main goal of the puzzle is to find a way to connect the 2 edges pf the board, an heuristic function can be defined as the remaining Manhattan distance from the current snake block to the finish tile, the largest difference between the chess piece with most attacks and the one with least attacks or a combination of both</a:t>
+            </a:r>
+            <a:endParaRPr sz="1400" dirty="0"/>
           </a:p>
         </p:txBody>
       </p:sp>
@@ -8732,11 +7909,17 @@
           <p:cNvGraphicFramePr>
             <a:graphicFrameLocks noGrp="1"/>
           </p:cNvGraphicFramePr>
-          <p:nvPr/>
+          <p:nvPr>
+            <p:extLst>
+              <p:ext uri="{D42A27DB-BD31-4B8C-83A1-F6EECF244321}">
+                <p14:modId xmlns:p14="http://schemas.microsoft.com/office/powerpoint/2010/main" val="1699867129"/>
+              </p:ext>
+            </p:extLst>
+          </p:nvPr>
         </p:nvGraphicFramePr>
         <p:xfrm>
           <a:off x="3119823" y="854138"/>
-          <a:ext cx="8751065" cy="5791200"/>
+          <a:ext cx="8751065" cy="5410200"/>
         </p:xfrm>
         <a:graphic>
           <a:graphicData uri="http://schemas.openxmlformats.org/drawingml/2006/table">
@@ -8859,10 +8042,10 @@
                         <a:defRPr/>
                       </a:pPr>
                       <a:r>
-                        <a:rPr lang="en-GB" sz="1400"/>
+                        <a:rPr lang="en-GB" sz="1100"/>
                         <a:t>Move up</a:t>
                       </a:r>
-                      <a:endParaRPr lang="pt-PT" sz="1400"/>
+                      <a:endParaRPr lang="pt-PT" sz="1100"/>
                     </a:p>
                   </a:txBody>
                   <a:tcPr/>
@@ -8876,20 +8059,20 @@
                         <a:defRPr/>
                       </a:pPr>
                       <a:r>
-                        <a:rPr lang="en-GB" sz="1400" dirty="0"/>
+                        <a:rPr lang="en-GB" sz="1100" dirty="0"/>
                         <a:t>- The above tile of the last piece of the snake is empty ( no chess piece nor snake piece);</a:t>
                       </a:r>
-                      <a:endParaRPr dirty="0"/>
+                      <a:endParaRPr sz="1400" dirty="0"/>
                     </a:p>
                     <a:p>
                       <a:pPr>
                         <a:defRPr/>
                       </a:pPr>
                       <a:r>
-                        <a:rPr lang="en-GB" sz="1400" dirty="0"/>
+                        <a:rPr lang="en-GB" sz="1100" dirty="0"/>
                         <a:t>- The last tile of the snake is not on the top row.</a:t>
                       </a:r>
-                      <a:endParaRPr lang="pt-PT" sz="1400" dirty="0"/>
+                      <a:endParaRPr lang="pt-PT" sz="1100" dirty="0"/>
                     </a:p>
                   </a:txBody>
                   <a:tcPr/>
@@ -8905,10 +8088,10 @@
                         <a:defRPr/>
                       </a:pPr>
                       <a:r>
-                        <a:rPr lang="en-GB" sz="1400"/>
+                        <a:rPr lang="en-GB" sz="1100" dirty="0"/>
                         <a:t>The above tile of the last piece of the snake is now part of the path too;</a:t>
                       </a:r>
-                      <a:endParaRPr/>
+                      <a:endParaRPr sz="1400" dirty="0"/>
                     </a:p>
                     <a:p>
                       <a:pPr marL="285750" indent="-285750">
@@ -8917,10 +8100,43 @@
                         <a:defRPr/>
                       </a:pPr>
                       <a:r>
-                        <a:rPr lang="en-GB" sz="1400"/>
+                        <a:rPr lang="en-GB" sz="1100" dirty="0"/>
                         <a:t>Update matrix’s values. (x, y-1) changes to 1.</a:t>
                       </a:r>
-                      <a:endParaRPr lang="pt-PT" sz="1400"/>
+                    </a:p>
+                    <a:p>
+                      <a:pPr marL="285750" indent="-285750">
+                        <a:buFontTx/>
+                        <a:buChar char="-"/>
+                        <a:defRPr/>
+                      </a:pPr>
+                      <a:r>
+                        <a:rPr lang="en-GB" sz="1100" dirty="0"/>
+                        <a:t>Updates the snake path</a:t>
+                      </a:r>
+                    </a:p>
+                    <a:p>
+                      <a:pPr marL="285750" indent="-285750">
+                        <a:buFontTx/>
+                        <a:buChar char="-"/>
+                        <a:defRPr/>
+                      </a:pPr>
+                      <a:r>
+                        <a:rPr lang="en-GB" sz="1100" dirty="0"/>
+                        <a:t>Cost +=1</a:t>
+                      </a:r>
+                    </a:p>
+                    <a:p>
+                      <a:pPr marL="285750" indent="-285750">
+                        <a:buFontTx/>
+                        <a:buChar char="-"/>
+                        <a:defRPr/>
+                      </a:pPr>
+                      <a:r>
+                        <a:rPr lang="en-GB" sz="1100" dirty="0"/>
+                        <a:t>Current position is now (x,y-1)</a:t>
+                      </a:r>
+                      <a:endParaRPr lang="pt-PT" sz="1100" dirty="0"/>
                     </a:p>
                   </a:txBody>
                   <a:tcPr/>
@@ -8934,10 +8150,10 @@
                         <a:defRPr/>
                       </a:pPr>
                       <a:r>
-                        <a:rPr lang="en-GB" sz="1400"/>
+                        <a:rPr lang="en-GB" sz="1100" dirty="0"/>
                         <a:t>1</a:t>
                       </a:r>
-                      <a:endParaRPr lang="pt-PT" sz="1400"/>
+                      <a:endParaRPr lang="pt-PT" sz="1100" dirty="0"/>
                     </a:p>
                   </a:txBody>
                   <a:tcPr/>
@@ -8971,16 +8187,16 @@
                         <a:defRPr/>
                       </a:pPr>
                       <a:r>
-                        <a:rPr lang="en-GB" sz="1400"/>
+                        <a:rPr lang="en-GB" sz="1100"/>
                         <a:t>Move Down</a:t>
                       </a:r>
-                      <a:endParaRPr lang="pt-PT" sz="1400"/>
+                      <a:endParaRPr lang="pt-PT" sz="1100"/>
                     </a:p>
                     <a:p>
                       <a:pPr algn="ctr">
                         <a:defRPr/>
                       </a:pPr>
-                      <a:endParaRPr lang="pt-PT" sz="1400"/>
+                      <a:endParaRPr lang="pt-PT" sz="1100"/>
                     </a:p>
                   </a:txBody>
                   <a:tcPr/>
@@ -8994,20 +8210,20 @@
                         <a:defRPr/>
                       </a:pPr>
                       <a:r>
-                        <a:rPr lang="en-GB" sz="1400"/>
+                        <a:rPr lang="en-GB" sz="1100"/>
                         <a:t>- The tile on the bottom of the last piece of the snake is empty (no chess piece nor snake piece);</a:t>
                       </a:r>
-                      <a:endParaRPr/>
+                      <a:endParaRPr sz="1400"/>
                     </a:p>
                     <a:p>
                       <a:pPr>
                         <a:defRPr/>
                       </a:pPr>
                       <a:r>
-                        <a:rPr lang="en-GB" sz="1400"/>
+                        <a:rPr lang="en-GB" sz="1100"/>
                         <a:t>- The last tile of the snake is not on the last row.</a:t>
                       </a:r>
-                      <a:endParaRPr lang="pt-PT" sz="1400"/>
+                      <a:endParaRPr lang="pt-PT" sz="1100"/>
                     </a:p>
                   </a:txBody>
                   <a:tcPr/>
@@ -9034,10 +8250,10 @@
                         <a:defRPr/>
                       </a:pPr>
                       <a:r>
-                        <a:rPr lang="en-GB" sz="1400"/>
+                        <a:rPr lang="en-GB" sz="1100" dirty="0"/>
                         <a:t>The tile on the bottom of the last piece of the snake is now part of the path too;</a:t>
                       </a:r>
-                      <a:endParaRPr/>
+                      <a:endParaRPr sz="1400" dirty="0"/>
                     </a:p>
                     <a:p>
                       <a:pPr marL="285750" marR="0" lvl="0" indent="-285750" algn="l" defTabSz="914400">
@@ -9057,35 +8273,43 @@
                         <a:defRPr/>
                       </a:pPr>
                       <a:r>
-                        <a:rPr lang="en-GB" sz="1400"/>
+                        <a:rPr lang="en-GB" sz="1100" dirty="0"/>
                         <a:t>Update matrix’s values. (x, y+1) changes to 1.</a:t>
                       </a:r>
-                      <a:endParaRPr lang="pt-PT" sz="1400"/>
                     </a:p>
                     <a:p>
-                      <a:pPr marL="285750" marR="0" lvl="0" indent="-285750" algn="l" defTabSz="914400">
-                        <a:lnSpc>
-                          <a:spcPct val="100000"/>
-                        </a:lnSpc>
-                        <a:spcBef>
-                          <a:spcPts val="0"/>
-                        </a:spcBef>
-                        <a:spcAft>
-                          <a:spcPts val="0"/>
-                        </a:spcAft>
-                        <a:buClrTx/>
-                        <a:buSzTx/>
+                      <a:pPr marL="285750" indent="-285750">
                         <a:buFontTx/>
                         <a:buChar char="-"/>
                         <a:defRPr/>
                       </a:pPr>
-                      <a:endParaRPr lang="pt-PT" sz="1400"/>
+                      <a:r>
+                        <a:rPr lang="en-GB" sz="1100" dirty="0"/>
+                        <a:t>Updates the snake path</a:t>
+                      </a:r>
                     </a:p>
                     <a:p>
-                      <a:pPr>
+                      <a:pPr marL="285750" indent="-285750">
+                        <a:buFontTx/>
+                        <a:buChar char="-"/>
                         <a:defRPr/>
                       </a:pPr>
-                      <a:endParaRPr lang="pt-PT" sz="1400"/>
+                      <a:r>
+                        <a:rPr lang="en-GB" sz="1100" dirty="0"/>
+                        <a:t>Cost +=1</a:t>
+                      </a:r>
+                    </a:p>
+                    <a:p>
+                      <a:pPr marL="285750" indent="-285750">
+                        <a:buFontTx/>
+                        <a:buChar char="-"/>
+                        <a:defRPr/>
+                      </a:pPr>
+                      <a:r>
+                        <a:rPr lang="en-GB" sz="1100" dirty="0"/>
+                        <a:t>Current position is now (x,y-1)</a:t>
+                      </a:r>
+                      <a:endParaRPr lang="pt-PT" sz="1100" dirty="0"/>
                     </a:p>
                   </a:txBody>
                   <a:tcPr/>
@@ -9099,10 +8323,10 @@
                         <a:defRPr/>
                       </a:pPr>
                       <a:r>
-                        <a:rPr lang="en-GB" sz="1400"/>
+                        <a:rPr lang="en-GB" sz="1100"/>
                         <a:t>1</a:t>
                       </a:r>
-                      <a:endParaRPr lang="pt-PT" sz="1400"/>
+                      <a:endParaRPr lang="pt-PT" sz="1100"/>
                     </a:p>
                   </a:txBody>
                   <a:tcPr/>
@@ -9136,16 +8360,16 @@
                         <a:defRPr/>
                       </a:pPr>
                       <a:r>
-                        <a:rPr lang="en-GB" sz="1400"/>
+                        <a:rPr lang="en-GB" sz="1100"/>
                         <a:t>Move Left</a:t>
                       </a:r>
-                      <a:endParaRPr lang="pt-PT" sz="1400"/>
+                      <a:endParaRPr lang="pt-PT" sz="1100"/>
                     </a:p>
                     <a:p>
                       <a:pPr algn="ctr">
                         <a:defRPr/>
                       </a:pPr>
-                      <a:endParaRPr lang="pt-PT" sz="1400"/>
+                      <a:endParaRPr lang="pt-PT" sz="1100"/>
                     </a:p>
                   </a:txBody>
                   <a:tcPr/>
@@ -9159,20 +8383,20 @@
                         <a:defRPr/>
                       </a:pPr>
                       <a:r>
-                        <a:rPr lang="en-GB" sz="1400"/>
+                        <a:rPr lang="en-GB" sz="1100"/>
                         <a:t>- The tile on the left of the last piece of the snake is empty ( no chess piece nor snake piece);</a:t>
                       </a:r>
-                      <a:endParaRPr/>
+                      <a:endParaRPr sz="1400"/>
                     </a:p>
                     <a:p>
                       <a:pPr>
                         <a:defRPr/>
                       </a:pPr>
                       <a:r>
-                        <a:rPr lang="en-GB" sz="1400"/>
+                        <a:rPr lang="en-GB" sz="1100"/>
                         <a:t>- The last tile of the snake is not on the first column.</a:t>
                       </a:r>
-                      <a:endParaRPr lang="pt-PT" sz="1400"/>
+                      <a:endParaRPr lang="pt-PT" sz="1100"/>
                     </a:p>
                   </a:txBody>
                   <a:tcPr/>
@@ -9199,52 +8423,55 @@
                         <a:defRPr/>
                       </a:pPr>
                       <a:r>
-                        <a:rPr lang="en-GB" sz="1400"/>
+                        <a:rPr lang="en-GB" sz="1100" dirty="0"/>
                         <a:t>The tile on the left of the snake is now part of the path too;</a:t>
                       </a:r>
-                      <a:endParaRPr/>
+                      <a:endParaRPr sz="1400" dirty="0"/>
                     </a:p>
                     <a:p>
-                      <a:pPr marL="285750" marR="0" lvl="0" indent="-285750" algn="l" defTabSz="914400">
-                        <a:lnSpc>
-                          <a:spcPct val="100000"/>
-                        </a:lnSpc>
-                        <a:spcBef>
-                          <a:spcPts val="0"/>
-                        </a:spcBef>
-                        <a:spcAft>
-                          <a:spcPts val="0"/>
-                        </a:spcAft>
-                        <a:buClrTx/>
-                        <a:buSzTx/>
+                      <a:pPr marL="285750" indent="-285750">
                         <a:buFontTx/>
                         <a:buChar char="-"/>
                         <a:defRPr/>
                       </a:pPr>
                       <a:r>
-                        <a:rPr lang="en-GB" sz="1400"/>
-                        <a:t>Update matrix’s values. (x-1, y) changes to 1.</a:t>
+                        <a:rPr lang="en-GB" sz="1100" dirty="0"/>
+                        <a:t>Update matrix’s values. (x-1, y) changes to 1. </a:t>
                       </a:r>
-                      <a:endParaRPr lang="pt-PT" sz="1400"/>
                     </a:p>
                     <a:p>
-                      <a:pPr marL="285750" marR="0" lvl="0" indent="-285750" algn="l" defTabSz="914400">
-                        <a:lnSpc>
-                          <a:spcPct val="100000"/>
-                        </a:lnSpc>
-                        <a:spcBef>
-                          <a:spcPts val="0"/>
-                        </a:spcBef>
-                        <a:spcAft>
-                          <a:spcPts val="0"/>
-                        </a:spcAft>
-                        <a:buClrTx/>
-                        <a:buSzTx/>
+                      <a:pPr marL="285750" indent="-285750">
                         <a:buFontTx/>
                         <a:buChar char="-"/>
                         <a:defRPr/>
                       </a:pPr>
-                      <a:endParaRPr lang="pt-PT" sz="1400"/>
+                      <a:r>
+                        <a:rPr lang="en-GB" sz="1100" dirty="0"/>
+                        <a:t>Updates the snake path</a:t>
+                      </a:r>
+                    </a:p>
+                    <a:p>
+                      <a:pPr marL="285750" indent="-285750">
+                        <a:buFontTx/>
+                        <a:buChar char="-"/>
+                        <a:defRPr/>
+                      </a:pPr>
+                      <a:r>
+                        <a:rPr lang="en-GB" sz="1100" dirty="0"/>
+                        <a:t>Cost +=1</a:t>
+                      </a:r>
+                    </a:p>
+                    <a:p>
+                      <a:pPr marL="285750" indent="-285750">
+                        <a:buFontTx/>
+                        <a:buChar char="-"/>
+                        <a:defRPr/>
+                      </a:pPr>
+                      <a:r>
+                        <a:rPr lang="en-GB" sz="1100" dirty="0"/>
+                        <a:t>Current position is now (x,y-1)</a:t>
+                      </a:r>
+                      <a:endParaRPr lang="pt-PT" sz="1100" dirty="0"/>
                     </a:p>
                   </a:txBody>
                   <a:tcPr/>
@@ -9271,10 +8498,10 @@
                         <a:defRPr/>
                       </a:pPr>
                       <a:r>
-                        <a:rPr lang="en-GB" sz="1400"/>
+                        <a:rPr lang="en-GB" sz="1100"/>
                         <a:t>1</a:t>
                       </a:r>
-                      <a:endParaRPr lang="pt-PT" sz="1400"/>
+                      <a:endParaRPr lang="pt-PT" sz="1100"/>
                     </a:p>
                   </a:txBody>
                   <a:tcPr/>
@@ -9308,16 +8535,16 @@
                         <a:defRPr/>
                       </a:pPr>
                       <a:r>
-                        <a:rPr lang="en-GB" sz="1400"/>
+                        <a:rPr lang="en-GB" sz="1100"/>
                         <a:t>Move Right</a:t>
                       </a:r>
-                      <a:endParaRPr lang="pt-PT" sz="1400"/>
+                      <a:endParaRPr lang="pt-PT" sz="1100"/>
                     </a:p>
                     <a:p>
                       <a:pPr algn="ctr">
                         <a:defRPr/>
                       </a:pPr>
-                      <a:endParaRPr lang="pt-PT" sz="1400"/>
+                      <a:endParaRPr lang="pt-PT" sz="1100"/>
                     </a:p>
                   </a:txBody>
                   <a:tcPr/>
@@ -9331,20 +8558,20 @@
                         <a:defRPr/>
                       </a:pPr>
                       <a:r>
-                        <a:rPr lang="en-GB" sz="1400"/>
+                        <a:rPr lang="en-GB" sz="1100"/>
                         <a:t>- The tile on the right of the last piece of the snake is empty ( no chess piece nor snake piece);</a:t>
                       </a:r>
-                      <a:endParaRPr/>
+                      <a:endParaRPr sz="1400"/>
                     </a:p>
                     <a:p>
                       <a:pPr>
                         <a:defRPr/>
                       </a:pPr>
                       <a:r>
-                        <a:rPr lang="en-GB" sz="1400"/>
+                        <a:rPr lang="en-GB" sz="1100"/>
                         <a:t>- The last tile of the snake is not on the last column.</a:t>
                       </a:r>
-                      <a:endParaRPr lang="pt-PT" sz="1400"/>
+                      <a:endParaRPr lang="pt-PT" sz="1100"/>
                     </a:p>
                   </a:txBody>
                   <a:tcPr/>
@@ -9371,10 +8598,10 @@
                         <a:defRPr/>
                       </a:pPr>
                       <a:r>
-                        <a:rPr lang="en-GB" sz="1400"/>
-                        <a:t>The tile on the right of the snake is now part of the path too;</a:t>
+                        <a:rPr lang="en-GB" sz="1100" dirty="0"/>
+                        <a:t>- The tile on the right of the snake is now part of the path too;</a:t>
                       </a:r>
-                      <a:endParaRPr/>
+                      <a:endParaRPr sz="1400" dirty="0"/>
                     </a:p>
                     <a:p>
                       <a:pPr marL="0" marR="0" lvl="0" indent="0" algn="l" defTabSz="914400">
@@ -9394,35 +8621,43 @@
                         <a:defRPr/>
                       </a:pPr>
                       <a:r>
-                        <a:rPr lang="en-GB" sz="1400"/>
-                        <a:t>Update matrix’s values. (x+1, y) changes to 1.</a:t>
+                        <a:rPr lang="en-GB" sz="1100" dirty="0"/>
+                        <a:t>- Update matrix’s values. (x+1, y) changes to 1.</a:t>
                       </a:r>
-                      <a:endParaRPr lang="pt-PT" sz="1400"/>
                     </a:p>
                     <a:p>
-                      <a:pPr marL="0" marR="0" lvl="0" indent="0" algn="l" defTabSz="914400">
-                        <a:lnSpc>
-                          <a:spcPct val="100000"/>
-                        </a:lnSpc>
-                        <a:spcBef>
-                          <a:spcPts val="0"/>
-                        </a:spcBef>
-                        <a:spcAft>
-                          <a:spcPts val="0"/>
-                        </a:spcAft>
-                        <a:buClrTx/>
-                        <a:buSzTx/>
+                      <a:pPr marL="285750" indent="-285750">
                         <a:buFontTx/>
-                        <a:buNone/>
+                        <a:buChar char="-"/>
                         <a:defRPr/>
                       </a:pPr>
-                      <a:endParaRPr lang="pt-PT" sz="1400"/>
+                      <a:r>
+                        <a:rPr lang="en-GB" sz="1100" dirty="0"/>
+                        <a:t>Updates the snake path</a:t>
+                      </a:r>
                     </a:p>
                     <a:p>
-                      <a:pPr>
+                      <a:pPr marL="285750" indent="-285750">
+                        <a:buFontTx/>
+                        <a:buChar char="-"/>
                         <a:defRPr/>
                       </a:pPr>
-                      <a:endParaRPr lang="pt-PT" sz="1400"/>
+                      <a:r>
+                        <a:rPr lang="en-GB" sz="1100" dirty="0"/>
+                        <a:t>Cost +=1</a:t>
+                      </a:r>
+                    </a:p>
+                    <a:p>
+                      <a:pPr marL="285750" indent="-285750">
+                        <a:buFontTx/>
+                        <a:buChar char="-"/>
+                        <a:defRPr/>
+                      </a:pPr>
+                      <a:r>
+                        <a:rPr lang="en-GB" sz="1100" dirty="0"/>
+                        <a:t>Current position is now (x,y-1)</a:t>
+                      </a:r>
+                      <a:endParaRPr lang="pt-PT" sz="1100" dirty="0"/>
                     </a:p>
                   </a:txBody>
                   <a:tcPr/>
@@ -9436,10 +8671,10 @@
                         <a:defRPr/>
                       </a:pPr>
                       <a:r>
-                        <a:rPr lang="en-GB" sz="1400" dirty="0"/>
+                        <a:rPr lang="en-GB" sz="1100" dirty="0"/>
                         <a:t>1</a:t>
                       </a:r>
-                      <a:endParaRPr lang="pt-PT" sz="1400" dirty="0"/>
+                      <a:endParaRPr lang="pt-PT" sz="1100" dirty="0"/>
                     </a:p>
                   </a:txBody>
                   <a:tcPr/>
@@ -9550,7 +8785,7 @@
         <p:spPr bwMode="auto"/>
         <p:txBody>
           <a:bodyPr>
-            <a:normAutofit fontScale="92500" lnSpcReduction="10000"/>
+            <a:normAutofit fontScale="70000" lnSpcReduction="20000"/>
           </a:bodyPr>
           <a:lstStyle/>
           <a:p>
@@ -9558,46 +8793,146 @@
               <a:defRPr/>
             </a:pPr>
             <a:r>
-              <a:rPr lang="pt-PT"/>
+              <a:rPr lang="pt-PT" dirty="0"/>
               <a:t>Prefered Languages: Python.</a:t>
             </a:r>
-            <a:endParaRPr/>
+            <a:endParaRPr dirty="0"/>
           </a:p>
           <a:p>
             <a:pPr>
               <a:defRPr/>
             </a:pPr>
             <a:r>
-              <a:rPr lang="pt-PT"/>
-              <a:t>Data structures: board ( class that will represent the game state) and piece (a class which defines the possible attacks of the chess piece and stores its position).</a:t>
-            </a:r>
-            <a:endParaRPr/>
+              <a:rPr lang="pt-PT" dirty="0"/>
+              <a:t>Data structures: </a:t>
+            </a:r>
+            <a:r>
+              <a:rPr lang="pt-PT" b="1" dirty="0"/>
+              <a:t>astar</a:t>
+            </a:r>
+            <a:r>
+              <a:rPr lang="pt-PT" dirty="0"/>
+              <a:t> (</a:t>
+            </a:r>
+            <a:r>
+              <a:rPr lang="en-US" dirty="0"/>
+              <a:t>A class used to implement a-star algorithm</a:t>
+            </a:r>
+            <a:r>
+              <a:rPr lang="pt-PT" dirty="0"/>
+              <a:t>), </a:t>
+            </a:r>
+            <a:r>
+              <a:rPr lang="pt-PT" b="1" dirty="0"/>
+              <a:t>board</a:t>
+            </a:r>
+            <a:r>
+              <a:rPr lang="pt-PT" dirty="0"/>
+              <a:t> (</a:t>
+            </a:r>
+            <a:r>
+              <a:rPr lang="en-US" dirty="0"/>
+              <a:t>A class used to implement the game logic and its status), </a:t>
+            </a:r>
+            <a:r>
+              <a:rPr lang="en-US" b="1" dirty="0" err="1"/>
+              <a:t>dfs</a:t>
+            </a:r>
+            <a:r>
+              <a:rPr lang="en-US" dirty="0"/>
+              <a:t> (A class used to implement the </a:t>
+            </a:r>
+            <a:r>
+              <a:rPr lang="en-US" dirty="0" err="1"/>
+              <a:t>dfs</a:t>
+            </a:r>
+            <a:r>
+              <a:rPr lang="en-US" dirty="0"/>
+              <a:t> algorithm), </a:t>
+            </a:r>
+            <a:r>
+              <a:rPr lang="en-US" b="1" dirty="0"/>
+              <a:t>display</a:t>
+            </a:r>
+            <a:r>
+              <a:rPr lang="en-US" dirty="0"/>
+              <a:t> (A class used to implement graphic interface using </a:t>
+            </a:r>
+            <a:r>
+              <a:rPr lang="en-US" dirty="0" err="1"/>
+              <a:t>pygame</a:t>
+            </a:r>
+            <a:r>
+              <a:rPr lang="en-US" dirty="0"/>
+              <a:t>), </a:t>
+            </a:r>
+            <a:r>
+              <a:rPr lang="en-US" b="1" dirty="0"/>
+              <a:t>greedy</a:t>
+            </a:r>
+            <a:r>
+              <a:rPr lang="en-US" dirty="0"/>
+              <a:t> (A class used to implement Greedy algorithm), </a:t>
+            </a:r>
+            <a:r>
+              <a:rPr lang="en-US" b="1" dirty="0"/>
+              <a:t>menu</a:t>
+            </a:r>
+            <a:r>
+              <a:rPr lang="en-US" dirty="0"/>
+              <a:t> (A class used to implement the menu in the terminal), </a:t>
+            </a:r>
+            <a:r>
+              <a:rPr lang="en-US" b="1" dirty="0"/>
+              <a:t>pieces</a:t>
+            </a:r>
+            <a:r>
+              <a:rPr lang="en-US" dirty="0"/>
+              <a:t> (A class used to represent the chess piece), </a:t>
+            </a:r>
+            <a:r>
+              <a:rPr lang="en-US" b="1" dirty="0"/>
+              <a:t>snake</a:t>
+            </a:r>
+            <a:r>
+              <a:rPr lang="en-US" dirty="0"/>
+              <a:t> (A class used to represent the snake/path) and </a:t>
+            </a:r>
+            <a:r>
+              <a:rPr lang="en-US" b="1" dirty="0"/>
+              <a:t>state</a:t>
+            </a:r>
+            <a:r>
+              <a:rPr lang="en-US" dirty="0"/>
+              <a:t> (A class used to represent a game state for algorithms).</a:t>
+            </a:r>
+            <a:endParaRPr lang="pt-PT" dirty="0"/>
           </a:p>
           <a:p>
             <a:pPr>
               <a:defRPr/>
             </a:pPr>
             <a:r>
-              <a:rPr lang="pt-PT"/>
+              <a:rPr lang="pt-PT" dirty="0"/>
               <a:t>The initial state is defined by reading the saved text files with board information.</a:t>
             </a:r>
-            <a:endParaRPr/>
+            <a:endParaRPr dirty="0"/>
           </a:p>
           <a:p>
             <a:pPr>
               <a:defRPr/>
             </a:pPr>
             <a:r>
-              <a:rPr lang="pt-PT"/>
+              <a:rPr lang="pt-PT" dirty="0"/>
               <a:t>Implemented libraries: numpy, pygame</a:t>
             </a:r>
-            <a:endParaRPr/>
+            <a:endParaRPr dirty="0"/>
           </a:p>
           <a:p>
             <a:pPr>
               <a:defRPr/>
             </a:pPr>
-            <a:endParaRPr lang="pt-PT"/>
+            <a:endParaRPr lang="pt-PT" dirty="0"/>
           </a:p>
         </p:txBody>
       </p:sp>
@@ -9674,21 +9009,42 @@
         <p:spPr/>
         <p:txBody>
           <a:bodyPr>
-            <a:normAutofit fontScale="55000" lnSpcReduction="20000"/>
+            <a:normAutofit fontScale="47500" lnSpcReduction="20000"/>
           </a:bodyPr>
           <a:lstStyle/>
           <a:p>
             <a:r>
+              <a:rPr lang="pt-PT" dirty="0"/>
+              <a:t>The game allows two possible interactions between user and machine. </a:t>
+            </a:r>
+            <a:r>
+              <a:rPr lang="pt-PT" b="1" dirty="0"/>
+              <a:t>First</a:t>
+            </a:r>
+            <a:r>
+              <a:rPr lang="pt-PT" dirty="0"/>
+              <a:t>, we developed a single player mode, where the user can create his own path and then check if it is correct or not based on the game’s rules;</a:t>
+            </a:r>
+          </a:p>
+          <a:p>
+            <a:r>
+              <a:rPr lang="pt-PT" b="1" dirty="0"/>
+              <a:t>Then</a:t>
+            </a:r>
+            <a:r>
+              <a:rPr lang="pt-PT" dirty="0"/>
+              <a:t>, we created an AI mode, that based on chosen level, generates a correct answer, using many algorithms such as:</a:t>
+            </a:r>
+          </a:p>
+          <a:p>
+            <a:pPr lvl="1"/>
+            <a:r>
+              <a:rPr lang="pt-PT" dirty="0"/>
+              <a:t>DFS, </a:t>
+            </a:r>
+            <a:r>
               <a:rPr lang="pt-PT" dirty="0" err="1"/>
-              <a:t>The</a:t>
-            </a:r>
-            <a:r>
-              <a:rPr lang="pt-PT" dirty="0"/>
-              <a:t> game </a:t>
-            </a:r>
-            <a:r>
-              <a:rPr lang="pt-PT" dirty="0" err="1"/>
-              <a:t>allows</a:t>
+              <a:t>Greedy</a:t>
             </a:r>
             <a:r>
               <a:rPr lang="pt-PT" dirty="0"/>
@@ -9696,7 +9052,7 @@
             </a:r>
             <a:r>
               <a:rPr lang="pt-PT" dirty="0" err="1"/>
-              <a:t>two</a:t>
+              <a:t>and</a:t>
             </a:r>
             <a:r>
               <a:rPr lang="pt-PT" dirty="0"/>
@@ -9704,7 +9060,15 @@
             </a:r>
             <a:r>
               <a:rPr lang="pt-PT" dirty="0" err="1"/>
-              <a:t>possible</a:t>
+              <a:t>A-Star</a:t>
+            </a:r>
+            <a:r>
+              <a:rPr lang="pt-PT" dirty="0"/>
+              <a:t> (</a:t>
+            </a:r>
+            <a:r>
+              <a:rPr lang="pt-PT" dirty="0" err="1"/>
+              <a:t>these</a:t>
             </a:r>
             <a:r>
               <a:rPr lang="pt-PT" dirty="0"/>
@@ -9712,7 +9076,23 @@
             </a:r>
             <a:r>
               <a:rPr lang="pt-PT" dirty="0" err="1"/>
-              <a:t>interatctions</a:t>
+              <a:t>last</a:t>
+            </a:r>
+            <a:r>
+              <a:rPr lang="pt-PT" dirty="0"/>
+              <a:t> 2 </a:t>
+            </a:r>
+            <a:r>
+              <a:rPr lang="pt-PT" dirty="0" err="1"/>
+              <a:t>featuring</a:t>
+            </a:r>
+            <a:r>
+              <a:rPr lang="pt-PT" dirty="0"/>
+              <a:t> 3 </a:t>
+            </a:r>
+            <a:r>
+              <a:rPr lang="pt-PT" dirty="0" err="1"/>
+              <a:t>distinct</a:t>
             </a:r>
             <a:r>
               <a:rPr lang="pt-PT" dirty="0"/>
@@ -9720,7 +9100,15 @@
             </a:r>
             <a:r>
               <a:rPr lang="pt-PT" dirty="0" err="1"/>
-              <a:t>between</a:t>
+              <a:t>heuristics</a:t>
+            </a:r>
+            <a:r>
+              <a:rPr lang="pt-PT" dirty="0"/>
+              <a:t>) to </a:t>
+            </a:r>
+            <a:r>
+              <a:rPr lang="pt-PT" dirty="0" err="1"/>
+              <a:t>calculate</a:t>
             </a:r>
             <a:r>
               <a:rPr lang="pt-PT" dirty="0"/>
@@ -9728,7 +9116,7 @@
             </a:r>
             <a:r>
               <a:rPr lang="pt-PT" dirty="0" err="1"/>
-              <a:t>user</a:t>
+              <a:t>the</a:t>
             </a:r>
             <a:r>
               <a:rPr lang="pt-PT" dirty="0"/>
@@ -9736,7 +9124,7 @@
             </a:r>
             <a:r>
               <a:rPr lang="pt-PT" dirty="0" err="1"/>
-              <a:t>and</a:t>
+              <a:t>best</a:t>
             </a:r>
             <a:r>
               <a:rPr lang="pt-PT" dirty="0"/>
@@ -9744,23 +9132,7 @@
             </a:r>
             <a:r>
               <a:rPr lang="pt-PT" dirty="0" err="1"/>
-              <a:t>machine</a:t>
-            </a:r>
-            <a:r>
-              <a:rPr lang="pt-PT" dirty="0"/>
-              <a:t>. </a:t>
-            </a:r>
-            <a:r>
-              <a:rPr lang="pt-PT" b="1" dirty="0" err="1"/>
-              <a:t>First</a:t>
-            </a:r>
-            <a:r>
-              <a:rPr lang="pt-PT" dirty="0"/>
-              <a:t>, </a:t>
-            </a:r>
-            <a:r>
-              <a:rPr lang="pt-PT" dirty="0" err="1"/>
-              <a:t>we</a:t>
+              <a:t>path</a:t>
             </a:r>
             <a:r>
               <a:rPr lang="pt-PT" dirty="0"/>
@@ -9768,15 +9140,7 @@
             </a:r>
             <a:r>
               <a:rPr lang="pt-PT" dirty="0" err="1"/>
-              <a:t>developed</a:t>
-            </a:r>
-            <a:r>
-              <a:rPr lang="pt-PT" dirty="0"/>
-              <a:t> a single </a:t>
-            </a:r>
-            <a:r>
-              <a:rPr lang="pt-PT" dirty="0" err="1"/>
-              <a:t>player</a:t>
+              <a:t>from</a:t>
             </a:r>
             <a:r>
               <a:rPr lang="pt-PT" dirty="0"/>
@@ -9784,15 +9148,15 @@
             </a:r>
             <a:r>
               <a:rPr lang="pt-PT" dirty="0" err="1"/>
-              <a:t>mode</a:t>
+              <a:t>Start</a:t>
             </a:r>
             <a:r>
               <a:rPr lang="pt-PT" dirty="0"/>
-              <a:t>, </a:t>
+              <a:t> Tile to Final Tile. </a:t>
             </a:r>
             <a:r>
               <a:rPr lang="pt-PT" dirty="0" err="1"/>
-              <a:t>where</a:t>
+              <a:t>Each</a:t>
             </a:r>
             <a:r>
               <a:rPr lang="pt-PT" dirty="0"/>
@@ -9800,7 +9164,7 @@
             </a:r>
             <a:r>
               <a:rPr lang="pt-PT" dirty="0" err="1"/>
-              <a:t>the</a:t>
+              <a:t>one</a:t>
             </a:r>
             <a:r>
               <a:rPr lang="pt-PT" dirty="0"/>
@@ -9808,15 +9172,23 @@
             </a:r>
             <a:r>
               <a:rPr lang="pt-PT" dirty="0" err="1"/>
-              <a:t>user</a:t>
+              <a:t>had</a:t>
             </a:r>
             <a:r>
               <a:rPr lang="pt-PT" dirty="0"/>
-              <a:t> can </a:t>
+              <a:t> a </a:t>
             </a:r>
             <a:r>
               <a:rPr lang="pt-PT" dirty="0" err="1"/>
-              <a:t>create</a:t>
+              <a:t>different</a:t>
+            </a:r>
+            <a:r>
+              <a:rPr lang="pt-PT" dirty="0"/>
+              <a:t> performance </a:t>
+            </a:r>
+            <a:r>
+              <a:rPr lang="pt-PT" dirty="0" err="1"/>
+              <a:t>that</a:t>
             </a:r>
             <a:r>
               <a:rPr lang="pt-PT" dirty="0"/>
@@ -9824,7 +9196,7 @@
             </a:r>
             <a:r>
               <a:rPr lang="pt-PT" dirty="0" err="1"/>
-              <a:t>his</a:t>
+              <a:t>will</a:t>
             </a:r>
             <a:r>
               <a:rPr lang="pt-PT" dirty="0"/>
@@ -9832,7 +9204,7 @@
             </a:r>
             <a:r>
               <a:rPr lang="pt-PT" dirty="0" err="1"/>
-              <a:t>own</a:t>
+              <a:t>be</a:t>
             </a:r>
             <a:r>
               <a:rPr lang="pt-PT" dirty="0"/>
@@ -9840,902 +9212,87 @@
             </a:r>
             <a:r>
               <a:rPr lang="pt-PT" dirty="0" err="1"/>
-              <a:t>path</a:t>
-            </a:r>
+              <a:t>analyzed</a:t>
+            </a:r>
+            <a:r>
+              <a:rPr lang="pt-PT" dirty="0"/>
+              <a:t> later.</a:t>
+            </a:r>
+          </a:p>
+          <a:p>
             <a:r>
               <a:rPr lang="pt-PT" dirty="0"/>
               <a:t> </a:t>
             </a:r>
             <a:r>
-              <a:rPr lang="pt-PT" dirty="0" err="1"/>
-              <a:t>and</a:t>
+              <a:rPr lang="pt-PT" b="1" dirty="0"/>
+              <a:t>Evaluation Function</a:t>
             </a:r>
             <a:r>
               <a:rPr lang="pt-PT" dirty="0"/>
-              <a:t> </a:t>
-            </a:r>
-            <a:r>
-              <a:rPr lang="pt-PT" dirty="0" err="1"/>
-              <a:t>then</a:t>
+              <a:t>: The path created from the start until the of end file should respect the rules such as the non existance of collisions between snake blocks, chess pieces may not be crossed by the path ( both evaluated in the course of the search) and each chess piece attacks an equal number of squares of the choose path (calculated when the end tile is reached; if ok returns otherwise continues the search);</a:t>
+            </a:r>
+          </a:p>
+          <a:p>
+            <a:r>
+              <a:rPr lang="pt-PT" b="1" dirty="0"/>
+              <a:t>Heuristics</a:t>
             </a:r>
             <a:r>
               <a:rPr lang="pt-PT" dirty="0"/>
-              <a:t> </a:t>
-            </a:r>
-            <a:r>
-              <a:rPr lang="pt-PT" dirty="0" err="1"/>
-              <a:t>check</a:t>
-            </a:r>
+              <a:t>: For the AI mode, heuristics were important for implementing A-star and Greedy Algorithms and to generate the solution more efficiently:</a:t>
+            </a:r>
+          </a:p>
+          <a:p>
+            <a:pPr lvl="1"/>
             <a:r>
               <a:rPr lang="pt-PT" dirty="0"/>
-              <a:t> </a:t>
-            </a:r>
-            <a:r>
-              <a:rPr lang="pt-PT" dirty="0" err="1"/>
-              <a:t>if</a:t>
-            </a:r>
+              <a:t>Heuristic 1: Manhattan Distance;</a:t>
+            </a:r>
+          </a:p>
+          <a:p>
+            <a:pPr lvl="1"/>
             <a:r>
               <a:rPr lang="pt-PT" dirty="0"/>
-              <a:t> </a:t>
-            </a:r>
-            <a:r>
-              <a:rPr lang="pt-PT" dirty="0" err="1"/>
-              <a:t>it</a:t>
-            </a:r>
+              <a:t>Heuristic 2: </a:t>
+            </a:r>
+            <a:r>
+              <a:rPr lang="en-US" dirty="0">
+                <a:solidFill>
+                  <a:srgbClr val="D4D4D4"/>
+                </a:solidFill>
+                <a:effectLst/>
+              </a:rPr>
+              <a:t>Maximum Chess Piece Attacks Difference ( we want the attacks to be as close as possible )</a:t>
+            </a:r>
+          </a:p>
+          <a:p>
+            <a:pPr lvl="1"/>
             <a:r>
               <a:rPr lang="pt-PT" dirty="0"/>
-              <a:t> </a:t>
-            </a:r>
-            <a:r>
-              <a:rPr lang="pt-PT" dirty="0" err="1"/>
-              <a:t>is</a:t>
-            </a:r>
-            <a:r>
-              <a:rPr lang="pt-PT" dirty="0"/>
-              <a:t> </a:t>
-            </a:r>
-            <a:r>
-              <a:rPr lang="pt-PT" dirty="0" err="1"/>
-              <a:t>correct</a:t>
-            </a:r>
-            <a:r>
-              <a:rPr lang="pt-PT" dirty="0"/>
-              <a:t> </a:t>
-            </a:r>
-            <a:r>
-              <a:rPr lang="pt-PT" dirty="0" err="1"/>
-              <a:t>or</a:t>
-            </a:r>
-            <a:r>
-              <a:rPr lang="pt-PT" dirty="0"/>
-              <a:t> </a:t>
-            </a:r>
-            <a:r>
-              <a:rPr lang="pt-PT" dirty="0" err="1"/>
-              <a:t>not</a:t>
-            </a:r>
-            <a:r>
-              <a:rPr lang="pt-PT" dirty="0"/>
-              <a:t> </a:t>
-            </a:r>
-            <a:r>
-              <a:rPr lang="pt-PT" dirty="0" err="1"/>
-              <a:t>based</a:t>
-            </a:r>
-            <a:r>
-              <a:rPr lang="pt-PT" dirty="0"/>
-              <a:t> </a:t>
-            </a:r>
-            <a:r>
-              <a:rPr lang="pt-PT" dirty="0" err="1"/>
-              <a:t>on</a:t>
-            </a:r>
-            <a:r>
-              <a:rPr lang="pt-PT" dirty="0"/>
-              <a:t> </a:t>
-            </a:r>
-            <a:r>
-              <a:rPr lang="pt-PT" dirty="0" err="1"/>
-              <a:t>the</a:t>
-            </a:r>
-            <a:r>
-              <a:rPr lang="pt-PT" dirty="0"/>
-              <a:t> </a:t>
-            </a:r>
-            <a:r>
-              <a:rPr lang="pt-PT" dirty="0" err="1"/>
-              <a:t>game’s</a:t>
-            </a:r>
-            <a:r>
-              <a:rPr lang="pt-PT" dirty="0"/>
-              <a:t> rules;</a:t>
-            </a:r>
-          </a:p>
-          <a:p>
-            <a:r>
-              <a:rPr lang="pt-PT" b="1" dirty="0" err="1"/>
-              <a:t>Then</a:t>
-            </a:r>
-            <a:r>
-              <a:rPr lang="pt-PT" dirty="0"/>
-              <a:t>, </a:t>
-            </a:r>
-            <a:r>
-              <a:rPr lang="pt-PT" dirty="0" err="1"/>
-              <a:t>we</a:t>
-            </a:r>
-            <a:r>
-              <a:rPr lang="pt-PT" dirty="0"/>
-              <a:t> </a:t>
-            </a:r>
-            <a:r>
-              <a:rPr lang="pt-PT" dirty="0" err="1"/>
-              <a:t>created</a:t>
-            </a:r>
-            <a:r>
-              <a:rPr lang="pt-PT" dirty="0"/>
-              <a:t> a </a:t>
-            </a:r>
-            <a:r>
-              <a:rPr lang="pt-PT" dirty="0" err="1"/>
-              <a:t>computer</a:t>
-            </a:r>
-            <a:r>
-              <a:rPr lang="pt-PT" dirty="0"/>
-              <a:t> </a:t>
-            </a:r>
-            <a:r>
-              <a:rPr lang="pt-PT" dirty="0" err="1"/>
-              <a:t>mode</a:t>
-            </a:r>
-            <a:r>
-              <a:rPr lang="pt-PT" dirty="0"/>
-              <a:t>, </a:t>
-            </a:r>
-            <a:r>
-              <a:rPr lang="pt-PT" dirty="0" err="1"/>
-              <a:t>that</a:t>
-            </a:r>
-            <a:r>
-              <a:rPr lang="pt-PT" dirty="0"/>
-              <a:t> </a:t>
-            </a:r>
-            <a:r>
-              <a:rPr lang="pt-PT" dirty="0" err="1"/>
-              <a:t>based</a:t>
-            </a:r>
-            <a:r>
-              <a:rPr lang="pt-PT" dirty="0"/>
-              <a:t> </a:t>
-            </a:r>
-            <a:r>
-              <a:rPr lang="pt-PT" dirty="0" err="1"/>
-              <a:t>on</a:t>
-            </a:r>
-            <a:r>
-              <a:rPr lang="pt-PT" dirty="0"/>
-              <a:t> </a:t>
-            </a:r>
-            <a:r>
-              <a:rPr lang="pt-PT" dirty="0" err="1"/>
-              <a:t>chosen</a:t>
-            </a:r>
-            <a:r>
-              <a:rPr lang="pt-PT" dirty="0"/>
-              <a:t> </a:t>
-            </a:r>
-            <a:r>
-              <a:rPr lang="pt-PT" dirty="0" err="1"/>
-              <a:t>level</a:t>
-            </a:r>
-            <a:r>
-              <a:rPr lang="pt-PT" dirty="0"/>
-              <a:t>, </a:t>
-            </a:r>
-            <a:r>
-              <a:rPr lang="pt-PT" dirty="0" err="1"/>
-              <a:t>generates</a:t>
-            </a:r>
-            <a:r>
-              <a:rPr lang="pt-PT" dirty="0"/>
-              <a:t> a </a:t>
-            </a:r>
-            <a:r>
-              <a:rPr lang="pt-PT" dirty="0" err="1"/>
-              <a:t>correct</a:t>
-            </a:r>
-            <a:r>
-              <a:rPr lang="pt-PT" dirty="0"/>
-              <a:t> </a:t>
-            </a:r>
-            <a:r>
-              <a:rPr lang="pt-PT" dirty="0" err="1"/>
-              <a:t>answer</a:t>
-            </a:r>
-            <a:r>
-              <a:rPr lang="pt-PT" dirty="0"/>
-              <a:t>, </a:t>
-            </a:r>
-            <a:r>
-              <a:rPr lang="pt-PT" dirty="0" err="1"/>
-              <a:t>using</a:t>
-            </a:r>
-            <a:r>
-              <a:rPr lang="pt-PT" dirty="0"/>
-              <a:t> </a:t>
-            </a:r>
-            <a:r>
-              <a:rPr lang="pt-PT" dirty="0" err="1"/>
-              <a:t>many</a:t>
-            </a:r>
-            <a:r>
-              <a:rPr lang="pt-PT" dirty="0"/>
-              <a:t> </a:t>
-            </a:r>
-            <a:r>
-              <a:rPr lang="pt-PT" dirty="0" err="1"/>
-              <a:t>algorithms</a:t>
-            </a:r>
-            <a:r>
-              <a:rPr lang="pt-PT" dirty="0"/>
-              <a:t> </a:t>
-            </a:r>
-            <a:r>
-              <a:rPr lang="pt-PT" dirty="0" err="1"/>
-              <a:t>such</a:t>
-            </a:r>
-            <a:r>
-              <a:rPr lang="pt-PT" dirty="0"/>
-              <a:t> as:</a:t>
+              <a:t>Heuristic 3: Manhattan Distance + </a:t>
+            </a:r>
+            <a:r>
+              <a:rPr lang="en-US" dirty="0">
+                <a:solidFill>
+                  <a:srgbClr val="D4D4D4"/>
+                </a:solidFill>
+                <a:effectLst/>
+              </a:rPr>
+              <a:t>Maximum Chess Piece Attacks Difference</a:t>
             </a:r>
           </a:p>
           <a:p>
             <a:pPr lvl="1"/>
             <a:r>
-              <a:rPr lang="pt-PT" dirty="0"/>
-              <a:t>DFS, </a:t>
-            </a:r>
-            <a:r>
-              <a:rPr lang="pt-PT" dirty="0" err="1"/>
-              <a:t>Greedy</a:t>
-            </a:r>
-            <a:r>
-              <a:rPr lang="pt-PT" dirty="0"/>
-              <a:t> </a:t>
-            </a:r>
-            <a:r>
-              <a:rPr lang="pt-PT" dirty="0" err="1"/>
-              <a:t>and</a:t>
-            </a:r>
-            <a:r>
-              <a:rPr lang="pt-PT" dirty="0"/>
-              <a:t> </a:t>
-            </a:r>
-            <a:r>
-              <a:rPr lang="pt-PT" dirty="0" err="1"/>
-              <a:t>A-Star</a:t>
-            </a:r>
-            <a:r>
-              <a:rPr lang="pt-PT" dirty="0"/>
-              <a:t> (</a:t>
-            </a:r>
-            <a:r>
-              <a:rPr lang="pt-PT" dirty="0" err="1"/>
-              <a:t>these</a:t>
-            </a:r>
-            <a:r>
-              <a:rPr lang="pt-PT" dirty="0"/>
-              <a:t> </a:t>
-            </a:r>
-            <a:r>
-              <a:rPr lang="pt-PT" dirty="0" err="1"/>
-              <a:t>last</a:t>
-            </a:r>
-            <a:r>
-              <a:rPr lang="pt-PT" dirty="0"/>
-              <a:t> 2 </a:t>
-            </a:r>
-            <a:r>
-              <a:rPr lang="pt-PT" dirty="0" err="1"/>
-              <a:t>featuring</a:t>
-            </a:r>
-            <a:r>
-              <a:rPr lang="pt-PT" dirty="0"/>
-              <a:t> 3 </a:t>
-            </a:r>
-            <a:r>
-              <a:rPr lang="pt-PT" dirty="0" err="1"/>
-              <a:t>distinct</a:t>
-            </a:r>
-            <a:r>
-              <a:rPr lang="pt-PT" dirty="0"/>
-              <a:t> </a:t>
-            </a:r>
-            <a:r>
-              <a:rPr lang="pt-PT" dirty="0" err="1"/>
-              <a:t>heuristics</a:t>
-            </a:r>
-            <a:r>
-              <a:rPr lang="pt-PT" dirty="0"/>
-              <a:t>) to </a:t>
-            </a:r>
-            <a:r>
-              <a:rPr lang="pt-PT" dirty="0" err="1"/>
-              <a:t>calculate</a:t>
-            </a:r>
-            <a:r>
-              <a:rPr lang="pt-PT" dirty="0"/>
-              <a:t> </a:t>
-            </a:r>
-            <a:r>
-              <a:rPr lang="pt-PT" dirty="0" err="1"/>
-              <a:t>the</a:t>
-            </a:r>
-            <a:r>
-              <a:rPr lang="pt-PT" dirty="0"/>
-              <a:t> </a:t>
-            </a:r>
-            <a:r>
-              <a:rPr lang="pt-PT" dirty="0" err="1"/>
-              <a:t>best</a:t>
-            </a:r>
-            <a:r>
-              <a:rPr lang="pt-PT" dirty="0"/>
-              <a:t> </a:t>
-            </a:r>
-            <a:r>
-              <a:rPr lang="pt-PT" dirty="0" err="1"/>
-              <a:t>path</a:t>
-            </a:r>
-            <a:r>
-              <a:rPr lang="pt-PT" dirty="0"/>
-              <a:t> </a:t>
-            </a:r>
-            <a:r>
-              <a:rPr lang="pt-PT" dirty="0" err="1"/>
-              <a:t>from</a:t>
-            </a:r>
-            <a:r>
-              <a:rPr lang="pt-PT" dirty="0"/>
-              <a:t> </a:t>
-            </a:r>
-            <a:r>
-              <a:rPr lang="pt-PT" dirty="0" err="1"/>
-              <a:t>Start</a:t>
-            </a:r>
-            <a:r>
-              <a:rPr lang="pt-PT" dirty="0"/>
-              <a:t> Tile to Final Tile. </a:t>
-            </a:r>
-            <a:r>
-              <a:rPr lang="pt-PT" dirty="0" err="1"/>
-              <a:t>Each</a:t>
-            </a:r>
-            <a:r>
-              <a:rPr lang="pt-PT" dirty="0"/>
-              <a:t> </a:t>
-            </a:r>
-            <a:r>
-              <a:rPr lang="pt-PT" dirty="0" err="1"/>
-              <a:t>one</a:t>
-            </a:r>
-            <a:r>
-              <a:rPr lang="pt-PT" dirty="0"/>
-              <a:t> </a:t>
-            </a:r>
-            <a:r>
-              <a:rPr lang="pt-PT" dirty="0" err="1"/>
-              <a:t>had</a:t>
-            </a:r>
-            <a:r>
-              <a:rPr lang="pt-PT" dirty="0"/>
-              <a:t> a </a:t>
-            </a:r>
-            <a:r>
-              <a:rPr lang="pt-PT" dirty="0" err="1"/>
-              <a:t>different</a:t>
-            </a:r>
-            <a:r>
-              <a:rPr lang="pt-PT" dirty="0"/>
-              <a:t> performance </a:t>
-            </a:r>
-            <a:r>
-              <a:rPr lang="pt-PT" dirty="0" err="1"/>
-              <a:t>that</a:t>
-            </a:r>
-            <a:r>
-              <a:rPr lang="pt-PT" dirty="0"/>
-              <a:t> </a:t>
-            </a:r>
-            <a:r>
-              <a:rPr lang="pt-PT" dirty="0" err="1"/>
-              <a:t>will</a:t>
-            </a:r>
-            <a:r>
-              <a:rPr lang="pt-PT" dirty="0"/>
-              <a:t> </a:t>
-            </a:r>
-            <a:r>
-              <a:rPr lang="pt-PT" dirty="0" err="1"/>
-              <a:t>be</a:t>
-            </a:r>
-            <a:r>
-              <a:rPr lang="pt-PT" dirty="0"/>
-              <a:t> </a:t>
-            </a:r>
-            <a:r>
-              <a:rPr lang="pt-PT" dirty="0" err="1"/>
-              <a:t>analyzed</a:t>
-            </a:r>
-            <a:r>
-              <a:rPr lang="pt-PT" dirty="0"/>
-              <a:t> later.</a:t>
-            </a:r>
-          </a:p>
-          <a:p>
-            <a:r>
-              <a:rPr lang="pt-PT" dirty="0"/>
-              <a:t> </a:t>
-            </a:r>
-            <a:r>
-              <a:rPr lang="pt-PT" b="1" dirty="0" err="1"/>
-              <a:t>Objective</a:t>
-            </a:r>
-            <a:r>
-              <a:rPr lang="pt-PT" b="1" dirty="0"/>
-              <a:t> </a:t>
-            </a:r>
-            <a:r>
-              <a:rPr lang="pt-PT" b="1" dirty="0" err="1"/>
-              <a:t>Function</a:t>
-            </a:r>
-            <a:r>
-              <a:rPr lang="pt-PT" dirty="0"/>
-              <a:t>: </a:t>
-            </a:r>
-            <a:r>
-              <a:rPr lang="pt-PT" dirty="0" err="1"/>
-              <a:t>The</a:t>
-            </a:r>
-            <a:r>
-              <a:rPr lang="pt-PT" dirty="0"/>
-              <a:t> </a:t>
-            </a:r>
-            <a:r>
-              <a:rPr lang="pt-PT" dirty="0" err="1"/>
-              <a:t>path</a:t>
-            </a:r>
-            <a:r>
-              <a:rPr lang="pt-PT" dirty="0"/>
-              <a:t> </a:t>
-            </a:r>
-            <a:r>
-              <a:rPr lang="pt-PT" dirty="0" err="1"/>
-              <a:t>created</a:t>
-            </a:r>
-            <a:r>
-              <a:rPr lang="pt-PT" dirty="0"/>
-              <a:t> </a:t>
-            </a:r>
-            <a:r>
-              <a:rPr lang="pt-PT" dirty="0" err="1"/>
-              <a:t>from</a:t>
-            </a:r>
-            <a:r>
-              <a:rPr lang="pt-PT" dirty="0"/>
-              <a:t> star to </a:t>
-            </a:r>
-            <a:r>
-              <a:rPr lang="pt-PT" dirty="0" err="1"/>
-              <a:t>end</a:t>
-            </a:r>
-            <a:r>
-              <a:rPr lang="pt-PT" dirty="0"/>
-              <a:t> file </a:t>
-            </a:r>
-            <a:r>
-              <a:rPr lang="pt-PT" dirty="0" err="1"/>
-              <a:t>should</a:t>
-            </a:r>
-            <a:r>
-              <a:rPr lang="pt-PT" dirty="0"/>
-              <a:t> </a:t>
-            </a:r>
-            <a:r>
-              <a:rPr lang="pt-PT" dirty="0" err="1"/>
-              <a:t>be</a:t>
-            </a:r>
-            <a:r>
-              <a:rPr lang="pt-PT" dirty="0"/>
-              <a:t> as </a:t>
-            </a:r>
-            <a:r>
-              <a:rPr lang="pt-PT" dirty="0" err="1"/>
-              <a:t>shorter</a:t>
-            </a:r>
-            <a:r>
-              <a:rPr lang="pt-PT" dirty="0"/>
-              <a:t> as </a:t>
-            </a:r>
-            <a:r>
-              <a:rPr lang="pt-PT" dirty="0" err="1"/>
-              <a:t>possible</a:t>
-            </a:r>
-            <a:r>
-              <a:rPr lang="pt-PT" dirty="0"/>
-              <a:t>, </a:t>
-            </a:r>
-            <a:r>
-              <a:rPr lang="pt-PT" dirty="0" err="1"/>
-              <a:t>respecting</a:t>
-            </a:r>
-            <a:r>
-              <a:rPr lang="pt-PT" dirty="0"/>
-              <a:t> </a:t>
-            </a:r>
-            <a:r>
-              <a:rPr lang="pt-PT" dirty="0" err="1"/>
-              <a:t>all</a:t>
-            </a:r>
-            <a:r>
-              <a:rPr lang="pt-PT" dirty="0"/>
-              <a:t> game rules </a:t>
-            </a:r>
-            <a:r>
-              <a:rPr lang="pt-PT" dirty="0" err="1"/>
-              <a:t>and</a:t>
-            </a:r>
-            <a:r>
-              <a:rPr lang="pt-PT" dirty="0"/>
-              <a:t> </a:t>
-            </a:r>
-            <a:r>
-              <a:rPr lang="pt-PT" dirty="0" err="1"/>
-              <a:t>matching</a:t>
-            </a:r>
-            <a:r>
-              <a:rPr lang="pt-PT" dirty="0"/>
-              <a:t> </a:t>
-            </a:r>
-            <a:r>
-              <a:rPr lang="pt-PT" dirty="0" err="1"/>
-              <a:t>an</a:t>
-            </a:r>
-            <a:r>
-              <a:rPr lang="pt-PT" dirty="0"/>
-              <a:t> </a:t>
-            </a:r>
-            <a:r>
-              <a:rPr lang="pt-PT" dirty="0" err="1"/>
-              <a:t>equal</a:t>
-            </a:r>
-            <a:r>
-              <a:rPr lang="pt-PT" dirty="0"/>
-              <a:t> </a:t>
-            </a:r>
-            <a:r>
-              <a:rPr lang="pt-PT" dirty="0" err="1"/>
-              <a:t>number</a:t>
-            </a:r>
-            <a:r>
-              <a:rPr lang="pt-PT" dirty="0"/>
-              <a:t> </a:t>
-            </a:r>
-            <a:r>
-              <a:rPr lang="pt-PT" dirty="0" err="1"/>
-              <a:t>of</a:t>
-            </a:r>
-            <a:r>
-              <a:rPr lang="pt-PT" dirty="0"/>
-              <a:t> tiles </a:t>
-            </a:r>
-            <a:r>
-              <a:rPr lang="pt-PT" dirty="0" err="1"/>
-              <a:t>attacked</a:t>
-            </a:r>
-            <a:r>
-              <a:rPr lang="pt-PT" dirty="0"/>
-              <a:t> </a:t>
-            </a:r>
-            <a:r>
-              <a:rPr lang="pt-PT" dirty="0" err="1"/>
-              <a:t>by</a:t>
-            </a:r>
-            <a:r>
-              <a:rPr lang="pt-PT" dirty="0"/>
-              <a:t> </a:t>
-            </a:r>
-            <a:r>
-              <a:rPr lang="pt-PT" dirty="0" err="1"/>
-              <a:t>chess</a:t>
-            </a:r>
-            <a:r>
-              <a:rPr lang="pt-PT" dirty="0"/>
-              <a:t> </a:t>
-            </a:r>
-            <a:r>
-              <a:rPr lang="pt-PT" dirty="0" err="1"/>
-              <a:t>pieces</a:t>
-            </a:r>
-            <a:r>
-              <a:rPr lang="pt-PT" dirty="0"/>
-              <a:t>;</a:t>
-            </a:r>
-          </a:p>
-          <a:p>
-            <a:r>
-              <a:rPr lang="pt-PT" b="1" dirty="0" err="1"/>
-              <a:t>Heuristics</a:t>
-            </a:r>
-            <a:r>
-              <a:rPr lang="pt-PT" dirty="0"/>
-              <a:t>: For </a:t>
-            </a:r>
-            <a:r>
-              <a:rPr lang="pt-PT" dirty="0" err="1"/>
-              <a:t>our</a:t>
-            </a:r>
-            <a:r>
-              <a:rPr lang="pt-PT" dirty="0"/>
-              <a:t> </a:t>
-            </a:r>
-            <a:r>
-              <a:rPr lang="pt-PT" dirty="0" err="1"/>
-              <a:t>second</a:t>
-            </a:r>
-            <a:r>
-              <a:rPr lang="pt-PT" dirty="0"/>
-              <a:t> </a:t>
-            </a:r>
-            <a:r>
-              <a:rPr lang="pt-PT" dirty="0" err="1"/>
-              <a:t>part</a:t>
-            </a:r>
-            <a:r>
-              <a:rPr lang="pt-PT" dirty="0"/>
-              <a:t> </a:t>
-            </a:r>
-            <a:r>
-              <a:rPr lang="pt-PT" dirty="0" err="1"/>
-              <a:t>of</a:t>
-            </a:r>
-            <a:r>
-              <a:rPr lang="pt-PT" dirty="0"/>
-              <a:t> </a:t>
-            </a:r>
-            <a:r>
-              <a:rPr lang="pt-PT" dirty="0" err="1"/>
-              <a:t>the</a:t>
-            </a:r>
-            <a:r>
-              <a:rPr lang="pt-PT" dirty="0"/>
-              <a:t> Project, </a:t>
-            </a:r>
-            <a:r>
-              <a:rPr lang="pt-PT" dirty="0" err="1"/>
-              <a:t>heuristics</a:t>
-            </a:r>
-            <a:r>
-              <a:rPr lang="pt-PT" dirty="0"/>
-              <a:t> </a:t>
-            </a:r>
-            <a:r>
-              <a:rPr lang="pt-PT" dirty="0" err="1"/>
-              <a:t>were</a:t>
-            </a:r>
-            <a:r>
-              <a:rPr lang="pt-PT" dirty="0"/>
-              <a:t> </a:t>
-            </a:r>
-            <a:r>
-              <a:rPr lang="pt-PT" dirty="0" err="1"/>
-              <a:t>important</a:t>
-            </a:r>
-            <a:r>
-              <a:rPr lang="pt-PT" dirty="0"/>
-              <a:t> for </a:t>
-            </a:r>
-            <a:r>
-              <a:rPr lang="pt-PT" dirty="0" err="1"/>
-              <a:t>implementing</a:t>
-            </a:r>
-            <a:r>
-              <a:rPr lang="pt-PT" dirty="0"/>
-              <a:t> </a:t>
-            </a:r>
-            <a:r>
-              <a:rPr lang="pt-PT" dirty="0" err="1"/>
-              <a:t>A-star</a:t>
-            </a:r>
-            <a:r>
-              <a:rPr lang="pt-PT" dirty="0"/>
-              <a:t> </a:t>
-            </a:r>
-            <a:r>
-              <a:rPr lang="pt-PT" dirty="0" err="1"/>
-              <a:t>Algorithms</a:t>
-            </a:r>
-            <a:r>
-              <a:rPr lang="pt-PT" dirty="0"/>
-              <a:t> </a:t>
-            </a:r>
-            <a:r>
-              <a:rPr lang="pt-PT" dirty="0" err="1"/>
-              <a:t>and</a:t>
-            </a:r>
-            <a:r>
-              <a:rPr lang="pt-PT" dirty="0"/>
-              <a:t> to </a:t>
-            </a:r>
-            <a:r>
-              <a:rPr lang="pt-PT" dirty="0" err="1"/>
-              <a:t>generate</a:t>
-            </a:r>
-            <a:r>
-              <a:rPr lang="pt-PT" dirty="0"/>
-              <a:t> </a:t>
-            </a:r>
-            <a:r>
-              <a:rPr lang="pt-PT" dirty="0" err="1"/>
-              <a:t>quickly</a:t>
-            </a:r>
-            <a:r>
-              <a:rPr lang="pt-PT" dirty="0"/>
-              <a:t> </a:t>
-            </a:r>
-            <a:r>
-              <a:rPr lang="pt-PT" dirty="0" err="1"/>
-              <a:t>better</a:t>
-            </a:r>
-            <a:r>
-              <a:rPr lang="pt-PT" dirty="0"/>
-              <a:t> </a:t>
-            </a:r>
-            <a:r>
-              <a:rPr lang="pt-PT" dirty="0" err="1"/>
-              <a:t>solutions</a:t>
-            </a:r>
-            <a:r>
-              <a:rPr lang="pt-PT" dirty="0"/>
-              <a:t>:</a:t>
-            </a:r>
-          </a:p>
-          <a:p>
-            <a:pPr lvl="1"/>
-            <a:r>
-              <a:rPr lang="pt-PT" dirty="0" err="1"/>
-              <a:t>Heuristic</a:t>
-            </a:r>
-            <a:r>
-              <a:rPr lang="pt-PT" dirty="0"/>
-              <a:t> 1: Manhattan </a:t>
-            </a:r>
-            <a:r>
-              <a:rPr lang="pt-PT" dirty="0" err="1"/>
-              <a:t>Distance</a:t>
-            </a:r>
-            <a:r>
-              <a:rPr lang="pt-PT" dirty="0"/>
-              <a:t> + Game </a:t>
-            </a:r>
-            <a:r>
-              <a:rPr lang="pt-PT" dirty="0" err="1"/>
-              <a:t>Cost</a:t>
-            </a:r>
-            <a:r>
-              <a:rPr lang="pt-PT" dirty="0"/>
-              <a:t> (</a:t>
-            </a:r>
-            <a:r>
-              <a:rPr lang="pt-PT" dirty="0" err="1"/>
-              <a:t>path’s</a:t>
-            </a:r>
-            <a:r>
-              <a:rPr lang="pt-PT" dirty="0"/>
-              <a:t> </a:t>
-            </a:r>
-            <a:r>
-              <a:rPr lang="pt-PT" dirty="0" err="1"/>
-              <a:t>size</a:t>
-            </a:r>
-            <a:r>
-              <a:rPr lang="pt-PT" dirty="0"/>
-              <a:t>);</a:t>
-            </a:r>
-          </a:p>
-          <a:p>
-            <a:pPr lvl="1"/>
-            <a:r>
-              <a:rPr lang="pt-PT" dirty="0" err="1"/>
-              <a:t>Heuristic</a:t>
-            </a:r>
-            <a:r>
-              <a:rPr lang="pt-PT" dirty="0"/>
-              <a:t> 2: </a:t>
-            </a:r>
-            <a:r>
-              <a:rPr lang="pt-PT" dirty="0" err="1"/>
-              <a:t>Attacked</a:t>
-            </a:r>
-            <a:r>
-              <a:rPr lang="pt-PT" dirty="0"/>
-              <a:t> Tiles + Game </a:t>
-            </a:r>
-            <a:r>
-              <a:rPr lang="pt-PT" dirty="0" err="1"/>
-              <a:t>Cost</a:t>
-            </a:r>
-            <a:r>
-              <a:rPr lang="pt-PT" dirty="0"/>
-              <a:t> (</a:t>
-            </a:r>
-            <a:r>
-              <a:rPr lang="pt-PT" dirty="0" err="1"/>
-              <a:t>path’s</a:t>
-            </a:r>
-            <a:r>
-              <a:rPr lang="pt-PT" dirty="0"/>
-              <a:t> </a:t>
-            </a:r>
-            <a:r>
-              <a:rPr lang="pt-PT" dirty="0" err="1"/>
-              <a:t>size</a:t>
-            </a:r>
-            <a:r>
-              <a:rPr lang="pt-PT" dirty="0"/>
-              <a:t>);</a:t>
-            </a:r>
-          </a:p>
-          <a:p>
-            <a:pPr lvl="1"/>
-            <a:r>
-              <a:rPr lang="pt-PT" dirty="0" err="1"/>
-              <a:t>Heuristic</a:t>
-            </a:r>
-            <a:r>
-              <a:rPr lang="pt-PT" dirty="0"/>
-              <a:t> 3: Manhattan </a:t>
-            </a:r>
-            <a:r>
-              <a:rPr lang="pt-PT" dirty="0" err="1"/>
-              <a:t>Distance</a:t>
-            </a:r>
-            <a:r>
-              <a:rPr lang="pt-PT" dirty="0"/>
-              <a:t> + </a:t>
-            </a:r>
-            <a:r>
-              <a:rPr lang="pt-PT" dirty="0" err="1"/>
-              <a:t>Attacked</a:t>
-            </a:r>
-            <a:r>
-              <a:rPr lang="pt-PT" dirty="0"/>
-              <a:t> Tiles + Game </a:t>
-            </a:r>
-            <a:r>
-              <a:rPr lang="pt-PT" dirty="0" err="1"/>
-              <a:t>Cost</a:t>
-            </a:r>
-            <a:r>
-              <a:rPr lang="pt-PT" dirty="0"/>
-              <a:t> (</a:t>
-            </a:r>
-            <a:r>
-              <a:rPr lang="pt-PT" dirty="0" err="1"/>
-              <a:t>path’s</a:t>
-            </a:r>
-            <a:r>
-              <a:rPr lang="pt-PT" dirty="0"/>
-              <a:t> </a:t>
-            </a:r>
-            <a:r>
-              <a:rPr lang="pt-PT" dirty="0" err="1"/>
-              <a:t>size</a:t>
-            </a:r>
-            <a:r>
-              <a:rPr lang="pt-PT" dirty="0"/>
-              <a:t>);</a:t>
-            </a:r>
+              <a:rPr lang="en-US" dirty="0">
+                <a:solidFill>
+                  <a:srgbClr val="D4D4D4"/>
+                </a:solidFill>
+              </a:rPr>
+              <a:t>Note: For the A-Star algorithm we used the function f ( f (n) = g(n) + h(n)) where g is the total cost (path distance) and h was the chosen heuristic.</a:t>
+            </a:r>
+            <a:endParaRPr lang="pt-PT" dirty="0"/>
           </a:p>
         </p:txBody>
       </p:sp>
@@ -10818,7 +9375,7 @@
           <p:nvPr>
             <p:extLst>
               <p:ext uri="{D42A27DB-BD31-4B8C-83A1-F6EECF244321}">
-                <p14:modId xmlns:p14="http://schemas.microsoft.com/office/powerpoint/2010/main" val="3833297221"/>
+                <p14:modId xmlns:p14="http://schemas.microsoft.com/office/powerpoint/2010/main" val="1025462951"/>
               </p:ext>
             </p:extLst>
           </p:nvPr>
@@ -10848,7 +9405,7 @@
           <p:nvPr>
             <p:extLst>
               <p:ext uri="{D42A27DB-BD31-4B8C-83A1-F6EECF244321}">
-                <p14:modId xmlns:p14="http://schemas.microsoft.com/office/powerpoint/2010/main" val="2626010437"/>
+                <p14:modId xmlns:p14="http://schemas.microsoft.com/office/powerpoint/2010/main" val="1290710945"/>
               </p:ext>
             </p:extLst>
           </p:nvPr>

--- a/Chess Snake Puzzles – 2022 IA Project - Final Delivery.pptx
+++ b/Chess Snake Puzzles – 2022 IA Project - Final Delivery.pptx
@@ -144,7 +144,7 @@
   <pc:docChgLst>
     <pc:chgData name="Carlos Gomes" userId="befe0c0c48f41b83" providerId="LiveId" clId="{1FAC947E-5D31-4632-AFA2-6C66DC948B4A}"/>
     <pc:docChg chg="undo custSel modSld">
-      <pc:chgData name="Carlos Gomes" userId="befe0c0c48f41b83" providerId="LiveId" clId="{1FAC947E-5D31-4632-AFA2-6C66DC948B4A}" dt="2022-04-25T15:52:01.587" v="1366" actId="20577"/>
+      <pc:chgData name="Carlos Gomes" userId="befe0c0c48f41b83" providerId="LiveId" clId="{1FAC947E-5D31-4632-AFA2-6C66DC948B4A}" dt="2022-04-25T17:01:53.875" v="1371" actId="27918"/>
       <pc:docMkLst>
         <pc:docMk/>
       </pc:docMkLst>
@@ -248,7 +248,7 @@
         </pc:spChg>
       </pc:sldChg>
       <pc:sldChg chg="modSp mod">
-        <pc:chgData name="Carlos Gomes" userId="befe0c0c48f41b83" providerId="LiveId" clId="{1FAC947E-5D31-4632-AFA2-6C66DC948B4A}" dt="2022-04-25T15:13:07.944" v="22" actId="692"/>
+        <pc:chgData name="Carlos Gomes" userId="befe0c0c48f41b83" providerId="LiveId" clId="{1FAC947E-5D31-4632-AFA2-6C66DC948B4A}" dt="2022-04-25T17:01:53.875" v="1371" actId="27918"/>
         <pc:sldMkLst>
           <pc:docMk/>
           <pc:sldMk cId="1535208297" sldId="264"/>
@@ -366,7 +366,7 @@
                   <c:v>4.8600000000000003</c:v>
                 </c:pt>
                 <c:pt idx="4">
-                  <c:v>0</c:v>
+                  <c:v>3.24425077438354</c:v>
                 </c:pt>
                 <c:pt idx="5">
                   <c:v>0.12</c:v>
@@ -621,7 +621,7 @@
                   <c:v>5.6847333999999999E-2</c:v>
                 </c:pt>
                 <c:pt idx="3">
-                  <c:v>0</c:v>
+                  <c:v>4.6560790538787797</c:v>
                 </c:pt>
                 <c:pt idx="4">
                   <c:v>2.1158781050000002</c:v>
@@ -870,7 +870,7 @@
                 <c:formatCode>General</c:formatCode>
                 <c:ptCount val="6"/>
                 <c:pt idx="0">
-                  <c:v>0</c:v>
+                  <c:v>2.5981664657592701E-2</c:v>
                 </c:pt>
                 <c:pt idx="1">
                   <c:v>2.7534962E-2</c:v>
@@ -9375,7 +9375,7 @@
           <p:nvPr>
             <p:extLst>
               <p:ext uri="{D42A27DB-BD31-4B8C-83A1-F6EECF244321}">
-                <p14:modId xmlns:p14="http://schemas.microsoft.com/office/powerpoint/2010/main" val="1025462951"/>
+                <p14:modId xmlns:p14="http://schemas.microsoft.com/office/powerpoint/2010/main" val="3564716119"/>
               </p:ext>
             </p:extLst>
           </p:nvPr>

--- a/Chess Snake Puzzles – 2022 IA Project - Final Delivery.pptx
+++ b/Chess Snake Puzzles – 2022 IA Project - Final Delivery.pptx
@@ -12,8 +12,10 @@
     <p:sldId id="261" r:id="rId6"/>
     <p:sldId id="262" r:id="rId7"/>
     <p:sldId id="264" r:id="rId8"/>
-    <p:sldId id="267" r:id="rId9"/>
-    <p:sldId id="265" r:id="rId10"/>
+    <p:sldId id="268" r:id="rId9"/>
+    <p:sldId id="269" r:id="rId10"/>
+    <p:sldId id="267" r:id="rId11"/>
+    <p:sldId id="265" r:id="rId12"/>
   </p:sldIdLst>
   <p:sldSz cx="12192000" cy="6858000"/>
   <p:notesSz cx="12192000" cy="6858000"/>
@@ -278,7 +280,7 @@
 <file path=ppt/charts/chart1.xml><?xml version="1.0" encoding="utf-8"?>
 <c:chartSpace xmlns:c="http://schemas.openxmlformats.org/drawingml/2006/chart" xmlns:a="http://schemas.openxmlformats.org/drawingml/2006/main" xmlns:r="http://schemas.openxmlformats.org/officeDocument/2006/relationships" xmlns:c16r2="http://schemas.microsoft.com/office/drawing/2015/06/chart">
   <c:date1904 val="0"/>
-  <c:lang val="en-US"/>
+  <c:lang val="pt-PT"/>
   <c:roundedCorners val="0"/>
   <mc:AlternateContent xmlns:mc="http://schemas.openxmlformats.org/markup-compatibility/2006">
     <mc:Choice xmlns:c14="http://schemas.microsoft.com/office/drawing/2007/8/2/chart" Requires="c14">
@@ -1088,7 +1090,7 @@
 <file path=ppt/charts/chart2.xml><?xml version="1.0" encoding="utf-8"?>
 <c:chartSpace xmlns:c="http://schemas.openxmlformats.org/drawingml/2006/chart" xmlns:a="http://schemas.openxmlformats.org/drawingml/2006/main" xmlns:r="http://schemas.openxmlformats.org/officeDocument/2006/relationships" xmlns:c16r2="http://schemas.microsoft.com/office/drawing/2015/06/chart">
   <c:date1904 val="0"/>
-  <c:lang val="en-US"/>
+  <c:lang val="pt-PT"/>
   <c:roundedCorners val="0"/>
   <mc:AlternateContent xmlns:mc="http://schemas.openxmlformats.org/markup-compatibility/2006">
     <mc:Choice xmlns:c14="http://schemas.microsoft.com/office/drawing/2007/8/2/chart" Requires="c14">
@@ -3192,7 +3194,7 @@
             </a:pPr>
             <a:fld id="{07CE569E-9B7C-4CB9-AB80-C0841F922CFF}" type="slidenum">
               <a:rPr lang="en-US"/>
-              <a:t>‹#›</a:t>
+              <a:t>‹nº›</a:t>
             </a:fld>
             <a:endParaRPr lang="en-US"/>
           </a:p>
@@ -3383,7 +3385,7 @@
             </a:pPr>
             <a:fld id="{07CE569E-9B7C-4CB9-AB80-C0841F922CFF}" type="slidenum">
               <a:rPr lang="en-US"/>
-              <a:t>‹#›</a:t>
+              <a:t>‹nº›</a:t>
             </a:fld>
             <a:endParaRPr lang="en-US"/>
           </a:p>
@@ -3584,7 +3586,7 @@
             </a:pPr>
             <a:fld id="{07CE569E-9B7C-4CB9-AB80-C0841F922CFF}" type="slidenum">
               <a:rPr lang="en-US"/>
-              <a:t>‹#›</a:t>
+              <a:t>‹nº›</a:t>
             </a:fld>
             <a:endParaRPr lang="en-US"/>
           </a:p>
@@ -3774,7 +3776,7 @@
             </a:pPr>
             <a:fld id="{07CE569E-9B7C-4CB9-AB80-C0841F922CFF}" type="slidenum">
               <a:rPr lang="en-US"/>
-              <a:t>‹#›</a:t>
+              <a:t>‹nº›</a:t>
             </a:fld>
             <a:endParaRPr lang="en-US"/>
           </a:p>
@@ -4030,7 +4032,7 @@
             </a:pPr>
             <a:fld id="{07CE569E-9B7C-4CB9-AB80-C0841F922CFF}" type="slidenum">
               <a:rPr lang="en-US"/>
-              <a:t>‹#›</a:t>
+              <a:t>‹nº›</a:t>
             </a:fld>
             <a:endParaRPr lang="en-US"/>
           </a:p>
@@ -4297,7 +4299,7 @@
             </a:pPr>
             <a:fld id="{07CE569E-9B7C-4CB9-AB80-C0841F922CFF}" type="slidenum">
               <a:rPr lang="en-US"/>
-              <a:t>‹#›</a:t>
+              <a:t>‹nº›</a:t>
             </a:fld>
             <a:endParaRPr lang="en-US"/>
           </a:p>
@@ -4705,7 +4707,7 @@
             </a:pPr>
             <a:fld id="{07CE569E-9B7C-4CB9-AB80-C0841F922CFF}" type="slidenum">
               <a:rPr lang="en-US"/>
-              <a:t>‹#›</a:t>
+              <a:t>‹nº›</a:t>
             </a:fld>
             <a:endParaRPr lang="en-US"/>
           </a:p>
@@ -4830,7 +4832,7 @@
             </a:pPr>
             <a:fld id="{07CE569E-9B7C-4CB9-AB80-C0841F922CFF}" type="slidenum">
               <a:rPr lang="en-US"/>
-              <a:t>‹#›</a:t>
+              <a:t>‹nº›</a:t>
             </a:fld>
             <a:endParaRPr lang="en-US"/>
           </a:p>
@@ -4929,7 +4931,7 @@
             </a:pPr>
             <a:fld id="{07CE569E-9B7C-4CB9-AB80-C0841F922CFF}" type="slidenum">
               <a:rPr lang="en-US"/>
-              <a:t>‹#›</a:t>
+              <a:t>‹nº›</a:t>
             </a:fld>
             <a:endParaRPr lang="en-US"/>
           </a:p>
@@ -5229,7 +5231,7 @@
             </a:pPr>
             <a:fld id="{07CE569E-9B7C-4CB9-AB80-C0841F922CFF}" type="slidenum">
               <a:rPr lang="en-US"/>
-              <a:t>‹#›</a:t>
+              <a:t>‹nº›</a:t>
             </a:fld>
             <a:endParaRPr lang="en-US"/>
           </a:p>
@@ -5499,7 +5501,7 @@
             </a:pPr>
             <a:fld id="{07CE569E-9B7C-4CB9-AB80-C0841F922CFF}" type="slidenum">
               <a:rPr lang="en-US"/>
-              <a:t>‹#›</a:t>
+              <a:t>‹nº›</a:t>
             </a:fld>
             <a:endParaRPr lang="en-US"/>
           </a:p>
@@ -6257,7 +6259,7 @@
             </a:pPr>
             <a:fld id="{07CE569E-9B7C-4CB9-AB80-C0841F922CFF}" type="slidenum">
               <a:rPr lang="en-US"/>
-              <a:t>‹#›</a:t>
+              <a:t>‹nº›</a:t>
             </a:fld>
             <a:endParaRPr lang="en-US"/>
           </a:p>
@@ -7154,6 +7156,343 @@
 </p:sld>
 </file>
 
+<file path=ppt/slides/slide10.xml><?xml version="1.0" encoding="utf-8"?>
+<p:sld xmlns:a="http://schemas.openxmlformats.org/drawingml/2006/main" xmlns:r="http://schemas.openxmlformats.org/officeDocument/2006/relationships" xmlns:p="http://schemas.openxmlformats.org/presentationml/2006/main">
+  <p:cSld>
+    <p:spTree>
+      <p:nvGrpSpPr>
+        <p:cNvPr id="1" name=""/>
+        <p:cNvGrpSpPr/>
+        <p:nvPr/>
+      </p:nvGrpSpPr>
+      <p:grpSpPr>
+        <a:xfrm>
+          <a:off x="0" y="0"/>
+          <a:ext cx="0" cy="0"/>
+          <a:chOff x="0" y="0"/>
+          <a:chExt cx="0" cy="0"/>
+        </a:xfrm>
+      </p:grpSpPr>
+      <p:sp>
+        <p:nvSpPr>
+          <p:cNvPr id="2" name="Título 1">
+            <a:extLst>
+              <a:ext uri="{FF2B5EF4-FFF2-40B4-BE49-F238E27FC236}">
+                <a16:creationId xmlns:a16="http://schemas.microsoft.com/office/drawing/2014/main" id="{64704C5A-BCE7-4444-BB7C-BCCF7EF73487}"/>
+              </a:ext>
+            </a:extLst>
+          </p:cNvPr>
+          <p:cNvSpPr>
+            <a:spLocks noGrp="1"/>
+          </p:cNvSpPr>
+          <p:nvPr>
+            <p:ph type="title"/>
+          </p:nvPr>
+        </p:nvSpPr>
+        <p:spPr>
+          <a:xfrm>
+            <a:off x="263352" y="116632"/>
+            <a:ext cx="10668000" cy="1524000"/>
+          </a:xfrm>
+        </p:spPr>
+        <p:txBody>
+          <a:bodyPr/>
+          <a:lstStyle/>
+          <a:p>
+            <a:r>
+              <a:rPr lang="pt-PT" dirty="0" err="1"/>
+              <a:t>Conclusion</a:t>
+            </a:r>
+            <a:endParaRPr lang="pt-PT" dirty="0"/>
+          </a:p>
+        </p:txBody>
+      </p:sp>
+      <p:sp>
+        <p:nvSpPr>
+          <p:cNvPr id="3" name="Marcador de Posição de Conteúdo 2">
+            <a:extLst>
+              <a:ext uri="{FF2B5EF4-FFF2-40B4-BE49-F238E27FC236}">
+                <a16:creationId xmlns:a16="http://schemas.microsoft.com/office/drawing/2014/main" id="{0892E19F-DEDA-43CA-8ECC-2A6CC300D688}"/>
+              </a:ext>
+            </a:extLst>
+          </p:cNvPr>
+          <p:cNvSpPr>
+            <a:spLocks noGrp="1"/>
+          </p:cNvSpPr>
+          <p:nvPr>
+            <p:ph idx="1"/>
+          </p:nvPr>
+        </p:nvSpPr>
+        <p:spPr>
+          <a:xfrm>
+            <a:off x="191344" y="1340768"/>
+            <a:ext cx="11593288" cy="5400600"/>
+          </a:xfrm>
+        </p:spPr>
+        <p:txBody>
+          <a:bodyPr>
+            <a:normAutofit/>
+          </a:bodyPr>
+          <a:lstStyle/>
+          <a:p>
+            <a:r>
+              <a:rPr lang="en-US" sz="2400" b="0" i="0" dirty="0">
+                <a:solidFill>
+                  <a:srgbClr val="DCDDDE"/>
+                </a:solidFill>
+                <a:effectLst/>
+              </a:rPr>
+              <a:t>During the elaboration of this project, we were able to study and verify the effectiveness of the implemented algorithms.</a:t>
+            </a:r>
+          </a:p>
+          <a:p>
+            <a:r>
+              <a:rPr lang="en-US" sz="2400" b="0" i="0" dirty="0">
+                <a:solidFill>
+                  <a:srgbClr val="DCDDDE"/>
+                </a:solidFill>
+                <a:effectLst/>
+              </a:rPr>
+              <a:t>Considering that this Project mixes interactive and displayable content using </a:t>
+            </a:r>
+            <a:r>
+              <a:rPr lang="en-US" sz="2400" b="0" i="0" dirty="0" err="1">
+                <a:solidFill>
+                  <a:srgbClr val="DCDDDE"/>
+                </a:solidFill>
+                <a:effectLst/>
+              </a:rPr>
+              <a:t>pygame</a:t>
+            </a:r>
+            <a:r>
+              <a:rPr lang="en-US" sz="2400" b="0" i="0" dirty="0">
+                <a:solidFill>
+                  <a:srgbClr val="DCDDDE"/>
+                </a:solidFill>
+                <a:effectLst/>
+              </a:rPr>
+              <a:t> and artificial intelligence algorithms makes it more engaging.</a:t>
+            </a:r>
+          </a:p>
+          <a:p>
+            <a:r>
+              <a:rPr lang="en-US" sz="2400" b="0" i="0" dirty="0">
+                <a:solidFill>
+                  <a:srgbClr val="DCDDDE"/>
+                </a:solidFill>
+                <a:effectLst/>
+              </a:rPr>
+              <a:t>In addiction, this Project helped us getting to know more about the content studied in theoretical and </a:t>
+            </a:r>
+            <a:r>
+              <a:rPr lang="en-US" sz="2400" b="0" i="0" dirty="0" err="1">
+                <a:solidFill>
+                  <a:srgbClr val="DCDDDE"/>
+                </a:solidFill>
+                <a:effectLst/>
+              </a:rPr>
+              <a:t>practial</a:t>
+            </a:r>
+            <a:r>
+              <a:rPr lang="en-US" sz="2400" b="0" i="0" dirty="0">
+                <a:solidFill>
+                  <a:srgbClr val="DCDDDE"/>
+                </a:solidFill>
+                <a:effectLst/>
+              </a:rPr>
+              <a:t> classes since we had to investigate ways of sorting out some problems related to rules and algorithm implementations.</a:t>
+            </a:r>
+          </a:p>
+          <a:p>
+            <a:r>
+              <a:rPr lang="en-US" sz="2400" b="0" i="0" dirty="0">
+                <a:solidFill>
+                  <a:srgbClr val="DCDDDE"/>
+                </a:solidFill>
+                <a:effectLst/>
+              </a:rPr>
+              <a:t>To sum up, above the complexity of this game and the problems we faced, we consider that the assignment was successfully completed and that all goals were fulfilled.</a:t>
+            </a:r>
+          </a:p>
+          <a:p>
+            <a:pPr marL="0" indent="0">
+              <a:buNone/>
+            </a:pPr>
+            <a:endParaRPr lang="pt-PT" dirty="0"/>
+          </a:p>
+        </p:txBody>
+      </p:sp>
+    </p:spTree>
+    <p:extLst>
+      <p:ext uri="{BB962C8B-B14F-4D97-AF65-F5344CB8AC3E}">
+        <p14:creationId xmlns:p14="http://schemas.microsoft.com/office/powerpoint/2010/main" val="813763422"/>
+      </p:ext>
+    </p:extLst>
+  </p:cSld>
+  <p:clrMapOvr>
+    <a:masterClrMapping/>
+  </p:clrMapOvr>
+</p:sld>
+</file>
+
+<file path=ppt/slides/slide11.xml><?xml version="1.0" encoding="utf-8"?>
+<p:sld xmlns:a="http://schemas.openxmlformats.org/drawingml/2006/main" xmlns:r="http://schemas.openxmlformats.org/officeDocument/2006/relationships" xmlns:p="http://schemas.openxmlformats.org/presentationml/2006/main">
+  <p:cSld>
+    <p:spTree>
+      <p:nvGrpSpPr>
+        <p:cNvPr id="1" name=""/>
+        <p:cNvGrpSpPr/>
+        <p:nvPr/>
+      </p:nvGrpSpPr>
+      <p:grpSpPr>
+        <a:xfrm>
+          <a:off x="0" y="0"/>
+          <a:ext cx="0" cy="0"/>
+          <a:chOff x="0" y="0"/>
+          <a:chExt cx="0" cy="0"/>
+        </a:xfrm>
+      </p:grpSpPr>
+      <p:sp>
+        <p:nvSpPr>
+          <p:cNvPr id="2" name="Título 1">
+            <a:extLst>
+              <a:ext uri="{FF2B5EF4-FFF2-40B4-BE49-F238E27FC236}">
+                <a16:creationId xmlns:a16="http://schemas.microsoft.com/office/drawing/2014/main" id="{F8F16900-914F-ECEA-47AA-07FE5C596BC6}"/>
+              </a:ext>
+            </a:extLst>
+          </p:cNvPr>
+          <p:cNvSpPr>
+            <a:spLocks noGrp="1"/>
+          </p:cNvSpPr>
+          <p:nvPr>
+            <p:ph type="title"/>
+          </p:nvPr>
+        </p:nvSpPr>
+        <p:spPr/>
+        <p:txBody>
+          <a:bodyPr/>
+          <a:lstStyle/>
+          <a:p>
+            <a:r>
+              <a:rPr lang="pt-PT" dirty="0" err="1"/>
+              <a:t>References</a:t>
+            </a:r>
+            <a:endParaRPr lang="pt-PT" dirty="0"/>
+          </a:p>
+        </p:txBody>
+      </p:sp>
+      <p:sp>
+        <p:nvSpPr>
+          <p:cNvPr id="3" name="Marcador de Posição de Conteúdo 2">
+            <a:extLst>
+              <a:ext uri="{FF2B5EF4-FFF2-40B4-BE49-F238E27FC236}">
+                <a16:creationId xmlns:a16="http://schemas.microsoft.com/office/drawing/2014/main" id="{891CC86F-CE43-DC97-26A6-7874C324AD8E}"/>
+              </a:ext>
+            </a:extLst>
+          </p:cNvPr>
+          <p:cNvSpPr>
+            <a:spLocks noGrp="1"/>
+          </p:cNvSpPr>
+          <p:nvPr>
+            <p:ph idx="1"/>
+          </p:nvPr>
+        </p:nvSpPr>
+        <p:spPr/>
+        <p:txBody>
+          <a:bodyPr/>
+          <a:lstStyle/>
+          <a:p>
+            <a:pPr>
+              <a:defRPr/>
+            </a:pPr>
+            <a:r>
+              <a:rPr lang="pt-PT" u="sng" dirty="0">
+                <a:hlinkClick r:id="rId2" tooltip="https://erich-friedman.github.io/puzzle/snake/"/>
+              </a:rPr>
+              <a:t>https://erich-friedman.github.io/puzzle/snake/</a:t>
+            </a:r>
+            <a:endParaRPr lang="pt-PT" dirty="0"/>
+          </a:p>
+          <a:p>
+            <a:pPr>
+              <a:defRPr/>
+            </a:pPr>
+            <a:r>
+              <a:rPr lang="pt-PT" u="sng" dirty="0">
+                <a:hlinkClick r:id="rId3" tooltip="https://moodle.up.pt/"/>
+              </a:rPr>
+              <a:t>https://moodle.up.pt/</a:t>
+            </a:r>
+            <a:r>
+              <a:rPr lang="pt-PT" dirty="0"/>
+              <a:t> (</a:t>
+            </a:r>
+            <a:r>
+              <a:rPr lang="pt-PT" dirty="0" err="1"/>
+              <a:t>course</a:t>
+            </a:r>
+            <a:r>
+              <a:rPr lang="pt-PT" dirty="0"/>
+              <a:t> files)</a:t>
+            </a:r>
+          </a:p>
+          <a:p>
+            <a:pPr>
+              <a:defRPr/>
+            </a:pPr>
+            <a:r>
+              <a:rPr lang="pt-PT" u="sng" dirty="0">
+                <a:hlinkClick r:id="rId4" tooltip="https://pedros.works/chess-snake"/>
+              </a:rPr>
+              <a:t>https://pedros.works/chess-snake</a:t>
+            </a:r>
+            <a:endParaRPr lang="pt-PT" u="sng" dirty="0"/>
+          </a:p>
+          <a:p>
+            <a:pPr>
+              <a:defRPr/>
+            </a:pPr>
+            <a:r>
+              <a:rPr lang="pt-PT" dirty="0">
+                <a:hlinkClick r:id="rId5"/>
+              </a:rPr>
+              <a:t>Python 3 Documentation</a:t>
+            </a:r>
+            <a:r>
+              <a:rPr lang="pt-PT" dirty="0"/>
+              <a:t>;</a:t>
+            </a:r>
+          </a:p>
+          <a:p>
+            <a:pPr>
+              <a:defRPr/>
+            </a:pPr>
+            <a:endParaRPr lang="pt-PT" dirty="0"/>
+          </a:p>
+          <a:p>
+            <a:pPr>
+              <a:defRPr/>
+            </a:pPr>
+            <a:endParaRPr lang="pt-PT" dirty="0"/>
+          </a:p>
+          <a:p>
+            <a:endParaRPr lang="pt-PT" dirty="0"/>
+          </a:p>
+        </p:txBody>
+      </p:sp>
+    </p:spTree>
+    <p:extLst>
+      <p:ext uri="{BB962C8B-B14F-4D97-AF65-F5344CB8AC3E}">
+        <p14:creationId xmlns:p14="http://schemas.microsoft.com/office/powerpoint/2010/main" val="1813734568"/>
+      </p:ext>
+    </p:extLst>
+  </p:cSld>
+  <p:clrMapOvr>
+    <a:masterClrMapping/>
+  </p:clrMapOvr>
+</p:sld>
+</file>
+
 <file path=ppt/slides/slide2.xml><?xml version="1.0" encoding="utf-8"?>
 <p:sld xmlns:a="http://schemas.openxmlformats.org/drawingml/2006/main" xmlns:r="http://schemas.openxmlformats.org/officeDocument/2006/relationships" xmlns:p="http://schemas.openxmlformats.org/presentationml/2006/main" showMasterPhAnim="0">
   <p:cSld>
@@ -7841,7 +8180,23 @@
             </a:pPr>
             <a:r>
               <a:rPr lang="pt-PT" sz="1400" dirty="0"/>
-              <a:t>Heuristic – As the main goal of the puzzle is to find a way to connect the 2 edges pf the board, an heuristic function can be defined as the remaining Manhattan distance from the current snake block to the finish tile, the largest difference between the chess piece with most attacks and the one with least attacks or a combination of both</a:t>
+              <a:t>Heuristic – As the main goal of the puzzle is to find a way to connect the 2 </a:t>
+            </a:r>
+            <a:r>
+              <a:rPr lang="pt-PT" sz="1400" dirty="0" err="1"/>
+              <a:t>edges</a:t>
+            </a:r>
+            <a:r>
+              <a:rPr lang="pt-PT" sz="1400" dirty="0"/>
+              <a:t> </a:t>
+            </a:r>
+            <a:r>
+              <a:rPr lang="pt-PT" sz="1400" dirty="0" err="1"/>
+              <a:t>of</a:t>
+            </a:r>
+            <a:r>
+              <a:rPr lang="pt-PT" sz="1400" dirty="0"/>
+              <a:t> the board, an heuristic function can be defined as the remaining Manhattan distance from the current snake block to the finish tile, the largest difference between the chess piece with most attacks and the one with least attacks or a combination of both</a:t>
             </a:r>
             <a:endParaRPr sz="1400" dirty="0"/>
           </a:p>
@@ -9531,7 +9886,7 @@
           <p:cNvPr id="2" name="Título 1">
             <a:extLst>
               <a:ext uri="{FF2B5EF4-FFF2-40B4-BE49-F238E27FC236}">
-                <a16:creationId xmlns:a16="http://schemas.microsoft.com/office/drawing/2014/main" id="{64704C5A-BCE7-4444-BB7C-BCCF7EF73487}"/>
+                <a16:creationId xmlns:a16="http://schemas.microsoft.com/office/drawing/2014/main" id="{F371DB74-2FD4-4603-9FFF-7314A30D18A7}"/>
               </a:ext>
             </a:extLst>
           </p:cNvPr>
@@ -9549,7 +9904,23 @@
           <a:p>
             <a:r>
               <a:rPr lang="pt-PT" dirty="0" err="1"/>
-              <a:t>Conclusion</a:t>
+              <a:t>Statistics</a:t>
+            </a:r>
+            <a:r>
+              <a:rPr lang="pt-PT" dirty="0"/>
+              <a:t> – </a:t>
+            </a:r>
+            <a:r>
+              <a:rPr lang="pt-PT" dirty="0" err="1"/>
+              <a:t>Algorithm</a:t>
+            </a:r>
+            <a:r>
+              <a:rPr lang="pt-PT" dirty="0"/>
+              <a:t> </a:t>
+            </a:r>
+            <a:r>
+              <a:rPr lang="pt-PT" dirty="0" err="1"/>
+              <a:t>analysis</a:t>
             </a:r>
             <a:endParaRPr lang="pt-PT" dirty="0"/>
           </a:p>
@@ -9560,7 +9931,7 @@
           <p:cNvPr id="3" name="Marcador de Posição de Conteúdo 2">
             <a:extLst>
               <a:ext uri="{FF2B5EF4-FFF2-40B4-BE49-F238E27FC236}">
-                <a16:creationId xmlns:a16="http://schemas.microsoft.com/office/drawing/2014/main" id="{0892E19F-DEDA-43CA-8ECC-2A6CC300D688}"/>
+                <a16:creationId xmlns:a16="http://schemas.microsoft.com/office/drawing/2014/main" id="{B1649DA8-2340-4C5A-BADA-2C5CB896519D}"/>
               </a:ext>
             </a:extLst>
           </p:cNvPr>
@@ -9571,19 +9942,418 @@
             <p:ph idx="1"/>
           </p:nvPr>
         </p:nvSpPr>
-        <p:spPr/>
+        <p:spPr>
+          <a:xfrm>
+            <a:off x="407368" y="2060848"/>
+            <a:ext cx="11377264" cy="4043235"/>
+          </a:xfrm>
+        </p:spPr>
         <p:txBody>
-          <a:bodyPr/>
+          <a:bodyPr>
+            <a:normAutofit lnSpcReduction="10000"/>
+          </a:bodyPr>
           <a:lstStyle/>
           <a:p>
-            <a:endParaRPr lang="pt-PT"/>
+            <a:pPr marL="0" indent="0">
+              <a:buNone/>
+            </a:pPr>
+            <a:r>
+              <a:rPr lang="pt-PT" dirty="0" err="1"/>
+              <a:t>Analysing</a:t>
+            </a:r>
+            <a:r>
+              <a:rPr lang="pt-PT" dirty="0"/>
+              <a:t> </a:t>
+            </a:r>
+            <a:r>
+              <a:rPr lang="pt-PT" dirty="0" err="1"/>
+              <a:t>the</a:t>
+            </a:r>
+            <a:r>
+              <a:rPr lang="pt-PT" dirty="0"/>
+              <a:t> </a:t>
+            </a:r>
+            <a:r>
+              <a:rPr lang="pt-PT" dirty="0" err="1"/>
+              <a:t>results</a:t>
+            </a:r>
+            <a:r>
+              <a:rPr lang="pt-PT" dirty="0"/>
+              <a:t> </a:t>
+            </a:r>
+            <a:r>
+              <a:rPr lang="pt-PT" dirty="0" err="1"/>
+              <a:t>obtained</a:t>
+            </a:r>
+            <a:r>
+              <a:rPr lang="pt-PT" dirty="0"/>
+              <a:t> for </a:t>
+            </a:r>
+            <a:r>
+              <a:rPr lang="pt-PT" dirty="0" err="1"/>
+              <a:t>each</a:t>
+            </a:r>
+            <a:r>
+              <a:rPr lang="pt-PT" dirty="0"/>
+              <a:t> </a:t>
+            </a:r>
+            <a:r>
+              <a:rPr lang="pt-PT" dirty="0" err="1"/>
+              <a:t>algorithm</a:t>
+            </a:r>
+            <a:r>
+              <a:rPr lang="pt-PT" dirty="0"/>
+              <a:t>, </a:t>
+            </a:r>
+            <a:r>
+              <a:rPr lang="pt-PT" dirty="0" err="1"/>
+              <a:t>we</a:t>
+            </a:r>
+            <a:r>
+              <a:rPr lang="pt-PT" dirty="0"/>
+              <a:t> observe </a:t>
+            </a:r>
+            <a:r>
+              <a:rPr lang="pt-PT" dirty="0" err="1"/>
+              <a:t>that</a:t>
+            </a:r>
+            <a:r>
+              <a:rPr lang="pt-PT" dirty="0"/>
+              <a:t>:</a:t>
+            </a:r>
+          </a:p>
+          <a:p>
+            <a:r>
+              <a:rPr lang="pt-PT" dirty="0" err="1"/>
+              <a:t>Greedy</a:t>
+            </a:r>
+            <a:r>
+              <a:rPr lang="pt-PT" dirty="0"/>
+              <a:t> </a:t>
+            </a:r>
+            <a:r>
+              <a:rPr lang="pt-PT" dirty="0" err="1"/>
+              <a:t>is</a:t>
+            </a:r>
+            <a:r>
+              <a:rPr lang="pt-PT" dirty="0"/>
+              <a:t> </a:t>
+            </a:r>
+            <a:r>
+              <a:rPr lang="pt-PT" dirty="0" err="1"/>
+              <a:t>the</a:t>
+            </a:r>
+            <a:r>
+              <a:rPr lang="pt-PT" dirty="0"/>
+              <a:t> </a:t>
+            </a:r>
+            <a:r>
+              <a:rPr lang="pt-PT" dirty="0" err="1"/>
+              <a:t>fastest</a:t>
+            </a:r>
+            <a:r>
+              <a:rPr lang="pt-PT" dirty="0"/>
+              <a:t> in </a:t>
+            </a:r>
+            <a:r>
+              <a:rPr lang="pt-PT" dirty="0" err="1"/>
+              <a:t>execution</a:t>
+            </a:r>
+            <a:r>
+              <a:rPr lang="pt-PT" dirty="0"/>
+              <a:t> time </a:t>
+            </a:r>
+            <a:r>
+              <a:rPr lang="pt-PT" dirty="0" err="1"/>
+              <a:t>and</a:t>
+            </a:r>
+            <a:r>
+              <a:rPr lang="pt-PT" dirty="0"/>
+              <a:t> </a:t>
+            </a:r>
+            <a:r>
+              <a:rPr lang="pt-PT" dirty="0" err="1"/>
+              <a:t>has</a:t>
+            </a:r>
+            <a:r>
+              <a:rPr lang="pt-PT" dirty="0"/>
+              <a:t> </a:t>
+            </a:r>
+            <a:r>
+              <a:rPr lang="pt-PT" dirty="0" err="1"/>
+              <a:t>the</a:t>
+            </a:r>
+            <a:r>
+              <a:rPr lang="pt-PT" dirty="0"/>
+              <a:t> </a:t>
+            </a:r>
+            <a:r>
+              <a:rPr lang="pt-PT" dirty="0" err="1"/>
+              <a:t>lowest</a:t>
+            </a:r>
+            <a:r>
+              <a:rPr lang="pt-PT" dirty="0"/>
+              <a:t> </a:t>
+            </a:r>
+            <a:r>
+              <a:rPr lang="pt-PT" dirty="0" err="1"/>
+              <a:t>number</a:t>
+            </a:r>
+            <a:r>
+              <a:rPr lang="pt-PT" dirty="0"/>
+              <a:t> </a:t>
+            </a:r>
+            <a:r>
+              <a:rPr lang="pt-PT" dirty="0" err="1"/>
+              <a:t>of</a:t>
+            </a:r>
+            <a:r>
+              <a:rPr lang="pt-PT" dirty="0"/>
+              <a:t> </a:t>
+            </a:r>
+            <a:r>
+              <a:rPr lang="pt-PT" dirty="0" err="1"/>
+              <a:t>expanded</a:t>
+            </a:r>
+            <a:r>
+              <a:rPr lang="pt-PT" dirty="0"/>
+              <a:t> nodes;</a:t>
+            </a:r>
+          </a:p>
+          <a:p>
+            <a:r>
+              <a:rPr lang="pt-PT" dirty="0"/>
+              <a:t>DFS </a:t>
+            </a:r>
+            <a:r>
+              <a:rPr lang="pt-PT" dirty="0" err="1"/>
+              <a:t>has</a:t>
+            </a:r>
+            <a:r>
+              <a:rPr lang="pt-PT" dirty="0"/>
+              <a:t>, </a:t>
+            </a:r>
+            <a:r>
+              <a:rPr lang="pt-PT" dirty="0" err="1"/>
+              <a:t>on</a:t>
+            </a:r>
+            <a:r>
+              <a:rPr lang="pt-PT" dirty="0"/>
+              <a:t> </a:t>
+            </a:r>
+            <a:r>
+              <a:rPr lang="pt-PT" dirty="0" err="1"/>
+              <a:t>average</a:t>
+            </a:r>
+            <a:r>
+              <a:rPr lang="pt-PT" dirty="0"/>
+              <a:t>, </a:t>
+            </a:r>
+            <a:r>
+              <a:rPr lang="pt-PT" dirty="0" err="1"/>
+              <a:t>the</a:t>
+            </a:r>
+            <a:r>
+              <a:rPr lang="pt-PT" dirty="0"/>
+              <a:t> </a:t>
+            </a:r>
+            <a:r>
+              <a:rPr lang="pt-PT" dirty="0" err="1"/>
+              <a:t>biggest</a:t>
+            </a:r>
+            <a:r>
+              <a:rPr lang="pt-PT" dirty="0"/>
+              <a:t> </a:t>
+            </a:r>
+            <a:r>
+              <a:rPr lang="pt-PT" dirty="0" err="1"/>
+              <a:t>number</a:t>
+            </a:r>
+            <a:r>
+              <a:rPr lang="pt-PT" dirty="0"/>
+              <a:t> os </a:t>
+            </a:r>
+            <a:r>
+              <a:rPr lang="pt-PT" dirty="0" err="1"/>
+              <a:t>expanded</a:t>
+            </a:r>
+            <a:r>
+              <a:rPr lang="pt-PT" dirty="0"/>
+              <a:t> nodes, </a:t>
+            </a:r>
+            <a:r>
+              <a:rPr lang="pt-PT" dirty="0" err="1"/>
+              <a:t>which</a:t>
+            </a:r>
+            <a:r>
+              <a:rPr lang="pt-PT" dirty="0"/>
+              <a:t> </a:t>
+            </a:r>
+            <a:r>
+              <a:rPr lang="pt-PT" dirty="0" err="1"/>
+              <a:t>results</a:t>
+            </a:r>
+            <a:r>
+              <a:rPr lang="pt-PT" dirty="0"/>
+              <a:t> </a:t>
+            </a:r>
+            <a:r>
+              <a:rPr lang="pt-PT" dirty="0" err="1"/>
+              <a:t>on</a:t>
+            </a:r>
+            <a:r>
+              <a:rPr lang="pt-PT" dirty="0"/>
+              <a:t> more </a:t>
+            </a:r>
+            <a:r>
+              <a:rPr lang="pt-PT" dirty="0" err="1"/>
+              <a:t>memory</a:t>
+            </a:r>
+            <a:r>
+              <a:rPr lang="pt-PT" dirty="0"/>
+              <a:t> </a:t>
+            </a:r>
+            <a:r>
+              <a:rPr lang="pt-PT" dirty="0" err="1"/>
+              <a:t>used</a:t>
+            </a:r>
+            <a:r>
+              <a:rPr lang="pt-PT" dirty="0"/>
+              <a:t>;</a:t>
+            </a:r>
+          </a:p>
+          <a:p>
+            <a:r>
+              <a:rPr lang="pt-PT" dirty="0" err="1"/>
+              <a:t>A-star</a:t>
+            </a:r>
+            <a:r>
+              <a:rPr lang="pt-PT" dirty="0"/>
+              <a:t> </a:t>
+            </a:r>
+            <a:r>
+              <a:rPr lang="pt-PT" dirty="0" err="1"/>
+              <a:t>is</a:t>
+            </a:r>
+            <a:r>
+              <a:rPr lang="pt-PT" dirty="0"/>
+              <a:t> </a:t>
+            </a:r>
+            <a:r>
+              <a:rPr lang="pt-PT" dirty="0" err="1"/>
+              <a:t>the</a:t>
+            </a:r>
+            <a:r>
+              <a:rPr lang="pt-PT" dirty="0"/>
+              <a:t> </a:t>
+            </a:r>
+            <a:r>
+              <a:rPr lang="pt-PT" dirty="0" err="1"/>
+              <a:t>most</a:t>
+            </a:r>
+            <a:r>
+              <a:rPr lang="pt-PT" dirty="0"/>
+              <a:t> </a:t>
+            </a:r>
+            <a:r>
+              <a:rPr lang="pt-PT" dirty="0" err="1"/>
+              <a:t>incosistent</a:t>
+            </a:r>
+            <a:r>
+              <a:rPr lang="pt-PT" dirty="0"/>
+              <a:t> </a:t>
+            </a:r>
+            <a:r>
+              <a:rPr lang="pt-PT" dirty="0" err="1"/>
+              <a:t>algorithm</a:t>
+            </a:r>
+            <a:r>
+              <a:rPr lang="pt-PT" dirty="0"/>
+              <a:t> in </a:t>
+            </a:r>
+            <a:r>
+              <a:rPr lang="pt-PT" dirty="0" err="1"/>
+              <a:t>terms</a:t>
+            </a:r>
+            <a:r>
+              <a:rPr lang="pt-PT" dirty="0"/>
+              <a:t> </a:t>
+            </a:r>
+            <a:r>
+              <a:rPr lang="pt-PT" dirty="0" err="1"/>
+              <a:t>of</a:t>
+            </a:r>
+            <a:r>
+              <a:rPr lang="pt-PT" dirty="0"/>
+              <a:t> </a:t>
+            </a:r>
+            <a:r>
+              <a:rPr lang="pt-PT" dirty="0" err="1"/>
+              <a:t>execution</a:t>
+            </a:r>
+            <a:r>
+              <a:rPr lang="pt-PT" dirty="0"/>
+              <a:t> time, </a:t>
+            </a:r>
+            <a:r>
+              <a:rPr lang="pt-PT" dirty="0" err="1"/>
+              <a:t>although</a:t>
+            </a:r>
+            <a:r>
+              <a:rPr lang="pt-PT" dirty="0"/>
+              <a:t> for </a:t>
+            </a:r>
+            <a:r>
+              <a:rPr lang="pt-PT" dirty="0" err="1"/>
+              <a:t>expanded</a:t>
+            </a:r>
+            <a:r>
+              <a:rPr lang="pt-PT" dirty="0"/>
+              <a:t> nodes </a:t>
+            </a:r>
+            <a:r>
+              <a:rPr lang="pt-PT" dirty="0" err="1"/>
+              <a:t>is</a:t>
+            </a:r>
+            <a:r>
+              <a:rPr lang="pt-PT" dirty="0"/>
+              <a:t> </a:t>
+            </a:r>
+            <a:r>
+              <a:rPr lang="pt-PT" dirty="0" err="1"/>
+              <a:t>the</a:t>
+            </a:r>
+            <a:r>
+              <a:rPr lang="pt-PT" dirty="0"/>
+              <a:t> DFS </a:t>
+            </a:r>
+            <a:r>
+              <a:rPr lang="pt-PT" dirty="0" err="1"/>
+              <a:t>algorithm</a:t>
+            </a:r>
+            <a:r>
+              <a:rPr lang="pt-PT" dirty="0"/>
+              <a:t>;</a:t>
+            </a:r>
+          </a:p>
+          <a:p>
+            <a:endParaRPr lang="pt-PT" dirty="0"/>
+          </a:p>
+          <a:p>
+            <a:endParaRPr lang="pt-PT" dirty="0"/>
+          </a:p>
+          <a:p>
+            <a:endParaRPr lang="pt-PT" dirty="0"/>
+          </a:p>
+          <a:p>
+            <a:endParaRPr lang="pt-PT" dirty="0"/>
           </a:p>
         </p:txBody>
       </p:sp>
     </p:spTree>
     <p:extLst>
       <p:ext uri="{BB962C8B-B14F-4D97-AF65-F5344CB8AC3E}">
-        <p14:creationId xmlns:p14="http://schemas.microsoft.com/office/powerpoint/2010/main" val="813763422"/>
+        <p14:creationId xmlns:p14="http://schemas.microsoft.com/office/powerpoint/2010/main" val="1016600409"/>
       </p:ext>
     </p:extLst>
   </p:cSld>
@@ -9615,7 +10385,7 @@
           <p:cNvPr id="2" name="Título 1">
             <a:extLst>
               <a:ext uri="{FF2B5EF4-FFF2-40B4-BE49-F238E27FC236}">
-                <a16:creationId xmlns:a16="http://schemas.microsoft.com/office/drawing/2014/main" id="{F8F16900-914F-ECEA-47AA-07FE5C596BC6}"/>
+                <a16:creationId xmlns:a16="http://schemas.microsoft.com/office/drawing/2014/main" id="{29CEFD32-A1AB-42FD-9AA3-CA0E1394BA0A}"/>
               </a:ext>
             </a:extLst>
           </p:cNvPr>
@@ -9633,7 +10403,23 @@
           <a:p>
             <a:r>
               <a:rPr lang="pt-PT" dirty="0" err="1"/>
-              <a:t>References</a:t>
+              <a:t>Statistics</a:t>
+            </a:r>
+            <a:r>
+              <a:rPr lang="pt-PT" dirty="0"/>
+              <a:t> – </a:t>
+            </a:r>
+            <a:r>
+              <a:rPr lang="pt-PT" dirty="0" err="1"/>
+              <a:t>Heuristic</a:t>
+            </a:r>
+            <a:r>
+              <a:rPr lang="pt-PT" dirty="0"/>
+              <a:t> </a:t>
+            </a:r>
+            <a:r>
+              <a:rPr lang="pt-PT" dirty="0" err="1"/>
+              <a:t>analysis</a:t>
             </a:r>
             <a:endParaRPr lang="pt-PT" dirty="0"/>
           </a:p>
@@ -9644,7 +10430,7 @@
           <p:cNvPr id="3" name="Marcador de Posição de Conteúdo 2">
             <a:extLst>
               <a:ext uri="{FF2B5EF4-FFF2-40B4-BE49-F238E27FC236}">
-                <a16:creationId xmlns:a16="http://schemas.microsoft.com/office/drawing/2014/main" id="{891CC86F-CE43-DC97-26A6-7874C324AD8E}"/>
+                <a16:creationId xmlns:a16="http://schemas.microsoft.com/office/drawing/2014/main" id="{097C90B0-CFCF-4550-9F52-B398103B8C43}"/>
               </a:ext>
             </a:extLst>
           </p:cNvPr>
@@ -9655,82 +10441,305 @@
             <p:ph idx="1"/>
           </p:nvPr>
         </p:nvSpPr>
-        <p:spPr/>
+        <p:spPr>
+          <a:xfrm>
+            <a:off x="407368" y="2132856"/>
+            <a:ext cx="11305256" cy="3971227"/>
+          </a:xfrm>
+        </p:spPr>
         <p:txBody>
           <a:bodyPr/>
           <a:lstStyle/>
           <a:p>
-            <a:pPr>
-              <a:defRPr/>
-            </a:pPr>
-            <a:r>
-              <a:rPr lang="pt-PT" u="sng" dirty="0">
-                <a:hlinkClick r:id="rId2" tooltip="https://erich-friedman.github.io/puzzle/snake/"/>
-              </a:rPr>
-              <a:t>https://erich-friedman.github.io/puzzle/snake/</a:t>
-            </a:r>
+            <a:pPr marL="0" indent="0">
+              <a:buNone/>
+            </a:pPr>
+            <a:r>
+              <a:rPr lang="pt-PT" dirty="0" err="1"/>
+              <a:t>Analysing</a:t>
+            </a:r>
+            <a:r>
+              <a:rPr lang="pt-PT" dirty="0"/>
+              <a:t> </a:t>
+            </a:r>
+            <a:r>
+              <a:rPr lang="pt-PT" dirty="0" err="1"/>
+              <a:t>the</a:t>
+            </a:r>
+            <a:r>
+              <a:rPr lang="pt-PT" dirty="0"/>
+              <a:t> </a:t>
+            </a:r>
+            <a:r>
+              <a:rPr lang="pt-PT" dirty="0" err="1"/>
+              <a:t>results</a:t>
+            </a:r>
+            <a:r>
+              <a:rPr lang="pt-PT" dirty="0"/>
+              <a:t> </a:t>
+            </a:r>
+            <a:r>
+              <a:rPr lang="pt-PT" dirty="0" err="1"/>
+              <a:t>obtained</a:t>
+            </a:r>
+            <a:r>
+              <a:rPr lang="pt-PT" dirty="0"/>
+              <a:t> for </a:t>
+            </a:r>
+            <a:r>
+              <a:rPr lang="pt-PT" dirty="0" err="1"/>
+              <a:t>each</a:t>
+            </a:r>
+            <a:r>
+              <a:rPr lang="pt-PT" dirty="0"/>
+              <a:t> </a:t>
+            </a:r>
+            <a:r>
+              <a:rPr lang="pt-PT" dirty="0" err="1"/>
+              <a:t>heuristic</a:t>
+            </a:r>
+            <a:r>
+              <a:rPr lang="pt-PT" dirty="0"/>
+              <a:t>, </a:t>
+            </a:r>
+            <a:r>
+              <a:rPr lang="pt-PT" dirty="0" err="1"/>
+              <a:t>we</a:t>
+            </a:r>
+            <a:r>
+              <a:rPr lang="pt-PT" dirty="0"/>
+              <a:t> observe </a:t>
+            </a:r>
+            <a:r>
+              <a:rPr lang="pt-PT" dirty="0" err="1"/>
+              <a:t>that</a:t>
+            </a:r>
+            <a:r>
+              <a:rPr lang="pt-PT" dirty="0"/>
+              <a:t> :</a:t>
+            </a:r>
+          </a:p>
+          <a:p>
+            <a:r>
+              <a:rPr lang="pt-PT" dirty="0" err="1"/>
+              <a:t>Heuristic</a:t>
+            </a:r>
+            <a:r>
+              <a:rPr lang="pt-PT" dirty="0"/>
+              <a:t> 2 </a:t>
+            </a:r>
+            <a:r>
+              <a:rPr lang="pt-PT" dirty="0" err="1"/>
+              <a:t>is</a:t>
+            </a:r>
+            <a:r>
+              <a:rPr lang="pt-PT" dirty="0"/>
+              <a:t> </a:t>
+            </a:r>
+            <a:r>
+              <a:rPr lang="pt-PT" dirty="0" err="1"/>
+              <a:t>the</a:t>
+            </a:r>
+            <a:r>
+              <a:rPr lang="pt-PT" dirty="0"/>
+              <a:t> </a:t>
+            </a:r>
+            <a:r>
+              <a:rPr lang="pt-PT" dirty="0" err="1"/>
+              <a:t>fastest</a:t>
+            </a:r>
+            <a:r>
+              <a:rPr lang="pt-PT" dirty="0"/>
+              <a:t> in </a:t>
+            </a:r>
+            <a:r>
+              <a:rPr lang="pt-PT" dirty="0" err="1"/>
+              <a:t>terms</a:t>
+            </a:r>
+            <a:r>
+              <a:rPr lang="pt-PT" dirty="0"/>
+              <a:t> </a:t>
+            </a:r>
+            <a:r>
+              <a:rPr lang="pt-PT" dirty="0" err="1"/>
+              <a:t>of</a:t>
+            </a:r>
+            <a:r>
+              <a:rPr lang="pt-PT" dirty="0"/>
+              <a:t> </a:t>
+            </a:r>
+            <a:r>
+              <a:rPr lang="pt-PT" dirty="0" err="1"/>
+              <a:t>execution</a:t>
+            </a:r>
+            <a:r>
+              <a:rPr lang="pt-PT" dirty="0"/>
+              <a:t> time </a:t>
+            </a:r>
+            <a:r>
+              <a:rPr lang="pt-PT" dirty="0" err="1"/>
+              <a:t>and</a:t>
+            </a:r>
+            <a:r>
+              <a:rPr lang="pt-PT" dirty="0"/>
+              <a:t> </a:t>
+            </a:r>
+            <a:r>
+              <a:rPr lang="pt-PT" dirty="0" err="1"/>
+              <a:t>memory</a:t>
+            </a:r>
+            <a:r>
+              <a:rPr lang="pt-PT" dirty="0"/>
+              <a:t> </a:t>
+            </a:r>
+            <a:r>
+              <a:rPr lang="pt-PT" dirty="0" err="1"/>
+              <a:t>usage</a:t>
+            </a:r>
+            <a:r>
+              <a:rPr lang="pt-PT" dirty="0"/>
+              <a:t> </a:t>
+            </a:r>
+            <a:r>
+              <a:rPr lang="pt-PT" dirty="0" err="1"/>
+              <a:t>with</a:t>
+            </a:r>
+            <a:r>
+              <a:rPr lang="pt-PT" dirty="0"/>
+              <a:t> </a:t>
+            </a:r>
+            <a:r>
+              <a:rPr lang="pt-PT" dirty="0" err="1"/>
+              <a:t>Greedy</a:t>
+            </a:r>
+            <a:r>
+              <a:rPr lang="pt-PT" dirty="0"/>
+              <a:t> </a:t>
+            </a:r>
+            <a:r>
+              <a:rPr lang="pt-PT" dirty="0" err="1"/>
+              <a:t>algorithm</a:t>
+            </a:r>
+            <a:r>
+              <a:rPr lang="pt-PT" dirty="0"/>
+              <a:t>. </a:t>
+            </a:r>
+            <a:r>
+              <a:rPr lang="pt-PT" dirty="0" err="1"/>
+              <a:t>With</a:t>
+            </a:r>
+            <a:r>
+              <a:rPr lang="pt-PT" dirty="0"/>
+              <a:t> A*, </a:t>
+            </a:r>
+            <a:r>
+              <a:rPr lang="pt-PT" dirty="0" err="1"/>
+              <a:t>heuristic</a:t>
+            </a:r>
+            <a:r>
+              <a:rPr lang="pt-PT" dirty="0"/>
+              <a:t> 1 </a:t>
+            </a:r>
+            <a:r>
+              <a:rPr lang="pt-PT" dirty="0" err="1"/>
+              <a:t>is</a:t>
+            </a:r>
+            <a:r>
+              <a:rPr lang="pt-PT" dirty="0"/>
+              <a:t> </a:t>
+            </a:r>
+            <a:r>
+              <a:rPr lang="pt-PT" dirty="0" err="1"/>
+              <a:t>the</a:t>
+            </a:r>
+            <a:r>
+              <a:rPr lang="pt-PT" dirty="0"/>
+              <a:t> </a:t>
+            </a:r>
+            <a:r>
+              <a:rPr lang="pt-PT" dirty="0" err="1"/>
+              <a:t>fastest</a:t>
+            </a:r>
+            <a:r>
+              <a:rPr lang="pt-PT" dirty="0"/>
+              <a:t>;</a:t>
+            </a:r>
+          </a:p>
+          <a:p>
+            <a:r>
+              <a:rPr lang="pt-PT" dirty="0"/>
+              <a:t>In general </a:t>
+            </a:r>
+            <a:r>
+              <a:rPr lang="pt-PT" dirty="0" err="1"/>
+              <a:t>heuristic</a:t>
+            </a:r>
+            <a:r>
+              <a:rPr lang="pt-PT" dirty="0"/>
+              <a:t> 3 </a:t>
+            </a:r>
+            <a:r>
+              <a:rPr lang="pt-PT" dirty="0" err="1"/>
+              <a:t>is</a:t>
+            </a:r>
+            <a:r>
+              <a:rPr lang="pt-PT" dirty="0"/>
+              <a:t> </a:t>
+            </a:r>
+            <a:r>
+              <a:rPr lang="pt-PT" dirty="0" err="1"/>
+              <a:t>the</a:t>
+            </a:r>
+            <a:r>
+              <a:rPr lang="pt-PT" dirty="0"/>
+              <a:t> </a:t>
+            </a:r>
+            <a:r>
+              <a:rPr lang="pt-PT" dirty="0" err="1"/>
+              <a:t>most</a:t>
+            </a:r>
+            <a:r>
+              <a:rPr lang="pt-PT" dirty="0"/>
+              <a:t> </a:t>
+            </a:r>
+            <a:r>
+              <a:rPr lang="pt-PT" dirty="0" err="1"/>
+              <a:t>consistent</a:t>
+            </a:r>
+            <a:r>
+              <a:rPr lang="pt-PT" dirty="0"/>
+              <a:t>, in </a:t>
+            </a:r>
+            <a:r>
+              <a:rPr lang="pt-PT" dirty="0" err="1"/>
+              <a:t>all</a:t>
+            </a:r>
+            <a:r>
+              <a:rPr lang="pt-PT" dirty="0"/>
+              <a:t> </a:t>
+            </a:r>
+            <a:r>
+              <a:rPr lang="pt-PT" dirty="0" err="1"/>
+              <a:t>algorithms</a:t>
+            </a:r>
+            <a:r>
+              <a:rPr lang="pt-PT" dirty="0"/>
+              <a:t>;</a:t>
+            </a:r>
+          </a:p>
+          <a:p>
             <a:endParaRPr lang="pt-PT" dirty="0"/>
           </a:p>
           <a:p>
-            <a:pPr>
-              <a:defRPr/>
-            </a:pPr>
-            <a:r>
-              <a:rPr lang="pt-PT" u="sng" dirty="0">
-                <a:hlinkClick r:id="rId3" tooltip="https://moodle.up.pt/"/>
-              </a:rPr>
-              <a:t>https://moodle.up.pt/</a:t>
-            </a:r>
-            <a:r>
-              <a:rPr lang="pt-PT" dirty="0"/>
-              <a:t> (</a:t>
-            </a:r>
-            <a:r>
-              <a:rPr lang="pt-PT" dirty="0" err="1"/>
-              <a:t>course</a:t>
-            </a:r>
-            <a:r>
-              <a:rPr lang="pt-PT" dirty="0"/>
-              <a:t> files)</a:t>
-            </a:r>
-          </a:p>
-          <a:p>
-            <a:pPr>
-              <a:defRPr/>
-            </a:pPr>
-            <a:r>
-              <a:rPr lang="pt-PT" u="sng" dirty="0">
-                <a:hlinkClick r:id="rId4" tooltip="https://pedros.works/chess-snake"/>
-              </a:rPr>
-              <a:t>https://pedros.works/chess-snake</a:t>
-            </a:r>
-            <a:endParaRPr lang="pt-PT" u="sng" dirty="0"/>
-          </a:p>
-          <a:p>
-            <a:pPr>
-              <a:defRPr/>
-            </a:pPr>
-            <a:r>
-              <a:rPr lang="pt-PT" dirty="0">
-                <a:hlinkClick r:id="rId5"/>
-              </a:rPr>
-              <a:t>Python 3 Documentation</a:t>
-            </a:r>
-            <a:r>
-              <a:rPr lang="pt-PT" dirty="0"/>
-              <a:t>;</a:t>
-            </a:r>
-          </a:p>
-          <a:p>
-            <a:pPr>
-              <a:defRPr/>
-            </a:pPr>
             <a:endParaRPr lang="pt-PT" dirty="0"/>
           </a:p>
           <a:p>
-            <a:pPr>
-              <a:defRPr/>
-            </a:pPr>
+            <a:endParaRPr lang="pt-PT" dirty="0"/>
+          </a:p>
+          <a:p>
+            <a:endParaRPr lang="pt-PT" dirty="0"/>
+          </a:p>
+          <a:p>
             <a:endParaRPr lang="pt-PT" dirty="0"/>
           </a:p>
           <a:p>
@@ -9741,7 +10750,7 @@
     </p:spTree>
     <p:extLst>
       <p:ext uri="{BB962C8B-B14F-4D97-AF65-F5344CB8AC3E}">
-        <p14:creationId xmlns:p14="http://schemas.microsoft.com/office/powerpoint/2010/main" val="1813734568"/>
+        <p14:creationId xmlns:p14="http://schemas.microsoft.com/office/powerpoint/2010/main" val="1044334232"/>
       </p:ext>
     </p:extLst>
   </p:cSld>

--- a/Chess Snake Puzzles – 2022 IA Project - Final Delivery.pptx
+++ b/Chess Snake Puzzles – 2022 IA Project - Final Delivery.pptx
@@ -146,7 +146,7 @@
   <pc:docChgLst>
     <pc:chgData name="Carlos Gomes" userId="befe0c0c48f41b83" providerId="LiveId" clId="{1FAC947E-5D31-4632-AFA2-6C66DC948B4A}"/>
     <pc:docChg chg="undo custSel modSld">
-      <pc:chgData name="Carlos Gomes" userId="befe0c0c48f41b83" providerId="LiveId" clId="{1FAC947E-5D31-4632-AFA2-6C66DC948B4A}" dt="2022-04-25T17:01:53.875" v="1371" actId="27918"/>
+      <pc:chgData name="Carlos Gomes" userId="befe0c0c48f41b83" providerId="LiveId" clId="{1FAC947E-5D31-4632-AFA2-6C66DC948B4A}" dt="2022-04-25T18:55:47.840" v="2560" actId="6549"/>
       <pc:docMkLst>
         <pc:docMk/>
       </pc:docMkLst>
@@ -272,6 +272,51 @@
           </ac:graphicFrameMkLst>
         </pc:graphicFrameChg>
       </pc:sldChg>
+      <pc:sldChg chg="modSp mod">
+        <pc:chgData name="Carlos Gomes" userId="befe0c0c48f41b83" providerId="LiveId" clId="{1FAC947E-5D31-4632-AFA2-6C66DC948B4A}" dt="2022-04-25T18:50:27.439" v="2148" actId="20577"/>
+        <pc:sldMkLst>
+          <pc:docMk/>
+          <pc:sldMk cId="813763422" sldId="267"/>
+        </pc:sldMkLst>
+        <pc:spChg chg="mod">
+          <ac:chgData name="Carlos Gomes" userId="befe0c0c48f41b83" providerId="LiveId" clId="{1FAC947E-5D31-4632-AFA2-6C66DC948B4A}" dt="2022-04-25T18:50:27.439" v="2148" actId="20577"/>
+          <ac:spMkLst>
+            <pc:docMk/>
+            <pc:sldMk cId="813763422" sldId="267"/>
+            <ac:spMk id="3" creationId="{0892E19F-DEDA-43CA-8ECC-2A6CC300D688}"/>
+          </ac:spMkLst>
+        </pc:spChg>
+      </pc:sldChg>
+      <pc:sldChg chg="modSp mod">
+        <pc:chgData name="Carlos Gomes" userId="befe0c0c48f41b83" providerId="LiveId" clId="{1FAC947E-5D31-4632-AFA2-6C66DC948B4A}" dt="2022-04-25T18:55:47.840" v="2560" actId="6549"/>
+        <pc:sldMkLst>
+          <pc:docMk/>
+          <pc:sldMk cId="1016600409" sldId="268"/>
+        </pc:sldMkLst>
+        <pc:spChg chg="mod">
+          <ac:chgData name="Carlos Gomes" userId="befe0c0c48f41b83" providerId="LiveId" clId="{1FAC947E-5D31-4632-AFA2-6C66DC948B4A}" dt="2022-04-25T18:55:47.840" v="2560" actId="6549"/>
+          <ac:spMkLst>
+            <pc:docMk/>
+            <pc:sldMk cId="1016600409" sldId="268"/>
+            <ac:spMk id="3" creationId="{B1649DA8-2340-4C5A-BADA-2C5CB896519D}"/>
+          </ac:spMkLst>
+        </pc:spChg>
+      </pc:sldChg>
+      <pc:sldChg chg="modSp mod">
+        <pc:chgData name="Carlos Gomes" userId="befe0c0c48f41b83" providerId="LiveId" clId="{1FAC947E-5D31-4632-AFA2-6C66DC948B4A}" dt="2022-04-25T18:53:05.487" v="2177" actId="20577"/>
+        <pc:sldMkLst>
+          <pc:docMk/>
+          <pc:sldMk cId="1044334232" sldId="269"/>
+        </pc:sldMkLst>
+        <pc:spChg chg="mod">
+          <ac:chgData name="Carlos Gomes" userId="befe0c0c48f41b83" providerId="LiveId" clId="{1FAC947E-5D31-4632-AFA2-6C66DC948B4A}" dt="2022-04-25T18:53:05.487" v="2177" actId="20577"/>
+          <ac:spMkLst>
+            <pc:docMk/>
+            <pc:sldMk cId="1044334232" sldId="269"/>
+            <ac:spMk id="3" creationId="{097C90B0-CFCF-4550-9F52-B398103B8C43}"/>
+          </ac:spMkLst>
+        </pc:spChg>
+      </pc:sldChg>
     </pc:docChg>
   </pc:docChgLst>
 </pc:chgInfo>
@@ -280,7 +325,7 @@
 <file path=ppt/charts/chart1.xml><?xml version="1.0" encoding="utf-8"?>
 <c:chartSpace xmlns:c="http://schemas.openxmlformats.org/drawingml/2006/chart" xmlns:a="http://schemas.openxmlformats.org/drawingml/2006/main" xmlns:r="http://schemas.openxmlformats.org/officeDocument/2006/relationships" xmlns:c16r2="http://schemas.microsoft.com/office/drawing/2015/06/chart">
   <c:date1904 val="0"/>
-  <c:lang val="pt-PT"/>
+  <c:lang val="en-US"/>
   <c:roundedCorners val="0"/>
   <mc:AlternateContent xmlns:mc="http://schemas.openxmlformats.org/markup-compatibility/2006">
     <mc:Choice xmlns:c14="http://schemas.microsoft.com/office/drawing/2007/8/2/chart" Requires="c14">
@@ -1090,7 +1135,7 @@
 <file path=ppt/charts/chart2.xml><?xml version="1.0" encoding="utf-8"?>
 <c:chartSpace xmlns:c="http://schemas.openxmlformats.org/drawingml/2006/chart" xmlns:a="http://schemas.openxmlformats.org/drawingml/2006/main" xmlns:r="http://schemas.openxmlformats.org/officeDocument/2006/relationships" xmlns:c16r2="http://schemas.microsoft.com/office/drawing/2015/06/chart">
   <c:date1904 val="0"/>
-  <c:lang val="pt-PT"/>
+  <c:lang val="en-US"/>
   <c:roundedCorners val="0"/>
   <mc:AlternateContent xmlns:mc="http://schemas.openxmlformats.org/markup-compatibility/2006">
     <mc:Choice xmlns:c14="http://schemas.microsoft.com/office/drawing/2007/8/2/chart" Requires="c14">
@@ -3194,7 +3239,7 @@
             </a:pPr>
             <a:fld id="{07CE569E-9B7C-4CB9-AB80-C0841F922CFF}" type="slidenum">
               <a:rPr lang="en-US"/>
-              <a:t>‹nº›</a:t>
+              <a:t>‹#›</a:t>
             </a:fld>
             <a:endParaRPr lang="en-US"/>
           </a:p>
@@ -3385,7 +3430,7 @@
             </a:pPr>
             <a:fld id="{07CE569E-9B7C-4CB9-AB80-C0841F922CFF}" type="slidenum">
               <a:rPr lang="en-US"/>
-              <a:t>‹nº›</a:t>
+              <a:t>‹#›</a:t>
             </a:fld>
             <a:endParaRPr lang="en-US"/>
           </a:p>
@@ -3586,7 +3631,7 @@
             </a:pPr>
             <a:fld id="{07CE569E-9B7C-4CB9-AB80-C0841F922CFF}" type="slidenum">
               <a:rPr lang="en-US"/>
-              <a:t>‹nº›</a:t>
+              <a:t>‹#›</a:t>
             </a:fld>
             <a:endParaRPr lang="en-US"/>
           </a:p>
@@ -3776,7 +3821,7 @@
             </a:pPr>
             <a:fld id="{07CE569E-9B7C-4CB9-AB80-C0841F922CFF}" type="slidenum">
               <a:rPr lang="en-US"/>
-              <a:t>‹nº›</a:t>
+              <a:t>‹#›</a:t>
             </a:fld>
             <a:endParaRPr lang="en-US"/>
           </a:p>
@@ -4032,7 +4077,7 @@
             </a:pPr>
             <a:fld id="{07CE569E-9B7C-4CB9-AB80-C0841F922CFF}" type="slidenum">
               <a:rPr lang="en-US"/>
-              <a:t>‹nº›</a:t>
+              <a:t>‹#›</a:t>
             </a:fld>
             <a:endParaRPr lang="en-US"/>
           </a:p>
@@ -4299,7 +4344,7 @@
             </a:pPr>
             <a:fld id="{07CE569E-9B7C-4CB9-AB80-C0841F922CFF}" type="slidenum">
               <a:rPr lang="en-US"/>
-              <a:t>‹nº›</a:t>
+              <a:t>‹#›</a:t>
             </a:fld>
             <a:endParaRPr lang="en-US"/>
           </a:p>
@@ -4707,7 +4752,7 @@
             </a:pPr>
             <a:fld id="{07CE569E-9B7C-4CB9-AB80-C0841F922CFF}" type="slidenum">
               <a:rPr lang="en-US"/>
-              <a:t>‹nº›</a:t>
+              <a:t>‹#›</a:t>
             </a:fld>
             <a:endParaRPr lang="en-US"/>
           </a:p>
@@ -4832,7 +4877,7 @@
             </a:pPr>
             <a:fld id="{07CE569E-9B7C-4CB9-AB80-C0841F922CFF}" type="slidenum">
               <a:rPr lang="en-US"/>
-              <a:t>‹nº›</a:t>
+              <a:t>‹#›</a:t>
             </a:fld>
             <a:endParaRPr lang="en-US"/>
           </a:p>
@@ -4931,7 +4976,7 @@
             </a:pPr>
             <a:fld id="{07CE569E-9B7C-4CB9-AB80-C0841F922CFF}" type="slidenum">
               <a:rPr lang="en-US"/>
-              <a:t>‹nº›</a:t>
+              <a:t>‹#›</a:t>
             </a:fld>
             <a:endParaRPr lang="en-US"/>
           </a:p>
@@ -5231,7 +5276,7 @@
             </a:pPr>
             <a:fld id="{07CE569E-9B7C-4CB9-AB80-C0841F922CFF}" type="slidenum">
               <a:rPr lang="en-US"/>
-              <a:t>‹nº›</a:t>
+              <a:t>‹#›</a:t>
             </a:fld>
             <a:endParaRPr lang="en-US"/>
           </a:p>
@@ -5501,7 +5546,7 @@
             </a:pPr>
             <a:fld id="{07CE569E-9B7C-4CB9-AB80-C0841F922CFF}" type="slidenum">
               <a:rPr lang="en-US"/>
-              <a:t>‹nº›</a:t>
+              <a:t>‹#›</a:t>
             </a:fld>
             <a:endParaRPr lang="en-US"/>
           </a:p>
@@ -6259,7 +6304,7 @@
             </a:pPr>
             <a:fld id="{07CE569E-9B7C-4CB9-AB80-C0841F922CFF}" type="slidenum">
               <a:rPr lang="en-US"/>
-              <a:t>‹nº›</a:t>
+              <a:t>‹#›</a:t>
             </a:fld>
             <a:endParaRPr lang="en-US"/>
           </a:p>
@@ -7231,7 +7276,7 @@
         </p:spPr>
         <p:txBody>
           <a:bodyPr>
-            <a:normAutofit/>
+            <a:normAutofit fontScale="92500" lnSpcReduction="10000"/>
           </a:bodyPr>
           <a:lstStyle/>
           <a:p>
@@ -7276,31 +7321,29 @@
           </a:p>
           <a:p>
             <a:r>
+              <a:rPr lang="en-US" sz="2400" dirty="0">
+                <a:solidFill>
+                  <a:srgbClr val="DCDDDE"/>
+                </a:solidFill>
+              </a:rPr>
+              <a:t>The most challenging part of this project was to implement the rules of the game due to multiple verifications needed to be done, for example making a simple move. So, for us the game implementation was a little bit more difficult than the algorithms itself.</a:t>
+            </a:r>
+            <a:endParaRPr lang="en-US" sz="2400" b="0" i="0" dirty="0">
+              <a:solidFill>
+                <a:srgbClr val="DCDDDE"/>
+              </a:solidFill>
+              <a:effectLst/>
+            </a:endParaRPr>
+          </a:p>
+          <a:p>
+            <a:r>
               <a:rPr lang="en-US" sz="2400" b="0" i="0" dirty="0">
                 <a:solidFill>
                   <a:srgbClr val="DCDDDE"/>
                 </a:solidFill>
                 <a:effectLst/>
               </a:rPr>
-              <a:t>In addiction, this Project helped us getting to know more about the content studied in theoretical and </a:t>
-            </a:r>
-            <a:r>
-              <a:rPr lang="en-US" sz="2400" b="0" i="0" dirty="0" err="1">
-                <a:solidFill>
-                  <a:srgbClr val="DCDDDE"/>
-                </a:solidFill>
-                <a:effectLst/>
-              </a:rPr>
-              <a:t>practial</a:t>
-            </a:r>
-            <a:r>
-              <a:rPr lang="en-US" sz="2400" b="0" i="0" dirty="0">
-                <a:solidFill>
-                  <a:srgbClr val="DCDDDE"/>
-                </a:solidFill>
-                <a:effectLst/>
-              </a:rPr>
-              <a:t> classes since we had to investigate ways of sorting out some problems related to rules and algorithm implementations.</a:t>
+              <a:t>In addiction, this Project helped us getting to know more about the content studied in theoretical and practical classes since we had to investigate ways of sorting out some problems related to rules and algorithm implementations.</a:t>
             </a:r>
           </a:p>
           <a:p>
@@ -9950,7 +9993,7 @@
         </p:spPr>
         <p:txBody>
           <a:bodyPr>
-            <a:normAutofit lnSpcReduction="10000"/>
+            <a:normAutofit fontScale="70000" lnSpcReduction="20000"/>
           </a:bodyPr>
           <a:lstStyle/>
           <a:p>
@@ -9958,395 +10001,33 @@
               <a:buNone/>
             </a:pPr>
             <a:r>
-              <a:rPr lang="pt-PT" dirty="0" err="1"/>
-              <a:t>Analysing</a:t>
-            </a:r>
-            <a:r>
               <a:rPr lang="pt-PT" dirty="0"/>
-              <a:t> </a:t>
-            </a:r>
-            <a:r>
-              <a:rPr lang="pt-PT" dirty="0" err="1"/>
-              <a:t>the</a:t>
-            </a:r>
+              <a:t>Analysing the results obtained for each algorithm, we observe that:</a:t>
+            </a:r>
+          </a:p>
+          <a:p>
             <a:r>
               <a:rPr lang="pt-PT" dirty="0"/>
-              <a:t> </a:t>
-            </a:r>
-            <a:r>
-              <a:rPr lang="pt-PT" dirty="0" err="1"/>
-              <a:t>results</a:t>
-            </a:r>
+              <a:t>DFS has, on average, the biggest number of expanded nodes, which results on more memory used;</a:t>
+            </a:r>
+          </a:p>
+          <a:p>
             <a:r>
               <a:rPr lang="pt-PT" dirty="0"/>
-              <a:t> </a:t>
-            </a:r>
-            <a:r>
-              <a:rPr lang="pt-PT" dirty="0" err="1"/>
-              <a:t>obtained</a:t>
-            </a:r>
+              <a:t>Greedy is the fastest in execution time and has the lowest number of expanded nodes;</a:t>
+            </a:r>
+          </a:p>
+          <a:p>
             <a:r>
               <a:rPr lang="pt-PT" dirty="0"/>
-              <a:t> for </a:t>
-            </a:r>
-            <a:r>
-              <a:rPr lang="pt-PT" dirty="0" err="1"/>
-              <a:t>each</a:t>
-            </a:r>
+              <a:t>A-star is the most incosistent algorithm in terms of execution time, although for expanded nodes is the DFS algorithm;</a:t>
+            </a:r>
+          </a:p>
+          <a:p>
             <a:r>
               <a:rPr lang="pt-PT" dirty="0"/>
-              <a:t> </a:t>
-            </a:r>
-            <a:r>
-              <a:rPr lang="pt-PT" dirty="0" err="1"/>
-              <a:t>algorithm</a:t>
-            </a:r>
-            <a:r>
-              <a:rPr lang="pt-PT" dirty="0"/>
-              <a:t>, </a:t>
-            </a:r>
-            <a:r>
-              <a:rPr lang="pt-PT" dirty="0" err="1"/>
-              <a:t>we</a:t>
-            </a:r>
-            <a:r>
-              <a:rPr lang="pt-PT" dirty="0"/>
-              <a:t> observe </a:t>
-            </a:r>
-            <a:r>
-              <a:rPr lang="pt-PT" dirty="0" err="1"/>
-              <a:t>that</a:t>
-            </a:r>
-            <a:r>
-              <a:rPr lang="pt-PT" dirty="0"/>
-              <a:t>:</a:t>
-            </a:r>
-          </a:p>
-          <a:p>
-            <a:r>
-              <a:rPr lang="pt-PT" dirty="0" err="1"/>
-              <a:t>Greedy</a:t>
-            </a:r>
-            <a:r>
-              <a:rPr lang="pt-PT" dirty="0"/>
-              <a:t> </a:t>
-            </a:r>
-            <a:r>
-              <a:rPr lang="pt-PT" dirty="0" err="1"/>
-              <a:t>is</a:t>
-            </a:r>
-            <a:r>
-              <a:rPr lang="pt-PT" dirty="0"/>
-              <a:t> </a:t>
-            </a:r>
-            <a:r>
-              <a:rPr lang="pt-PT" dirty="0" err="1"/>
-              <a:t>the</a:t>
-            </a:r>
-            <a:r>
-              <a:rPr lang="pt-PT" dirty="0"/>
-              <a:t> </a:t>
-            </a:r>
-            <a:r>
-              <a:rPr lang="pt-PT" dirty="0" err="1"/>
-              <a:t>fastest</a:t>
-            </a:r>
-            <a:r>
-              <a:rPr lang="pt-PT" dirty="0"/>
-              <a:t> in </a:t>
-            </a:r>
-            <a:r>
-              <a:rPr lang="pt-PT" dirty="0" err="1"/>
-              <a:t>execution</a:t>
-            </a:r>
-            <a:r>
-              <a:rPr lang="pt-PT" dirty="0"/>
-              <a:t> time </a:t>
-            </a:r>
-            <a:r>
-              <a:rPr lang="pt-PT" dirty="0" err="1"/>
-              <a:t>and</a:t>
-            </a:r>
-            <a:r>
-              <a:rPr lang="pt-PT" dirty="0"/>
-              <a:t> </a:t>
-            </a:r>
-            <a:r>
-              <a:rPr lang="pt-PT" dirty="0" err="1"/>
-              <a:t>has</a:t>
-            </a:r>
-            <a:r>
-              <a:rPr lang="pt-PT" dirty="0"/>
-              <a:t> </a:t>
-            </a:r>
-            <a:r>
-              <a:rPr lang="pt-PT" dirty="0" err="1"/>
-              <a:t>the</a:t>
-            </a:r>
-            <a:r>
-              <a:rPr lang="pt-PT" dirty="0"/>
-              <a:t> </a:t>
-            </a:r>
-            <a:r>
-              <a:rPr lang="pt-PT" dirty="0" err="1"/>
-              <a:t>lowest</a:t>
-            </a:r>
-            <a:r>
-              <a:rPr lang="pt-PT" dirty="0"/>
-              <a:t> </a:t>
-            </a:r>
-            <a:r>
-              <a:rPr lang="pt-PT" dirty="0" err="1"/>
-              <a:t>number</a:t>
-            </a:r>
-            <a:r>
-              <a:rPr lang="pt-PT" dirty="0"/>
-              <a:t> </a:t>
-            </a:r>
-            <a:r>
-              <a:rPr lang="pt-PT" dirty="0" err="1"/>
-              <a:t>of</a:t>
-            </a:r>
-            <a:r>
-              <a:rPr lang="pt-PT" dirty="0"/>
-              <a:t> </a:t>
-            </a:r>
-            <a:r>
-              <a:rPr lang="pt-PT" dirty="0" err="1"/>
-              <a:t>expanded</a:t>
-            </a:r>
-            <a:r>
-              <a:rPr lang="pt-PT" dirty="0"/>
-              <a:t> nodes;</a:t>
-            </a:r>
-          </a:p>
-          <a:p>
-            <a:r>
-              <a:rPr lang="pt-PT" dirty="0"/>
-              <a:t>DFS </a:t>
-            </a:r>
-            <a:r>
-              <a:rPr lang="pt-PT" dirty="0" err="1"/>
-              <a:t>has</a:t>
-            </a:r>
-            <a:r>
-              <a:rPr lang="pt-PT" dirty="0"/>
-              <a:t>, </a:t>
-            </a:r>
-            <a:r>
-              <a:rPr lang="pt-PT" dirty="0" err="1"/>
-              <a:t>on</a:t>
-            </a:r>
-            <a:r>
-              <a:rPr lang="pt-PT" dirty="0"/>
-              <a:t> </a:t>
-            </a:r>
-            <a:r>
-              <a:rPr lang="pt-PT" dirty="0" err="1"/>
-              <a:t>average</a:t>
-            </a:r>
-            <a:r>
-              <a:rPr lang="pt-PT" dirty="0"/>
-              <a:t>, </a:t>
-            </a:r>
-            <a:r>
-              <a:rPr lang="pt-PT" dirty="0" err="1"/>
-              <a:t>the</a:t>
-            </a:r>
-            <a:r>
-              <a:rPr lang="pt-PT" dirty="0"/>
-              <a:t> </a:t>
-            </a:r>
-            <a:r>
-              <a:rPr lang="pt-PT" dirty="0" err="1"/>
-              <a:t>biggest</a:t>
-            </a:r>
-            <a:r>
-              <a:rPr lang="pt-PT" dirty="0"/>
-              <a:t> </a:t>
-            </a:r>
-            <a:r>
-              <a:rPr lang="pt-PT" dirty="0" err="1"/>
-              <a:t>number</a:t>
-            </a:r>
-            <a:r>
-              <a:rPr lang="pt-PT" dirty="0"/>
-              <a:t> os </a:t>
-            </a:r>
-            <a:r>
-              <a:rPr lang="pt-PT" dirty="0" err="1"/>
-              <a:t>expanded</a:t>
-            </a:r>
-            <a:r>
-              <a:rPr lang="pt-PT" dirty="0"/>
-              <a:t> nodes, </a:t>
-            </a:r>
-            <a:r>
-              <a:rPr lang="pt-PT" dirty="0" err="1"/>
-              <a:t>which</a:t>
-            </a:r>
-            <a:r>
-              <a:rPr lang="pt-PT" dirty="0"/>
-              <a:t> </a:t>
-            </a:r>
-            <a:r>
-              <a:rPr lang="pt-PT" dirty="0" err="1"/>
-              <a:t>results</a:t>
-            </a:r>
-            <a:r>
-              <a:rPr lang="pt-PT" dirty="0"/>
-              <a:t> </a:t>
-            </a:r>
-            <a:r>
-              <a:rPr lang="pt-PT" dirty="0" err="1"/>
-              <a:t>on</a:t>
-            </a:r>
-            <a:r>
-              <a:rPr lang="pt-PT" dirty="0"/>
-              <a:t> more </a:t>
-            </a:r>
-            <a:r>
-              <a:rPr lang="pt-PT" dirty="0" err="1"/>
-              <a:t>memory</a:t>
-            </a:r>
-            <a:r>
-              <a:rPr lang="pt-PT" dirty="0"/>
-              <a:t> </a:t>
-            </a:r>
-            <a:r>
-              <a:rPr lang="pt-PT" dirty="0" err="1"/>
-              <a:t>used</a:t>
-            </a:r>
-            <a:r>
-              <a:rPr lang="pt-PT" dirty="0"/>
-              <a:t>;</a:t>
-            </a:r>
-          </a:p>
-          <a:p>
-            <a:r>
-              <a:rPr lang="pt-PT" dirty="0" err="1"/>
-              <a:t>A-star</a:t>
-            </a:r>
-            <a:r>
-              <a:rPr lang="pt-PT" dirty="0"/>
-              <a:t> </a:t>
-            </a:r>
-            <a:r>
-              <a:rPr lang="pt-PT" dirty="0" err="1"/>
-              <a:t>is</a:t>
-            </a:r>
-            <a:r>
-              <a:rPr lang="pt-PT" dirty="0"/>
-              <a:t> </a:t>
-            </a:r>
-            <a:r>
-              <a:rPr lang="pt-PT" dirty="0" err="1"/>
-              <a:t>the</a:t>
-            </a:r>
-            <a:r>
-              <a:rPr lang="pt-PT" dirty="0"/>
-              <a:t> </a:t>
-            </a:r>
-            <a:r>
-              <a:rPr lang="pt-PT" dirty="0" err="1"/>
-              <a:t>most</a:t>
-            </a:r>
-            <a:r>
-              <a:rPr lang="pt-PT" dirty="0"/>
-              <a:t> </a:t>
-            </a:r>
-            <a:r>
-              <a:rPr lang="pt-PT" dirty="0" err="1"/>
-              <a:t>incosistent</a:t>
-            </a:r>
-            <a:r>
-              <a:rPr lang="pt-PT" dirty="0"/>
-              <a:t> </a:t>
-            </a:r>
-            <a:r>
-              <a:rPr lang="pt-PT" dirty="0" err="1"/>
-              <a:t>algorithm</a:t>
-            </a:r>
-            <a:r>
-              <a:rPr lang="pt-PT" dirty="0"/>
-              <a:t> in </a:t>
-            </a:r>
-            <a:r>
-              <a:rPr lang="pt-PT" dirty="0" err="1"/>
-              <a:t>terms</a:t>
-            </a:r>
-            <a:r>
-              <a:rPr lang="pt-PT" dirty="0"/>
-              <a:t> </a:t>
-            </a:r>
-            <a:r>
-              <a:rPr lang="pt-PT" dirty="0" err="1"/>
-              <a:t>of</a:t>
-            </a:r>
-            <a:r>
-              <a:rPr lang="pt-PT" dirty="0"/>
-              <a:t> </a:t>
-            </a:r>
-            <a:r>
-              <a:rPr lang="pt-PT" dirty="0" err="1"/>
-              <a:t>execution</a:t>
-            </a:r>
-            <a:r>
-              <a:rPr lang="pt-PT" dirty="0"/>
-              <a:t> time, </a:t>
-            </a:r>
-            <a:r>
-              <a:rPr lang="pt-PT" dirty="0" err="1"/>
-              <a:t>although</a:t>
-            </a:r>
-            <a:r>
-              <a:rPr lang="pt-PT" dirty="0"/>
-              <a:t> for </a:t>
-            </a:r>
-            <a:r>
-              <a:rPr lang="pt-PT" dirty="0" err="1"/>
-              <a:t>expanded</a:t>
-            </a:r>
-            <a:r>
-              <a:rPr lang="pt-PT" dirty="0"/>
-              <a:t> nodes </a:t>
-            </a:r>
-            <a:r>
-              <a:rPr lang="pt-PT" dirty="0" err="1"/>
-              <a:t>is</a:t>
-            </a:r>
-            <a:r>
-              <a:rPr lang="pt-PT" dirty="0"/>
-              <a:t> </a:t>
-            </a:r>
-            <a:r>
-              <a:rPr lang="pt-PT" dirty="0" err="1"/>
-              <a:t>the</a:t>
-            </a:r>
-            <a:r>
-              <a:rPr lang="pt-PT" dirty="0"/>
-              <a:t> DFS </a:t>
-            </a:r>
-            <a:r>
-              <a:rPr lang="pt-PT" dirty="0" err="1"/>
-              <a:t>algorithm</a:t>
-            </a:r>
-            <a:r>
-              <a:rPr lang="pt-PT" dirty="0"/>
-              <a:t>;</a:t>
-            </a:r>
-          </a:p>
-          <a:p>
-            <a:endParaRPr lang="pt-PT" dirty="0"/>
-          </a:p>
-          <a:p>
-            <a:endParaRPr lang="pt-PT" dirty="0"/>
-          </a:p>
-          <a:p>
-            <a:endParaRPr lang="pt-PT" dirty="0"/>
-          </a:p>
-          <a:p>
-            <a:endParaRPr lang="pt-PT" dirty="0"/>
+              <a:t>One condition that could affect the results are the order of nodes are expanded. We used a simple list with all 4 possible moves (Up, Down, Left, Right) and the order that each move is used may allow different execution times with some puzzles being faster and others slower.</a:t>
+            </a:r>
           </a:p>
         </p:txBody>
       </p:sp>
@@ -10448,7 +10129,9 @@
           </a:xfrm>
         </p:spPr>
         <p:txBody>
-          <a:bodyPr/>
+          <a:bodyPr>
+            <a:normAutofit fontScale="92500" lnSpcReduction="20000"/>
+          </a:bodyPr>
           <a:lstStyle/>
           <a:p>
             <a:pPr marL="0" indent="0">
@@ -10668,64 +10351,17 @@
           <a:p>
             <a:r>
               <a:rPr lang="pt-PT" dirty="0"/>
-              <a:t>In general </a:t>
-            </a:r>
-            <a:r>
-              <a:rPr lang="pt-PT" dirty="0" err="1"/>
-              <a:t>heuristic</a:t>
-            </a:r>
+              <a:t>In general heuristic 3 is the most consistent, in all algorithms;</a:t>
+            </a:r>
+          </a:p>
+          <a:p>
             <a:r>
               <a:rPr lang="pt-PT" dirty="0"/>
-              <a:t> 3 </a:t>
-            </a:r>
-            <a:r>
-              <a:rPr lang="pt-PT" dirty="0" err="1"/>
-              <a:t>is</a:t>
-            </a:r>
-            <a:r>
-              <a:rPr lang="pt-PT" dirty="0"/>
-              <a:t> </a:t>
-            </a:r>
-            <a:r>
-              <a:rPr lang="pt-PT" dirty="0" err="1"/>
-              <a:t>the</a:t>
-            </a:r>
-            <a:r>
-              <a:rPr lang="pt-PT" dirty="0"/>
-              <a:t> </a:t>
-            </a:r>
-            <a:r>
-              <a:rPr lang="pt-PT" dirty="0" err="1"/>
-              <a:t>most</a:t>
-            </a:r>
-            <a:r>
-              <a:rPr lang="pt-PT" dirty="0"/>
-              <a:t> </a:t>
-            </a:r>
-            <a:r>
-              <a:rPr lang="pt-PT" dirty="0" err="1"/>
-              <a:t>consistent</a:t>
-            </a:r>
-            <a:r>
-              <a:rPr lang="pt-PT" dirty="0"/>
-              <a:t>, in </a:t>
-            </a:r>
-            <a:r>
-              <a:rPr lang="pt-PT" dirty="0" err="1"/>
-              <a:t>all</a:t>
-            </a:r>
-            <a:r>
-              <a:rPr lang="pt-PT" dirty="0"/>
-              <a:t> </a:t>
-            </a:r>
-            <a:r>
-              <a:rPr lang="pt-PT" dirty="0" err="1"/>
-              <a:t>algorithms</a:t>
-            </a:r>
-            <a:r>
-              <a:rPr lang="pt-PT" dirty="0"/>
-              <a:t>;</a:t>
-            </a:r>
+              <a:t>A simple explanation for the heuristic results, might be the fact that the cost (path distance) is no directly associated with the solution, because a good solution is a solution that guarantees that each chess piece attacks an equal number of snake blocks and not the shortest one.</a:t>
+            </a:r>
+          </a:p>
+          <a:p>
+            <a:endParaRPr lang="pt-PT" dirty="0"/>
           </a:p>
           <a:p>
             <a:endParaRPr lang="pt-PT" dirty="0"/>

--- a/Chess Snake Puzzles – 2022 IA Project - Final Delivery.pptx
+++ b/Chess Snake Puzzles – 2022 IA Project - Final Delivery.pptx
@@ -1,21 +1,21 @@
 
 <file path=ppt/presentation.xml><?xml version="1.0" encoding="utf-8"?>
-<p:presentation xmlns:a="http://schemas.openxmlformats.org/drawingml/2006/main" xmlns:r="http://schemas.openxmlformats.org/officeDocument/2006/relationships" xmlns:p="http://schemas.openxmlformats.org/presentationml/2006/main" saveSubsetFonts="1">
+<p:presentation xmlns:a="http://schemas.openxmlformats.org/drawingml/2006/main" xmlns:r="http://schemas.openxmlformats.org/officeDocument/2006/relationships" xmlns:p="http://schemas.openxmlformats.org/presentationml/2006/main" xmlns:m="http://schemas.openxmlformats.org/officeDocument/2006/math" xmlns:w="http://schemas.openxmlformats.org/wordprocessingml/2006/main" saveSubsetFonts="1">
   <p:sldMasterIdLst>
     <p:sldMasterId id="2147483648" r:id="rId1"/>
   </p:sldMasterIdLst>
   <p:sldIdLst>
-    <p:sldId id="256" r:id="rId2"/>
-    <p:sldId id="257" r:id="rId3"/>
-    <p:sldId id="259" r:id="rId4"/>
-    <p:sldId id="260" r:id="rId5"/>
-    <p:sldId id="261" r:id="rId6"/>
-    <p:sldId id="262" r:id="rId7"/>
-    <p:sldId id="264" r:id="rId8"/>
-    <p:sldId id="268" r:id="rId9"/>
-    <p:sldId id="269" r:id="rId10"/>
-    <p:sldId id="267" r:id="rId11"/>
+    <p:sldId id="256" r:id="rId3"/>
+    <p:sldId id="257" r:id="rId4"/>
+    <p:sldId id="258" r:id="rId5"/>
+    <p:sldId id="259" r:id="rId6"/>
+    <p:sldId id="260" r:id="rId7"/>
+    <p:sldId id="261" r:id="rId8"/>
+    <p:sldId id="262" r:id="rId9"/>
+    <p:sldId id="263" r:id="rId10"/>
+    <p:sldId id="264" r:id="rId11"/>
     <p:sldId id="265" r:id="rId12"/>
+    <p:sldId id="266" r:id="rId13"/>
   </p:sldIdLst>
   <p:sldSz cx="12192000" cy="6858000"/>
   <p:notesSz cx="12192000" cy="6858000"/>
@@ -114,221 +114,16 @@
       </a:defRPr>
     </a:lvl9pPr>
   </p:defaultTextStyle>
-  <p:extLst>
-    <p:ext uri="{EFAFB233-063F-42B5-8137-9DF3F51BA10A}">
-      <p15:sldGuideLst xmlns:p15="http://schemas.microsoft.com/office/powerpoint/2012/main">
-        <p15:guide id="1" orient="horz" pos="2160">
-          <p15:clr>
-            <a:srgbClr val="A4A3A4"/>
-          </p15:clr>
-        </p15:guide>
-        <p15:guide id="2" pos="2880">
-          <p15:clr>
-            <a:srgbClr val="A4A3A4"/>
-          </p15:clr>
-        </p15:guide>
-      </p15:sldGuideLst>
-    </p:ext>
-  </p:extLst>
 </p:presentation>
 </file>
 
-<file path=ppt/revisionInfo.xml><?xml version="1.0" encoding="utf-8"?>
-<p1510:revInfo xmlns:a="http://schemas.openxmlformats.org/drawingml/2006/main" xmlns:r="http://schemas.openxmlformats.org/officeDocument/2006/relationships" xmlns:p1510="http://schemas.microsoft.com/office/powerpoint/2015/10/main">
-  <p1510:revLst>
-    <p1510:client id="{1FAC947E-5D31-4632-AFA2-6C66DC948B4A}" v="26" dt="2022-04-25T15:38:05.132"/>
-  </p1510:revLst>
-</p1510:revInfo>
-</file>
-
-<file path=ppt/changesInfos/changesInfo1.xml><?xml version="1.0" encoding="utf-8"?>
-<pc:chgInfo xmlns:a="http://schemas.openxmlformats.org/drawingml/2006/main" xmlns:r="http://schemas.openxmlformats.org/officeDocument/2006/relationships" xmlns:ac="http://schemas.microsoft.com/office/drawing/2013/main/command" xmlns:pc="http://schemas.microsoft.com/office/powerpoint/2013/main/command">
-  <pc:docChgLst>
-    <pc:chgData name="Carlos Gomes" userId="befe0c0c48f41b83" providerId="LiveId" clId="{1FAC947E-5D31-4632-AFA2-6C66DC948B4A}"/>
-    <pc:docChg chg="undo custSel modSld">
-      <pc:chgData name="Carlos Gomes" userId="befe0c0c48f41b83" providerId="LiveId" clId="{1FAC947E-5D31-4632-AFA2-6C66DC948B4A}" dt="2022-04-25T18:55:47.840" v="2560" actId="6549"/>
-      <pc:docMkLst>
-        <pc:docMk/>
-      </pc:docMkLst>
-      <pc:sldChg chg="modSp mod">
-        <pc:chgData name="Carlos Gomes" userId="befe0c0c48f41b83" providerId="LiveId" clId="{1FAC947E-5D31-4632-AFA2-6C66DC948B4A}" dt="2022-04-25T15:16:39.211" v="23" actId="20577"/>
-        <pc:sldMkLst>
-          <pc:docMk/>
-          <pc:sldMk cId="0" sldId="256"/>
-        </pc:sldMkLst>
-        <pc:spChg chg="mod">
-          <ac:chgData name="Carlos Gomes" userId="befe0c0c48f41b83" providerId="LiveId" clId="{1FAC947E-5D31-4632-AFA2-6C66DC948B4A}" dt="2022-04-25T15:16:39.211" v="23" actId="20577"/>
-          <ac:spMkLst>
-            <pc:docMk/>
-            <pc:sldMk cId="0" sldId="256"/>
-            <ac:spMk id="2" creationId="{00000000-0000-0000-0000-000000000000}"/>
-          </ac:spMkLst>
-        </pc:spChg>
-      </pc:sldChg>
-      <pc:sldChg chg="addSp delSp modSp mod">
-        <pc:chgData name="Carlos Gomes" userId="befe0c0c48f41b83" providerId="LiveId" clId="{1FAC947E-5D31-4632-AFA2-6C66DC948B4A}" dt="2022-04-25T15:25:17.465" v="448" actId="1076"/>
-        <pc:sldMkLst>
-          <pc:docMk/>
-          <pc:sldMk cId="0" sldId="259"/>
-        </pc:sldMkLst>
-        <pc:spChg chg="mod">
-          <ac:chgData name="Carlos Gomes" userId="befe0c0c48f41b83" providerId="LiveId" clId="{1FAC947E-5D31-4632-AFA2-6C66DC948B4A}" dt="2022-04-25T15:25:17.465" v="448" actId="1076"/>
-          <ac:spMkLst>
-            <pc:docMk/>
-            <pc:sldMk cId="0" sldId="259"/>
-            <ac:spMk id="3" creationId="{00000000-0000-0000-0000-000000000000}"/>
-          </ac:spMkLst>
-        </pc:spChg>
-        <pc:spChg chg="add del">
-          <ac:chgData name="Carlos Gomes" userId="befe0c0c48f41b83" providerId="LiveId" clId="{1FAC947E-5D31-4632-AFA2-6C66DC948B4A}" dt="2022-04-25T15:18:40.513" v="65"/>
-          <ac:spMkLst>
-            <pc:docMk/>
-            <pc:sldMk cId="0" sldId="259"/>
-            <ac:spMk id="4" creationId="{1608BB0B-849C-4952-97B5-F8E3168693A9}"/>
-          </ac:spMkLst>
-        </pc:spChg>
-      </pc:sldChg>
-      <pc:sldChg chg="modSp mod">
-        <pc:chgData name="Carlos Gomes" userId="befe0c0c48f41b83" providerId="LiveId" clId="{1FAC947E-5D31-4632-AFA2-6C66DC948B4A}" dt="2022-04-25T15:30:22.292" v="549" actId="404"/>
-        <pc:sldMkLst>
-          <pc:docMk/>
-          <pc:sldMk cId="0" sldId="260"/>
-        </pc:sldMkLst>
-        <pc:graphicFrameChg chg="mod modGraphic">
-          <ac:chgData name="Carlos Gomes" userId="befe0c0c48f41b83" providerId="LiveId" clId="{1FAC947E-5D31-4632-AFA2-6C66DC948B4A}" dt="2022-04-25T15:30:22.292" v="549" actId="404"/>
-          <ac:graphicFrameMkLst>
-            <pc:docMk/>
-            <pc:sldMk cId="0" sldId="260"/>
-            <ac:graphicFrameMk id="4" creationId="{00000000-0000-0000-0000-000000000000}"/>
-          </ac:graphicFrameMkLst>
-        </pc:graphicFrameChg>
-      </pc:sldChg>
-      <pc:sldChg chg="addSp delSp modSp mod">
-        <pc:chgData name="Carlos Gomes" userId="befe0c0c48f41b83" providerId="LiveId" clId="{1FAC947E-5D31-4632-AFA2-6C66DC948B4A}" dt="2022-04-25T15:38:46.671" v="690" actId="113"/>
-        <pc:sldMkLst>
-          <pc:docMk/>
-          <pc:sldMk cId="0" sldId="261"/>
-        </pc:sldMkLst>
-        <pc:spChg chg="mod">
-          <ac:chgData name="Carlos Gomes" userId="befe0c0c48f41b83" providerId="LiveId" clId="{1FAC947E-5D31-4632-AFA2-6C66DC948B4A}" dt="2022-04-25T15:38:46.671" v="690" actId="113"/>
-          <ac:spMkLst>
-            <pc:docMk/>
-            <pc:sldMk cId="0" sldId="261"/>
-            <ac:spMk id="3" creationId="{00000000-0000-0000-0000-000000000000}"/>
-          </ac:spMkLst>
-        </pc:spChg>
-        <pc:spChg chg="add del">
-          <ac:chgData name="Carlos Gomes" userId="befe0c0c48f41b83" providerId="LiveId" clId="{1FAC947E-5D31-4632-AFA2-6C66DC948B4A}" dt="2022-04-25T15:33:38.404" v="563"/>
-          <ac:spMkLst>
-            <pc:docMk/>
-            <pc:sldMk cId="0" sldId="261"/>
-            <ac:spMk id="4" creationId="{FB2DF42D-0F61-4E10-8D21-4D809578D54F}"/>
-          </ac:spMkLst>
-        </pc:spChg>
-        <pc:spChg chg="add del">
-          <ac:chgData name="Carlos Gomes" userId="befe0c0c48f41b83" providerId="LiveId" clId="{1FAC947E-5D31-4632-AFA2-6C66DC948B4A}" dt="2022-04-25T15:38:05.132" v="664"/>
-          <ac:spMkLst>
-            <pc:docMk/>
-            <pc:sldMk cId="0" sldId="261"/>
-            <ac:spMk id="5" creationId="{99488B37-ADCE-47D1-AED1-10BDE623A89F}"/>
-          </ac:spMkLst>
-        </pc:spChg>
-      </pc:sldChg>
-      <pc:sldChg chg="modSp mod">
-        <pc:chgData name="Carlos Gomes" userId="befe0c0c48f41b83" providerId="LiveId" clId="{1FAC947E-5D31-4632-AFA2-6C66DC948B4A}" dt="2022-04-25T15:52:01.587" v="1366" actId="20577"/>
-        <pc:sldMkLst>
-          <pc:docMk/>
-          <pc:sldMk cId="2821232108" sldId="262"/>
-        </pc:sldMkLst>
-        <pc:spChg chg="mod">
-          <ac:chgData name="Carlos Gomes" userId="befe0c0c48f41b83" providerId="LiveId" clId="{1FAC947E-5D31-4632-AFA2-6C66DC948B4A}" dt="2022-04-25T15:52:01.587" v="1366" actId="20577"/>
-          <ac:spMkLst>
-            <pc:docMk/>
-            <pc:sldMk cId="2821232108" sldId="262"/>
-            <ac:spMk id="3" creationId="{2D332176-E858-8927-48C6-57123435F282}"/>
-          </ac:spMkLst>
-        </pc:spChg>
-      </pc:sldChg>
-      <pc:sldChg chg="modSp mod">
-        <pc:chgData name="Carlos Gomes" userId="befe0c0c48f41b83" providerId="LiveId" clId="{1FAC947E-5D31-4632-AFA2-6C66DC948B4A}" dt="2022-04-25T17:01:53.875" v="1371" actId="27918"/>
-        <pc:sldMkLst>
-          <pc:docMk/>
-          <pc:sldMk cId="1535208297" sldId="264"/>
-        </pc:sldMkLst>
-        <pc:graphicFrameChg chg="mod">
-          <ac:chgData name="Carlos Gomes" userId="befe0c0c48f41b83" providerId="LiveId" clId="{1FAC947E-5D31-4632-AFA2-6C66DC948B4A}" dt="2022-04-25T15:08:38.693" v="7" actId="692"/>
-          <ac:graphicFrameMkLst>
-            <pc:docMk/>
-            <pc:sldMk cId="1535208297" sldId="264"/>
-            <ac:graphicFrameMk id="7" creationId="{E71EE01E-51C0-4538-8A33-100DC49D0A10}"/>
-          </ac:graphicFrameMkLst>
-        </pc:graphicFrameChg>
-        <pc:graphicFrameChg chg="mod">
-          <ac:chgData name="Carlos Gomes" userId="befe0c0c48f41b83" providerId="LiveId" clId="{1FAC947E-5D31-4632-AFA2-6C66DC948B4A}" dt="2022-04-25T15:13:07.944" v="22" actId="692"/>
-          <ac:graphicFrameMkLst>
-            <pc:docMk/>
-            <pc:sldMk cId="1535208297" sldId="264"/>
-            <ac:graphicFrameMk id="8" creationId="{5998C934-CF5B-4085-9EB6-7295C56FFCA1}"/>
-          </ac:graphicFrameMkLst>
-        </pc:graphicFrameChg>
-      </pc:sldChg>
-      <pc:sldChg chg="modSp mod">
-        <pc:chgData name="Carlos Gomes" userId="befe0c0c48f41b83" providerId="LiveId" clId="{1FAC947E-5D31-4632-AFA2-6C66DC948B4A}" dt="2022-04-25T18:50:27.439" v="2148" actId="20577"/>
-        <pc:sldMkLst>
-          <pc:docMk/>
-          <pc:sldMk cId="813763422" sldId="267"/>
-        </pc:sldMkLst>
-        <pc:spChg chg="mod">
-          <ac:chgData name="Carlos Gomes" userId="befe0c0c48f41b83" providerId="LiveId" clId="{1FAC947E-5D31-4632-AFA2-6C66DC948B4A}" dt="2022-04-25T18:50:27.439" v="2148" actId="20577"/>
-          <ac:spMkLst>
-            <pc:docMk/>
-            <pc:sldMk cId="813763422" sldId="267"/>
-            <ac:spMk id="3" creationId="{0892E19F-DEDA-43CA-8ECC-2A6CC300D688}"/>
-          </ac:spMkLst>
-        </pc:spChg>
-      </pc:sldChg>
-      <pc:sldChg chg="modSp mod">
-        <pc:chgData name="Carlos Gomes" userId="befe0c0c48f41b83" providerId="LiveId" clId="{1FAC947E-5D31-4632-AFA2-6C66DC948B4A}" dt="2022-04-25T18:55:47.840" v="2560" actId="6549"/>
-        <pc:sldMkLst>
-          <pc:docMk/>
-          <pc:sldMk cId="1016600409" sldId="268"/>
-        </pc:sldMkLst>
-        <pc:spChg chg="mod">
-          <ac:chgData name="Carlos Gomes" userId="befe0c0c48f41b83" providerId="LiveId" clId="{1FAC947E-5D31-4632-AFA2-6C66DC948B4A}" dt="2022-04-25T18:55:47.840" v="2560" actId="6549"/>
-          <ac:spMkLst>
-            <pc:docMk/>
-            <pc:sldMk cId="1016600409" sldId="268"/>
-            <ac:spMk id="3" creationId="{B1649DA8-2340-4C5A-BADA-2C5CB896519D}"/>
-          </ac:spMkLst>
-        </pc:spChg>
-      </pc:sldChg>
-      <pc:sldChg chg="modSp mod">
-        <pc:chgData name="Carlos Gomes" userId="befe0c0c48f41b83" providerId="LiveId" clId="{1FAC947E-5D31-4632-AFA2-6C66DC948B4A}" dt="2022-04-25T18:53:05.487" v="2177" actId="20577"/>
-        <pc:sldMkLst>
-          <pc:docMk/>
-          <pc:sldMk cId="1044334232" sldId="269"/>
-        </pc:sldMkLst>
-        <pc:spChg chg="mod">
-          <ac:chgData name="Carlos Gomes" userId="befe0c0c48f41b83" providerId="LiveId" clId="{1FAC947E-5D31-4632-AFA2-6C66DC948B4A}" dt="2022-04-25T18:53:05.487" v="2177" actId="20577"/>
-          <ac:spMkLst>
-            <pc:docMk/>
-            <pc:sldMk cId="1044334232" sldId="269"/>
-            <ac:spMk id="3" creationId="{097C90B0-CFCF-4550-9F52-B398103B8C43}"/>
-          </ac:spMkLst>
-        </pc:spChg>
-      </pc:sldChg>
-    </pc:docChg>
-  </pc:docChgLst>
-</pc:chgInfo>
-</file>
-
 <file path=ppt/charts/chart1.xml><?xml version="1.0" encoding="utf-8"?>
-<c:chartSpace xmlns:c="http://schemas.openxmlformats.org/drawingml/2006/chart" xmlns:a="http://schemas.openxmlformats.org/drawingml/2006/main" xmlns:r="http://schemas.openxmlformats.org/officeDocument/2006/relationships" xmlns:c16r2="http://schemas.microsoft.com/office/drawing/2015/06/chart">
+<c:chartSpace xmlns:c="http://schemas.openxmlformats.org/drawingml/2006/chart" xmlns:a="http://schemas.openxmlformats.org/drawingml/2006/main" xmlns:r="http://schemas.openxmlformats.org/officeDocument/2006/relationships" xmlns:mc="http://schemas.openxmlformats.org/markup-compatibility/2006" xmlns:c14="http://schemas.microsoft.com/office/drawing/2007/8/2/chart">
   <c:date1904 val="0"/>
   <c:lang val="en-US"/>
   <c:roundedCorners val="0"/>
-  <mc:AlternateContent xmlns:mc="http://schemas.openxmlformats.org/markup-compatibility/2006">
-    <mc:Choice xmlns:c14="http://schemas.microsoft.com/office/drawing/2007/8/2/chart" Requires="c14">
+  <mc:AlternateContent>
+    <mc:Choice Requires="c14">
       <c14:style val="102"/>
     </mc:Choice>
     <mc:Fallback>
@@ -356,7 +151,10 @@
               </c:strCache>
             </c:strRef>
           </c:tx>
-          <c:spPr>
+          <c:spPr bwMode="auto">
+            <a:prstGeom prst="rect">
+              <a:avLst/>
+            </a:prstGeom>
             <a:ln w="28575" cap="rnd">
               <a:solidFill>
                 <a:srgbClr val="FF0000"/>
@@ -374,22 +172,22 @@
               <c:strCache>
                 <c:ptCount val="6"/>
                 <c:pt idx="0">
-                  <c:v>Level 1</c:v>
+                  <c:v xml:space="preserve">Level 1</c:v>
                 </c:pt>
                 <c:pt idx="1">
-                  <c:v>Level 2</c:v>
+                  <c:v xml:space="preserve">Level 2</c:v>
                 </c:pt>
                 <c:pt idx="2">
-                  <c:v>Level 3</c:v>
+                  <c:v xml:space="preserve">Level 3</c:v>
                 </c:pt>
                 <c:pt idx="3">
-                  <c:v>Level 11</c:v>
+                  <c:v xml:space="preserve">Level 11</c:v>
                 </c:pt>
                 <c:pt idx="4">
-                  <c:v>Level 12</c:v>
+                  <c:v xml:space="preserve">Level 12</c:v>
                 </c:pt>
                 <c:pt idx="5">
-                  <c:v>Level 13</c:v>
+                  <c:v xml:space="preserve">Level 13</c:v>
                 </c:pt>
               </c:strCache>
             </c:strRef>
@@ -410,7 +208,7 @@
                   <c:v>0.12</c:v>
                 </c:pt>
                 <c:pt idx="3">
-                  <c:v>4.8600000000000003</c:v>
+                  <c:v>4.86</c:v>
                 </c:pt>
                 <c:pt idx="4">
                   <c:v>3.24425077438354</c:v>
@@ -422,11 +220,6 @@
             </c:numRef>
           </c:val>
           <c:smooth val="0"/>
-          <c:extLst>
-            <c:ext xmlns:c16="http://schemas.microsoft.com/office/drawing/2014/chart" uri="{C3380CC4-5D6E-409C-BE32-E72D297353CC}">
-              <c16:uniqueId val="{00000000-0866-497B-A7F0-4EA5192448EB}"/>
-            </c:ext>
-          </c:extLst>
         </c:ser>
         <c:ser>
           <c:idx val="1"/>
@@ -442,7 +235,10 @@
               </c:strCache>
             </c:strRef>
           </c:tx>
-          <c:spPr>
+          <c:spPr bwMode="auto">
+            <a:prstGeom prst="rect">
+              <a:avLst/>
+            </a:prstGeom>
             <a:ln w="28575" cap="rnd">
               <a:solidFill>
                 <a:srgbClr val="92D050"/>
@@ -460,22 +256,22 @@
               <c:strCache>
                 <c:ptCount val="6"/>
                 <c:pt idx="0">
-                  <c:v>Level 1</c:v>
+                  <c:v xml:space="preserve">Level 1</c:v>
                 </c:pt>
                 <c:pt idx="1">
-                  <c:v>Level 2</c:v>
+                  <c:v xml:space="preserve">Level 2</c:v>
                 </c:pt>
                 <c:pt idx="2">
-                  <c:v>Level 3</c:v>
+                  <c:v xml:space="preserve">Level 3</c:v>
                 </c:pt>
                 <c:pt idx="3">
-                  <c:v>Level 11</c:v>
+                  <c:v xml:space="preserve">Level 11</c:v>
                 </c:pt>
                 <c:pt idx="4">
-                  <c:v>Level 12</c:v>
+                  <c:v xml:space="preserve">Level 12</c:v>
                 </c:pt>
                 <c:pt idx="5">
-                  <c:v>Level 13</c:v>
+                  <c:v xml:space="preserve">Level 13</c:v>
                 </c:pt>
               </c:strCache>
             </c:strRef>
@@ -487,32 +283,27 @@
                 <c:formatCode>General</c:formatCode>
                 <c:ptCount val="6"/>
                 <c:pt idx="0">
-                  <c:v>0.16087436699999999</c:v>
+                  <c:v>0.160874367</c:v>
                 </c:pt>
                 <c:pt idx="1">
-                  <c:v>9.6063852000000005E-2</c:v>
+                  <c:v>0.096063852</c:v>
                 </c:pt>
                 <c:pt idx="2">
-                  <c:v>7.9599856999999996E-2</c:v>
+                  <c:v>0.079599857</c:v>
                 </c:pt>
                 <c:pt idx="3">
                   <c:v>2.807344675</c:v>
                 </c:pt>
                 <c:pt idx="4">
-                  <c:v>3.9286768439999999</c:v>
+                  <c:v>3.928676844</c:v>
                 </c:pt>
                 <c:pt idx="5">
-                  <c:v>1.7917900090000001</c:v>
+                  <c:v>1.791790009</c:v>
                 </c:pt>
               </c:numCache>
             </c:numRef>
           </c:val>
           <c:smooth val="0"/>
-          <c:extLst>
-            <c:ext xmlns:c16="http://schemas.microsoft.com/office/drawing/2014/chart" uri="{C3380CC4-5D6E-409C-BE32-E72D297353CC}">
-              <c16:uniqueId val="{00000001-0866-497B-A7F0-4EA5192448EB}"/>
-            </c:ext>
-          </c:extLst>
         </c:ser>
         <c:ser>
           <c:idx val="2"/>
@@ -528,7 +319,10 @@
               </c:strCache>
             </c:strRef>
           </c:tx>
-          <c:spPr>
+          <c:spPr bwMode="auto">
+            <a:prstGeom prst="rect">
+              <a:avLst/>
+            </a:prstGeom>
             <a:ln w="28575" cap="rnd">
               <a:solidFill>
                 <a:srgbClr val="090ED5"/>
@@ -546,22 +340,22 @@
               <c:strCache>
                 <c:ptCount val="6"/>
                 <c:pt idx="0">
-                  <c:v>Level 1</c:v>
+                  <c:v xml:space="preserve">Level 1</c:v>
                 </c:pt>
                 <c:pt idx="1">
-                  <c:v>Level 2</c:v>
+                  <c:v xml:space="preserve">Level 2</c:v>
                 </c:pt>
                 <c:pt idx="2">
-                  <c:v>Level 3</c:v>
+                  <c:v xml:space="preserve">Level 3</c:v>
                 </c:pt>
                 <c:pt idx="3">
-                  <c:v>Level 11</c:v>
+                  <c:v xml:space="preserve">Level 11</c:v>
                 </c:pt>
                 <c:pt idx="4">
-                  <c:v>Level 12</c:v>
+                  <c:v xml:space="preserve">Level 12</c:v>
                 </c:pt>
                 <c:pt idx="5">
-                  <c:v>Level 13</c:v>
+                  <c:v xml:space="preserve">Level 13</c:v>
                 </c:pt>
               </c:strCache>
             </c:strRef>
@@ -573,32 +367,27 @@
                 <c:formatCode>General</c:formatCode>
                 <c:ptCount val="6"/>
                 <c:pt idx="0">
-                  <c:v>0.18343210200000001</c:v>
+                  <c:v>0.183432102</c:v>
                 </c:pt>
                 <c:pt idx="1">
-                  <c:v>7.0877551999999996E-2</c:v>
+                  <c:v>0.070877552</c:v>
                 </c:pt>
                 <c:pt idx="2">
-                  <c:v>9.4476460999999998E-2</c:v>
+                  <c:v>0.094476461</c:v>
                 </c:pt>
                 <c:pt idx="3">
-                  <c:v>4.2522099019999997</c:v>
+                  <c:v>4.252209902</c:v>
                 </c:pt>
                 <c:pt idx="4">
-                  <c:v>7.6009297370000004</c:v>
+                  <c:v>7.600929737</c:v>
                 </c:pt>
                 <c:pt idx="5">
-                  <c:v>1.8548936840000001</c:v>
+                  <c:v>1.854893684</c:v>
                 </c:pt>
               </c:numCache>
             </c:numRef>
           </c:val>
           <c:smooth val="0"/>
-          <c:extLst>
-            <c:ext xmlns:c16="http://schemas.microsoft.com/office/drawing/2014/chart" uri="{C3380CC4-5D6E-409C-BE32-E72D297353CC}">
-              <c16:uniqueId val="{00000002-0866-497B-A7F0-4EA5192448EB}"/>
-            </c:ext>
-          </c:extLst>
         </c:ser>
         <c:ser>
           <c:idx val="3"/>
@@ -614,7 +403,10 @@
               </c:strCache>
             </c:strRef>
           </c:tx>
-          <c:spPr>
+          <c:spPr bwMode="auto">
+            <a:prstGeom prst="rect">
+              <a:avLst/>
+            </a:prstGeom>
             <a:ln w="28575" cap="rnd">
               <a:solidFill>
                 <a:srgbClr val="00B0F0"/>
@@ -632,22 +424,22 @@
               <c:strCache>
                 <c:ptCount val="6"/>
                 <c:pt idx="0">
-                  <c:v>Level 1</c:v>
+                  <c:v xml:space="preserve">Level 1</c:v>
                 </c:pt>
                 <c:pt idx="1">
-                  <c:v>Level 2</c:v>
+                  <c:v xml:space="preserve">Level 2</c:v>
                 </c:pt>
                 <c:pt idx="2">
-                  <c:v>Level 3</c:v>
+                  <c:v xml:space="preserve">Level 3</c:v>
                 </c:pt>
                 <c:pt idx="3">
-                  <c:v>Level 11</c:v>
+                  <c:v xml:space="preserve">Level 11</c:v>
                 </c:pt>
                 <c:pt idx="4">
-                  <c:v>Level 12</c:v>
+                  <c:v xml:space="preserve">Level 12</c:v>
                 </c:pt>
                 <c:pt idx="5">
-                  <c:v>Level 13</c:v>
+                  <c:v xml:space="preserve">Level 13</c:v>
                 </c:pt>
               </c:strCache>
             </c:strRef>
@@ -662,29 +454,24 @@
                   <c:v>0.117555857</c:v>
                 </c:pt>
                 <c:pt idx="1">
-                  <c:v>4.8951386999999999E-2</c:v>
+                  <c:v>0.048951387</c:v>
                 </c:pt>
                 <c:pt idx="2">
-                  <c:v>5.6847333999999999E-2</c:v>
+                  <c:v>0.056847334</c:v>
                 </c:pt>
                 <c:pt idx="3">
-                  <c:v>4.6560790538787797</c:v>
+                  <c:v>4.65607905387878</c:v>
                 </c:pt>
                 <c:pt idx="4">
-                  <c:v>2.1158781050000002</c:v>
+                  <c:v>2.115878105</c:v>
                 </c:pt>
                 <c:pt idx="5">
-                  <c:v>1.1795165540000001</c:v>
+                  <c:v>1.179516554</c:v>
                 </c:pt>
               </c:numCache>
             </c:numRef>
           </c:val>
           <c:smooth val="0"/>
-          <c:extLst>
-            <c:ext xmlns:c16="http://schemas.microsoft.com/office/drawing/2014/chart" uri="{C3380CC4-5D6E-409C-BE32-E72D297353CC}">
-              <c16:uniqueId val="{00000003-0866-497B-A7F0-4EA5192448EB}"/>
-            </c:ext>
-          </c:extLst>
         </c:ser>
         <c:ser>
           <c:idx val="4"/>
@@ -700,7 +487,10 @@
               </c:strCache>
             </c:strRef>
           </c:tx>
-          <c:spPr>
+          <c:spPr bwMode="auto">
+            <a:prstGeom prst="rect">
+              <a:avLst/>
+            </a:prstGeom>
             <a:ln w="28575" cap="rnd">
               <a:solidFill>
                 <a:srgbClr val="7030A0"/>
@@ -718,22 +508,22 @@
               <c:strCache>
                 <c:ptCount val="6"/>
                 <c:pt idx="0">
-                  <c:v>Level 1</c:v>
+                  <c:v xml:space="preserve">Level 1</c:v>
                 </c:pt>
                 <c:pt idx="1">
-                  <c:v>Level 2</c:v>
+                  <c:v xml:space="preserve">Level 2</c:v>
                 </c:pt>
                 <c:pt idx="2">
-                  <c:v>Level 3</c:v>
+                  <c:v xml:space="preserve">Level 3</c:v>
                 </c:pt>
                 <c:pt idx="3">
-                  <c:v>Level 11</c:v>
+                  <c:v xml:space="preserve">Level 11</c:v>
                 </c:pt>
                 <c:pt idx="4">
-                  <c:v>Level 12</c:v>
+                  <c:v xml:space="preserve">Level 12</c:v>
                 </c:pt>
                 <c:pt idx="5">
-                  <c:v>Level 13</c:v>
+                  <c:v xml:space="preserve">Level 13</c:v>
                 </c:pt>
               </c:strCache>
             </c:strRef>
@@ -745,19 +535,19 @@
                 <c:formatCode>General</c:formatCode>
                 <c:ptCount val="6"/>
                 <c:pt idx="0">
-                  <c:v>5.2449465000000001E-2</c:v>
+                  <c:v>0.052449465</c:v>
                 </c:pt>
                 <c:pt idx="1">
-                  <c:v>5.4282188000000002E-2</c:v>
+                  <c:v>0.054282188</c:v>
                 </c:pt>
                 <c:pt idx="2">
                   <c:v>0.150518656</c:v>
                 </c:pt>
                 <c:pt idx="3">
-                  <c:v>4.2856113909999998</c:v>
+                  <c:v>4.285611391</c:v>
                 </c:pt>
                 <c:pt idx="4">
-                  <c:v>5.8126468659999997</c:v>
+                  <c:v>5.812646866</c:v>
                 </c:pt>
                 <c:pt idx="5">
                   <c:v>0.116789579</c:v>
@@ -766,11 +556,6 @@
             </c:numRef>
           </c:val>
           <c:smooth val="0"/>
-          <c:extLst>
-            <c:ext xmlns:c16="http://schemas.microsoft.com/office/drawing/2014/chart" uri="{C3380CC4-5D6E-409C-BE32-E72D297353CC}">
-              <c16:uniqueId val="{00000004-0866-497B-A7F0-4EA5192448EB}"/>
-            </c:ext>
-          </c:extLst>
         </c:ser>
         <c:ser>
           <c:idx val="5"/>
@@ -786,7 +571,10 @@
               </c:strCache>
             </c:strRef>
           </c:tx>
-          <c:spPr>
+          <c:spPr bwMode="auto">
+            <a:prstGeom prst="rect">
+              <a:avLst/>
+            </a:prstGeom>
             <a:ln w="28575" cap="rnd">
               <a:solidFill>
                 <a:srgbClr val="FFC000"/>
@@ -804,22 +592,22 @@
               <c:strCache>
                 <c:ptCount val="6"/>
                 <c:pt idx="0">
-                  <c:v>Level 1</c:v>
+                  <c:v xml:space="preserve">Level 1</c:v>
                 </c:pt>
                 <c:pt idx="1">
-                  <c:v>Level 2</c:v>
+                  <c:v xml:space="preserve">Level 2</c:v>
                 </c:pt>
                 <c:pt idx="2">
-                  <c:v>Level 3</c:v>
+                  <c:v xml:space="preserve">Level 3</c:v>
                 </c:pt>
                 <c:pt idx="3">
-                  <c:v>Level 11</c:v>
+                  <c:v xml:space="preserve">Level 11</c:v>
                 </c:pt>
                 <c:pt idx="4">
-                  <c:v>Level 12</c:v>
+                  <c:v xml:space="preserve">Level 12</c:v>
                 </c:pt>
                 <c:pt idx="5">
-                  <c:v>Level 13</c:v>
+                  <c:v xml:space="preserve">Level 13</c:v>
                 </c:pt>
               </c:strCache>
             </c:strRef>
@@ -831,32 +619,27 @@
                 <c:formatCode>General</c:formatCode>
                 <c:ptCount val="6"/>
                 <c:pt idx="0">
-                  <c:v>2.3635626E-2</c:v>
+                  <c:v>0.023635626</c:v>
                 </c:pt>
                 <c:pt idx="1">
-                  <c:v>6.0794592000000001E-2</c:v>
+                  <c:v>0.060794592</c:v>
                 </c:pt>
                 <c:pt idx="2">
-                  <c:v>7.3214768999999999E-2</c:v>
+                  <c:v>0.073214769</c:v>
                 </c:pt>
                 <c:pt idx="3">
-                  <c:v>1.8795206550000001</c:v>
+                  <c:v>1.879520655</c:v>
                 </c:pt>
                 <c:pt idx="4">
                   <c:v>1.903137922</c:v>
                 </c:pt>
                 <c:pt idx="5">
-                  <c:v>0.67980718600000001</c:v>
+                  <c:v>0.679807186</c:v>
                 </c:pt>
               </c:numCache>
             </c:numRef>
           </c:val>
           <c:smooth val="0"/>
-          <c:extLst>
-            <c:ext xmlns:c16="http://schemas.microsoft.com/office/drawing/2014/chart" uri="{C3380CC4-5D6E-409C-BE32-E72D297353CC}">
-              <c16:uniqueId val="{00000005-0866-497B-A7F0-4EA5192448EB}"/>
-            </c:ext>
-          </c:extLst>
         </c:ser>
         <c:ser>
           <c:idx val="6"/>
@@ -872,7 +655,10 @@
               </c:strCache>
             </c:strRef>
           </c:tx>
-          <c:spPr>
+          <c:spPr bwMode="auto">
+            <a:prstGeom prst="rect">
+              <a:avLst/>
+            </a:prstGeom>
             <a:ln w="28575" cap="rnd">
               <a:solidFill>
                 <a:srgbClr val="866B4A"/>
@@ -890,22 +676,22 @@
               <c:strCache>
                 <c:ptCount val="6"/>
                 <c:pt idx="0">
-                  <c:v>Level 1</c:v>
+                  <c:v xml:space="preserve">Level 1</c:v>
                 </c:pt>
                 <c:pt idx="1">
-                  <c:v>Level 2</c:v>
+                  <c:v xml:space="preserve">Level 2</c:v>
                 </c:pt>
                 <c:pt idx="2">
-                  <c:v>Level 3</c:v>
+                  <c:v xml:space="preserve">Level 3</c:v>
                 </c:pt>
                 <c:pt idx="3">
-                  <c:v>Level 11</c:v>
+                  <c:v xml:space="preserve">Level 11</c:v>
                 </c:pt>
                 <c:pt idx="4">
-                  <c:v>Level 12</c:v>
+                  <c:v xml:space="preserve">Level 12</c:v>
                 </c:pt>
                 <c:pt idx="5">
-                  <c:v>Level 13</c:v>
+                  <c:v xml:space="preserve">Level 13</c:v>
                 </c:pt>
               </c:strCache>
             </c:strRef>
@@ -917,40 +703,36 @@
                 <c:formatCode>General</c:formatCode>
                 <c:ptCount val="6"/>
                 <c:pt idx="0">
-                  <c:v>2.5981664657592701E-2</c:v>
+                  <c:v>0.0259816646575927</c:v>
                 </c:pt>
                 <c:pt idx="1">
-                  <c:v>2.7534962E-2</c:v>
+                  <c:v>0.027534962</c:v>
                 </c:pt>
                 <c:pt idx="2">
-                  <c:v>9.7288846999999998E-2</c:v>
+                  <c:v>0.097288847</c:v>
                 </c:pt>
                 <c:pt idx="3">
-                  <c:v>4.0332210059999998</c:v>
+                  <c:v>4.033221006</c:v>
                 </c:pt>
                 <c:pt idx="4">
-                  <c:v>2.0082507129999998</c:v>
+                  <c:v>2.008250713</c:v>
                 </c:pt>
                 <c:pt idx="5">
-                  <c:v>0.17814755400000001</c:v>
+                  <c:v>0.178147554</c:v>
                 </c:pt>
               </c:numCache>
             </c:numRef>
           </c:val>
           <c:smooth val="0"/>
-          <c:extLst>
-            <c:ext xmlns:c16="http://schemas.microsoft.com/office/drawing/2014/chart" uri="{C3380CC4-5D6E-409C-BE32-E72D297353CC}">
-              <c16:uniqueId val="{00000006-0866-497B-A7F0-4EA5192448EB}"/>
-            </c:ext>
-          </c:extLst>
         </c:ser>
         <c:dLbls>
+          <c:showBubbleSize val="0"/>
+          <c:showCatName val="0"/>
+          <c:showLeaderLines val="0"/>
           <c:showLegendKey val="0"/>
+          <c:showPercent val="0"/>
+          <c:showSerName val="0"/>
           <c:showVal val="0"/>
-          <c:showCatName val="0"/>
-          <c:showSerName val="0"/>
-          <c:showPercent val="0"/>
-          <c:showBubbleSize val="0"/>
         </c:dLbls>
         <c:smooth val="0"/>
         <c:axId val="595393552"/>
@@ -967,7 +749,10 @@
         <c:majorTickMark val="none"/>
         <c:minorTickMark val="none"/>
         <c:tickLblPos val="nextTo"/>
-        <c:spPr>
+        <c:spPr bwMode="auto">
+          <a:prstGeom prst="rect">
+            <a:avLst/>
+          </a:prstGeom>
           <a:noFill/>
           <a:ln w="9525" cap="flat" cmpd="sng" algn="ctr">
             <a:solidFill>
@@ -982,7 +767,7 @@
           <a:lstStyle/>
           <a:p>
             <a:pPr>
-              <a:defRPr sz="1197" b="0" i="0" u="none" strike="noStrike" kern="1200" baseline="0">
+              <a:defRPr sz="1200" b="0" i="0" u="none" strike="noStrike">
                 <a:solidFill>
                   <a:schemeClr val="bg1"/>
                 </a:solidFill>
@@ -1009,7 +794,10 @@
         <c:delete val="0"/>
         <c:axPos val="l"/>
         <c:majorGridlines>
-          <c:spPr>
+          <c:spPr bwMode="auto">
+            <a:prstGeom prst="rect">
+              <a:avLst/>
+            </a:prstGeom>
             <a:ln w="9525" cap="flat" cmpd="sng" algn="ctr">
               <a:solidFill>
                 <a:schemeClr val="bg1"/>
@@ -1023,7 +811,10 @@
         <c:majorTickMark val="none"/>
         <c:minorTickMark val="none"/>
         <c:tickLblPos val="nextTo"/>
-        <c:spPr>
+        <c:spPr bwMode="auto">
+          <a:prstGeom prst="rect">
+            <a:avLst/>
+          </a:prstGeom>
           <a:noFill/>
           <a:ln>
             <a:noFill/>
@@ -1035,7 +826,7 @@
           <a:lstStyle/>
           <a:p>
             <a:pPr>
-              <a:defRPr sz="1197" b="0" i="0" u="none" strike="noStrike" kern="1200" baseline="0">
+              <a:defRPr sz="1200" b="0" i="0" u="none" strike="noStrike">
                 <a:solidFill>
                   <a:schemeClr val="bg1"/>
                 </a:solidFill>
@@ -1051,7 +842,10 @@
         <c:crosses val="autoZero"/>
         <c:crossBetween val="between"/>
       </c:valAx>
-      <c:spPr>
+      <c:spPr bwMode="auto">
+        <a:prstGeom prst="rect">
+          <a:avLst/>
+        </a:prstGeom>
         <a:noFill/>
         <a:ln>
           <a:noFill/>
@@ -1061,8 +855,12 @@
     </c:plotArea>
     <c:legend>
       <c:legendPos val="b"/>
+      <c:layout/>
       <c:overlay val="0"/>
-      <c:spPr>
+      <c:spPr bwMode="auto">
+        <a:prstGeom prst="rect">
+          <a:avLst/>
+        </a:prstGeom>
         <a:noFill/>
         <a:ln>
           <a:noFill/>
@@ -1074,7 +872,7 @@
         <a:lstStyle/>
         <a:p>
           <a:pPr>
-            <a:defRPr sz="1197" b="0" i="0" u="none" strike="noStrike" kern="1200" baseline="0">
+            <a:defRPr sz="1200" b="0" i="0" u="none" strike="noStrike">
               <a:solidFill>
                 <a:schemeClr val="bg1"/>
               </a:solidFill>
@@ -1089,16 +887,16 @@
     </c:legend>
     <c:plotVisOnly val="1"/>
     <c:dispBlanksAs val="gap"/>
-    <c:extLst>
-      <c:ext xmlns:c16r3="http://schemas.microsoft.com/office/drawing/2017/03/chart" uri="{56B9EC1D-385E-4148-901F-78D8002777C0}">
-        <c16r3:dataDisplayOptions16>
-          <c16r3:dispNaAsBlank val="1"/>
-        </c16r3:dataDisplayOptions16>
-      </c:ext>
-    </c:extLst>
     <c:showDLblsOverMax val="0"/>
   </c:chart>
-  <c:spPr>
+  <c:spPr bwMode="auto">
+    <a:xfrm>
+      <a:off x="412776" y="1696442"/>
+      <a:ext cx="5544616" cy="3600400"/>
+    </a:xfrm>
+    <a:prstGeom prst="rect">
+      <a:avLst/>
+    </a:prstGeom>
     <a:solidFill>
       <a:schemeClr val="tx1"/>
     </a:solidFill>
@@ -1133,12 +931,12 @@
 </file>
 
 <file path=ppt/charts/chart2.xml><?xml version="1.0" encoding="utf-8"?>
-<c:chartSpace xmlns:c="http://schemas.openxmlformats.org/drawingml/2006/chart" xmlns:a="http://schemas.openxmlformats.org/drawingml/2006/main" xmlns:r="http://schemas.openxmlformats.org/officeDocument/2006/relationships" xmlns:c16r2="http://schemas.microsoft.com/office/drawing/2015/06/chart">
+<c:chartSpace xmlns:c="http://schemas.openxmlformats.org/drawingml/2006/chart" xmlns:a="http://schemas.openxmlformats.org/drawingml/2006/main" xmlns:r="http://schemas.openxmlformats.org/officeDocument/2006/relationships" xmlns:mc="http://schemas.openxmlformats.org/markup-compatibility/2006" xmlns:c14="http://schemas.microsoft.com/office/drawing/2007/8/2/chart">
   <c:date1904 val="0"/>
   <c:lang val="en-US"/>
   <c:roundedCorners val="0"/>
-  <mc:AlternateContent xmlns:mc="http://schemas.openxmlformats.org/markup-compatibility/2006">
-    <mc:Choice xmlns:c14="http://schemas.microsoft.com/office/drawing/2007/8/2/chart" Requires="c14">
+  <mc:AlternateContent>
+    <mc:Choice Requires="c14">
       <c14:style val="102"/>
     </mc:Choice>
     <mc:Fallback>
@@ -1166,7 +964,10 @@
               </c:strCache>
             </c:strRef>
           </c:tx>
-          <c:spPr>
+          <c:spPr bwMode="auto">
+            <a:prstGeom prst="rect">
+              <a:avLst/>
+            </a:prstGeom>
             <a:ln w="28575" cap="rnd">
               <a:solidFill>
                 <a:srgbClr val="FF0000"/>
@@ -1184,22 +985,22 @@
               <c:strCache>
                 <c:ptCount val="6"/>
                 <c:pt idx="0">
-                  <c:v>Level 1</c:v>
+                  <c:v xml:space="preserve">Level 1</c:v>
                 </c:pt>
                 <c:pt idx="1">
-                  <c:v>Level 2</c:v>
+                  <c:v xml:space="preserve">Level 2</c:v>
                 </c:pt>
                 <c:pt idx="2">
-                  <c:v>Level 3</c:v>
+                  <c:v xml:space="preserve">Level 3</c:v>
                 </c:pt>
                 <c:pt idx="3">
-                  <c:v>Level 11</c:v>
+                  <c:v xml:space="preserve">Level 11</c:v>
                 </c:pt>
                 <c:pt idx="4">
-                  <c:v>Level 12</c:v>
+                  <c:v xml:space="preserve">Level 12</c:v>
                 </c:pt>
                 <c:pt idx="5">
-                  <c:v>Level 13</c:v>
+                  <c:v xml:space="preserve">Level 13</c:v>
                 </c:pt>
               </c:strCache>
             </c:strRef>
@@ -1232,11 +1033,6 @@
             </c:numRef>
           </c:val>
           <c:smooth val="0"/>
-          <c:extLst>
-            <c:ext xmlns:c16="http://schemas.microsoft.com/office/drawing/2014/chart" uri="{C3380CC4-5D6E-409C-BE32-E72D297353CC}">
-              <c16:uniqueId val="{00000000-F00A-44CF-86A4-18E6ED6ED233}"/>
-            </c:ext>
-          </c:extLst>
         </c:ser>
         <c:ser>
           <c:idx val="1"/>
@@ -1252,7 +1048,10 @@
               </c:strCache>
             </c:strRef>
           </c:tx>
-          <c:spPr>
+          <c:spPr bwMode="auto">
+            <a:prstGeom prst="rect">
+              <a:avLst/>
+            </a:prstGeom>
             <a:ln w="28575" cap="rnd">
               <a:solidFill>
                 <a:srgbClr val="92D050"/>
@@ -1270,22 +1069,22 @@
               <c:strCache>
                 <c:ptCount val="6"/>
                 <c:pt idx="0">
-                  <c:v>Level 1</c:v>
+                  <c:v xml:space="preserve">Level 1</c:v>
                 </c:pt>
                 <c:pt idx="1">
-                  <c:v>Level 2</c:v>
+                  <c:v xml:space="preserve">Level 2</c:v>
                 </c:pt>
                 <c:pt idx="2">
-                  <c:v>Level 3</c:v>
+                  <c:v xml:space="preserve">Level 3</c:v>
                 </c:pt>
                 <c:pt idx="3">
-                  <c:v>Level 11</c:v>
+                  <c:v xml:space="preserve">Level 11</c:v>
                 </c:pt>
                 <c:pt idx="4">
-                  <c:v>Level 12</c:v>
+                  <c:v xml:space="preserve">Level 12</c:v>
                 </c:pt>
                 <c:pt idx="5">
-                  <c:v>Level 13</c:v>
+                  <c:v xml:space="preserve">Level 13</c:v>
                 </c:pt>
               </c:strCache>
             </c:strRef>
@@ -1318,11 +1117,6 @@
             </c:numRef>
           </c:val>
           <c:smooth val="0"/>
-          <c:extLst>
-            <c:ext xmlns:c16="http://schemas.microsoft.com/office/drawing/2014/chart" uri="{C3380CC4-5D6E-409C-BE32-E72D297353CC}">
-              <c16:uniqueId val="{00000001-F00A-44CF-86A4-18E6ED6ED233}"/>
-            </c:ext>
-          </c:extLst>
         </c:ser>
         <c:ser>
           <c:idx val="2"/>
@@ -1338,7 +1132,10 @@
               </c:strCache>
             </c:strRef>
           </c:tx>
-          <c:spPr>
+          <c:spPr bwMode="auto">
+            <a:prstGeom prst="rect">
+              <a:avLst/>
+            </a:prstGeom>
             <a:ln w="28575" cap="rnd">
               <a:solidFill>
                 <a:srgbClr val="090ED5"/>
@@ -1356,22 +1153,22 @@
               <c:strCache>
                 <c:ptCount val="6"/>
                 <c:pt idx="0">
-                  <c:v>Level 1</c:v>
+                  <c:v xml:space="preserve">Level 1</c:v>
                 </c:pt>
                 <c:pt idx="1">
-                  <c:v>Level 2</c:v>
+                  <c:v xml:space="preserve">Level 2</c:v>
                 </c:pt>
                 <c:pt idx="2">
-                  <c:v>Level 3</c:v>
+                  <c:v xml:space="preserve">Level 3</c:v>
                 </c:pt>
                 <c:pt idx="3">
-                  <c:v>Level 11</c:v>
+                  <c:v xml:space="preserve">Level 11</c:v>
                 </c:pt>
                 <c:pt idx="4">
-                  <c:v>Level 12</c:v>
+                  <c:v xml:space="preserve">Level 12</c:v>
                 </c:pt>
                 <c:pt idx="5">
-                  <c:v>Level 13</c:v>
+                  <c:v xml:space="preserve">Level 13</c:v>
                 </c:pt>
               </c:strCache>
             </c:strRef>
@@ -1404,11 +1201,6 @@
             </c:numRef>
           </c:val>
           <c:smooth val="0"/>
-          <c:extLst>
-            <c:ext xmlns:c16="http://schemas.microsoft.com/office/drawing/2014/chart" uri="{C3380CC4-5D6E-409C-BE32-E72D297353CC}">
-              <c16:uniqueId val="{00000002-F00A-44CF-86A4-18E6ED6ED233}"/>
-            </c:ext>
-          </c:extLst>
         </c:ser>
         <c:ser>
           <c:idx val="3"/>
@@ -1424,7 +1216,10 @@
               </c:strCache>
             </c:strRef>
           </c:tx>
-          <c:spPr>
+          <c:spPr bwMode="auto">
+            <a:prstGeom prst="rect">
+              <a:avLst/>
+            </a:prstGeom>
             <a:ln w="28575" cap="rnd">
               <a:solidFill>
                 <a:srgbClr val="00B0F0"/>
@@ -1442,22 +1237,22 @@
               <c:strCache>
                 <c:ptCount val="6"/>
                 <c:pt idx="0">
-                  <c:v>Level 1</c:v>
+                  <c:v xml:space="preserve">Level 1</c:v>
                 </c:pt>
                 <c:pt idx="1">
-                  <c:v>Level 2</c:v>
+                  <c:v xml:space="preserve">Level 2</c:v>
                 </c:pt>
                 <c:pt idx="2">
-                  <c:v>Level 3</c:v>
+                  <c:v xml:space="preserve">Level 3</c:v>
                 </c:pt>
                 <c:pt idx="3">
-                  <c:v>Level 11</c:v>
+                  <c:v xml:space="preserve">Level 11</c:v>
                 </c:pt>
                 <c:pt idx="4">
-                  <c:v>Level 12</c:v>
+                  <c:v xml:space="preserve">Level 12</c:v>
                 </c:pt>
                 <c:pt idx="5">
-                  <c:v>Level 13</c:v>
+                  <c:v xml:space="preserve">Level 13</c:v>
                 </c:pt>
               </c:strCache>
             </c:strRef>
@@ -1490,11 +1285,6 @@
             </c:numRef>
           </c:val>
           <c:smooth val="0"/>
-          <c:extLst>
-            <c:ext xmlns:c16="http://schemas.microsoft.com/office/drawing/2014/chart" uri="{C3380CC4-5D6E-409C-BE32-E72D297353CC}">
-              <c16:uniqueId val="{00000003-F00A-44CF-86A4-18E6ED6ED233}"/>
-            </c:ext>
-          </c:extLst>
         </c:ser>
         <c:ser>
           <c:idx val="4"/>
@@ -1510,7 +1300,10 @@
               </c:strCache>
             </c:strRef>
           </c:tx>
-          <c:spPr>
+          <c:spPr bwMode="auto">
+            <a:prstGeom prst="rect">
+              <a:avLst/>
+            </a:prstGeom>
             <a:ln w="28575" cap="rnd">
               <a:solidFill>
                 <a:srgbClr val="7030A0"/>
@@ -1528,22 +1321,22 @@
               <c:strCache>
                 <c:ptCount val="6"/>
                 <c:pt idx="0">
-                  <c:v>Level 1</c:v>
+                  <c:v xml:space="preserve">Level 1</c:v>
                 </c:pt>
                 <c:pt idx="1">
-                  <c:v>Level 2</c:v>
+                  <c:v xml:space="preserve">Level 2</c:v>
                 </c:pt>
                 <c:pt idx="2">
-                  <c:v>Level 3</c:v>
+                  <c:v xml:space="preserve">Level 3</c:v>
                 </c:pt>
                 <c:pt idx="3">
-                  <c:v>Level 11</c:v>
+                  <c:v xml:space="preserve">Level 11</c:v>
                 </c:pt>
                 <c:pt idx="4">
-                  <c:v>Level 12</c:v>
+                  <c:v xml:space="preserve">Level 12</c:v>
                 </c:pt>
                 <c:pt idx="5">
-                  <c:v>Level 13</c:v>
+                  <c:v xml:space="preserve">Level 13</c:v>
                 </c:pt>
               </c:strCache>
             </c:strRef>
@@ -1576,11 +1369,6 @@
             </c:numRef>
           </c:val>
           <c:smooth val="0"/>
-          <c:extLst>
-            <c:ext xmlns:c16="http://schemas.microsoft.com/office/drawing/2014/chart" uri="{C3380CC4-5D6E-409C-BE32-E72D297353CC}">
-              <c16:uniqueId val="{00000004-F00A-44CF-86A4-18E6ED6ED233}"/>
-            </c:ext>
-          </c:extLst>
         </c:ser>
         <c:ser>
           <c:idx val="5"/>
@@ -1596,7 +1384,10 @@
               </c:strCache>
             </c:strRef>
           </c:tx>
-          <c:spPr>
+          <c:spPr bwMode="auto">
+            <a:prstGeom prst="rect">
+              <a:avLst/>
+            </a:prstGeom>
             <a:ln w="28575" cap="rnd">
               <a:solidFill>
                 <a:srgbClr val="FFC000"/>
@@ -1614,22 +1405,22 @@
               <c:strCache>
                 <c:ptCount val="6"/>
                 <c:pt idx="0">
-                  <c:v>Level 1</c:v>
+                  <c:v xml:space="preserve">Level 1</c:v>
                 </c:pt>
                 <c:pt idx="1">
-                  <c:v>Level 2</c:v>
+                  <c:v xml:space="preserve">Level 2</c:v>
                 </c:pt>
                 <c:pt idx="2">
-                  <c:v>Level 3</c:v>
+                  <c:v xml:space="preserve">Level 3</c:v>
                 </c:pt>
                 <c:pt idx="3">
-                  <c:v>Level 11</c:v>
+                  <c:v xml:space="preserve">Level 11</c:v>
                 </c:pt>
                 <c:pt idx="4">
-                  <c:v>Level 12</c:v>
+                  <c:v xml:space="preserve">Level 12</c:v>
                 </c:pt>
                 <c:pt idx="5">
-                  <c:v>Level 13</c:v>
+                  <c:v xml:space="preserve">Level 13</c:v>
                 </c:pt>
               </c:strCache>
             </c:strRef>
@@ -1662,11 +1453,6 @@
             </c:numRef>
           </c:val>
           <c:smooth val="0"/>
-          <c:extLst>
-            <c:ext xmlns:c16="http://schemas.microsoft.com/office/drawing/2014/chart" uri="{C3380CC4-5D6E-409C-BE32-E72D297353CC}">
-              <c16:uniqueId val="{00000005-F00A-44CF-86A4-18E6ED6ED233}"/>
-            </c:ext>
-          </c:extLst>
         </c:ser>
         <c:ser>
           <c:idx val="6"/>
@@ -1682,7 +1468,10 @@
               </c:strCache>
             </c:strRef>
           </c:tx>
-          <c:spPr>
+          <c:spPr bwMode="auto">
+            <a:prstGeom prst="rect">
+              <a:avLst/>
+            </a:prstGeom>
             <a:ln w="28575" cap="rnd">
               <a:solidFill>
                 <a:srgbClr val="866B4A"/>
@@ -1700,22 +1489,22 @@
               <c:strCache>
                 <c:ptCount val="6"/>
                 <c:pt idx="0">
-                  <c:v>Level 1</c:v>
+                  <c:v xml:space="preserve">Level 1</c:v>
                 </c:pt>
                 <c:pt idx="1">
-                  <c:v>Level 2</c:v>
+                  <c:v xml:space="preserve">Level 2</c:v>
                 </c:pt>
                 <c:pt idx="2">
-                  <c:v>Level 3</c:v>
+                  <c:v xml:space="preserve">Level 3</c:v>
                 </c:pt>
                 <c:pt idx="3">
-                  <c:v>Level 11</c:v>
+                  <c:v xml:space="preserve">Level 11</c:v>
                 </c:pt>
                 <c:pt idx="4">
-                  <c:v>Level 12</c:v>
+                  <c:v xml:space="preserve">Level 12</c:v>
                 </c:pt>
                 <c:pt idx="5">
-                  <c:v>Level 13</c:v>
+                  <c:v xml:space="preserve">Level 13</c:v>
                 </c:pt>
               </c:strCache>
             </c:strRef>
@@ -1748,19 +1537,15 @@
             </c:numRef>
           </c:val>
           <c:smooth val="0"/>
-          <c:extLst>
-            <c:ext xmlns:c16="http://schemas.microsoft.com/office/drawing/2014/chart" uri="{C3380CC4-5D6E-409C-BE32-E72D297353CC}">
-              <c16:uniqueId val="{00000006-F00A-44CF-86A4-18E6ED6ED233}"/>
-            </c:ext>
-          </c:extLst>
         </c:ser>
         <c:dLbls>
+          <c:showBubbleSize val="0"/>
+          <c:showCatName val="0"/>
+          <c:showLeaderLines val="0"/>
           <c:showLegendKey val="0"/>
+          <c:showPercent val="0"/>
+          <c:showSerName val="0"/>
           <c:showVal val="0"/>
-          <c:showCatName val="0"/>
-          <c:showSerName val="0"/>
-          <c:showPercent val="0"/>
-          <c:showBubbleSize val="0"/>
         </c:dLbls>
         <c:smooth val="0"/>
         <c:axId val="595393552"/>
@@ -1777,7 +1562,10 @@
         <c:majorTickMark val="none"/>
         <c:minorTickMark val="none"/>
         <c:tickLblPos val="nextTo"/>
-        <c:spPr>
+        <c:spPr bwMode="auto">
+          <a:prstGeom prst="rect">
+            <a:avLst/>
+          </a:prstGeom>
           <a:noFill/>
           <a:ln w="9525" cap="flat" cmpd="sng" algn="ctr">
             <a:solidFill>
@@ -1795,7 +1583,7 @@
           <a:lstStyle/>
           <a:p>
             <a:pPr>
-              <a:defRPr sz="1197" b="0" i="0" u="none" strike="noStrike" kern="1200" baseline="0">
+              <a:defRPr sz="1200" b="0" i="0" u="none" strike="noStrike">
                 <a:solidFill>
                   <a:schemeClr val="bg1"/>
                 </a:solidFill>
@@ -1822,7 +1610,10 @@
         <c:delete val="0"/>
         <c:axPos val="l"/>
         <c:majorGridlines>
-          <c:spPr>
+          <c:spPr bwMode="auto">
+            <a:prstGeom prst="rect">
+              <a:avLst/>
+            </a:prstGeom>
             <a:ln w="9525" cap="flat" cmpd="sng" algn="ctr">
               <a:solidFill>
                 <a:schemeClr val="bg1"/>
@@ -1836,7 +1627,10 @@
         <c:majorTickMark val="none"/>
         <c:minorTickMark val="none"/>
         <c:tickLblPos val="nextTo"/>
-        <c:spPr>
+        <c:spPr bwMode="auto">
+          <a:prstGeom prst="rect">
+            <a:avLst/>
+          </a:prstGeom>
           <a:noFill/>
           <a:ln>
             <a:noFill/>
@@ -1848,7 +1642,7 @@
           <a:lstStyle/>
           <a:p>
             <a:pPr>
-              <a:defRPr sz="1197" b="0" i="0" u="none" strike="noStrike" kern="1200" baseline="0">
+              <a:defRPr sz="1200" b="0" i="0" u="none" strike="noStrike">
                 <a:solidFill>
                   <a:schemeClr val="bg1"/>
                 </a:solidFill>
@@ -1864,7 +1658,10 @@
         <c:crosses val="autoZero"/>
         <c:crossBetween val="between"/>
       </c:valAx>
-      <c:spPr>
+      <c:spPr bwMode="auto">
+        <a:prstGeom prst="rect">
+          <a:avLst/>
+        </a:prstGeom>
         <a:noFill/>
         <a:ln>
           <a:noFill/>
@@ -1874,8 +1671,12 @@
     </c:plotArea>
     <c:legend>
       <c:legendPos val="b"/>
+      <c:layout/>
       <c:overlay val="0"/>
-      <c:spPr>
+      <c:spPr bwMode="auto">
+        <a:prstGeom prst="rect">
+          <a:avLst/>
+        </a:prstGeom>
         <a:noFill/>
         <a:ln>
           <a:noFill/>
@@ -1887,7 +1688,7 @@
         <a:lstStyle/>
         <a:p>
           <a:pPr>
-            <a:defRPr sz="1197" b="0" i="0" u="none" strike="noStrike" kern="1200" baseline="0">
+            <a:defRPr sz="1200" b="0" i="0" u="none" strike="noStrike">
               <a:solidFill>
                 <a:schemeClr val="bg1"/>
               </a:solidFill>
@@ -1902,16 +1703,16 @@
     </c:legend>
     <c:plotVisOnly val="1"/>
     <c:dispBlanksAs val="gap"/>
-    <c:extLst>
-      <c:ext xmlns:c16r3="http://schemas.microsoft.com/office/drawing/2017/03/chart" uri="{56B9EC1D-385E-4148-901F-78D8002777C0}">
-        <c16r3:dataDisplayOptions16>
-          <c16r3:dispNaAsBlank val="1"/>
-        </c16r3:dataDisplayOptions16>
-      </c:ext>
-    </c:extLst>
     <c:showDLblsOverMax val="0"/>
   </c:chart>
-  <c:spPr>
+  <c:spPr bwMode="auto">
+    <a:xfrm>
+      <a:off x="6312024" y="1700808"/>
+      <a:ext cx="5544616" cy="3600400"/>
+    </a:xfrm>
+    <a:prstGeom prst="rect">
+      <a:avLst/>
+    </a:prstGeom>
     <a:solidFill>
       <a:schemeClr val="tx1"/>
     </a:solidFill>
@@ -2031,7 +1832,7 @@
         <a:lumOff val="35000"/>
       </a:schemeClr>
     </cs:fontRef>
-    <cs:defRPr sz="1330" kern="1200"/>
+    <cs:defRPr sz="1350"/>
   </cs:axisTitle>
   <cs:categoryAxis>
     <cs:lnRef idx="0"/>
@@ -2043,7 +1844,10 @@
         <a:lumOff val="35000"/>
       </a:schemeClr>
     </cs:fontRef>
-    <cs:spPr>
+    <cs:spPr bwMode="auto">
+      <a:prstGeom prst="rect">
+        <a:avLst/>
+      </a:prstGeom>
       <a:ln w="9525" cap="flat" cmpd="sng" algn="ctr">
         <a:solidFill>
           <a:schemeClr val="tx1">
@@ -2054,16 +1858,19 @@
         <a:round/>
       </a:ln>
     </cs:spPr>
-    <cs:defRPr sz="1197" kern="1200"/>
+    <cs:defRPr sz="1200"/>
   </cs:categoryAxis>
-  <cs:chartArea mods="allowNoFillOverride allowNoLineOverride">
+  <cs:chartArea>
     <cs:lnRef idx="0"/>
     <cs:fillRef idx="0"/>
     <cs:effectRef idx="0"/>
     <cs:fontRef idx="minor">
       <a:schemeClr val="tx1"/>
     </cs:fontRef>
-    <cs:spPr>
+    <cs:spPr bwMode="auto">
+      <a:prstGeom prst="rect">
+        <a:avLst/>
+      </a:prstGeom>
       <a:solidFill>
         <a:schemeClr val="bg1"/>
       </a:solidFill>
@@ -2077,7 +1884,7 @@
         <a:round/>
       </a:ln>
     </cs:spPr>
-    <cs:defRPr sz="1330" kern="1200"/>
+    <cs:defRPr sz="1350"/>
   </cs:chartArea>
   <cs:dataLabel>
     <cs:lnRef idx="0"/>
@@ -2089,7 +1896,7 @@
         <a:lumOff val="25000"/>
       </a:schemeClr>
     </cs:fontRef>
-    <cs:defRPr sz="1197" kern="1200"/>
+    <cs:defRPr sz="1200"/>
   </cs:dataLabel>
   <cs:dataLabelCallout>
     <cs:lnRef idx="0"/>
@@ -2101,7 +1908,10 @@
         <a:lumOff val="35000"/>
       </a:schemeClr>
     </cs:fontRef>
-    <cs:spPr>
+    <cs:spPr bwMode="auto">
+      <a:prstGeom prst="rect">
+        <a:avLst/>
+      </a:prstGeom>
       <a:solidFill>
         <a:schemeClr val="lt1"/>
       </a:solidFill>
@@ -2114,7 +1924,7 @@
         </a:solidFill>
       </a:ln>
     </cs:spPr>
-    <cs:defRPr sz="1197" kern="1200"/>
+    <cs:defRPr sz="1200"/>
     <cs:bodyPr rot="0" spcFirstLastPara="1" vertOverflow="clip" horzOverflow="clip" vert="horz" wrap="square" lIns="36576" tIns="18288" rIns="36576" bIns="18288" anchor="ctr" anchorCtr="1">
       <a:spAutoFit/>
     </cs:bodyPr>
@@ -2128,7 +1938,10 @@
     <cs:fontRef idx="minor">
       <a:schemeClr val="tx1"/>
     </cs:fontRef>
-    <cs:spPr>
+    <cs:spPr bwMode="auto">
+      <a:prstGeom prst="rect">
+        <a:avLst/>
+      </a:prstGeom>
       <a:solidFill>
         <a:schemeClr val="phClr"/>
       </a:solidFill>
@@ -2143,7 +1956,10 @@
     <cs:fontRef idx="minor">
       <a:schemeClr val="tx1"/>
     </cs:fontRef>
-    <cs:spPr>
+    <cs:spPr bwMode="auto">
+      <a:prstGeom prst="rect">
+        <a:avLst/>
+      </a:prstGeom>
       <a:solidFill>
         <a:schemeClr val="phClr"/>
       </a:solidFill>
@@ -2158,7 +1974,10 @@
     <cs:fontRef idx="minor">
       <a:schemeClr val="tx1"/>
     </cs:fontRef>
-    <cs:spPr>
+    <cs:spPr bwMode="auto">
+      <a:prstGeom prst="rect">
+        <a:avLst/>
+      </a:prstGeom>
       <a:ln w="28575" cap="rnd">
         <a:solidFill>
           <a:schemeClr val="phClr"/>
@@ -2178,7 +1997,10 @@
     <cs:fontRef idx="minor">
       <a:schemeClr val="tx1"/>
     </cs:fontRef>
-    <cs:spPr>
+    <cs:spPr bwMode="auto">
+      <a:prstGeom prst="rect">
+        <a:avLst/>
+      </a:prstGeom>
       <a:solidFill>
         <a:schemeClr val="phClr"/>
       </a:solidFill>
@@ -2189,7 +2011,6 @@
       </a:ln>
     </cs:spPr>
   </cs:dataPointMarker>
-  <cs:dataPointMarkerLayout symbol="circle" size="5"/>
   <cs:dataPointWireframe>
     <cs:lnRef idx="0">
       <cs:styleClr val="auto"/>
@@ -2199,7 +2020,10 @@
     <cs:fontRef idx="minor">
       <a:schemeClr val="tx1"/>
     </cs:fontRef>
-    <cs:spPr>
+    <cs:spPr bwMode="auto">
+      <a:prstGeom prst="rect">
+        <a:avLst/>
+      </a:prstGeom>
       <a:ln w="9525" cap="rnd">
         <a:solidFill>
           <a:schemeClr val="phClr"/>
@@ -2218,7 +2042,10 @@
         <a:lumOff val="35000"/>
       </a:schemeClr>
     </cs:fontRef>
-    <cs:spPr>
+    <cs:spPr bwMode="auto">
+      <a:prstGeom prst="rect">
+        <a:avLst/>
+      </a:prstGeom>
       <a:noFill/>
       <a:ln w="9525" cap="flat" cmpd="sng" algn="ctr">
         <a:solidFill>
@@ -2230,7 +2057,7 @@
         <a:round/>
       </a:ln>
     </cs:spPr>
-    <cs:defRPr sz="1197" kern="1200"/>
+    <cs:defRPr sz="1200"/>
   </cs:dataTable>
   <cs:downBar>
     <cs:lnRef idx="0"/>
@@ -2239,7 +2066,10 @@
     <cs:fontRef idx="minor">
       <a:schemeClr val="dk1"/>
     </cs:fontRef>
-    <cs:spPr>
+    <cs:spPr bwMode="auto">
+      <a:prstGeom prst="rect">
+        <a:avLst/>
+      </a:prstGeom>
       <a:solidFill>
         <a:schemeClr val="dk1">
           <a:lumMod val="65000"/>
@@ -2263,7 +2093,10 @@
     <cs:fontRef idx="minor">
       <a:schemeClr val="tx1"/>
     </cs:fontRef>
-    <cs:spPr>
+    <cs:spPr bwMode="auto">
+      <a:prstGeom prst="rect">
+        <a:avLst/>
+      </a:prstGeom>
       <a:ln w="9525" cap="flat" cmpd="sng" algn="ctr">
         <a:solidFill>
           <a:schemeClr val="tx1">
@@ -2282,7 +2115,10 @@
     <cs:fontRef idx="minor">
       <a:schemeClr val="tx1"/>
     </cs:fontRef>
-    <cs:spPr>
+    <cs:spPr bwMode="auto">
+      <a:prstGeom prst="rect">
+        <a:avLst/>
+      </a:prstGeom>
       <a:ln w="9525" cap="flat" cmpd="sng" algn="ctr">
         <a:solidFill>
           <a:schemeClr val="tx1">
@@ -2301,7 +2137,10 @@
     <cs:fontRef idx="minor">
       <a:schemeClr val="tx1"/>
     </cs:fontRef>
-    <cs:spPr>
+    <cs:spPr bwMode="auto">
+      <a:prstGeom prst="rect">
+        <a:avLst/>
+      </a:prstGeom>
       <a:noFill/>
       <a:ln>
         <a:noFill/>
@@ -2315,7 +2154,10 @@
     <cs:fontRef idx="minor">
       <a:schemeClr val="tx1"/>
     </cs:fontRef>
-    <cs:spPr>
+    <cs:spPr bwMode="auto">
+      <a:prstGeom prst="rect">
+        <a:avLst/>
+      </a:prstGeom>
       <a:ln w="9525" cap="flat" cmpd="sng" algn="ctr">
         <a:solidFill>
           <a:schemeClr val="tx1">
@@ -2334,7 +2176,10 @@
     <cs:fontRef idx="minor">
       <a:schemeClr val="tx1"/>
     </cs:fontRef>
-    <cs:spPr>
+    <cs:spPr bwMode="auto">
+      <a:prstGeom prst="rect">
+        <a:avLst/>
+      </a:prstGeom>
       <a:ln w="9525" cap="flat" cmpd="sng" algn="ctr">
         <a:solidFill>
           <a:schemeClr val="tx1">
@@ -2353,7 +2198,10 @@
     <cs:fontRef idx="minor">
       <a:schemeClr val="tx1"/>
     </cs:fontRef>
-    <cs:spPr>
+    <cs:spPr bwMode="auto">
+      <a:prstGeom prst="rect">
+        <a:avLst/>
+      </a:prstGeom>
       <a:ln w="9525" cap="flat" cmpd="sng" algn="ctr">
         <a:solidFill>
           <a:schemeClr val="tx1">
@@ -2372,7 +2220,10 @@
     <cs:fontRef idx="minor">
       <a:schemeClr val="tx1"/>
     </cs:fontRef>
-    <cs:spPr>
+    <cs:spPr bwMode="auto">
+      <a:prstGeom prst="rect">
+        <a:avLst/>
+      </a:prstGeom>
       <a:ln w="9525" cap="flat" cmpd="sng" algn="ctr">
         <a:solidFill>
           <a:schemeClr val="tx1">
@@ -2394,9 +2245,9 @@
         <a:lumOff val="35000"/>
       </a:schemeClr>
     </cs:fontRef>
-    <cs:defRPr sz="1197" kern="1200"/>
+    <cs:defRPr sz="1200"/>
   </cs:legend>
-  <cs:plotArea mods="allowNoFillOverride allowNoLineOverride">
+  <cs:plotArea>
     <cs:lnRef idx="0"/>
     <cs:fillRef idx="0"/>
     <cs:effectRef idx="0"/>
@@ -2404,7 +2255,7 @@
       <a:schemeClr val="tx1"/>
     </cs:fontRef>
   </cs:plotArea>
-  <cs:plotArea3D mods="allowNoFillOverride allowNoLineOverride">
+  <cs:plotArea3D>
     <cs:lnRef idx="0"/>
     <cs:fillRef idx="0"/>
     <cs:effectRef idx="0"/>
@@ -2422,7 +2273,7 @@
         <a:lumOff val="35000"/>
       </a:schemeClr>
     </cs:fontRef>
-    <cs:defRPr sz="1197" kern="1200"/>
+    <cs:defRPr sz="1200"/>
   </cs:seriesAxis>
   <cs:seriesLine>
     <cs:lnRef idx="0"/>
@@ -2431,7 +2282,10 @@
     <cs:fontRef idx="minor">
       <a:schemeClr val="tx1"/>
     </cs:fontRef>
-    <cs:spPr>
+    <cs:spPr bwMode="auto">
+      <a:prstGeom prst="rect">
+        <a:avLst/>
+      </a:prstGeom>
       <a:ln w="9525" cap="flat" cmpd="sng" algn="ctr">
         <a:solidFill>
           <a:schemeClr val="tx1">
@@ -2453,7 +2307,7 @@
         <a:lumOff val="35000"/>
       </a:schemeClr>
     </cs:fontRef>
-    <cs:defRPr sz="1862" b="0" kern="1200" spc="0" baseline="0"/>
+    <cs:defRPr sz="1850" b="0" spc="0"/>
   </cs:title>
   <cs:trendline>
     <cs:lnRef idx="0">
@@ -2464,7 +2318,10 @@
     <cs:fontRef idx="minor">
       <a:schemeClr val="tx1"/>
     </cs:fontRef>
-    <cs:spPr>
+    <cs:spPr bwMode="auto">
+      <a:prstGeom prst="rect">
+        <a:avLst/>
+      </a:prstGeom>
       <a:ln w="19050" cap="rnd">
         <a:solidFill>
           <a:schemeClr val="phClr"/>
@@ -2483,7 +2340,7 @@
         <a:lumOff val="35000"/>
       </a:schemeClr>
     </cs:fontRef>
-    <cs:defRPr sz="1197" kern="1200"/>
+    <cs:defRPr sz="1200"/>
   </cs:trendlineLabel>
   <cs:upBar>
     <cs:lnRef idx="0"/>
@@ -2492,7 +2349,10 @@
     <cs:fontRef idx="minor">
       <a:schemeClr val="dk1"/>
     </cs:fontRef>
-    <cs:spPr>
+    <cs:spPr bwMode="auto">
+      <a:prstGeom prst="rect">
+        <a:avLst/>
+      </a:prstGeom>
       <a:solidFill>
         <a:schemeClr val="lt1"/>
       </a:solidFill>
@@ -2516,7 +2376,7 @@
         <a:lumOff val="35000"/>
       </a:schemeClr>
     </cs:fontRef>
-    <cs:defRPr sz="1197" kern="1200"/>
+    <cs:defRPr sz="1200"/>
   </cs:valueAxis>
   <cs:wall>
     <cs:lnRef idx="0"/>
@@ -2525,13 +2385,17 @@
     <cs:fontRef idx="minor">
       <a:schemeClr val="tx1"/>
     </cs:fontRef>
-    <cs:spPr>
+    <cs:spPr bwMode="auto">
+      <a:prstGeom prst="rect">
+        <a:avLst/>
+      </a:prstGeom>
       <a:noFill/>
       <a:ln>
         <a:noFill/>
       </a:ln>
     </cs:spPr>
   </cs:wall>
+  <cs:dataPointMarkerLayout symbol="circle" size="5"/>
 </cs:chartStyle>
 </file>
 
@@ -2547,7 +2411,7 @@
         <a:lumOff val="35000"/>
       </a:schemeClr>
     </cs:fontRef>
-    <cs:defRPr sz="1330" kern="1200"/>
+    <cs:defRPr sz="1350"/>
   </cs:axisTitle>
   <cs:categoryAxis>
     <cs:lnRef idx="0"/>
@@ -2559,7 +2423,10 @@
         <a:lumOff val="35000"/>
       </a:schemeClr>
     </cs:fontRef>
-    <cs:spPr>
+    <cs:spPr bwMode="auto">
+      <a:prstGeom prst="rect">
+        <a:avLst/>
+      </a:prstGeom>
       <a:ln w="9525" cap="flat" cmpd="sng" algn="ctr">
         <a:solidFill>
           <a:schemeClr val="tx1">
@@ -2570,16 +2437,19 @@
         <a:round/>
       </a:ln>
     </cs:spPr>
-    <cs:defRPr sz="1197" kern="1200"/>
+    <cs:defRPr sz="1200"/>
   </cs:categoryAxis>
-  <cs:chartArea mods="allowNoFillOverride allowNoLineOverride">
+  <cs:chartArea>
     <cs:lnRef idx="0"/>
     <cs:fillRef idx="0"/>
     <cs:effectRef idx="0"/>
     <cs:fontRef idx="minor">
       <a:schemeClr val="tx1"/>
     </cs:fontRef>
-    <cs:spPr>
+    <cs:spPr bwMode="auto">
+      <a:prstGeom prst="rect">
+        <a:avLst/>
+      </a:prstGeom>
       <a:solidFill>
         <a:schemeClr val="bg1"/>
       </a:solidFill>
@@ -2593,7 +2463,7 @@
         <a:round/>
       </a:ln>
     </cs:spPr>
-    <cs:defRPr sz="1330" kern="1200"/>
+    <cs:defRPr sz="1350"/>
   </cs:chartArea>
   <cs:dataLabel>
     <cs:lnRef idx="0"/>
@@ -2605,7 +2475,7 @@
         <a:lumOff val="25000"/>
       </a:schemeClr>
     </cs:fontRef>
-    <cs:defRPr sz="1197" kern="1200"/>
+    <cs:defRPr sz="1200"/>
   </cs:dataLabel>
   <cs:dataLabelCallout>
     <cs:lnRef idx="0"/>
@@ -2617,7 +2487,10 @@
         <a:lumOff val="35000"/>
       </a:schemeClr>
     </cs:fontRef>
-    <cs:spPr>
+    <cs:spPr bwMode="auto">
+      <a:prstGeom prst="rect">
+        <a:avLst/>
+      </a:prstGeom>
       <a:solidFill>
         <a:schemeClr val="lt1"/>
       </a:solidFill>
@@ -2630,7 +2503,7 @@
         </a:solidFill>
       </a:ln>
     </cs:spPr>
-    <cs:defRPr sz="1197" kern="1200"/>
+    <cs:defRPr sz="1200"/>
     <cs:bodyPr rot="0" spcFirstLastPara="1" vertOverflow="clip" horzOverflow="clip" vert="horz" wrap="square" lIns="36576" tIns="18288" rIns="36576" bIns="18288" anchor="ctr" anchorCtr="1">
       <a:spAutoFit/>
     </cs:bodyPr>
@@ -2644,7 +2517,10 @@
     <cs:fontRef idx="minor">
       <a:schemeClr val="tx1"/>
     </cs:fontRef>
-    <cs:spPr>
+    <cs:spPr bwMode="auto">
+      <a:prstGeom prst="rect">
+        <a:avLst/>
+      </a:prstGeom>
       <a:solidFill>
         <a:schemeClr val="phClr"/>
       </a:solidFill>
@@ -2659,7 +2535,10 @@
     <cs:fontRef idx="minor">
       <a:schemeClr val="tx1"/>
     </cs:fontRef>
-    <cs:spPr>
+    <cs:spPr bwMode="auto">
+      <a:prstGeom prst="rect">
+        <a:avLst/>
+      </a:prstGeom>
       <a:solidFill>
         <a:schemeClr val="phClr"/>
       </a:solidFill>
@@ -2674,7 +2553,10 @@
     <cs:fontRef idx="minor">
       <a:schemeClr val="tx1"/>
     </cs:fontRef>
-    <cs:spPr>
+    <cs:spPr bwMode="auto">
+      <a:prstGeom prst="rect">
+        <a:avLst/>
+      </a:prstGeom>
       <a:ln w="28575" cap="rnd">
         <a:solidFill>
           <a:schemeClr val="phClr"/>
@@ -2694,7 +2576,10 @@
     <cs:fontRef idx="minor">
       <a:schemeClr val="tx1"/>
     </cs:fontRef>
-    <cs:spPr>
+    <cs:spPr bwMode="auto">
+      <a:prstGeom prst="rect">
+        <a:avLst/>
+      </a:prstGeom>
       <a:solidFill>
         <a:schemeClr val="phClr"/>
       </a:solidFill>
@@ -2705,7 +2590,6 @@
       </a:ln>
     </cs:spPr>
   </cs:dataPointMarker>
-  <cs:dataPointMarkerLayout symbol="circle" size="5"/>
   <cs:dataPointWireframe>
     <cs:lnRef idx="0">
       <cs:styleClr val="auto"/>
@@ -2715,7 +2599,10 @@
     <cs:fontRef idx="minor">
       <a:schemeClr val="tx1"/>
     </cs:fontRef>
-    <cs:spPr>
+    <cs:spPr bwMode="auto">
+      <a:prstGeom prst="rect">
+        <a:avLst/>
+      </a:prstGeom>
       <a:ln w="9525" cap="rnd">
         <a:solidFill>
           <a:schemeClr val="phClr"/>
@@ -2734,7 +2621,10 @@
         <a:lumOff val="35000"/>
       </a:schemeClr>
     </cs:fontRef>
-    <cs:spPr>
+    <cs:spPr bwMode="auto">
+      <a:prstGeom prst="rect">
+        <a:avLst/>
+      </a:prstGeom>
       <a:noFill/>
       <a:ln w="9525" cap="flat" cmpd="sng" algn="ctr">
         <a:solidFill>
@@ -2746,7 +2636,7 @@
         <a:round/>
       </a:ln>
     </cs:spPr>
-    <cs:defRPr sz="1197" kern="1200"/>
+    <cs:defRPr sz="1200"/>
   </cs:dataTable>
   <cs:downBar>
     <cs:lnRef idx="0"/>
@@ -2755,7 +2645,10 @@
     <cs:fontRef idx="minor">
       <a:schemeClr val="dk1"/>
     </cs:fontRef>
-    <cs:spPr>
+    <cs:spPr bwMode="auto">
+      <a:prstGeom prst="rect">
+        <a:avLst/>
+      </a:prstGeom>
       <a:solidFill>
         <a:schemeClr val="dk1">
           <a:lumMod val="65000"/>
@@ -2779,7 +2672,10 @@
     <cs:fontRef idx="minor">
       <a:schemeClr val="tx1"/>
     </cs:fontRef>
-    <cs:spPr>
+    <cs:spPr bwMode="auto">
+      <a:prstGeom prst="rect">
+        <a:avLst/>
+      </a:prstGeom>
       <a:ln w="9525" cap="flat" cmpd="sng" algn="ctr">
         <a:solidFill>
           <a:schemeClr val="tx1">
@@ -2798,7 +2694,10 @@
     <cs:fontRef idx="minor">
       <a:schemeClr val="tx1"/>
     </cs:fontRef>
-    <cs:spPr>
+    <cs:spPr bwMode="auto">
+      <a:prstGeom prst="rect">
+        <a:avLst/>
+      </a:prstGeom>
       <a:ln w="9525" cap="flat" cmpd="sng" algn="ctr">
         <a:solidFill>
           <a:schemeClr val="tx1">
@@ -2817,7 +2716,10 @@
     <cs:fontRef idx="minor">
       <a:schemeClr val="tx1"/>
     </cs:fontRef>
-    <cs:spPr>
+    <cs:spPr bwMode="auto">
+      <a:prstGeom prst="rect">
+        <a:avLst/>
+      </a:prstGeom>
       <a:noFill/>
       <a:ln>
         <a:noFill/>
@@ -2831,7 +2733,10 @@
     <cs:fontRef idx="minor">
       <a:schemeClr val="tx1"/>
     </cs:fontRef>
-    <cs:spPr>
+    <cs:spPr bwMode="auto">
+      <a:prstGeom prst="rect">
+        <a:avLst/>
+      </a:prstGeom>
       <a:ln w="9525" cap="flat" cmpd="sng" algn="ctr">
         <a:solidFill>
           <a:schemeClr val="tx1">
@@ -2850,7 +2755,10 @@
     <cs:fontRef idx="minor">
       <a:schemeClr val="tx1"/>
     </cs:fontRef>
-    <cs:spPr>
+    <cs:spPr bwMode="auto">
+      <a:prstGeom prst="rect">
+        <a:avLst/>
+      </a:prstGeom>
       <a:ln w="9525" cap="flat" cmpd="sng" algn="ctr">
         <a:solidFill>
           <a:schemeClr val="tx1">
@@ -2869,7 +2777,10 @@
     <cs:fontRef idx="minor">
       <a:schemeClr val="tx1"/>
     </cs:fontRef>
-    <cs:spPr>
+    <cs:spPr bwMode="auto">
+      <a:prstGeom prst="rect">
+        <a:avLst/>
+      </a:prstGeom>
       <a:ln w="9525" cap="flat" cmpd="sng" algn="ctr">
         <a:solidFill>
           <a:schemeClr val="tx1">
@@ -2888,7 +2799,10 @@
     <cs:fontRef idx="minor">
       <a:schemeClr val="tx1"/>
     </cs:fontRef>
-    <cs:spPr>
+    <cs:spPr bwMode="auto">
+      <a:prstGeom prst="rect">
+        <a:avLst/>
+      </a:prstGeom>
       <a:ln w="9525" cap="flat" cmpd="sng" algn="ctr">
         <a:solidFill>
           <a:schemeClr val="tx1">
@@ -2910,9 +2824,9 @@
         <a:lumOff val="35000"/>
       </a:schemeClr>
     </cs:fontRef>
-    <cs:defRPr sz="1197" kern="1200"/>
+    <cs:defRPr sz="1200"/>
   </cs:legend>
-  <cs:plotArea mods="allowNoFillOverride allowNoLineOverride">
+  <cs:plotArea>
     <cs:lnRef idx="0"/>
     <cs:fillRef idx="0"/>
     <cs:effectRef idx="0"/>
@@ -2920,7 +2834,7 @@
       <a:schemeClr val="tx1"/>
     </cs:fontRef>
   </cs:plotArea>
-  <cs:plotArea3D mods="allowNoFillOverride allowNoLineOverride">
+  <cs:plotArea3D>
     <cs:lnRef idx="0"/>
     <cs:fillRef idx="0"/>
     <cs:effectRef idx="0"/>
@@ -2938,7 +2852,7 @@
         <a:lumOff val="35000"/>
       </a:schemeClr>
     </cs:fontRef>
-    <cs:defRPr sz="1197" kern="1200"/>
+    <cs:defRPr sz="1200"/>
   </cs:seriesAxis>
   <cs:seriesLine>
     <cs:lnRef idx="0"/>
@@ -2947,7 +2861,10 @@
     <cs:fontRef idx="minor">
       <a:schemeClr val="tx1"/>
     </cs:fontRef>
-    <cs:spPr>
+    <cs:spPr bwMode="auto">
+      <a:prstGeom prst="rect">
+        <a:avLst/>
+      </a:prstGeom>
       <a:ln w="9525" cap="flat" cmpd="sng" algn="ctr">
         <a:solidFill>
           <a:schemeClr val="tx1">
@@ -2969,7 +2886,7 @@
         <a:lumOff val="35000"/>
       </a:schemeClr>
     </cs:fontRef>
-    <cs:defRPr sz="1862" b="0" kern="1200" spc="0" baseline="0"/>
+    <cs:defRPr sz="1850" b="0" spc="0"/>
   </cs:title>
   <cs:trendline>
     <cs:lnRef idx="0">
@@ -2980,7 +2897,10 @@
     <cs:fontRef idx="minor">
       <a:schemeClr val="tx1"/>
     </cs:fontRef>
-    <cs:spPr>
+    <cs:spPr bwMode="auto">
+      <a:prstGeom prst="rect">
+        <a:avLst/>
+      </a:prstGeom>
       <a:ln w="19050" cap="rnd">
         <a:solidFill>
           <a:schemeClr val="phClr"/>
@@ -2999,7 +2919,7 @@
         <a:lumOff val="35000"/>
       </a:schemeClr>
     </cs:fontRef>
-    <cs:defRPr sz="1197" kern="1200"/>
+    <cs:defRPr sz="1200"/>
   </cs:trendlineLabel>
   <cs:upBar>
     <cs:lnRef idx="0"/>
@@ -3008,7 +2928,10 @@
     <cs:fontRef idx="minor">
       <a:schemeClr val="dk1"/>
     </cs:fontRef>
-    <cs:spPr>
+    <cs:spPr bwMode="auto">
+      <a:prstGeom prst="rect">
+        <a:avLst/>
+      </a:prstGeom>
       <a:solidFill>
         <a:schemeClr val="lt1"/>
       </a:solidFill>
@@ -3032,7 +2955,7 @@
         <a:lumOff val="35000"/>
       </a:schemeClr>
     </cs:fontRef>
-    <cs:defRPr sz="1197" kern="1200"/>
+    <cs:defRPr sz="1200"/>
   </cs:valueAxis>
   <cs:wall>
     <cs:lnRef idx="0"/>
@@ -3041,24 +2964,28 @@
     <cs:fontRef idx="minor">
       <a:schemeClr val="tx1"/>
     </cs:fontRef>
-    <cs:spPr>
+    <cs:spPr bwMode="auto">
+      <a:prstGeom prst="rect">
+        <a:avLst/>
+      </a:prstGeom>
       <a:noFill/>
       <a:ln>
         <a:noFill/>
       </a:ln>
     </cs:spPr>
   </cs:wall>
+  <cs:dataPointMarkerLayout symbol="circle" size="5"/>
 </cs:chartStyle>
 </file>
 
 <file path=ppt/slideLayouts/slideLayout1.xml><?xml version="1.0" encoding="utf-8"?>
-<p:sldLayout xmlns:a="http://schemas.openxmlformats.org/drawingml/2006/main" xmlns:r="http://schemas.openxmlformats.org/officeDocument/2006/relationships" xmlns:p="http://schemas.openxmlformats.org/presentationml/2006/main" showMasterPhAnim="0" type="title" preserve="1" userDrawn="1">
+<p:sldLayout xmlns:a="http://schemas.openxmlformats.org/drawingml/2006/main" xmlns:r="http://schemas.openxmlformats.org/officeDocument/2006/relationships" xmlns:p="http://schemas.openxmlformats.org/presentationml/2006/main" xmlns:m="http://schemas.openxmlformats.org/officeDocument/2006/math" xmlns:w="http://schemas.openxmlformats.org/wordprocessingml/2006/main" matchingName="" preserve="1" showMasterPhAnim="0" type="title" userDrawn="1">
   <p:cSld name="Title Slide">
     <p:spTree>
       <p:nvGrpSpPr>
-        <p:cNvPr id="1" name=""/>
+        <p:cNvPr id="1" name="" hidden="0"/>
         <p:cNvGrpSpPr/>
-        <p:nvPr/>
+        <p:nvPr isPhoto="0" userDrawn="0"/>
       </p:nvGrpSpPr>
       <p:grpSpPr bwMode="auto">
         <a:xfrm>
@@ -3070,12 +2997,12 @@
       </p:grpSpPr>
       <p:sp>
         <p:nvSpPr>
-          <p:cNvPr id="2" name="Title 1"/>
+          <p:cNvPr id="2" name="Title 1" hidden="0"/>
           <p:cNvSpPr>
             <a:spLocks noGrp="1"/>
           </p:cNvSpPr>
-          <p:nvPr>
-            <p:ph type="ctrTitle"/>
+          <p:nvPr isPhoto="0" userDrawn="0">
+            <p:ph type="ctrTitle" hasCustomPrompt="0"/>
           </p:nvPr>
         </p:nvSpPr>
         <p:spPr bwMode="auto">
@@ -3105,12 +3032,12 @@
       </p:sp>
       <p:sp>
         <p:nvSpPr>
-          <p:cNvPr id="3" name="Subtitle 2"/>
+          <p:cNvPr id="3" name="Subtitle 2" hidden="0"/>
           <p:cNvSpPr>
             <a:spLocks noGrp="1"/>
           </p:cNvSpPr>
-          <p:nvPr>
-            <p:ph type="subTitle" idx="1"/>
+          <p:nvPr isPhoto="0" userDrawn="0">
+            <p:ph type="subTitle" idx="1" hasCustomPrompt="0"/>
           </p:nvPr>
         </p:nvSpPr>
         <p:spPr bwMode="auto">
@@ -3173,12 +3100,12 @@
       </p:sp>
       <p:sp>
         <p:nvSpPr>
-          <p:cNvPr id="4" name="Date Placeholder 3"/>
+          <p:cNvPr id="4" name="Date Placeholder 3" hidden="0"/>
           <p:cNvSpPr>
             <a:spLocks noGrp="1"/>
           </p:cNvSpPr>
-          <p:nvPr>
-            <p:ph type="dt" sz="half" idx="10"/>
+          <p:nvPr isPhoto="0" userDrawn="0">
+            <p:ph type="dt" sz="half" idx="10" hasCustomPrompt="0"/>
           </p:nvPr>
         </p:nvSpPr>
         <p:spPr bwMode="auto"/>
@@ -3191,7 +3118,7 @@
             </a:pPr>
             <a:fld id="{76969C88-B244-455D-A017-012B25B1ACDD}" type="datetimeFigureOut">
               <a:rPr lang="en-US"/>
-              <a:t>4/25/2022</a:t>
+              <a:t/>
             </a:fld>
             <a:endParaRPr lang="en-US"/>
           </a:p>
@@ -3199,12 +3126,12 @@
       </p:sp>
       <p:sp>
         <p:nvSpPr>
-          <p:cNvPr id="5" name="Footer Placeholder 4"/>
+          <p:cNvPr id="5" name="Footer Placeholder 4" hidden="0"/>
           <p:cNvSpPr>
             <a:spLocks noGrp="1"/>
           </p:cNvSpPr>
-          <p:nvPr>
-            <p:ph type="ftr" sz="quarter" idx="11"/>
+          <p:nvPr isPhoto="0" userDrawn="0">
+            <p:ph type="ftr" sz="quarter" idx="11" hasCustomPrompt="0"/>
           </p:nvPr>
         </p:nvSpPr>
         <p:spPr bwMode="auto"/>
@@ -3221,12 +3148,12 @@
       </p:sp>
       <p:sp>
         <p:nvSpPr>
-          <p:cNvPr id="6" name="Slide Number Placeholder 5"/>
+          <p:cNvPr id="6" name="Slide Number Placeholder 5" hidden="0"/>
           <p:cNvSpPr>
             <a:spLocks noGrp="1"/>
           </p:cNvSpPr>
-          <p:nvPr>
-            <p:ph type="sldNum" sz="quarter" idx="12"/>
+          <p:nvPr isPhoto="0" userDrawn="0">
+            <p:ph type="sldNum" sz="quarter" idx="12" hasCustomPrompt="0"/>
           </p:nvPr>
         </p:nvSpPr>
         <p:spPr bwMode="auto"/>
@@ -3239,7 +3166,7 @@
             </a:pPr>
             <a:fld id="{07CE569E-9B7C-4CB9-AB80-C0841F922CFF}" type="slidenum">
               <a:rPr lang="en-US"/>
-              <a:t>‹#›</a:t>
+              <a:t/>
             </a:fld>
             <a:endParaRPr lang="en-US"/>
           </a:p>
@@ -3254,13 +3181,13 @@
 </file>
 
 <file path=ppt/slideLayouts/slideLayout10.xml><?xml version="1.0" encoding="utf-8"?>
-<p:sldLayout xmlns:a="http://schemas.openxmlformats.org/drawingml/2006/main" xmlns:r="http://schemas.openxmlformats.org/officeDocument/2006/relationships" xmlns:p="http://schemas.openxmlformats.org/presentationml/2006/main" showMasterPhAnim="0" type="vertTx" preserve="1" userDrawn="1">
+<p:sldLayout xmlns:a="http://schemas.openxmlformats.org/drawingml/2006/main" xmlns:r="http://schemas.openxmlformats.org/officeDocument/2006/relationships" xmlns:p="http://schemas.openxmlformats.org/presentationml/2006/main" xmlns:m="http://schemas.openxmlformats.org/officeDocument/2006/math" xmlns:w="http://schemas.openxmlformats.org/wordprocessingml/2006/main" matchingName="" preserve="1" showMasterPhAnim="0" type="vertTx" userDrawn="1">
   <p:cSld name="Title and Vertical Text">
     <p:spTree>
       <p:nvGrpSpPr>
-        <p:cNvPr id="1" name=""/>
+        <p:cNvPr id="1" name="" hidden="0"/>
         <p:cNvGrpSpPr/>
-        <p:nvPr/>
+        <p:nvPr isPhoto="0" userDrawn="0"/>
       </p:nvGrpSpPr>
       <p:grpSpPr bwMode="auto">
         <a:xfrm>
@@ -3272,12 +3199,12 @@
       </p:grpSpPr>
       <p:sp>
         <p:nvSpPr>
-          <p:cNvPr id="2" name="Title 1"/>
+          <p:cNvPr id="2" name="Title 1" hidden="0"/>
           <p:cNvSpPr>
             <a:spLocks noGrp="1"/>
           </p:cNvSpPr>
-          <p:nvPr>
-            <p:ph type="title"/>
+          <p:nvPr isPhoto="0" userDrawn="0">
+            <p:ph type="title" hasCustomPrompt="0"/>
           </p:nvPr>
         </p:nvSpPr>
         <p:spPr bwMode="auto"/>
@@ -3298,12 +3225,12 @@
       </p:sp>
       <p:sp>
         <p:nvSpPr>
-          <p:cNvPr id="3" name="Vertical Text Placeholder 2"/>
+          <p:cNvPr id="3" name="Vertical Text Placeholder 2" hidden="0"/>
           <p:cNvSpPr>
             <a:spLocks noGrp="1"/>
           </p:cNvSpPr>
-          <p:nvPr>
-            <p:ph type="body" orient="vert" idx="1"/>
+          <p:nvPr isPhoto="0" userDrawn="0">
+            <p:ph type="body" orient="vert" idx="1" hasCustomPrompt="0"/>
           </p:nvPr>
         </p:nvSpPr>
         <p:spPr bwMode="auto"/>
@@ -3364,12 +3291,12 @@
       </p:sp>
       <p:sp>
         <p:nvSpPr>
-          <p:cNvPr id="4" name="Date Placeholder 3"/>
+          <p:cNvPr id="4" name="Date Placeholder 3" hidden="0"/>
           <p:cNvSpPr>
             <a:spLocks noGrp="1"/>
           </p:cNvSpPr>
-          <p:nvPr>
-            <p:ph type="dt" sz="half" idx="10"/>
+          <p:nvPr isPhoto="0" userDrawn="0">
+            <p:ph type="dt" sz="half" idx="10" hasCustomPrompt="0"/>
           </p:nvPr>
         </p:nvSpPr>
         <p:spPr bwMode="auto"/>
@@ -3382,7 +3309,7 @@
             </a:pPr>
             <a:fld id="{76969C88-B244-455D-A017-012B25B1ACDD}" type="datetimeFigureOut">
               <a:rPr lang="en-US"/>
-              <a:t>4/25/2022</a:t>
+              <a:t/>
             </a:fld>
             <a:endParaRPr lang="en-US"/>
           </a:p>
@@ -3390,12 +3317,12 @@
       </p:sp>
       <p:sp>
         <p:nvSpPr>
-          <p:cNvPr id="5" name="Footer Placeholder 4"/>
+          <p:cNvPr id="5" name="Footer Placeholder 4" hidden="0"/>
           <p:cNvSpPr>
             <a:spLocks noGrp="1"/>
           </p:cNvSpPr>
-          <p:nvPr>
-            <p:ph type="ftr" sz="quarter" idx="11"/>
+          <p:nvPr isPhoto="0" userDrawn="0">
+            <p:ph type="ftr" sz="quarter" idx="11" hasCustomPrompt="0"/>
           </p:nvPr>
         </p:nvSpPr>
         <p:spPr bwMode="auto"/>
@@ -3412,12 +3339,12 @@
       </p:sp>
       <p:sp>
         <p:nvSpPr>
-          <p:cNvPr id="6" name="Slide Number Placeholder 5"/>
+          <p:cNvPr id="6" name="Slide Number Placeholder 5" hidden="0"/>
           <p:cNvSpPr>
             <a:spLocks noGrp="1"/>
           </p:cNvSpPr>
-          <p:nvPr>
-            <p:ph type="sldNum" sz="quarter" idx="12"/>
+          <p:nvPr isPhoto="0" userDrawn="0">
+            <p:ph type="sldNum" sz="quarter" idx="12" hasCustomPrompt="0"/>
           </p:nvPr>
         </p:nvSpPr>
         <p:spPr bwMode="auto"/>
@@ -3430,7 +3357,7 @@
             </a:pPr>
             <a:fld id="{07CE569E-9B7C-4CB9-AB80-C0841F922CFF}" type="slidenum">
               <a:rPr lang="en-US"/>
-              <a:t>‹#›</a:t>
+              <a:t/>
             </a:fld>
             <a:endParaRPr lang="en-US"/>
           </a:p>
@@ -3445,13 +3372,13 @@
 </file>
 
 <file path=ppt/slideLayouts/slideLayout11.xml><?xml version="1.0" encoding="utf-8"?>
-<p:sldLayout xmlns:a="http://schemas.openxmlformats.org/drawingml/2006/main" xmlns:r="http://schemas.openxmlformats.org/officeDocument/2006/relationships" xmlns:p="http://schemas.openxmlformats.org/presentationml/2006/main" showMasterPhAnim="0" type="vertTitleAndTx" preserve="1" userDrawn="1">
+<p:sldLayout xmlns:a="http://schemas.openxmlformats.org/drawingml/2006/main" xmlns:r="http://schemas.openxmlformats.org/officeDocument/2006/relationships" xmlns:p="http://schemas.openxmlformats.org/presentationml/2006/main" xmlns:m="http://schemas.openxmlformats.org/officeDocument/2006/math" xmlns:w="http://schemas.openxmlformats.org/wordprocessingml/2006/main" matchingName="" preserve="1" showMasterPhAnim="0" type="vertTitleAndTx" userDrawn="1">
   <p:cSld name="Vertical Title and Text">
     <p:spTree>
       <p:nvGrpSpPr>
-        <p:cNvPr id="1" name=""/>
+        <p:cNvPr id="1" name="" hidden="0"/>
         <p:cNvGrpSpPr/>
-        <p:nvPr/>
+        <p:nvPr isPhoto="0" userDrawn="0"/>
       </p:nvGrpSpPr>
       <p:grpSpPr bwMode="auto">
         <a:xfrm>
@@ -3463,12 +3390,12 @@
       </p:grpSpPr>
       <p:sp>
         <p:nvSpPr>
-          <p:cNvPr id="2" name="Vertical Title 1"/>
+          <p:cNvPr id="2" name="Vertical Title 1" hidden="0"/>
           <p:cNvSpPr>
             <a:spLocks noGrp="1"/>
           </p:cNvSpPr>
-          <p:nvPr>
-            <p:ph type="title" orient="vert"/>
+          <p:nvPr isPhoto="0" userDrawn="0">
+            <p:ph type="title" orient="vert" hasCustomPrompt="0"/>
           </p:nvPr>
         </p:nvSpPr>
         <p:spPr bwMode="auto">
@@ -3494,12 +3421,12 @@
       </p:sp>
       <p:sp>
         <p:nvSpPr>
-          <p:cNvPr id="3" name="Vertical Text Placeholder 2"/>
+          <p:cNvPr id="3" name="Vertical Text Placeholder 2" hidden="0"/>
           <p:cNvSpPr>
             <a:spLocks noGrp="1"/>
           </p:cNvSpPr>
-          <p:nvPr>
-            <p:ph type="body" orient="vert" idx="1"/>
+          <p:nvPr isPhoto="0" userDrawn="0">
+            <p:ph type="body" orient="vert" idx="1" hasCustomPrompt="0"/>
           </p:nvPr>
         </p:nvSpPr>
         <p:spPr bwMode="auto">
@@ -3565,12 +3492,12 @@
       </p:sp>
       <p:sp>
         <p:nvSpPr>
-          <p:cNvPr id="4" name="Date Placeholder 3"/>
+          <p:cNvPr id="4" name="Date Placeholder 3" hidden="0"/>
           <p:cNvSpPr>
             <a:spLocks noGrp="1"/>
           </p:cNvSpPr>
-          <p:nvPr>
-            <p:ph type="dt" sz="half" idx="10"/>
+          <p:nvPr isPhoto="0" userDrawn="0">
+            <p:ph type="dt" sz="half" idx="10" hasCustomPrompt="0"/>
           </p:nvPr>
         </p:nvSpPr>
         <p:spPr bwMode="auto"/>
@@ -3583,7 +3510,7 @@
             </a:pPr>
             <a:fld id="{76969C88-B244-455D-A017-012B25B1ACDD}" type="datetimeFigureOut">
               <a:rPr lang="en-US"/>
-              <a:t>4/25/2022</a:t>
+              <a:t/>
             </a:fld>
             <a:endParaRPr lang="en-US"/>
           </a:p>
@@ -3591,12 +3518,12 @@
       </p:sp>
       <p:sp>
         <p:nvSpPr>
-          <p:cNvPr id="5" name="Footer Placeholder 4"/>
+          <p:cNvPr id="5" name="Footer Placeholder 4" hidden="0"/>
           <p:cNvSpPr>
             <a:spLocks noGrp="1"/>
           </p:cNvSpPr>
-          <p:nvPr>
-            <p:ph type="ftr" sz="quarter" idx="11"/>
+          <p:nvPr isPhoto="0" userDrawn="0">
+            <p:ph type="ftr" sz="quarter" idx="11" hasCustomPrompt="0"/>
           </p:nvPr>
         </p:nvSpPr>
         <p:spPr bwMode="auto"/>
@@ -3613,12 +3540,12 @@
       </p:sp>
       <p:sp>
         <p:nvSpPr>
-          <p:cNvPr id="6" name="Slide Number Placeholder 5"/>
+          <p:cNvPr id="6" name="Slide Number Placeholder 5" hidden="0"/>
           <p:cNvSpPr>
             <a:spLocks noGrp="1"/>
           </p:cNvSpPr>
-          <p:nvPr>
-            <p:ph type="sldNum" sz="quarter" idx="12"/>
+          <p:nvPr isPhoto="0" userDrawn="0">
+            <p:ph type="sldNum" sz="quarter" idx="12" hasCustomPrompt="0"/>
           </p:nvPr>
         </p:nvSpPr>
         <p:spPr bwMode="auto"/>
@@ -3631,7 +3558,7 @@
             </a:pPr>
             <a:fld id="{07CE569E-9B7C-4CB9-AB80-C0841F922CFF}" type="slidenum">
               <a:rPr lang="en-US"/>
-              <a:t>‹#›</a:t>
+              <a:t/>
             </a:fld>
             <a:endParaRPr lang="en-US"/>
           </a:p>
@@ -3646,13 +3573,13 @@
 </file>
 
 <file path=ppt/slideLayouts/slideLayout2.xml><?xml version="1.0" encoding="utf-8"?>
-<p:sldLayout xmlns:a="http://schemas.openxmlformats.org/drawingml/2006/main" xmlns:r="http://schemas.openxmlformats.org/officeDocument/2006/relationships" xmlns:p="http://schemas.openxmlformats.org/presentationml/2006/main" showMasterPhAnim="0" type="obj" preserve="1" userDrawn="1">
+<p:sldLayout xmlns:a="http://schemas.openxmlformats.org/drawingml/2006/main" xmlns:r="http://schemas.openxmlformats.org/officeDocument/2006/relationships" xmlns:p="http://schemas.openxmlformats.org/presentationml/2006/main" xmlns:m="http://schemas.openxmlformats.org/officeDocument/2006/math" xmlns:w="http://schemas.openxmlformats.org/wordprocessingml/2006/main" matchingName="" preserve="1" showMasterPhAnim="0" type="obj" userDrawn="1">
   <p:cSld name="Title and Content">
     <p:spTree>
       <p:nvGrpSpPr>
-        <p:cNvPr id="1" name=""/>
+        <p:cNvPr id="1" name="" hidden="0"/>
         <p:cNvGrpSpPr/>
-        <p:nvPr/>
+        <p:nvPr isPhoto="0" userDrawn="0"/>
       </p:nvGrpSpPr>
       <p:grpSpPr bwMode="auto">
         <a:xfrm>
@@ -3664,12 +3591,12 @@
       </p:grpSpPr>
       <p:sp>
         <p:nvSpPr>
-          <p:cNvPr id="2" name="Title 1"/>
+          <p:cNvPr id="2" name="Title 1" hidden="0"/>
           <p:cNvSpPr>
             <a:spLocks noGrp="1"/>
           </p:cNvSpPr>
-          <p:nvPr>
-            <p:ph type="title"/>
+          <p:nvPr isPhoto="0" userDrawn="0">
+            <p:ph type="title" hasCustomPrompt="0"/>
           </p:nvPr>
         </p:nvSpPr>
         <p:spPr bwMode="auto"/>
@@ -3684,17 +3611,18 @@
               <a:rPr lang="en-US"/>
               <a:t>Click to edit Master title style</a:t>
             </a:r>
+            <a:endParaRPr/>
           </a:p>
         </p:txBody>
       </p:sp>
       <p:sp>
         <p:nvSpPr>
-          <p:cNvPr id="3" name="Content Placeholder 2"/>
+          <p:cNvPr id="3" name="Content Placeholder 2" hidden="0"/>
           <p:cNvSpPr>
             <a:spLocks noGrp="1"/>
           </p:cNvSpPr>
-          <p:nvPr>
-            <p:ph idx="1"/>
+          <p:nvPr isPhoto="0" userDrawn="0">
+            <p:ph idx="1" hasCustomPrompt="0"/>
           </p:nvPr>
         </p:nvSpPr>
         <p:spPr bwMode="auto"/>
@@ -3755,12 +3683,12 @@
       </p:sp>
       <p:sp>
         <p:nvSpPr>
-          <p:cNvPr id="4" name="Date Placeholder 3"/>
+          <p:cNvPr id="4" name="Date Placeholder 3" hidden="0"/>
           <p:cNvSpPr>
             <a:spLocks noGrp="1"/>
           </p:cNvSpPr>
-          <p:nvPr>
-            <p:ph type="dt" sz="half" idx="10"/>
+          <p:nvPr isPhoto="0" userDrawn="0">
+            <p:ph type="dt" sz="half" idx="10" hasCustomPrompt="0"/>
           </p:nvPr>
         </p:nvSpPr>
         <p:spPr bwMode="auto"/>
@@ -3773,7 +3701,7 @@
             </a:pPr>
             <a:fld id="{76969C88-B244-455D-A017-012B25B1ACDD}" type="datetimeFigureOut">
               <a:rPr lang="en-US"/>
-              <a:t>4/25/2022</a:t>
+              <a:t/>
             </a:fld>
             <a:endParaRPr lang="en-US"/>
           </a:p>
@@ -3781,12 +3709,12 @@
       </p:sp>
       <p:sp>
         <p:nvSpPr>
-          <p:cNvPr id="5" name="Footer Placeholder 4"/>
+          <p:cNvPr id="5" name="Footer Placeholder 4" hidden="0"/>
           <p:cNvSpPr>
             <a:spLocks noGrp="1"/>
           </p:cNvSpPr>
-          <p:nvPr>
-            <p:ph type="ftr" sz="quarter" idx="11"/>
+          <p:nvPr isPhoto="0" userDrawn="0">
+            <p:ph type="ftr" sz="quarter" idx="11" hasCustomPrompt="0"/>
           </p:nvPr>
         </p:nvSpPr>
         <p:spPr bwMode="auto"/>
@@ -3803,12 +3731,12 @@
       </p:sp>
       <p:sp>
         <p:nvSpPr>
-          <p:cNvPr id="6" name="Slide Number Placeholder 5"/>
+          <p:cNvPr id="6" name="Slide Number Placeholder 5" hidden="0"/>
           <p:cNvSpPr>
             <a:spLocks noGrp="1"/>
           </p:cNvSpPr>
-          <p:nvPr>
-            <p:ph type="sldNum" sz="quarter" idx="12"/>
+          <p:nvPr isPhoto="0" userDrawn="0">
+            <p:ph type="sldNum" sz="quarter" idx="12" hasCustomPrompt="0"/>
           </p:nvPr>
         </p:nvSpPr>
         <p:spPr bwMode="auto"/>
@@ -3821,7 +3749,7 @@
             </a:pPr>
             <a:fld id="{07CE569E-9B7C-4CB9-AB80-C0841F922CFF}" type="slidenum">
               <a:rPr lang="en-US"/>
-              <a:t>‹#›</a:t>
+              <a:t/>
             </a:fld>
             <a:endParaRPr lang="en-US"/>
           </a:p>
@@ -3836,13 +3764,13 @@
 </file>
 
 <file path=ppt/slideLayouts/slideLayout3.xml><?xml version="1.0" encoding="utf-8"?>
-<p:sldLayout xmlns:a="http://schemas.openxmlformats.org/drawingml/2006/main" xmlns:r="http://schemas.openxmlformats.org/officeDocument/2006/relationships" xmlns:p="http://schemas.openxmlformats.org/presentationml/2006/main" showMasterPhAnim="0" type="secHead" preserve="1" userDrawn="1">
+<p:sldLayout xmlns:a="http://schemas.openxmlformats.org/drawingml/2006/main" xmlns:r="http://schemas.openxmlformats.org/officeDocument/2006/relationships" xmlns:p="http://schemas.openxmlformats.org/presentationml/2006/main" xmlns:m="http://schemas.openxmlformats.org/officeDocument/2006/math" xmlns:w="http://schemas.openxmlformats.org/wordprocessingml/2006/main" matchingName="" preserve="1" showMasterPhAnim="0" type="secHead" userDrawn="1">
   <p:cSld name="Section Header">
     <p:spTree>
       <p:nvGrpSpPr>
-        <p:cNvPr id="1" name=""/>
+        <p:cNvPr id="1" name="" hidden="0"/>
         <p:cNvGrpSpPr/>
-        <p:nvPr/>
+        <p:nvPr isPhoto="0" userDrawn="0"/>
       </p:nvGrpSpPr>
       <p:grpSpPr bwMode="auto">
         <a:xfrm>
@@ -3854,12 +3782,12 @@
       </p:grpSpPr>
       <p:sp>
         <p:nvSpPr>
-          <p:cNvPr id="2" name="Title 1"/>
+          <p:cNvPr id="2" name="Title 1" hidden="0"/>
           <p:cNvSpPr>
             <a:spLocks noGrp="1"/>
           </p:cNvSpPr>
-          <p:nvPr>
-            <p:ph type="title"/>
+          <p:nvPr isPhoto="0" userDrawn="0">
+            <p:ph type="title" hasCustomPrompt="0"/>
           </p:nvPr>
         </p:nvSpPr>
         <p:spPr bwMode="auto">
@@ -3889,12 +3817,12 @@
       </p:sp>
       <p:sp>
         <p:nvSpPr>
-          <p:cNvPr id="3" name="Text Placeholder 2"/>
+          <p:cNvPr id="3" name="Text Placeholder 2" hidden="0"/>
           <p:cNvSpPr>
             <a:spLocks noGrp="1"/>
           </p:cNvSpPr>
-          <p:nvPr>
-            <p:ph type="body" idx="1"/>
+          <p:nvPr isPhoto="0" userDrawn="0">
+            <p:ph type="body" idx="1" hasCustomPrompt="0"/>
           </p:nvPr>
         </p:nvSpPr>
         <p:spPr bwMode="auto">
@@ -4011,12 +3939,12 @@
       </p:sp>
       <p:sp>
         <p:nvSpPr>
-          <p:cNvPr id="4" name="Date Placeholder 3"/>
+          <p:cNvPr id="4" name="Date Placeholder 3" hidden="0"/>
           <p:cNvSpPr>
             <a:spLocks noGrp="1"/>
           </p:cNvSpPr>
-          <p:nvPr>
-            <p:ph type="dt" sz="half" idx="10"/>
+          <p:nvPr isPhoto="0" userDrawn="0">
+            <p:ph type="dt" sz="half" idx="10" hasCustomPrompt="0"/>
           </p:nvPr>
         </p:nvSpPr>
         <p:spPr bwMode="auto"/>
@@ -4029,7 +3957,7 @@
             </a:pPr>
             <a:fld id="{76969C88-B244-455D-A017-012B25B1ACDD}" type="datetimeFigureOut">
               <a:rPr lang="en-US"/>
-              <a:t>4/25/2022</a:t>
+              <a:t/>
             </a:fld>
             <a:endParaRPr lang="en-US"/>
           </a:p>
@@ -4037,12 +3965,12 @@
       </p:sp>
       <p:sp>
         <p:nvSpPr>
-          <p:cNvPr id="5" name="Footer Placeholder 4"/>
+          <p:cNvPr id="5" name="Footer Placeholder 4" hidden="0"/>
           <p:cNvSpPr>
             <a:spLocks noGrp="1"/>
           </p:cNvSpPr>
-          <p:nvPr>
-            <p:ph type="ftr" sz="quarter" idx="11"/>
+          <p:nvPr isPhoto="0" userDrawn="0">
+            <p:ph type="ftr" sz="quarter" idx="11" hasCustomPrompt="0"/>
           </p:nvPr>
         </p:nvSpPr>
         <p:spPr bwMode="auto"/>
@@ -4059,12 +3987,12 @@
       </p:sp>
       <p:sp>
         <p:nvSpPr>
-          <p:cNvPr id="6" name="Slide Number Placeholder 5"/>
+          <p:cNvPr id="6" name="Slide Number Placeholder 5" hidden="0"/>
           <p:cNvSpPr>
             <a:spLocks noGrp="1"/>
           </p:cNvSpPr>
-          <p:nvPr>
-            <p:ph type="sldNum" sz="quarter" idx="12"/>
+          <p:nvPr isPhoto="0" userDrawn="0">
+            <p:ph type="sldNum" sz="quarter" idx="12" hasCustomPrompt="0"/>
           </p:nvPr>
         </p:nvSpPr>
         <p:spPr bwMode="auto"/>
@@ -4077,7 +4005,7 @@
             </a:pPr>
             <a:fld id="{07CE569E-9B7C-4CB9-AB80-C0841F922CFF}" type="slidenum">
               <a:rPr lang="en-US"/>
-              <a:t>‹#›</a:t>
+              <a:t/>
             </a:fld>
             <a:endParaRPr lang="en-US"/>
           </a:p>
@@ -4092,13 +4020,13 @@
 </file>
 
 <file path=ppt/slideLayouts/slideLayout4.xml><?xml version="1.0" encoding="utf-8"?>
-<p:sldLayout xmlns:a="http://schemas.openxmlformats.org/drawingml/2006/main" xmlns:r="http://schemas.openxmlformats.org/officeDocument/2006/relationships" xmlns:p="http://schemas.openxmlformats.org/presentationml/2006/main" showMasterPhAnim="0" type="twoObj" preserve="1" userDrawn="1">
+<p:sldLayout xmlns:a="http://schemas.openxmlformats.org/drawingml/2006/main" xmlns:r="http://schemas.openxmlformats.org/officeDocument/2006/relationships" xmlns:p="http://schemas.openxmlformats.org/presentationml/2006/main" xmlns:m="http://schemas.openxmlformats.org/officeDocument/2006/math" xmlns:w="http://schemas.openxmlformats.org/wordprocessingml/2006/main" matchingName="" preserve="1" showMasterPhAnim="0" type="twoObj" userDrawn="1">
   <p:cSld name="Two Content">
     <p:spTree>
       <p:nvGrpSpPr>
-        <p:cNvPr id="1" name=""/>
+        <p:cNvPr id="1" name="" hidden="0"/>
         <p:cNvGrpSpPr/>
-        <p:nvPr/>
+        <p:nvPr isPhoto="0" userDrawn="0"/>
       </p:nvGrpSpPr>
       <p:grpSpPr bwMode="auto">
         <a:xfrm>
@@ -4110,12 +4038,12 @@
       </p:grpSpPr>
       <p:sp>
         <p:nvSpPr>
-          <p:cNvPr id="2" name="Title 1"/>
+          <p:cNvPr id="2" name="Title 1" hidden="0"/>
           <p:cNvSpPr>
             <a:spLocks noGrp="1"/>
           </p:cNvSpPr>
-          <p:nvPr>
-            <p:ph type="title"/>
+          <p:nvPr isPhoto="0" userDrawn="0">
+            <p:ph type="title" hasCustomPrompt="0"/>
           </p:nvPr>
         </p:nvSpPr>
         <p:spPr bwMode="auto"/>
@@ -4136,12 +4064,12 @@
       </p:sp>
       <p:sp>
         <p:nvSpPr>
-          <p:cNvPr id="3" name="Content Placeholder 2"/>
+          <p:cNvPr id="3" name="Content Placeholder 2" hidden="0"/>
           <p:cNvSpPr>
             <a:spLocks noGrp="1"/>
           </p:cNvSpPr>
-          <p:nvPr>
-            <p:ph sz="half" idx="1"/>
+          <p:nvPr isPhoto="0" userDrawn="0">
+            <p:ph sz="half" idx="1" hasCustomPrompt="0"/>
           </p:nvPr>
         </p:nvSpPr>
         <p:spPr bwMode="auto">
@@ -4207,12 +4135,12 @@
       </p:sp>
       <p:sp>
         <p:nvSpPr>
-          <p:cNvPr id="4" name="Content Placeholder 3"/>
+          <p:cNvPr id="4" name="Content Placeholder 3" hidden="0"/>
           <p:cNvSpPr>
             <a:spLocks noGrp="1"/>
           </p:cNvSpPr>
-          <p:nvPr>
-            <p:ph sz="half" idx="2"/>
+          <p:nvPr isPhoto="0" userDrawn="0">
+            <p:ph sz="half" idx="2" hasCustomPrompt="0"/>
           </p:nvPr>
         </p:nvSpPr>
         <p:spPr bwMode="auto">
@@ -4278,12 +4206,12 @@
       </p:sp>
       <p:sp>
         <p:nvSpPr>
-          <p:cNvPr id="5" name="Date Placeholder 4"/>
+          <p:cNvPr id="5" name="Date Placeholder 4" hidden="0"/>
           <p:cNvSpPr>
             <a:spLocks noGrp="1"/>
           </p:cNvSpPr>
-          <p:nvPr>
-            <p:ph type="dt" sz="half" idx="10"/>
+          <p:nvPr isPhoto="0" userDrawn="0">
+            <p:ph type="dt" sz="half" idx="10" hasCustomPrompt="0"/>
           </p:nvPr>
         </p:nvSpPr>
         <p:spPr bwMode="auto"/>
@@ -4296,7 +4224,7 @@
             </a:pPr>
             <a:fld id="{76969C88-B244-455D-A017-012B25B1ACDD}" type="datetimeFigureOut">
               <a:rPr lang="en-US"/>
-              <a:t>4/25/2022</a:t>
+              <a:t/>
             </a:fld>
             <a:endParaRPr lang="en-US"/>
           </a:p>
@@ -4304,12 +4232,12 @@
       </p:sp>
       <p:sp>
         <p:nvSpPr>
-          <p:cNvPr id="6" name="Footer Placeholder 5"/>
+          <p:cNvPr id="6" name="Footer Placeholder 5" hidden="0"/>
           <p:cNvSpPr>
             <a:spLocks noGrp="1"/>
           </p:cNvSpPr>
-          <p:nvPr>
-            <p:ph type="ftr" sz="quarter" idx="11"/>
+          <p:nvPr isPhoto="0" userDrawn="0">
+            <p:ph type="ftr" sz="quarter" idx="11" hasCustomPrompt="0"/>
           </p:nvPr>
         </p:nvSpPr>
         <p:spPr bwMode="auto"/>
@@ -4326,12 +4254,12 @@
       </p:sp>
       <p:sp>
         <p:nvSpPr>
-          <p:cNvPr id="7" name="Slide Number Placeholder 6"/>
+          <p:cNvPr id="7" name="Slide Number Placeholder 6" hidden="0"/>
           <p:cNvSpPr>
             <a:spLocks noGrp="1"/>
           </p:cNvSpPr>
-          <p:nvPr>
-            <p:ph type="sldNum" sz="quarter" idx="12"/>
+          <p:nvPr isPhoto="0" userDrawn="0">
+            <p:ph type="sldNum" sz="quarter" idx="12" hasCustomPrompt="0"/>
           </p:nvPr>
         </p:nvSpPr>
         <p:spPr bwMode="auto"/>
@@ -4344,7 +4272,7 @@
             </a:pPr>
             <a:fld id="{07CE569E-9B7C-4CB9-AB80-C0841F922CFF}" type="slidenum">
               <a:rPr lang="en-US"/>
-              <a:t>‹#›</a:t>
+              <a:t/>
             </a:fld>
             <a:endParaRPr lang="en-US"/>
           </a:p>
@@ -4359,13 +4287,13 @@
 </file>
 
 <file path=ppt/slideLayouts/slideLayout5.xml><?xml version="1.0" encoding="utf-8"?>
-<p:sldLayout xmlns:a="http://schemas.openxmlformats.org/drawingml/2006/main" xmlns:r="http://schemas.openxmlformats.org/officeDocument/2006/relationships" xmlns:p="http://schemas.openxmlformats.org/presentationml/2006/main" showMasterPhAnim="0" preserve="1" userDrawn="1">
+<p:sldLayout xmlns:a="http://schemas.openxmlformats.org/drawingml/2006/main" xmlns:r="http://schemas.openxmlformats.org/officeDocument/2006/relationships" xmlns:p="http://schemas.openxmlformats.org/presentationml/2006/main" xmlns:m="http://schemas.openxmlformats.org/officeDocument/2006/math" xmlns:w="http://schemas.openxmlformats.org/wordprocessingml/2006/main" matchingName="" preserve="1" showMasterPhAnim="0" userDrawn="1">
   <p:cSld name="Comparison">
     <p:spTree>
       <p:nvGrpSpPr>
-        <p:cNvPr id="1" name=""/>
+        <p:cNvPr id="1" name="" hidden="0"/>
         <p:cNvGrpSpPr/>
-        <p:nvPr/>
+        <p:nvPr isPhoto="0" userDrawn="0"/>
       </p:nvGrpSpPr>
       <p:grpSpPr bwMode="auto">
         <a:xfrm>
@@ -4377,12 +4305,12 @@
       </p:grpSpPr>
       <p:sp>
         <p:nvSpPr>
-          <p:cNvPr id="2" name="Title 1"/>
+          <p:cNvPr id="2" name="Title 1" hidden="0"/>
           <p:cNvSpPr>
             <a:spLocks noGrp="1"/>
           </p:cNvSpPr>
-          <p:nvPr>
-            <p:ph type="title"/>
+          <p:nvPr isPhoto="0" userDrawn="0">
+            <p:ph type="title" hasCustomPrompt="0"/>
           </p:nvPr>
         </p:nvSpPr>
         <p:spPr bwMode="auto">
@@ -4408,12 +4336,12 @@
       </p:sp>
       <p:sp>
         <p:nvSpPr>
-          <p:cNvPr id="3" name="Text Placeholder 2"/>
+          <p:cNvPr id="3" name="Text Placeholder 2" hidden="0"/>
           <p:cNvSpPr>
             <a:spLocks noGrp="1"/>
           </p:cNvSpPr>
-          <p:nvPr>
-            <p:ph type="body" idx="1"/>
+          <p:nvPr isPhoto="0" userDrawn="0">
+            <p:ph type="body" idx="1" hasCustomPrompt="0"/>
           </p:nvPr>
         </p:nvSpPr>
         <p:spPr bwMode="auto">
@@ -4476,12 +4404,12 @@
       </p:sp>
       <p:sp>
         <p:nvSpPr>
-          <p:cNvPr id="4" name="Content Placeholder 3"/>
+          <p:cNvPr id="4" name="Content Placeholder 3" hidden="0"/>
           <p:cNvSpPr>
             <a:spLocks noGrp="1"/>
           </p:cNvSpPr>
-          <p:nvPr>
-            <p:ph sz="half" idx="2"/>
+          <p:nvPr isPhoto="0" userDrawn="0">
+            <p:ph sz="half" idx="2" hasCustomPrompt="0"/>
           </p:nvPr>
         </p:nvSpPr>
         <p:spPr bwMode="auto">
@@ -4547,12 +4475,12 @@
       </p:sp>
       <p:sp>
         <p:nvSpPr>
-          <p:cNvPr id="5" name="Text Placeholder 4"/>
+          <p:cNvPr id="5" name="Text Placeholder 4" hidden="0"/>
           <p:cNvSpPr>
             <a:spLocks noGrp="1"/>
           </p:cNvSpPr>
-          <p:nvPr>
-            <p:ph type="body" sz="quarter" idx="3"/>
+          <p:nvPr isPhoto="0" userDrawn="0">
+            <p:ph type="body" sz="quarter" idx="3" hasCustomPrompt="0"/>
           </p:nvPr>
         </p:nvSpPr>
         <p:spPr bwMode="auto">
@@ -4615,12 +4543,12 @@
       </p:sp>
       <p:sp>
         <p:nvSpPr>
-          <p:cNvPr id="6" name="Content Placeholder 5"/>
+          <p:cNvPr id="6" name="Content Placeholder 5" hidden="0"/>
           <p:cNvSpPr>
             <a:spLocks noGrp="1"/>
           </p:cNvSpPr>
-          <p:nvPr>
-            <p:ph sz="quarter" idx="4"/>
+          <p:nvPr isPhoto="0" userDrawn="0">
+            <p:ph sz="quarter" idx="4" hasCustomPrompt="0"/>
           </p:nvPr>
         </p:nvSpPr>
         <p:spPr bwMode="auto">
@@ -4686,12 +4614,12 @@
       </p:sp>
       <p:sp>
         <p:nvSpPr>
-          <p:cNvPr id="7" name="Date Placeholder 6"/>
+          <p:cNvPr id="7" name="Date Placeholder 6" hidden="0"/>
           <p:cNvSpPr>
             <a:spLocks noGrp="1"/>
           </p:cNvSpPr>
-          <p:nvPr>
-            <p:ph type="dt" sz="half" idx="10"/>
+          <p:nvPr isPhoto="0" userDrawn="0">
+            <p:ph type="dt" sz="half" idx="10" hasCustomPrompt="0"/>
           </p:nvPr>
         </p:nvSpPr>
         <p:spPr bwMode="auto"/>
@@ -4704,7 +4632,7 @@
             </a:pPr>
             <a:fld id="{76969C88-B244-455D-A017-012B25B1ACDD}" type="datetimeFigureOut">
               <a:rPr lang="en-US"/>
-              <a:t>4/25/2022</a:t>
+              <a:t/>
             </a:fld>
             <a:endParaRPr lang="en-US"/>
           </a:p>
@@ -4712,12 +4640,12 @@
       </p:sp>
       <p:sp>
         <p:nvSpPr>
-          <p:cNvPr id="8" name="Footer Placeholder 7"/>
+          <p:cNvPr id="8" name="Footer Placeholder 7" hidden="0"/>
           <p:cNvSpPr>
             <a:spLocks noGrp="1"/>
           </p:cNvSpPr>
-          <p:nvPr>
-            <p:ph type="ftr" sz="quarter" idx="11"/>
+          <p:nvPr isPhoto="0" userDrawn="0">
+            <p:ph type="ftr" sz="quarter" idx="11" hasCustomPrompt="0"/>
           </p:nvPr>
         </p:nvSpPr>
         <p:spPr bwMode="auto"/>
@@ -4734,12 +4662,12 @@
       </p:sp>
       <p:sp>
         <p:nvSpPr>
-          <p:cNvPr id="9" name="Slide Number Placeholder 8"/>
+          <p:cNvPr id="9" name="Slide Number Placeholder 8" hidden="0"/>
           <p:cNvSpPr>
             <a:spLocks noGrp="1"/>
           </p:cNvSpPr>
-          <p:nvPr>
-            <p:ph type="sldNum" sz="quarter" idx="12"/>
+          <p:nvPr isPhoto="0" userDrawn="0">
+            <p:ph type="sldNum" sz="quarter" idx="12" hasCustomPrompt="0"/>
           </p:nvPr>
         </p:nvSpPr>
         <p:spPr bwMode="auto"/>
@@ -4752,7 +4680,7 @@
             </a:pPr>
             <a:fld id="{07CE569E-9B7C-4CB9-AB80-C0841F922CFF}" type="slidenum">
               <a:rPr lang="en-US"/>
-              <a:t>‹#›</a:t>
+              <a:t/>
             </a:fld>
             <a:endParaRPr lang="en-US"/>
           </a:p>
@@ -4767,13 +4695,13 @@
 </file>
 
 <file path=ppt/slideLayouts/slideLayout6.xml><?xml version="1.0" encoding="utf-8"?>
-<p:sldLayout xmlns:a="http://schemas.openxmlformats.org/drawingml/2006/main" xmlns:r="http://schemas.openxmlformats.org/officeDocument/2006/relationships" xmlns:p="http://schemas.openxmlformats.org/presentationml/2006/main" showMasterPhAnim="0" type="titleOnly" preserve="1" userDrawn="1">
+<p:sldLayout xmlns:a="http://schemas.openxmlformats.org/drawingml/2006/main" xmlns:r="http://schemas.openxmlformats.org/officeDocument/2006/relationships" xmlns:p="http://schemas.openxmlformats.org/presentationml/2006/main" xmlns:m="http://schemas.openxmlformats.org/officeDocument/2006/math" xmlns:w="http://schemas.openxmlformats.org/wordprocessingml/2006/main" matchingName="" preserve="1" showMasterPhAnim="0" type="titleOnly" userDrawn="1">
   <p:cSld name="Title Only">
     <p:spTree>
       <p:nvGrpSpPr>
-        <p:cNvPr id="1" name=""/>
+        <p:cNvPr id="1" name="" hidden="0"/>
         <p:cNvGrpSpPr/>
-        <p:nvPr/>
+        <p:nvPr isPhoto="0" userDrawn="0"/>
       </p:nvGrpSpPr>
       <p:grpSpPr bwMode="auto">
         <a:xfrm>
@@ -4785,12 +4713,12 @@
       </p:grpSpPr>
       <p:sp>
         <p:nvSpPr>
-          <p:cNvPr id="2" name="Title 1"/>
+          <p:cNvPr id="2" name="Title 1" hidden="0"/>
           <p:cNvSpPr>
             <a:spLocks noGrp="1"/>
           </p:cNvSpPr>
-          <p:nvPr>
-            <p:ph type="title"/>
+          <p:nvPr isPhoto="0" userDrawn="0">
+            <p:ph type="title" hasCustomPrompt="0"/>
           </p:nvPr>
         </p:nvSpPr>
         <p:spPr bwMode="auto"/>
@@ -4811,12 +4739,12 @@
       </p:sp>
       <p:sp>
         <p:nvSpPr>
-          <p:cNvPr id="3" name="Date Placeholder 2"/>
+          <p:cNvPr id="3" name="Date Placeholder 2" hidden="0"/>
           <p:cNvSpPr>
             <a:spLocks noGrp="1"/>
           </p:cNvSpPr>
-          <p:nvPr>
-            <p:ph type="dt" sz="half" idx="10"/>
+          <p:nvPr isPhoto="0" userDrawn="0">
+            <p:ph type="dt" sz="half" idx="10" hasCustomPrompt="0"/>
           </p:nvPr>
         </p:nvSpPr>
         <p:spPr bwMode="auto"/>
@@ -4829,7 +4757,7 @@
             </a:pPr>
             <a:fld id="{76969C88-B244-455D-A017-012B25B1ACDD}" type="datetimeFigureOut">
               <a:rPr lang="en-US"/>
-              <a:t>4/25/2022</a:t>
+              <a:t/>
             </a:fld>
             <a:endParaRPr lang="en-US"/>
           </a:p>
@@ -4837,12 +4765,12 @@
       </p:sp>
       <p:sp>
         <p:nvSpPr>
-          <p:cNvPr id="4" name="Footer Placeholder 3"/>
+          <p:cNvPr id="4" name="Footer Placeholder 3" hidden="0"/>
           <p:cNvSpPr>
             <a:spLocks noGrp="1"/>
           </p:cNvSpPr>
-          <p:nvPr>
-            <p:ph type="ftr" sz="quarter" idx="11"/>
+          <p:nvPr isPhoto="0" userDrawn="0">
+            <p:ph type="ftr" sz="quarter" idx="11" hasCustomPrompt="0"/>
           </p:nvPr>
         </p:nvSpPr>
         <p:spPr bwMode="auto"/>
@@ -4859,12 +4787,12 @@
       </p:sp>
       <p:sp>
         <p:nvSpPr>
-          <p:cNvPr id="5" name="Slide Number Placeholder 4"/>
+          <p:cNvPr id="5" name="Slide Number Placeholder 4" hidden="0"/>
           <p:cNvSpPr>
             <a:spLocks noGrp="1"/>
           </p:cNvSpPr>
-          <p:nvPr>
-            <p:ph type="sldNum" sz="quarter" idx="12"/>
+          <p:nvPr isPhoto="0" userDrawn="0">
+            <p:ph type="sldNum" sz="quarter" idx="12" hasCustomPrompt="0"/>
           </p:nvPr>
         </p:nvSpPr>
         <p:spPr bwMode="auto"/>
@@ -4877,7 +4805,7 @@
             </a:pPr>
             <a:fld id="{07CE569E-9B7C-4CB9-AB80-C0841F922CFF}" type="slidenum">
               <a:rPr lang="en-US"/>
-              <a:t>‹#›</a:t>
+              <a:t/>
             </a:fld>
             <a:endParaRPr lang="en-US"/>
           </a:p>
@@ -4892,13 +4820,13 @@
 </file>
 
 <file path=ppt/slideLayouts/slideLayout7.xml><?xml version="1.0" encoding="utf-8"?>
-<p:sldLayout xmlns:a="http://schemas.openxmlformats.org/drawingml/2006/main" xmlns:r="http://schemas.openxmlformats.org/officeDocument/2006/relationships" xmlns:p="http://schemas.openxmlformats.org/presentationml/2006/main" showMasterPhAnim="0" type="blank" preserve="1" userDrawn="1">
+<p:sldLayout xmlns:a="http://schemas.openxmlformats.org/drawingml/2006/main" xmlns:r="http://schemas.openxmlformats.org/officeDocument/2006/relationships" xmlns:p="http://schemas.openxmlformats.org/presentationml/2006/main" xmlns:m="http://schemas.openxmlformats.org/officeDocument/2006/math" xmlns:w="http://schemas.openxmlformats.org/wordprocessingml/2006/main" matchingName="" preserve="1" showMasterPhAnim="0" type="blank" userDrawn="1">
   <p:cSld name="Blank">
     <p:spTree>
       <p:nvGrpSpPr>
-        <p:cNvPr id="1" name=""/>
+        <p:cNvPr id="1" name="" hidden="0"/>
         <p:cNvGrpSpPr/>
-        <p:nvPr/>
+        <p:nvPr isPhoto="0" userDrawn="0"/>
       </p:nvGrpSpPr>
       <p:grpSpPr bwMode="auto">
         <a:xfrm>
@@ -4910,12 +4838,12 @@
       </p:grpSpPr>
       <p:sp>
         <p:nvSpPr>
-          <p:cNvPr id="2" name="Date Placeholder 1"/>
+          <p:cNvPr id="2" name="Date Placeholder 1" hidden="0"/>
           <p:cNvSpPr>
             <a:spLocks noGrp="1"/>
           </p:cNvSpPr>
-          <p:nvPr>
-            <p:ph type="dt" sz="half" idx="10"/>
+          <p:nvPr isPhoto="0" userDrawn="0">
+            <p:ph type="dt" sz="half" idx="10" hasCustomPrompt="0"/>
           </p:nvPr>
         </p:nvSpPr>
         <p:spPr bwMode="auto"/>
@@ -4928,7 +4856,7 @@
             </a:pPr>
             <a:fld id="{76969C88-B244-455D-A017-012B25B1ACDD}" type="datetimeFigureOut">
               <a:rPr lang="en-US"/>
-              <a:t>4/25/2022</a:t>
+              <a:t/>
             </a:fld>
             <a:endParaRPr lang="en-US"/>
           </a:p>
@@ -4936,12 +4864,12 @@
       </p:sp>
       <p:sp>
         <p:nvSpPr>
-          <p:cNvPr id="3" name="Footer Placeholder 2"/>
+          <p:cNvPr id="3" name="Footer Placeholder 2" hidden="0"/>
           <p:cNvSpPr>
             <a:spLocks noGrp="1"/>
           </p:cNvSpPr>
-          <p:nvPr>
-            <p:ph type="ftr" sz="quarter" idx="11"/>
+          <p:nvPr isPhoto="0" userDrawn="0">
+            <p:ph type="ftr" sz="quarter" idx="11" hasCustomPrompt="0"/>
           </p:nvPr>
         </p:nvSpPr>
         <p:spPr bwMode="auto"/>
@@ -4958,12 +4886,12 @@
       </p:sp>
       <p:sp>
         <p:nvSpPr>
-          <p:cNvPr id="4" name="Slide Number Placeholder 3"/>
+          <p:cNvPr id="4" name="Slide Number Placeholder 3" hidden="0"/>
           <p:cNvSpPr>
             <a:spLocks noGrp="1"/>
           </p:cNvSpPr>
-          <p:nvPr>
-            <p:ph type="sldNum" sz="quarter" idx="12"/>
+          <p:nvPr isPhoto="0" userDrawn="0">
+            <p:ph type="sldNum" sz="quarter" idx="12" hasCustomPrompt="0"/>
           </p:nvPr>
         </p:nvSpPr>
         <p:spPr bwMode="auto"/>
@@ -4976,7 +4904,7 @@
             </a:pPr>
             <a:fld id="{07CE569E-9B7C-4CB9-AB80-C0841F922CFF}" type="slidenum">
               <a:rPr lang="en-US"/>
-              <a:t>‹#›</a:t>
+              <a:t/>
             </a:fld>
             <a:endParaRPr lang="en-US"/>
           </a:p>
@@ -4991,13 +4919,13 @@
 </file>
 
 <file path=ppt/slideLayouts/slideLayout8.xml><?xml version="1.0" encoding="utf-8"?>
-<p:sldLayout xmlns:a="http://schemas.openxmlformats.org/drawingml/2006/main" xmlns:r="http://schemas.openxmlformats.org/officeDocument/2006/relationships" xmlns:p="http://schemas.openxmlformats.org/presentationml/2006/main" showMasterPhAnim="0" type="objTx" preserve="1" userDrawn="1">
+<p:sldLayout xmlns:a="http://schemas.openxmlformats.org/drawingml/2006/main" xmlns:r="http://schemas.openxmlformats.org/officeDocument/2006/relationships" xmlns:p="http://schemas.openxmlformats.org/presentationml/2006/main" xmlns:m="http://schemas.openxmlformats.org/officeDocument/2006/math" xmlns:w="http://schemas.openxmlformats.org/wordprocessingml/2006/main" matchingName="" preserve="1" showMasterPhAnim="0" type="objTx" userDrawn="1">
   <p:cSld name="Content with Caption">
     <p:spTree>
       <p:nvGrpSpPr>
-        <p:cNvPr id="1" name=""/>
+        <p:cNvPr id="1" name="" hidden="0"/>
         <p:cNvGrpSpPr/>
-        <p:nvPr/>
+        <p:nvPr isPhoto="0" userDrawn="0"/>
       </p:nvGrpSpPr>
       <p:grpSpPr bwMode="auto">
         <a:xfrm>
@@ -5009,12 +4937,12 @@
       </p:grpSpPr>
       <p:sp>
         <p:nvSpPr>
-          <p:cNvPr id="2" name="Title 1"/>
+          <p:cNvPr id="2" name="Title 1" hidden="0"/>
           <p:cNvSpPr>
             <a:spLocks noGrp="1"/>
           </p:cNvSpPr>
-          <p:nvPr>
-            <p:ph type="title"/>
+          <p:nvPr isPhoto="0" userDrawn="0">
+            <p:ph type="title" hasCustomPrompt="0"/>
           </p:nvPr>
         </p:nvSpPr>
         <p:spPr bwMode="auto">
@@ -5038,17 +4966,18 @@
               <a:rPr lang="en-US"/>
               <a:t>Click to edit Master title style</a:t>
             </a:r>
+            <a:endParaRPr/>
           </a:p>
         </p:txBody>
       </p:sp>
       <p:sp>
         <p:nvSpPr>
-          <p:cNvPr id="3" name="Content Placeholder 2"/>
+          <p:cNvPr id="3" name="Content Placeholder 2" hidden="0"/>
           <p:cNvSpPr>
             <a:spLocks noGrp="1"/>
           </p:cNvSpPr>
-          <p:nvPr>
-            <p:ph idx="1"/>
+          <p:nvPr isPhoto="0" userDrawn="0">
+            <p:ph idx="1" hasCustomPrompt="0"/>
           </p:nvPr>
         </p:nvSpPr>
         <p:spPr bwMode="auto">
@@ -5142,12 +5071,12 @@
       </p:sp>
       <p:sp>
         <p:nvSpPr>
-          <p:cNvPr id="4" name="Text Placeholder 3"/>
+          <p:cNvPr id="4" name="Text Placeholder 3" hidden="0"/>
           <p:cNvSpPr>
             <a:spLocks noGrp="1"/>
           </p:cNvSpPr>
-          <p:nvPr>
-            <p:ph type="body" sz="half" idx="2"/>
+          <p:nvPr isPhoto="0" userDrawn="0">
+            <p:ph type="body" sz="half" idx="2" hasCustomPrompt="0"/>
           </p:nvPr>
         </p:nvSpPr>
         <p:spPr bwMode="auto">
@@ -5210,12 +5139,12 @@
       </p:sp>
       <p:sp>
         <p:nvSpPr>
-          <p:cNvPr id="5" name="Date Placeholder 4"/>
+          <p:cNvPr id="5" name="Date Placeholder 4" hidden="0"/>
           <p:cNvSpPr>
             <a:spLocks noGrp="1"/>
           </p:cNvSpPr>
-          <p:nvPr>
-            <p:ph type="dt" sz="half" idx="10"/>
+          <p:nvPr isPhoto="0" userDrawn="0">
+            <p:ph type="dt" sz="half" idx="10" hasCustomPrompt="0"/>
           </p:nvPr>
         </p:nvSpPr>
         <p:spPr bwMode="auto"/>
@@ -5228,7 +5157,7 @@
             </a:pPr>
             <a:fld id="{76969C88-B244-455D-A017-012B25B1ACDD}" type="datetimeFigureOut">
               <a:rPr lang="en-US"/>
-              <a:t>4/25/2022</a:t>
+              <a:t/>
             </a:fld>
             <a:endParaRPr lang="en-US"/>
           </a:p>
@@ -5236,12 +5165,12 @@
       </p:sp>
       <p:sp>
         <p:nvSpPr>
-          <p:cNvPr id="6" name="Footer Placeholder 5"/>
+          <p:cNvPr id="6" name="Footer Placeholder 5" hidden="0"/>
           <p:cNvSpPr>
             <a:spLocks noGrp="1"/>
           </p:cNvSpPr>
-          <p:nvPr>
-            <p:ph type="ftr" sz="quarter" idx="11"/>
+          <p:nvPr isPhoto="0" userDrawn="0">
+            <p:ph type="ftr" sz="quarter" idx="11" hasCustomPrompt="0"/>
           </p:nvPr>
         </p:nvSpPr>
         <p:spPr bwMode="auto"/>
@@ -5258,12 +5187,12 @@
       </p:sp>
       <p:sp>
         <p:nvSpPr>
-          <p:cNvPr id="7" name="Slide Number Placeholder 6"/>
+          <p:cNvPr id="7" name="Slide Number Placeholder 6" hidden="0"/>
           <p:cNvSpPr>
             <a:spLocks noGrp="1"/>
           </p:cNvSpPr>
-          <p:nvPr>
-            <p:ph type="sldNum" sz="quarter" idx="12"/>
+          <p:nvPr isPhoto="0" userDrawn="0">
+            <p:ph type="sldNum" sz="quarter" idx="12" hasCustomPrompt="0"/>
           </p:nvPr>
         </p:nvSpPr>
         <p:spPr bwMode="auto"/>
@@ -5276,7 +5205,7 @@
             </a:pPr>
             <a:fld id="{07CE569E-9B7C-4CB9-AB80-C0841F922CFF}" type="slidenum">
               <a:rPr lang="en-US"/>
-              <a:t>‹#›</a:t>
+              <a:t/>
             </a:fld>
             <a:endParaRPr lang="en-US"/>
           </a:p>
@@ -5291,13 +5220,13 @@
 </file>
 
 <file path=ppt/slideLayouts/slideLayout9.xml><?xml version="1.0" encoding="utf-8"?>
-<p:sldLayout xmlns:a="http://schemas.openxmlformats.org/drawingml/2006/main" xmlns:r="http://schemas.openxmlformats.org/officeDocument/2006/relationships" xmlns:p="http://schemas.openxmlformats.org/presentationml/2006/main" showMasterPhAnim="0" type="picTx" preserve="1" userDrawn="1">
+<p:sldLayout xmlns:a="http://schemas.openxmlformats.org/drawingml/2006/main" xmlns:r="http://schemas.openxmlformats.org/officeDocument/2006/relationships" xmlns:p="http://schemas.openxmlformats.org/presentationml/2006/main" xmlns:m="http://schemas.openxmlformats.org/officeDocument/2006/math" xmlns:w="http://schemas.openxmlformats.org/wordprocessingml/2006/main" matchingName="" preserve="1" showMasterPhAnim="0" type="picTx" userDrawn="1">
   <p:cSld name="Picture with Caption">
     <p:spTree>
       <p:nvGrpSpPr>
-        <p:cNvPr id="1" name=""/>
+        <p:cNvPr id="1" name="" hidden="0"/>
         <p:cNvGrpSpPr/>
-        <p:nvPr/>
+        <p:nvPr isPhoto="0" userDrawn="0"/>
       </p:nvGrpSpPr>
       <p:grpSpPr bwMode="auto">
         <a:xfrm>
@@ -5309,12 +5238,12 @@
       </p:grpSpPr>
       <p:sp>
         <p:nvSpPr>
-          <p:cNvPr id="2" name="Title 1"/>
+          <p:cNvPr id="2" name="Title 1" hidden="0"/>
           <p:cNvSpPr>
             <a:spLocks noGrp="1"/>
           </p:cNvSpPr>
-          <p:nvPr>
-            <p:ph type="title"/>
+          <p:nvPr isPhoto="0" userDrawn="0">
+            <p:ph type="title" hasCustomPrompt="0"/>
           </p:nvPr>
         </p:nvSpPr>
         <p:spPr bwMode="auto">
@@ -5344,12 +5273,12 @@
       </p:sp>
       <p:sp>
         <p:nvSpPr>
-          <p:cNvPr id="3" name="Picture Placeholder 2"/>
+          <p:cNvPr id="3" name="Picture Placeholder 2" hidden="0"/>
           <p:cNvSpPr>
             <a:spLocks noGrp="1"/>
           </p:cNvSpPr>
-          <p:nvPr>
-            <p:ph type="pic" idx="1"/>
+          <p:nvPr isPhoto="0" userDrawn="0">
+            <p:ph type="pic" idx="1" hasCustomPrompt="0"/>
           </p:nvPr>
         </p:nvSpPr>
         <p:spPr bwMode="auto">
@@ -5412,12 +5341,12 @@
       </p:sp>
       <p:sp>
         <p:nvSpPr>
-          <p:cNvPr id="4" name="Text Placeholder 3"/>
+          <p:cNvPr id="4" name="Text Placeholder 3" hidden="0"/>
           <p:cNvSpPr>
             <a:spLocks noGrp="1"/>
           </p:cNvSpPr>
-          <p:nvPr>
-            <p:ph type="body" sz="half" idx="2"/>
+          <p:nvPr isPhoto="0" userDrawn="0">
+            <p:ph type="body" sz="half" idx="2" hasCustomPrompt="0"/>
           </p:nvPr>
         </p:nvSpPr>
         <p:spPr bwMode="auto">
@@ -5480,12 +5409,12 @@
       </p:sp>
       <p:sp>
         <p:nvSpPr>
-          <p:cNvPr id="5" name="Date Placeholder 4"/>
+          <p:cNvPr id="5" name="Date Placeholder 4" hidden="0"/>
           <p:cNvSpPr>
             <a:spLocks noGrp="1"/>
           </p:cNvSpPr>
-          <p:nvPr>
-            <p:ph type="dt" sz="half" idx="10"/>
+          <p:nvPr isPhoto="0" userDrawn="0">
+            <p:ph type="dt" sz="half" idx="10" hasCustomPrompt="0"/>
           </p:nvPr>
         </p:nvSpPr>
         <p:spPr bwMode="auto"/>
@@ -5498,7 +5427,7 @@
             </a:pPr>
             <a:fld id="{76969C88-B244-455D-A017-012B25B1ACDD}" type="datetimeFigureOut">
               <a:rPr lang="en-US"/>
-              <a:t>4/25/2022</a:t>
+              <a:t/>
             </a:fld>
             <a:endParaRPr lang="en-US"/>
           </a:p>
@@ -5506,12 +5435,12 @@
       </p:sp>
       <p:sp>
         <p:nvSpPr>
-          <p:cNvPr id="6" name="Footer Placeholder 5"/>
+          <p:cNvPr id="6" name="Footer Placeholder 5" hidden="0"/>
           <p:cNvSpPr>
             <a:spLocks noGrp="1"/>
           </p:cNvSpPr>
-          <p:nvPr>
-            <p:ph type="ftr" sz="quarter" idx="11"/>
+          <p:nvPr isPhoto="0" userDrawn="0">
+            <p:ph type="ftr" sz="quarter" idx="11" hasCustomPrompt="0"/>
           </p:nvPr>
         </p:nvSpPr>
         <p:spPr bwMode="auto"/>
@@ -5528,12 +5457,12 @@
       </p:sp>
       <p:sp>
         <p:nvSpPr>
-          <p:cNvPr id="7" name="Slide Number Placeholder 6"/>
+          <p:cNvPr id="7" name="Slide Number Placeholder 6" hidden="0"/>
           <p:cNvSpPr>
             <a:spLocks noGrp="1"/>
           </p:cNvSpPr>
-          <p:nvPr>
-            <p:ph type="sldNum" sz="quarter" idx="12"/>
+          <p:nvPr isPhoto="0" userDrawn="0">
+            <p:ph type="sldNum" sz="quarter" idx="12" hasCustomPrompt="0"/>
           </p:nvPr>
         </p:nvSpPr>
         <p:spPr bwMode="auto"/>
@@ -5546,7 +5475,7 @@
             </a:pPr>
             <a:fld id="{07CE569E-9B7C-4CB9-AB80-C0841F922CFF}" type="slidenum">
               <a:rPr lang="en-US"/>
-              <a:t>‹#›</a:t>
+              <a:t/>
             </a:fld>
             <a:endParaRPr lang="en-US"/>
           </a:p>
@@ -5561,8 +5490,8 @@
 </file>
 
 <file path=ppt/slideMasters/slideMaster1.xml><?xml version="1.0" encoding="utf-8"?>
-<p:sldMaster xmlns:a="http://schemas.openxmlformats.org/drawingml/2006/main" xmlns:r="http://schemas.openxmlformats.org/officeDocument/2006/relationships" xmlns:p="http://schemas.openxmlformats.org/presentationml/2006/main">
-  <p:cSld>
+<p:sldMaster xmlns:a="http://schemas.openxmlformats.org/drawingml/2006/main" xmlns:r="http://schemas.openxmlformats.org/officeDocument/2006/relationships" xmlns:p="http://schemas.openxmlformats.org/presentationml/2006/main" xmlns:m="http://schemas.openxmlformats.org/officeDocument/2006/math" xmlns:w="http://schemas.openxmlformats.org/wordprocessingml/2006/main" preserve="0">
+  <p:cSld name="">
     <p:bg>
       <p:bgRef idx="1001">
         <a:schemeClr val="bg2"/>
@@ -5570,9 +5499,9 @@
     </p:bg>
     <p:spTree>
       <p:nvGrpSpPr>
-        <p:cNvPr id="1" name=""/>
+        <p:cNvPr id="1" name="" hidden="0"/>
         <p:cNvGrpSpPr/>
-        <p:nvPr/>
+        <p:nvPr isPhoto="0" userDrawn="0"/>
       </p:nvGrpSpPr>
       <p:grpSpPr bwMode="auto">
         <a:xfrm>
@@ -5584,9 +5513,9 @@
       </p:grpSpPr>
       <p:sp>
         <p:nvSpPr>
-          <p:cNvPr id="8" name="Freeform: Shape 7"/>
+          <p:cNvPr id="8" name="Freeform: Shape 7" hidden="0"/>
           <p:cNvSpPr/>
-          <p:nvPr/>
+          <p:nvPr isPhoto="0" userDrawn="0"/>
         </p:nvSpPr>
         <p:spPr bwMode="auto">
           <a:xfrm>
@@ -5652,7 +5581,7 @@
             </a:cxnLst>
             <a:rect l="l" t="t" r="r" b="b"/>
             <a:pathLst>
-              <a:path w="4034156" h="613164" extrusionOk="0">
+              <a:path w="4034156" h="613164" fill="norm" stroke="1" extrusionOk="0">
                 <a:moveTo>
                   <a:pt x="1479137" y="230"/>
                 </a:moveTo>
@@ -5758,9 +5687,9 @@
       </p:sp>
       <p:sp>
         <p:nvSpPr>
-          <p:cNvPr id="11" name="Freeform: Shape 10"/>
+          <p:cNvPr id="11" name="Freeform: Shape 10" hidden="0"/>
           <p:cNvSpPr/>
-          <p:nvPr/>
+          <p:nvPr isPhoto="0" userDrawn="0"/>
         </p:nvSpPr>
         <p:spPr bwMode="auto">
           <a:xfrm>
@@ -5806,7 +5735,7 @@
             </a:cxnLst>
             <a:rect l="l" t="t" r="r" b="b"/>
             <a:pathLst>
-              <a:path w="448491" h="1634252" extrusionOk="0">
+              <a:path w="448491" h="1634252" fill="norm" stroke="1" extrusionOk="0">
                 <a:moveTo>
                   <a:pt x="0" y="0"/>
                 </a:moveTo>
@@ -5878,9 +5807,9 @@
       </p:sp>
       <p:sp>
         <p:nvSpPr>
-          <p:cNvPr id="12" name="Freeform: Shape 11"/>
+          <p:cNvPr id="12" name="Freeform: Shape 11" hidden="0"/>
           <p:cNvSpPr/>
-          <p:nvPr/>
+          <p:nvPr isPhoto="0" userDrawn="0"/>
         </p:nvSpPr>
         <p:spPr bwMode="auto">
           <a:xfrm>
@@ -5979,7 +5908,7 @@
             </a:cxnLst>
             <a:rect l="l" t="t" r="r" b="b"/>
             <a:pathLst>
-              <a:path w="4418271" h="718159" extrusionOk="0">
+              <a:path w="4418271" h="718159" fill="norm" stroke="1" extrusionOk="0">
                 <a:moveTo>
                   <a:pt x="0" y="713930"/>
                 </a:moveTo>
@@ -6071,12 +6000,12 @@
       </p:sp>
       <p:sp>
         <p:nvSpPr>
-          <p:cNvPr id="2" name="Title Placeholder 1"/>
+          <p:cNvPr id="2" name="Title Placeholder 1" hidden="0"/>
           <p:cNvSpPr>
             <a:spLocks noGrp="1"/>
           </p:cNvSpPr>
-          <p:nvPr>
-            <p:ph type="title"/>
+          <p:nvPr isPhoto="0" userDrawn="0">
+            <p:ph type="title" hasCustomPrompt="0"/>
           </p:nvPr>
         </p:nvSpPr>
         <p:spPr bwMode="auto">
@@ -6101,17 +6030,18 @@
               <a:rPr lang="en-US"/>
               <a:t>Click to edit Master title style</a:t>
             </a:r>
+            <a:endParaRPr/>
           </a:p>
         </p:txBody>
       </p:sp>
       <p:sp>
         <p:nvSpPr>
-          <p:cNvPr id="3" name="Text Placeholder 2"/>
+          <p:cNvPr id="3" name="Text Placeholder 2" hidden="0"/>
           <p:cNvSpPr>
             <a:spLocks noGrp="1"/>
           </p:cNvSpPr>
-          <p:nvPr>
-            <p:ph type="body" idx="1"/>
+          <p:nvPr isPhoto="0" userDrawn="0">
+            <p:ph type="body" idx="1" hasCustomPrompt="0"/>
           </p:nvPr>
         </p:nvSpPr>
         <p:spPr bwMode="auto">
@@ -6176,17 +6106,18 @@
               <a:rPr lang="en-US"/>
               <a:t>Fifth level</a:t>
             </a:r>
+            <a:endParaRPr/>
           </a:p>
         </p:txBody>
       </p:sp>
       <p:sp>
         <p:nvSpPr>
-          <p:cNvPr id="4" name="Date Placeholder 3"/>
+          <p:cNvPr id="4" name="Date Placeholder 3" hidden="0"/>
           <p:cNvSpPr>
             <a:spLocks noGrp="1"/>
           </p:cNvSpPr>
-          <p:nvPr>
-            <p:ph type="dt" sz="half" idx="2"/>
+          <p:nvPr isPhoto="0" userDrawn="0">
+            <p:ph type="dt" sz="half" idx="2" hasCustomPrompt="0"/>
           </p:nvPr>
         </p:nvSpPr>
         <p:spPr bwMode="auto">
@@ -6218,7 +6149,7 @@
             </a:pPr>
             <a:fld id="{76969C88-B244-455D-A017-012B25B1ACDD}" type="datetimeFigureOut">
               <a:rPr lang="en-US"/>
-              <a:t>4/25/2022</a:t>
+              <a:t/>
             </a:fld>
             <a:endParaRPr lang="en-US"/>
           </a:p>
@@ -6226,12 +6157,12 @@
       </p:sp>
       <p:sp>
         <p:nvSpPr>
-          <p:cNvPr id="5" name="Footer Placeholder 4"/>
+          <p:cNvPr id="5" name="Footer Placeholder 4" hidden="0"/>
           <p:cNvSpPr>
             <a:spLocks noGrp="1"/>
           </p:cNvSpPr>
-          <p:nvPr>
-            <p:ph type="ftr" sz="quarter" idx="3"/>
+          <p:nvPr isPhoto="0" userDrawn="0">
+            <p:ph type="ftr" sz="quarter" idx="3" hasCustomPrompt="0"/>
           </p:nvPr>
         </p:nvSpPr>
         <p:spPr bwMode="auto">
@@ -6267,12 +6198,12 @@
       </p:sp>
       <p:sp>
         <p:nvSpPr>
-          <p:cNvPr id="6" name="Slide Number Placeholder 5"/>
+          <p:cNvPr id="6" name="Slide Number Placeholder 5" hidden="0"/>
           <p:cNvSpPr>
             <a:spLocks noGrp="1"/>
           </p:cNvSpPr>
-          <p:nvPr>
-            <p:ph type="sldNum" sz="quarter" idx="4"/>
+          <p:nvPr isPhoto="0" userDrawn="0">
+            <p:ph type="sldNum" sz="quarter" idx="4" hasCustomPrompt="0"/>
           </p:nvPr>
         </p:nvSpPr>
         <p:spPr bwMode="auto">
@@ -6304,7 +6235,7 @@
             </a:pPr>
             <a:fld id="{07CE569E-9B7C-4CB9-AB80-C0841F922CFF}" type="slidenum">
               <a:rPr lang="en-US"/>
-              <a:t>‹#›</a:t>
+              <a:t/>
             </a:fld>
             <a:endParaRPr lang="en-US"/>
           </a:p>
@@ -6620,21 +6551,20 @@
 </file>
 
 <file path=ppt/slides/slide1.xml><?xml version="1.0" encoding="utf-8"?>
-<p:sld xmlns:a="http://schemas.openxmlformats.org/drawingml/2006/main" xmlns:r="http://schemas.openxmlformats.org/officeDocument/2006/relationships" xmlns:p="http://schemas.openxmlformats.org/presentationml/2006/main" showMasterPhAnim="0">
-  <p:cSld>
+<p:sld xmlns:a="http://schemas.openxmlformats.org/drawingml/2006/main" xmlns:r="http://schemas.openxmlformats.org/officeDocument/2006/relationships" xmlns:p="http://schemas.openxmlformats.org/presentationml/2006/main" xmlns:m="http://schemas.openxmlformats.org/officeDocument/2006/math" xmlns:w="http://schemas.openxmlformats.org/wordprocessingml/2006/main" showMasterPhAnim="0" show="1">
+  <p:cSld name="">
     <p:bg>
-      <p:bgPr>
+      <p:bgPr shadeToTitle="0">
         <a:solidFill>
           <a:schemeClr val="bg2"/>
         </a:solidFill>
-        <a:effectLst/>
       </p:bgPr>
     </p:bg>
     <p:spTree>
       <p:nvGrpSpPr>
-        <p:cNvPr id="1" name=""/>
+        <p:cNvPr id="1" name="" hidden="0"/>
         <p:cNvGrpSpPr/>
-        <p:nvPr/>
+        <p:nvPr isPhoto="0" userDrawn="0"/>
       </p:nvGrpSpPr>
       <p:grpSpPr bwMode="auto">
         <a:xfrm>
@@ -6646,11 +6576,11 @@
       </p:grpSpPr>
       <p:sp useBgFill="1">
         <p:nvSpPr>
-          <p:cNvPr id="71" name="Rectangle 70"/>
+          <p:cNvPr id="71" name="Rectangle 70" hidden="0"/>
           <p:cNvSpPr>
-            <a:spLocks noGrp="1" noRot="1" noChangeAspect="1" noMove="1" noResize="1" noEditPoints="1" noAdjustHandles="1" noChangeArrowheads="1" noChangeShapeType="1" noTextEdit="1"/>
+            <a:spLocks noAdjustHandles="1" noChangeArrowheads="1" noChangeAspect="1" noChangeShapeType="1" noEditPoints="1" noGrp="1" noMove="1" noResize="1" noRot="1" noTextEdit="1"/>
           </p:cNvSpPr>
-          <p:nvPr/>
+          <p:nvPr isPhoto="0" userDrawn="0"/>
         </p:nvSpPr>
         <p:spPr bwMode="auto">
           <a:xfrm>
@@ -6696,12 +6626,12 @@
       </p:sp>
       <p:sp>
         <p:nvSpPr>
-          <p:cNvPr id="2" name="Título 1"/>
+          <p:cNvPr id="2" name="Título 1" hidden="0"/>
           <p:cNvSpPr>
             <a:spLocks noGrp="1"/>
           </p:cNvSpPr>
-          <p:nvPr>
-            <p:ph type="ctrTitle"/>
+          <p:nvPr isPhoto="0" userDrawn="0">
+            <p:ph type="ctrTitle" hasCustomPrompt="0"/>
           </p:nvPr>
         </p:nvSpPr>
         <p:spPr bwMode="auto">
@@ -6720,28 +6650,28 @@
               <a:defRPr/>
             </a:pPr>
             <a:r>
-              <a:rPr lang="pt-PT" sz="4400" u="sng" dirty="0"/>
+              <a:rPr lang="pt-PT" sz="4400" u="sng"/>
               <a:t>Chess Snake </a:t>
             </a:r>
             <a:br>
-              <a:rPr lang="pt-PT" sz="4400" u="sng" dirty="0"/>
+              <a:rPr lang="pt-PT" sz="4400" u="sng"/>
             </a:br>
             <a:r>
-              <a:rPr lang="pt-PT" sz="4400" u="sng" dirty="0"/>
+              <a:rPr lang="pt-PT" sz="4400" u="sng"/>
               <a:t>IART Project</a:t>
             </a:r>
-            <a:endParaRPr dirty="0"/>
+            <a:endParaRPr/>
           </a:p>
         </p:txBody>
       </p:sp>
       <p:sp>
         <p:nvSpPr>
-          <p:cNvPr id="3" name="Subtítulo 2"/>
+          <p:cNvPr id="3" name="Subtítulo 2" hidden="0"/>
           <p:cNvSpPr>
             <a:spLocks noGrp="1"/>
           </p:cNvSpPr>
-          <p:nvPr>
-            <p:ph type="subTitle" idx="1"/>
+          <p:nvPr isPhoto="0" userDrawn="0">
+            <p:ph type="subTitle" idx="1" hasCustomPrompt="0"/>
           </p:nvPr>
         </p:nvSpPr>
         <p:spPr bwMode="auto">
@@ -6760,40 +6690,40 @@
               <a:defRPr/>
             </a:pPr>
             <a:r>
-              <a:rPr lang="pt-PT" dirty="0"/>
+              <a:rPr lang="pt-PT"/>
               <a:t>Carlos Gomes – up201906622</a:t>
             </a:r>
-            <a:endParaRPr dirty="0"/>
+            <a:endParaRPr/>
           </a:p>
           <a:p>
             <a:pPr algn="l">
               <a:defRPr/>
             </a:pPr>
             <a:r>
-              <a:rPr lang="pt-PT" dirty="0"/>
+              <a:rPr lang="pt-PT"/>
               <a:t>Domingos Santos – up201906680</a:t>
             </a:r>
-            <a:endParaRPr dirty="0"/>
+            <a:endParaRPr/>
           </a:p>
           <a:p>
             <a:pPr algn="l">
               <a:defRPr/>
             </a:pPr>
             <a:r>
-              <a:rPr lang="pt-PT" dirty="0"/>
+              <a:rPr lang="pt-PT"/>
               <a:t>Filipe Pinto – up201907747</a:t>
             </a:r>
-            <a:endParaRPr dirty="0"/>
+            <a:endParaRPr/>
           </a:p>
         </p:txBody>
       </p:sp>
       <p:sp>
         <p:nvSpPr>
-          <p:cNvPr id="73" name="Freeform: Shape 72"/>
+          <p:cNvPr id="73" name="Freeform: Shape 72" hidden="0"/>
           <p:cNvSpPr>
-            <a:spLocks noGrp="1" noRot="1" noChangeAspect="1" noMove="1" noResize="1" noEditPoints="1" noAdjustHandles="1" noChangeArrowheads="1" noChangeShapeType="1" noTextEdit="1"/>
+            <a:spLocks noAdjustHandles="1" noChangeArrowheads="1" noChangeAspect="1" noChangeShapeType="1" noEditPoints="1" noGrp="1" noMove="1" noResize="1" noRot="1" noTextEdit="1"/>
           </p:cNvSpPr>
-          <p:nvPr/>
+          <p:nvPr isPhoto="0" userDrawn="0"/>
         </p:nvSpPr>
         <p:spPr bwMode="auto">
           <a:xfrm>
@@ -6859,7 +6789,7 @@
             </a:cxnLst>
             <a:rect l="l" t="t" r="r" b="b"/>
             <a:pathLst>
-              <a:path w="5948806" h="6095979" extrusionOk="0">
+              <a:path w="5948806" h="6095979" fill="norm" stroke="1" extrusionOk="0">
                 <a:moveTo>
                   <a:pt x="1573832" y="765"/>
                 </a:moveTo>
@@ -6942,11 +6872,11 @@
       </p:sp>
       <p:sp>
         <p:nvSpPr>
-          <p:cNvPr id="75" name="Freeform: Shape 74"/>
+          <p:cNvPr id="75" name="Freeform: Shape 74" hidden="0"/>
           <p:cNvSpPr>
-            <a:spLocks noGrp="1" noRot="1" noChangeAspect="1" noMove="1" noResize="1" noEditPoints="1" noAdjustHandles="1" noChangeArrowheads="1" noChangeShapeType="1" noTextEdit="1"/>
+            <a:spLocks noAdjustHandles="1" noChangeArrowheads="1" noChangeAspect="1" noChangeShapeType="1" noEditPoints="1" noGrp="1" noMove="1" noResize="1" noRot="1" noTextEdit="1"/>
           </p:cNvSpPr>
-          <p:nvPr/>
+          <p:nvPr isPhoto="0" userDrawn="0"/>
         </p:nvSpPr>
         <p:spPr bwMode="auto">
           <a:xfrm rot="5400000" flipH="1">
@@ -7054,7 +6984,7 @@
             </a:cxnLst>
             <a:rect l="l" t="t" r="r" b="b"/>
             <a:pathLst>
-              <a:path w="2154655" h="6858000" extrusionOk="0">
+              <a:path w="2154655" h="6858000" fill="norm" stroke="1" extrusionOk="0">
                 <a:moveTo>
                   <a:pt x="0" y="0"/>
                 </a:moveTo>
@@ -7126,11 +7056,11 @@
       </p:sp>
       <p:pic>
         <p:nvPicPr>
-          <p:cNvPr id="53" name="Imagem 52" descr="Uma imagem com símbolo, exterior, sentado, paragem&#10;&#10;Descrição gerada automaticamente"/>
+          <p:cNvPr id="53" name="Imagem 52" descr="Uma imagem com símbolo, exterior, sentado, paragem&#10;&#10;Descrição gerada automaticamente" hidden="0"/>
           <p:cNvPicPr>
             <a:picLocks noChangeAspect="1"/>
           </p:cNvPicPr>
-          <p:nvPr/>
+          <p:nvPr isPhoto="0" userDrawn="0"/>
         </p:nvPicPr>
         <p:blipFill>
           <a:blip r:embed="rId2"/>
@@ -7148,30 +7078,15 @@
       </p:pic>
       <p:pic>
         <p:nvPicPr>
-          <p:cNvPr id="4" name="Picture 2">
-            <a:extLst>
-              <a:ext uri="{FF2B5EF4-FFF2-40B4-BE49-F238E27FC236}">
-                <a16:creationId xmlns:a16="http://schemas.microsoft.com/office/drawing/2014/main" id="{3BC8DB85-71B5-0D0A-DA2F-510AAAEAB5E3}"/>
-              </a:ext>
-            </a:extLst>
-          </p:cNvPr>
+          <p:cNvPr id="4" name="Picture 2" hidden="0"/>
           <p:cNvPicPr>
             <a:picLocks noChangeAspect="1" noChangeArrowheads="1"/>
           </p:cNvPicPr>
-          <p:nvPr/>
+          <p:nvPr isPhoto="0" userDrawn="0"/>
         </p:nvPicPr>
         <p:blipFill>
-          <a:blip r:embed="rId3">
-            <a:extLst>
-              <a:ext uri="{28A0092B-C50C-407E-A947-70E740481C1C}">
-                <a14:useLocalDpi xmlns:a14="http://schemas.microsoft.com/office/drawing/2010/main" val="0"/>
-              </a:ext>
-            </a:extLst>
-          </a:blip>
-          <a:srcRect/>
-          <a:stretch>
-            <a:fillRect/>
-          </a:stretch>
+          <a:blip r:embed="rId3"/>
+          <a:stretch/>
         </p:blipFill>
         <p:spPr bwMode="auto">
           <a:xfrm>
@@ -7182,15 +7097,6 @@
             <a:avLst/>
           </a:prstGeom>
           <a:noFill/>
-          <a:extLst>
-            <a:ext uri="{909E8E84-426E-40DD-AFC4-6F175D3DCCD1}">
-              <a14:hiddenFill xmlns:a14="http://schemas.microsoft.com/office/drawing/2010/main">
-                <a:solidFill>
-                  <a:srgbClr val="FFFFFF"/>
-                </a:solidFill>
-              </a14:hiddenFill>
-            </a:ext>
-          </a:extLst>
         </p:spPr>
       </p:pic>
     </p:spTree>
@@ -7198,352 +7104,25 @@
   <p:clrMapOvr>
     <a:masterClrMapping/>
   </p:clrMapOvr>
+  <mc:AlternateContent xmlns:mc="http://schemas.openxmlformats.org/markup-compatibility/2006">
+    <mc:Choice xmlns:p14="http://schemas.microsoft.com/office/powerpoint/2010/main" Requires="p14">
+      <p:transition p14:dur="2000" advClick="1"/>
+    </mc:Choice>
+    <mc:Fallback>
+      <p:transition advClick="1"/>
+    </mc:Fallback>
+  </mc:AlternateContent>
 </p:sld>
 </file>
 
 <file path=ppt/slides/slide10.xml><?xml version="1.0" encoding="utf-8"?>
-<p:sld xmlns:a="http://schemas.openxmlformats.org/drawingml/2006/main" xmlns:r="http://schemas.openxmlformats.org/officeDocument/2006/relationships" xmlns:p="http://schemas.openxmlformats.org/presentationml/2006/main">
-  <p:cSld>
+<p:sld xmlns:a="http://schemas.openxmlformats.org/drawingml/2006/main" xmlns:r="http://schemas.openxmlformats.org/officeDocument/2006/relationships" xmlns:p="http://schemas.openxmlformats.org/presentationml/2006/main" xmlns:m="http://schemas.openxmlformats.org/officeDocument/2006/math" xmlns:w="http://schemas.openxmlformats.org/wordprocessingml/2006/main" showMasterPhAnim="0" show="1">
+  <p:cSld name="">
     <p:spTree>
       <p:nvGrpSpPr>
-        <p:cNvPr id="1" name=""/>
+        <p:cNvPr id="1" name="" hidden="0"/>
         <p:cNvGrpSpPr/>
-        <p:nvPr/>
-      </p:nvGrpSpPr>
-      <p:grpSpPr>
-        <a:xfrm>
-          <a:off x="0" y="0"/>
-          <a:ext cx="0" cy="0"/>
-          <a:chOff x="0" y="0"/>
-          <a:chExt cx="0" cy="0"/>
-        </a:xfrm>
-      </p:grpSpPr>
-      <p:sp>
-        <p:nvSpPr>
-          <p:cNvPr id="2" name="Título 1">
-            <a:extLst>
-              <a:ext uri="{FF2B5EF4-FFF2-40B4-BE49-F238E27FC236}">
-                <a16:creationId xmlns:a16="http://schemas.microsoft.com/office/drawing/2014/main" id="{64704C5A-BCE7-4444-BB7C-BCCF7EF73487}"/>
-              </a:ext>
-            </a:extLst>
-          </p:cNvPr>
-          <p:cNvSpPr>
-            <a:spLocks noGrp="1"/>
-          </p:cNvSpPr>
-          <p:nvPr>
-            <p:ph type="title"/>
-          </p:nvPr>
-        </p:nvSpPr>
-        <p:spPr>
-          <a:xfrm>
-            <a:off x="263352" y="116632"/>
-            <a:ext cx="10668000" cy="1524000"/>
-          </a:xfrm>
-        </p:spPr>
-        <p:txBody>
-          <a:bodyPr/>
-          <a:lstStyle/>
-          <a:p>
-            <a:r>
-              <a:rPr lang="pt-PT" dirty="0" err="1"/>
-              <a:t>Conclusion</a:t>
-            </a:r>
-            <a:endParaRPr lang="pt-PT" dirty="0"/>
-          </a:p>
-        </p:txBody>
-      </p:sp>
-      <p:sp>
-        <p:nvSpPr>
-          <p:cNvPr id="3" name="Marcador de Posição de Conteúdo 2">
-            <a:extLst>
-              <a:ext uri="{FF2B5EF4-FFF2-40B4-BE49-F238E27FC236}">
-                <a16:creationId xmlns:a16="http://schemas.microsoft.com/office/drawing/2014/main" id="{0892E19F-DEDA-43CA-8ECC-2A6CC300D688}"/>
-              </a:ext>
-            </a:extLst>
-          </p:cNvPr>
-          <p:cNvSpPr>
-            <a:spLocks noGrp="1"/>
-          </p:cNvSpPr>
-          <p:nvPr>
-            <p:ph idx="1"/>
-          </p:nvPr>
-        </p:nvSpPr>
-        <p:spPr>
-          <a:xfrm>
-            <a:off x="191344" y="1340768"/>
-            <a:ext cx="11593288" cy="5400600"/>
-          </a:xfrm>
-        </p:spPr>
-        <p:txBody>
-          <a:bodyPr>
-            <a:normAutofit fontScale="92500" lnSpcReduction="10000"/>
-          </a:bodyPr>
-          <a:lstStyle/>
-          <a:p>
-            <a:r>
-              <a:rPr lang="en-US" sz="2400" b="0" i="0" dirty="0">
-                <a:solidFill>
-                  <a:srgbClr val="DCDDDE"/>
-                </a:solidFill>
-                <a:effectLst/>
-              </a:rPr>
-              <a:t>During the elaboration of this project, we were able to study and verify the effectiveness of the implemented algorithms.</a:t>
-            </a:r>
-          </a:p>
-          <a:p>
-            <a:r>
-              <a:rPr lang="en-US" sz="2400" b="0" i="0" dirty="0">
-                <a:solidFill>
-                  <a:srgbClr val="DCDDDE"/>
-                </a:solidFill>
-                <a:effectLst/>
-              </a:rPr>
-              <a:t>Considering that this Project mixes interactive and displayable content using </a:t>
-            </a:r>
-            <a:r>
-              <a:rPr lang="en-US" sz="2400" b="0" i="0" dirty="0" err="1">
-                <a:solidFill>
-                  <a:srgbClr val="DCDDDE"/>
-                </a:solidFill>
-                <a:effectLst/>
-              </a:rPr>
-              <a:t>pygame</a:t>
-            </a:r>
-            <a:r>
-              <a:rPr lang="en-US" sz="2400" b="0" i="0" dirty="0">
-                <a:solidFill>
-                  <a:srgbClr val="DCDDDE"/>
-                </a:solidFill>
-                <a:effectLst/>
-              </a:rPr>
-              <a:t> and artificial intelligence algorithms makes it more engaging.</a:t>
-            </a:r>
-          </a:p>
-          <a:p>
-            <a:r>
-              <a:rPr lang="en-US" sz="2400" dirty="0">
-                <a:solidFill>
-                  <a:srgbClr val="DCDDDE"/>
-                </a:solidFill>
-              </a:rPr>
-              <a:t>The most challenging part of this project was to implement the rules of the game due to multiple verifications needed to be done, for example making a simple move. So, for us the game implementation was a little bit more difficult than the algorithms itself.</a:t>
-            </a:r>
-            <a:endParaRPr lang="en-US" sz="2400" b="0" i="0" dirty="0">
-              <a:solidFill>
-                <a:srgbClr val="DCDDDE"/>
-              </a:solidFill>
-              <a:effectLst/>
-            </a:endParaRPr>
-          </a:p>
-          <a:p>
-            <a:r>
-              <a:rPr lang="en-US" sz="2400" b="0" i="0" dirty="0">
-                <a:solidFill>
-                  <a:srgbClr val="DCDDDE"/>
-                </a:solidFill>
-                <a:effectLst/>
-              </a:rPr>
-              <a:t>In addiction, this Project helped us getting to know more about the content studied in theoretical and practical classes since we had to investigate ways of sorting out some problems related to rules and algorithm implementations.</a:t>
-            </a:r>
-          </a:p>
-          <a:p>
-            <a:r>
-              <a:rPr lang="en-US" sz="2400" b="0" i="0" dirty="0">
-                <a:solidFill>
-                  <a:srgbClr val="DCDDDE"/>
-                </a:solidFill>
-                <a:effectLst/>
-              </a:rPr>
-              <a:t>To sum up, above the complexity of this game and the problems we faced, we consider that the assignment was successfully completed and that all goals were fulfilled.</a:t>
-            </a:r>
-          </a:p>
-          <a:p>
-            <a:pPr marL="0" indent="0">
-              <a:buNone/>
-            </a:pPr>
-            <a:endParaRPr lang="pt-PT" dirty="0"/>
-          </a:p>
-        </p:txBody>
-      </p:sp>
-    </p:spTree>
-    <p:extLst>
-      <p:ext uri="{BB962C8B-B14F-4D97-AF65-F5344CB8AC3E}">
-        <p14:creationId xmlns:p14="http://schemas.microsoft.com/office/powerpoint/2010/main" val="813763422"/>
-      </p:ext>
-    </p:extLst>
-  </p:cSld>
-  <p:clrMapOvr>
-    <a:masterClrMapping/>
-  </p:clrMapOvr>
-</p:sld>
-</file>
-
-<file path=ppt/slides/slide11.xml><?xml version="1.0" encoding="utf-8"?>
-<p:sld xmlns:a="http://schemas.openxmlformats.org/drawingml/2006/main" xmlns:r="http://schemas.openxmlformats.org/officeDocument/2006/relationships" xmlns:p="http://schemas.openxmlformats.org/presentationml/2006/main">
-  <p:cSld>
-    <p:spTree>
-      <p:nvGrpSpPr>
-        <p:cNvPr id="1" name=""/>
-        <p:cNvGrpSpPr/>
-        <p:nvPr/>
-      </p:nvGrpSpPr>
-      <p:grpSpPr>
-        <a:xfrm>
-          <a:off x="0" y="0"/>
-          <a:ext cx="0" cy="0"/>
-          <a:chOff x="0" y="0"/>
-          <a:chExt cx="0" cy="0"/>
-        </a:xfrm>
-      </p:grpSpPr>
-      <p:sp>
-        <p:nvSpPr>
-          <p:cNvPr id="2" name="Título 1">
-            <a:extLst>
-              <a:ext uri="{FF2B5EF4-FFF2-40B4-BE49-F238E27FC236}">
-                <a16:creationId xmlns:a16="http://schemas.microsoft.com/office/drawing/2014/main" id="{F8F16900-914F-ECEA-47AA-07FE5C596BC6}"/>
-              </a:ext>
-            </a:extLst>
-          </p:cNvPr>
-          <p:cNvSpPr>
-            <a:spLocks noGrp="1"/>
-          </p:cNvSpPr>
-          <p:nvPr>
-            <p:ph type="title"/>
-          </p:nvPr>
-        </p:nvSpPr>
-        <p:spPr/>
-        <p:txBody>
-          <a:bodyPr/>
-          <a:lstStyle/>
-          <a:p>
-            <a:r>
-              <a:rPr lang="pt-PT" dirty="0" err="1"/>
-              <a:t>References</a:t>
-            </a:r>
-            <a:endParaRPr lang="pt-PT" dirty="0"/>
-          </a:p>
-        </p:txBody>
-      </p:sp>
-      <p:sp>
-        <p:nvSpPr>
-          <p:cNvPr id="3" name="Marcador de Posição de Conteúdo 2">
-            <a:extLst>
-              <a:ext uri="{FF2B5EF4-FFF2-40B4-BE49-F238E27FC236}">
-                <a16:creationId xmlns:a16="http://schemas.microsoft.com/office/drawing/2014/main" id="{891CC86F-CE43-DC97-26A6-7874C324AD8E}"/>
-              </a:ext>
-            </a:extLst>
-          </p:cNvPr>
-          <p:cNvSpPr>
-            <a:spLocks noGrp="1"/>
-          </p:cNvSpPr>
-          <p:nvPr>
-            <p:ph idx="1"/>
-          </p:nvPr>
-        </p:nvSpPr>
-        <p:spPr/>
-        <p:txBody>
-          <a:bodyPr/>
-          <a:lstStyle/>
-          <a:p>
-            <a:pPr>
-              <a:defRPr/>
-            </a:pPr>
-            <a:r>
-              <a:rPr lang="pt-PT" u="sng" dirty="0">
-                <a:hlinkClick r:id="rId2" tooltip="https://erich-friedman.github.io/puzzle/snake/"/>
-              </a:rPr>
-              <a:t>https://erich-friedman.github.io/puzzle/snake/</a:t>
-            </a:r>
-            <a:endParaRPr lang="pt-PT" dirty="0"/>
-          </a:p>
-          <a:p>
-            <a:pPr>
-              <a:defRPr/>
-            </a:pPr>
-            <a:r>
-              <a:rPr lang="pt-PT" u="sng" dirty="0">
-                <a:hlinkClick r:id="rId3" tooltip="https://moodle.up.pt/"/>
-              </a:rPr>
-              <a:t>https://moodle.up.pt/</a:t>
-            </a:r>
-            <a:r>
-              <a:rPr lang="pt-PT" dirty="0"/>
-              <a:t> (</a:t>
-            </a:r>
-            <a:r>
-              <a:rPr lang="pt-PT" dirty="0" err="1"/>
-              <a:t>course</a:t>
-            </a:r>
-            <a:r>
-              <a:rPr lang="pt-PT" dirty="0"/>
-              <a:t> files)</a:t>
-            </a:r>
-          </a:p>
-          <a:p>
-            <a:pPr>
-              <a:defRPr/>
-            </a:pPr>
-            <a:r>
-              <a:rPr lang="pt-PT" u="sng" dirty="0">
-                <a:hlinkClick r:id="rId4" tooltip="https://pedros.works/chess-snake"/>
-              </a:rPr>
-              <a:t>https://pedros.works/chess-snake</a:t>
-            </a:r>
-            <a:endParaRPr lang="pt-PT" u="sng" dirty="0"/>
-          </a:p>
-          <a:p>
-            <a:pPr>
-              <a:defRPr/>
-            </a:pPr>
-            <a:r>
-              <a:rPr lang="pt-PT" dirty="0">
-                <a:hlinkClick r:id="rId5"/>
-              </a:rPr>
-              <a:t>Python 3 Documentation</a:t>
-            </a:r>
-            <a:r>
-              <a:rPr lang="pt-PT" dirty="0"/>
-              <a:t>;</a:t>
-            </a:r>
-          </a:p>
-          <a:p>
-            <a:pPr>
-              <a:defRPr/>
-            </a:pPr>
-            <a:endParaRPr lang="pt-PT" dirty="0"/>
-          </a:p>
-          <a:p>
-            <a:pPr>
-              <a:defRPr/>
-            </a:pPr>
-            <a:endParaRPr lang="pt-PT" dirty="0"/>
-          </a:p>
-          <a:p>
-            <a:endParaRPr lang="pt-PT" dirty="0"/>
-          </a:p>
-        </p:txBody>
-      </p:sp>
-    </p:spTree>
-    <p:extLst>
-      <p:ext uri="{BB962C8B-B14F-4D97-AF65-F5344CB8AC3E}">
-        <p14:creationId xmlns:p14="http://schemas.microsoft.com/office/powerpoint/2010/main" val="1813734568"/>
-      </p:ext>
-    </p:extLst>
-  </p:cSld>
-  <p:clrMapOvr>
-    <a:masterClrMapping/>
-  </p:clrMapOvr>
-</p:sld>
-</file>
-
-<file path=ppt/slides/slide2.xml><?xml version="1.0" encoding="utf-8"?>
-<p:sld xmlns:a="http://schemas.openxmlformats.org/drawingml/2006/main" xmlns:r="http://schemas.openxmlformats.org/officeDocument/2006/relationships" xmlns:p="http://schemas.openxmlformats.org/presentationml/2006/main" showMasterPhAnim="0">
-  <p:cSld>
-    <p:spTree>
-      <p:nvGrpSpPr>
-        <p:cNvPr id="1" name=""/>
-        <p:cNvGrpSpPr/>
-        <p:nvPr/>
+        <p:nvPr isPhoto="0" userDrawn="0"/>
       </p:nvGrpSpPr>
       <p:grpSpPr bwMode="auto">
         <a:xfrm>
@@ -7555,15 +7134,20 @@
       </p:grpSpPr>
       <p:sp>
         <p:nvSpPr>
-          <p:cNvPr id="2" name="Título 1"/>
+          <p:cNvPr id="2" name="Título 1" hidden="0"/>
           <p:cNvSpPr>
             <a:spLocks noGrp="1"/>
           </p:cNvSpPr>
-          <p:nvPr>
-            <p:ph type="title"/>
+          <p:nvPr isPhoto="0" userDrawn="0">
+            <p:ph type="title" hasCustomPrompt="0"/>
           </p:nvPr>
         </p:nvSpPr>
-        <p:spPr bwMode="auto"/>
+        <p:spPr bwMode="auto">
+          <a:xfrm>
+            <a:off x="263352" y="116632"/>
+            <a:ext cx="10668000" cy="1524000"/>
+          </a:xfrm>
+        </p:spPr>
         <p:txBody>
           <a:bodyPr/>
           <a:lstStyle/>
@@ -7573,25 +7157,31 @@
             </a:pPr>
             <a:r>
               <a:rPr lang="pt-PT"/>
-              <a:t>Specifications</a:t>
-            </a:r>
+              <a:t>Conclusion</a:t>
+            </a:r>
+            <a:endParaRPr lang="pt-PT"/>
           </a:p>
         </p:txBody>
       </p:sp>
       <p:sp>
         <p:nvSpPr>
-          <p:cNvPr id="3" name="Marcador de Posição de Conteúdo 2"/>
+          <p:cNvPr id="3" name="Marcador de Posição de Conteúdo 2" hidden="0"/>
           <p:cNvSpPr>
             <a:spLocks noGrp="1"/>
           </p:cNvSpPr>
-          <p:nvPr>
-            <p:ph idx="1"/>
+          <p:nvPr isPhoto="0" userDrawn="0">
+            <p:ph idx="1" hasCustomPrompt="0"/>
           </p:nvPr>
         </p:nvSpPr>
-        <p:spPr bwMode="auto"/>
+        <p:spPr bwMode="auto">
+          <a:xfrm>
+            <a:off x="191344" y="1340768"/>
+            <a:ext cx="11593288" cy="5400600"/>
+          </a:xfrm>
+        </p:spPr>
         <p:txBody>
           <a:bodyPr>
-            <a:normAutofit fontScale="70000" lnSpcReduction="20000"/>
+            <a:normAutofit fontScale="92500" lnSpcReduction="10000"/>
           </a:bodyPr>
           <a:lstStyle/>
           <a:p>
@@ -7599,74 +7189,97 @@
               <a:defRPr/>
             </a:pPr>
             <a:r>
-              <a:rPr lang="pt-PT" dirty="0"/>
-              <a:t>The main goal for this project is to, based on Artificial Inteligence skills and search algorithms, implement a version of the puzzle “Chess Snake”;</a:t>
-            </a:r>
-            <a:endParaRPr dirty="0"/>
-          </a:p>
-          <a:p>
-            <a:pPr>
-              <a:defRPr/>
-            </a:pPr>
-            <a:r>
-              <a:rPr lang="pt-PT" dirty="0"/>
-              <a:t>The main goal of the puzzle is to connect the bottom left tile of the board with the top right tile, by creating a path according to some rules;</a:t>
-            </a:r>
-            <a:endParaRPr dirty="0"/>
-          </a:p>
-          <a:p>
-            <a:pPr>
-              <a:defRPr/>
-            </a:pPr>
-            <a:r>
-              <a:rPr lang="pt-PT" dirty="0"/>
-              <a:t>The rules are: </a:t>
-            </a:r>
-            <a:endParaRPr dirty="0"/>
+              <a:rPr lang="en-US" sz="2400" b="0" i="0">
+                <a:solidFill>
+                  <a:srgbClr val="DCDDDE"/>
+                </a:solidFill>
+              </a:rPr>
+              <a:t>During the elaboration of this project, we were able to study and verify the effectiveness of the implemented algorithms.</a:t>
+            </a:r>
+            <a:endParaRPr/>
+          </a:p>
+          <a:p>
+            <a:pPr>
+              <a:defRPr/>
+            </a:pPr>
+            <a:r>
+              <a:rPr lang="en-US" sz="2400" b="0" i="0">
+                <a:solidFill>
+                  <a:srgbClr val="DCDDDE"/>
+                </a:solidFill>
+              </a:rPr>
+              <a:t>Considering that this Project mixes interactive and displayable content using </a:t>
+            </a:r>
+            <a:r>
+              <a:rPr lang="en-US" sz="2400" b="0" i="0">
+                <a:solidFill>
+                  <a:srgbClr val="DCDDDE"/>
+                </a:solidFill>
+              </a:rPr>
+              <a:t>pygame</a:t>
+            </a:r>
+            <a:r>
+              <a:rPr lang="en-US" sz="2400" b="0" i="0">
+                <a:solidFill>
+                  <a:srgbClr val="DCDDDE"/>
+                </a:solidFill>
+              </a:rPr>
+              <a:t> and artificial intelligence algorithms makes it more engaging.</a:t>
+            </a:r>
+            <a:endParaRPr/>
+          </a:p>
+          <a:p>
+            <a:pPr>
+              <a:defRPr/>
+            </a:pPr>
+            <a:r>
+              <a:rPr lang="en-US" sz="2400">
+                <a:solidFill>
+                  <a:srgbClr val="DCDDDE"/>
+                </a:solidFill>
+              </a:rPr>
+              <a:t>The most challenging part of this project was to implement the rules of the game due to multiple verifications needed to be done, for example making a simple move. So, for us the game implementation was a little bit more difficult than the algorithms itself.</a:t>
+            </a:r>
+            <a:endParaRPr lang="en-US" sz="2400" b="0" i="0">
+              <a:solidFill>
+                <a:srgbClr val="DCDDDE"/>
+              </a:solidFill>
+            </a:endParaRPr>
+          </a:p>
+          <a:p>
+            <a:pPr>
+              <a:defRPr/>
+            </a:pPr>
+            <a:r>
+              <a:rPr lang="en-US" sz="2400" b="0" i="0">
+                <a:solidFill>
+                  <a:srgbClr val="DCDDDE"/>
+                </a:solidFill>
+              </a:rPr>
+              <a:t>In addiction, this Project helped us getting to know more about the content studied in theoretical and practical classes since we had to investigate ways of sorting out some problems related to rules and algorithm implementations.</a:t>
+            </a:r>
+            <a:endParaRPr/>
+          </a:p>
+          <a:p>
+            <a:pPr>
+              <a:defRPr/>
+            </a:pPr>
+            <a:r>
+              <a:rPr lang="en-US" sz="2400" b="0" i="0">
+                <a:solidFill>
+                  <a:srgbClr val="DCDDDE"/>
+                </a:solidFill>
+              </a:rPr>
+              <a:t>To sum up, above the complexity of this game and the problems we faced, we consider that the assignment was successfully completed and that all goals were fulfilled.</a:t>
+            </a:r>
+            <a:endParaRPr/>
           </a:p>
           <a:p>
             <a:pPr marL="0" indent="0">
               <a:buNone/>
               <a:defRPr/>
             </a:pPr>
-            <a:r>
-              <a:rPr lang="pt-PT" dirty="0"/>
-              <a:t>    - No loops are allowed;</a:t>
-            </a:r>
-            <a:endParaRPr dirty="0"/>
-          </a:p>
-          <a:p>
-            <a:pPr marL="0" indent="0">
-              <a:buNone/>
-              <a:defRPr/>
-            </a:pPr>
-            <a:r>
-              <a:rPr lang="pt-PT" dirty="0"/>
-              <a:t>    - Each chess piece attacks an equal number of squares of the choose path;</a:t>
-            </a:r>
-            <a:endParaRPr dirty="0"/>
-          </a:p>
-          <a:p>
-            <a:pPr marL="0" indent="0">
-              <a:buNone/>
-              <a:defRPr/>
-            </a:pPr>
-            <a:r>
-              <a:rPr lang="pt-PT" dirty="0"/>
-              <a:t>    - Pieces may not be crossed by the path;</a:t>
-            </a:r>
-            <a:endParaRPr dirty="0"/>
-          </a:p>
-          <a:p>
-            <a:pPr marL="0" indent="0">
-              <a:buNone/>
-              <a:defRPr/>
-            </a:pPr>
-            <a:r>
-              <a:rPr lang="pt-PT" dirty="0"/>
-              <a:t>    - The snake cannot touch itself.</a:t>
-            </a:r>
-            <a:endParaRPr dirty="0"/>
+            <a:endParaRPr lang="pt-PT"/>
           </a:p>
         </p:txBody>
       </p:sp>
@@ -7675,17 +7288,25 @@
   <p:clrMapOvr>
     <a:masterClrMapping/>
   </p:clrMapOvr>
+  <mc:AlternateContent xmlns:mc="http://schemas.openxmlformats.org/markup-compatibility/2006">
+    <mc:Choice xmlns:p14="http://schemas.microsoft.com/office/powerpoint/2010/main" Requires="p14">
+      <p:transition p14:dur="2000" advClick="1"/>
+    </mc:Choice>
+    <mc:Fallback>
+      <p:transition advClick="1"/>
+    </mc:Fallback>
+  </mc:AlternateContent>
 </p:sld>
 </file>
 
-<file path=ppt/slides/slide3.xml><?xml version="1.0" encoding="utf-8"?>
-<p:sld xmlns:a="http://schemas.openxmlformats.org/drawingml/2006/main" xmlns:r="http://schemas.openxmlformats.org/officeDocument/2006/relationships" xmlns:p="http://schemas.openxmlformats.org/presentationml/2006/main" showMasterPhAnim="0">
-  <p:cSld>
+<file path=ppt/slides/slide11.xml><?xml version="1.0" encoding="utf-8"?>
+<p:sld xmlns:a="http://schemas.openxmlformats.org/drawingml/2006/main" xmlns:r="http://schemas.openxmlformats.org/officeDocument/2006/relationships" xmlns:p="http://schemas.openxmlformats.org/presentationml/2006/main" xmlns:m="http://schemas.openxmlformats.org/officeDocument/2006/math" xmlns:w="http://schemas.openxmlformats.org/wordprocessingml/2006/main" showMasterPhAnim="0" show="1">
+  <p:cSld name="">
     <p:spTree>
       <p:nvGrpSpPr>
-        <p:cNvPr id="1" name=""/>
+        <p:cNvPr id="1" name="" hidden="0"/>
         <p:cNvGrpSpPr/>
-        <p:nvPr/>
+        <p:nvPr isPhoto="0" userDrawn="0"/>
       </p:nvGrpSpPr>
       <p:grpSpPr bwMode="auto">
         <a:xfrm>
@@ -7697,12 +7318,12 @@
       </p:grpSpPr>
       <p:sp>
         <p:nvSpPr>
-          <p:cNvPr id="2" name="Título 1"/>
+          <p:cNvPr id="2" name="Título 1" hidden="0"/>
           <p:cNvSpPr>
             <a:spLocks noGrp="1"/>
           </p:cNvSpPr>
-          <p:nvPr>
-            <p:ph type="title"/>
+          <p:nvPr isPhoto="0" userDrawn="0">
+            <p:ph type="title" hasCustomPrompt="0"/>
           </p:nvPr>
         </p:nvSpPr>
         <p:spPr bwMode="auto"/>
@@ -7714,37 +7335,345 @@
               <a:defRPr/>
             </a:pPr>
             <a:r>
-              <a:rPr lang="pt-PT" dirty="0" err="1"/>
-              <a:t>Search</a:t>
-            </a:r>
-            <a:r>
-              <a:rPr lang="pt-PT" dirty="0"/>
-              <a:t> </a:t>
-            </a:r>
-            <a:r>
-              <a:rPr lang="pt-PT" dirty="0" err="1"/>
-              <a:t>Problem</a:t>
-            </a:r>
-            <a:r>
-              <a:rPr lang="pt-PT" dirty="0"/>
-              <a:t> </a:t>
-            </a:r>
-            <a:r>
-              <a:rPr lang="pt-PT" dirty="0" err="1"/>
-              <a:t>Formulation</a:t>
-            </a:r>
-            <a:endParaRPr lang="pt-PT" dirty="0"/>
+              <a:rPr lang="pt-PT"/>
+              <a:t>References</a:t>
+            </a:r>
+            <a:endParaRPr lang="pt-PT"/>
           </a:p>
         </p:txBody>
       </p:sp>
       <p:sp>
         <p:nvSpPr>
-          <p:cNvPr id="3" name="Marcador de Posição de Conteúdo 2"/>
+          <p:cNvPr id="3" name="Marcador de Posição de Conteúdo 2" hidden="0"/>
           <p:cNvSpPr>
             <a:spLocks noGrp="1"/>
           </p:cNvSpPr>
-          <p:nvPr>
-            <p:ph idx="1"/>
+          <p:nvPr isPhoto="0" userDrawn="0">
+            <p:ph idx="1" hasCustomPrompt="0"/>
+          </p:nvPr>
+        </p:nvSpPr>
+        <p:spPr bwMode="auto"/>
+        <p:txBody>
+          <a:bodyPr/>
+          <a:lstStyle/>
+          <a:p>
+            <a:pPr>
+              <a:defRPr/>
+            </a:pPr>
+            <a:r>
+              <a:rPr lang="pt-PT" u="sng">
+                <a:hlinkClick r:id="rId2" tooltip="https://erich-friedman.github.io/puzzle/snake/"/>
+              </a:rPr>
+              <a:t>https://erich-friedman.github.io/puzzle/snake/</a:t>
+            </a:r>
+            <a:endParaRPr lang="pt-PT"/>
+          </a:p>
+          <a:p>
+            <a:pPr>
+              <a:defRPr/>
+            </a:pPr>
+            <a:r>
+              <a:rPr lang="pt-PT" u="sng">
+                <a:hlinkClick r:id="rId3" tooltip="https://moodle.up.pt/"/>
+              </a:rPr>
+              <a:t>https://moodle.up.pt/</a:t>
+            </a:r>
+            <a:r>
+              <a:rPr lang="pt-PT"/>
+              <a:t> (</a:t>
+            </a:r>
+            <a:r>
+              <a:rPr lang="pt-PT"/>
+              <a:t>course</a:t>
+            </a:r>
+            <a:r>
+              <a:rPr lang="pt-PT"/>
+              <a:t> files)</a:t>
+            </a:r>
+            <a:endParaRPr/>
+          </a:p>
+          <a:p>
+            <a:pPr>
+              <a:defRPr/>
+            </a:pPr>
+            <a:r>
+              <a:rPr lang="pt-PT" u="sng">
+                <a:hlinkClick r:id="rId4" tooltip="https://pedros.works/chess-snake"/>
+              </a:rPr>
+              <a:t>https://pedros.works/chess-snake</a:t>
+            </a:r>
+            <a:endParaRPr lang="pt-PT" u="sng"/>
+          </a:p>
+          <a:p>
+            <a:pPr>
+              <a:defRPr/>
+            </a:pPr>
+            <a:r>
+              <a:rPr lang="pt-PT" u="sng">
+                <a:hlinkClick r:id="rId5" tooltip="https://docs.python.org/3/"/>
+              </a:rPr>
+              <a:t>Python 3 Documentation</a:t>
+            </a:r>
+            <a:r>
+              <a:rPr lang="pt-PT"/>
+              <a:t>;</a:t>
+            </a:r>
+            <a:endParaRPr/>
+          </a:p>
+          <a:p>
+            <a:pPr>
+              <a:defRPr/>
+            </a:pPr>
+            <a:endParaRPr lang="pt-PT"/>
+          </a:p>
+          <a:p>
+            <a:pPr>
+              <a:defRPr/>
+            </a:pPr>
+            <a:endParaRPr lang="pt-PT"/>
+          </a:p>
+          <a:p>
+            <a:pPr>
+              <a:defRPr/>
+            </a:pPr>
+            <a:endParaRPr lang="pt-PT"/>
+          </a:p>
+        </p:txBody>
+      </p:sp>
+    </p:spTree>
+  </p:cSld>
+  <p:clrMapOvr>
+    <a:masterClrMapping/>
+  </p:clrMapOvr>
+  <mc:AlternateContent xmlns:mc="http://schemas.openxmlformats.org/markup-compatibility/2006">
+    <mc:Choice xmlns:p14="http://schemas.microsoft.com/office/powerpoint/2010/main" Requires="p14">
+      <p:transition p14:dur="2000" advClick="1"/>
+    </mc:Choice>
+    <mc:Fallback>
+      <p:transition advClick="1"/>
+    </mc:Fallback>
+  </mc:AlternateContent>
+</p:sld>
+</file>
+
+<file path=ppt/slides/slide2.xml><?xml version="1.0" encoding="utf-8"?>
+<p:sld xmlns:a="http://schemas.openxmlformats.org/drawingml/2006/main" xmlns:r="http://schemas.openxmlformats.org/officeDocument/2006/relationships" xmlns:p="http://schemas.openxmlformats.org/presentationml/2006/main" xmlns:m="http://schemas.openxmlformats.org/officeDocument/2006/math" xmlns:w="http://schemas.openxmlformats.org/wordprocessingml/2006/main" showMasterPhAnim="0" show="1">
+  <p:cSld name="">
+    <p:spTree>
+      <p:nvGrpSpPr>
+        <p:cNvPr id="1" name="" hidden="0"/>
+        <p:cNvGrpSpPr/>
+        <p:nvPr isPhoto="0" userDrawn="0"/>
+      </p:nvGrpSpPr>
+      <p:grpSpPr bwMode="auto">
+        <a:xfrm>
+          <a:off x="0" y="0"/>
+          <a:ext cx="0" cy="0"/>
+          <a:chOff x="0" y="0"/>
+          <a:chExt cx="0" cy="0"/>
+        </a:xfrm>
+      </p:grpSpPr>
+      <p:sp>
+        <p:nvSpPr>
+          <p:cNvPr id="2" name="Título 1" hidden="0"/>
+          <p:cNvSpPr>
+            <a:spLocks noGrp="1"/>
+          </p:cNvSpPr>
+          <p:nvPr isPhoto="0" userDrawn="0">
+            <p:ph type="title" hasCustomPrompt="0"/>
+          </p:nvPr>
+        </p:nvSpPr>
+        <p:spPr bwMode="auto"/>
+        <p:txBody>
+          <a:bodyPr/>
+          <a:lstStyle/>
+          <a:p>
+            <a:pPr>
+              <a:defRPr/>
+            </a:pPr>
+            <a:r>
+              <a:rPr lang="pt-PT"/>
+              <a:t>Specifications</a:t>
+            </a:r>
+            <a:endParaRPr/>
+          </a:p>
+        </p:txBody>
+      </p:sp>
+      <p:sp>
+        <p:nvSpPr>
+          <p:cNvPr id="3" name="Marcador de Posição de Conteúdo 2" hidden="0"/>
+          <p:cNvSpPr>
+            <a:spLocks noGrp="1"/>
+          </p:cNvSpPr>
+          <p:nvPr isPhoto="0" userDrawn="0">
+            <p:ph idx="1" hasCustomPrompt="0"/>
+          </p:nvPr>
+        </p:nvSpPr>
+        <p:spPr bwMode="auto"/>
+        <p:txBody>
+          <a:bodyPr>
+            <a:normAutofit fontScale="70000" lnSpcReduction="20000"/>
+          </a:bodyPr>
+          <a:lstStyle/>
+          <a:p>
+            <a:pPr>
+              <a:defRPr/>
+            </a:pPr>
+            <a:r>
+              <a:rPr lang="pt-PT"/>
+              <a:t>The main goal for this project is to, based on Artificial Inteligence skills and search algorithms, implement a version of the puzzle “Chess Snake”;</a:t>
+            </a:r>
+            <a:endParaRPr/>
+          </a:p>
+          <a:p>
+            <a:pPr>
+              <a:defRPr/>
+            </a:pPr>
+            <a:r>
+              <a:rPr lang="pt-PT"/>
+              <a:t>The main goal of the puzzle is to connect the bottom left tile of the board with the top right tile, by creating a path according to some rules;</a:t>
+            </a:r>
+            <a:endParaRPr/>
+          </a:p>
+          <a:p>
+            <a:pPr>
+              <a:defRPr/>
+            </a:pPr>
+            <a:r>
+              <a:rPr lang="pt-PT"/>
+              <a:t>The rules are: </a:t>
+            </a:r>
+            <a:endParaRPr/>
+          </a:p>
+          <a:p>
+            <a:pPr marL="0" indent="0">
+              <a:buNone/>
+              <a:defRPr/>
+            </a:pPr>
+            <a:r>
+              <a:rPr lang="pt-PT"/>
+              <a:t>    - No loops are allowed;</a:t>
+            </a:r>
+            <a:endParaRPr/>
+          </a:p>
+          <a:p>
+            <a:pPr marL="0" indent="0">
+              <a:buNone/>
+              <a:defRPr/>
+            </a:pPr>
+            <a:r>
+              <a:rPr lang="pt-PT"/>
+              <a:t>    - Each chess piece attacks an equal number of squares of the choose path;</a:t>
+            </a:r>
+            <a:endParaRPr/>
+          </a:p>
+          <a:p>
+            <a:pPr marL="0" indent="0">
+              <a:buNone/>
+              <a:defRPr/>
+            </a:pPr>
+            <a:r>
+              <a:rPr lang="pt-PT"/>
+              <a:t>    - Pieces may not be crossed by the path;</a:t>
+            </a:r>
+            <a:endParaRPr/>
+          </a:p>
+          <a:p>
+            <a:pPr marL="0" indent="0">
+              <a:buNone/>
+              <a:defRPr/>
+            </a:pPr>
+            <a:r>
+              <a:rPr lang="pt-PT"/>
+              <a:t>    - The snake cannot touch itself.</a:t>
+            </a:r>
+            <a:endParaRPr/>
+          </a:p>
+        </p:txBody>
+      </p:sp>
+    </p:spTree>
+  </p:cSld>
+  <p:clrMapOvr>
+    <a:masterClrMapping/>
+  </p:clrMapOvr>
+  <mc:AlternateContent xmlns:mc="http://schemas.openxmlformats.org/markup-compatibility/2006">
+    <mc:Choice xmlns:p14="http://schemas.microsoft.com/office/powerpoint/2010/main" Requires="p14">
+      <p:transition p14:dur="2000" advClick="1"/>
+    </mc:Choice>
+    <mc:Fallback>
+      <p:transition advClick="1"/>
+    </mc:Fallback>
+  </mc:AlternateContent>
+</p:sld>
+</file>
+
+<file path=ppt/slides/slide3.xml><?xml version="1.0" encoding="utf-8"?>
+<p:sld xmlns:a="http://schemas.openxmlformats.org/drawingml/2006/main" xmlns:r="http://schemas.openxmlformats.org/officeDocument/2006/relationships" xmlns:p="http://schemas.openxmlformats.org/presentationml/2006/main" xmlns:m="http://schemas.openxmlformats.org/officeDocument/2006/math" xmlns:w="http://schemas.openxmlformats.org/wordprocessingml/2006/main" showMasterPhAnim="0" show="1">
+  <p:cSld name="">
+    <p:spTree>
+      <p:nvGrpSpPr>
+        <p:cNvPr id="1" name="" hidden="0"/>
+        <p:cNvGrpSpPr/>
+        <p:nvPr isPhoto="0" userDrawn="0"/>
+      </p:nvGrpSpPr>
+      <p:grpSpPr bwMode="auto">
+        <a:xfrm>
+          <a:off x="0" y="0"/>
+          <a:ext cx="0" cy="0"/>
+          <a:chOff x="0" y="0"/>
+          <a:chExt cx="0" cy="0"/>
+        </a:xfrm>
+      </p:grpSpPr>
+      <p:sp>
+        <p:nvSpPr>
+          <p:cNvPr id="2" name="Título 1" hidden="0"/>
+          <p:cNvSpPr>
+            <a:spLocks noGrp="1"/>
+          </p:cNvSpPr>
+          <p:nvPr isPhoto="0" userDrawn="0">
+            <p:ph type="title" hasCustomPrompt="0"/>
+          </p:nvPr>
+        </p:nvSpPr>
+        <p:spPr bwMode="auto"/>
+        <p:txBody>
+          <a:bodyPr/>
+          <a:lstStyle/>
+          <a:p>
+            <a:pPr>
+              <a:defRPr/>
+            </a:pPr>
+            <a:r>
+              <a:rPr lang="pt-PT"/>
+              <a:t>Search</a:t>
+            </a:r>
+            <a:r>
+              <a:rPr lang="pt-PT"/>
+              <a:t> </a:t>
+            </a:r>
+            <a:r>
+              <a:rPr lang="pt-PT"/>
+              <a:t>Problem</a:t>
+            </a:r>
+            <a:r>
+              <a:rPr lang="pt-PT"/>
+              <a:t> </a:t>
+            </a:r>
+            <a:r>
+              <a:rPr lang="pt-PT"/>
+              <a:t>Formulation</a:t>
+            </a:r>
+            <a:endParaRPr lang="pt-PT"/>
+          </a:p>
+        </p:txBody>
+      </p:sp>
+      <p:sp>
+        <p:nvSpPr>
+          <p:cNvPr id="3" name="Marcador de Posição de Conteúdo 2" hidden="0"/>
+          <p:cNvSpPr>
+            <a:spLocks noGrp="1"/>
+          </p:cNvSpPr>
+          <p:nvPr isPhoto="0" userDrawn="0">
+            <p:ph idx="1" hasCustomPrompt="0"/>
           </p:nvPr>
         </p:nvSpPr>
         <p:spPr bwMode="auto">
@@ -7763,485 +7692,486 @@
               <a:defRPr/>
             </a:pPr>
             <a:r>
-              <a:rPr lang="pt-PT" sz="1400" dirty="0" err="1"/>
+              <a:rPr lang="pt-PT" sz="1400"/>
               <a:t>State</a:t>
             </a:r>
             <a:r>
-              <a:rPr lang="pt-PT" sz="1400" dirty="0"/>
+              <a:rPr lang="pt-PT" sz="1400"/>
               <a:t> </a:t>
             </a:r>
             <a:r>
-              <a:rPr lang="pt-PT" sz="1400" dirty="0" err="1"/>
+              <a:rPr lang="pt-PT" sz="1400"/>
               <a:t>Representation</a:t>
             </a:r>
             <a:r>
-              <a:rPr lang="pt-PT" sz="1400" dirty="0"/>
+              <a:rPr lang="pt-PT" sz="1400"/>
               <a:t>: </a:t>
             </a:r>
             <a:r>
-              <a:rPr lang="pt-PT" sz="1400" dirty="0" err="1"/>
+              <a:rPr lang="pt-PT" sz="1400"/>
               <a:t>The</a:t>
             </a:r>
             <a:r>
-              <a:rPr lang="pt-PT" sz="1400" dirty="0"/>
+              <a:rPr lang="pt-PT" sz="1400"/>
               <a:t> </a:t>
             </a:r>
             <a:r>
-              <a:rPr lang="pt-PT" sz="1400" dirty="0" err="1"/>
+              <a:rPr lang="pt-PT" sz="1400"/>
               <a:t>board</a:t>
             </a:r>
             <a:r>
-              <a:rPr lang="pt-PT" sz="1400" dirty="0"/>
+              <a:rPr lang="pt-PT" sz="1400"/>
               <a:t> </a:t>
             </a:r>
             <a:r>
-              <a:rPr lang="pt-PT" sz="1400" dirty="0" err="1"/>
+              <a:rPr lang="pt-PT" sz="1400"/>
               <a:t>is</a:t>
             </a:r>
             <a:r>
-              <a:rPr lang="pt-PT" sz="1400" dirty="0"/>
+              <a:rPr lang="pt-PT" sz="1400"/>
               <a:t> </a:t>
             </a:r>
             <a:r>
-              <a:rPr lang="pt-PT" sz="1400" dirty="0" err="1"/>
+              <a:rPr lang="pt-PT" sz="1400"/>
               <a:t>represented</a:t>
             </a:r>
             <a:r>
-              <a:rPr lang="pt-PT" sz="1400" dirty="0"/>
+              <a:rPr lang="pt-PT" sz="1400"/>
               <a:t> </a:t>
             </a:r>
             <a:r>
-              <a:rPr lang="pt-PT" sz="1400" dirty="0" err="1"/>
+              <a:rPr lang="pt-PT" sz="1400"/>
               <a:t>by</a:t>
             </a:r>
             <a:r>
-              <a:rPr lang="pt-PT" sz="1400" dirty="0"/>
+              <a:rPr lang="pt-PT" sz="1400"/>
               <a:t> a </a:t>
             </a:r>
             <a:r>
-              <a:rPr lang="pt-PT" sz="1400" dirty="0" err="1"/>
+              <a:rPr lang="pt-PT" sz="1400"/>
               <a:t>matrix</a:t>
             </a:r>
             <a:r>
-              <a:rPr lang="pt-PT" sz="1400" dirty="0"/>
+              <a:rPr lang="pt-PT" sz="1400"/>
               <a:t> (</a:t>
             </a:r>
             <a:r>
-              <a:rPr lang="pt-PT" sz="1400" dirty="0" err="1"/>
+              <a:rPr lang="pt-PT" sz="1400"/>
               <a:t>list</a:t>
             </a:r>
             <a:r>
-              <a:rPr lang="pt-PT" sz="1400" dirty="0"/>
+              <a:rPr lang="pt-PT" sz="1400"/>
               <a:t> </a:t>
             </a:r>
             <a:r>
-              <a:rPr lang="pt-PT" sz="1400" dirty="0" err="1"/>
+              <a:rPr lang="pt-PT" sz="1400"/>
               <a:t>of</a:t>
             </a:r>
             <a:r>
-              <a:rPr lang="pt-PT" sz="1400" dirty="0"/>
+              <a:rPr lang="pt-PT" sz="1400"/>
               <a:t> </a:t>
             </a:r>
             <a:r>
-              <a:rPr lang="pt-PT" sz="1400" dirty="0" err="1"/>
+              <a:rPr lang="pt-PT" sz="1400"/>
               <a:t>lists</a:t>
             </a:r>
             <a:r>
-              <a:rPr lang="pt-PT" sz="1400" dirty="0"/>
+              <a:rPr lang="pt-PT" sz="1400"/>
               <a:t>), </a:t>
             </a:r>
             <a:r>
-              <a:rPr lang="pt-PT" sz="1400" dirty="0" err="1"/>
+              <a:rPr lang="pt-PT" sz="1400"/>
               <a:t>start</a:t>
             </a:r>
             <a:r>
-              <a:rPr lang="pt-PT" sz="1400" dirty="0"/>
+              <a:rPr lang="pt-PT" sz="1400"/>
               <a:t> </a:t>
             </a:r>
             <a:r>
-              <a:rPr lang="pt-PT" sz="1400" dirty="0" err="1"/>
+              <a:rPr lang="pt-PT" sz="1400"/>
               <a:t>and</a:t>
             </a:r>
             <a:r>
-              <a:rPr lang="pt-PT" sz="1400" dirty="0"/>
+              <a:rPr lang="pt-PT" sz="1400"/>
               <a:t> </a:t>
             </a:r>
             <a:r>
-              <a:rPr lang="pt-PT" sz="1400" dirty="0" err="1"/>
+              <a:rPr lang="pt-PT" sz="1400"/>
               <a:t>end</a:t>
             </a:r>
             <a:r>
-              <a:rPr lang="pt-PT" sz="1400" dirty="0"/>
+              <a:rPr lang="pt-PT" sz="1400"/>
               <a:t> tile are </a:t>
             </a:r>
             <a:r>
-              <a:rPr lang="pt-PT" sz="1400" dirty="0" err="1"/>
+              <a:rPr lang="pt-PT" sz="1400"/>
               <a:t>represented</a:t>
             </a:r>
             <a:r>
-              <a:rPr lang="pt-PT" sz="1400" dirty="0"/>
+              <a:rPr lang="pt-PT" sz="1400"/>
               <a:t> </a:t>
             </a:r>
             <a:r>
-              <a:rPr lang="pt-PT" sz="1400" dirty="0" err="1"/>
+              <a:rPr lang="pt-PT" sz="1400"/>
               <a:t>by</a:t>
             </a:r>
             <a:r>
-              <a:rPr lang="pt-PT" sz="1400" dirty="0"/>
+              <a:rPr lang="pt-PT" sz="1400"/>
               <a:t> </a:t>
             </a:r>
             <a:r>
-              <a:rPr lang="pt-PT" sz="1400" dirty="0" err="1"/>
+              <a:rPr lang="pt-PT" sz="1400"/>
               <a:t>the</a:t>
             </a:r>
             <a:r>
-              <a:rPr lang="pt-PT" sz="1400" dirty="0"/>
+              <a:rPr lang="pt-PT" sz="1400"/>
               <a:t> </a:t>
             </a:r>
             <a:r>
-              <a:rPr lang="pt-PT" sz="1400" dirty="0" err="1"/>
+              <a:rPr lang="pt-PT" sz="1400"/>
               <a:t>char</a:t>
             </a:r>
             <a:r>
-              <a:rPr lang="pt-PT" sz="1400" dirty="0"/>
+              <a:rPr lang="pt-PT" sz="1400"/>
               <a:t> ‘s’ </a:t>
             </a:r>
             <a:r>
-              <a:rPr lang="pt-PT" sz="1400" dirty="0" err="1"/>
+              <a:rPr lang="pt-PT" sz="1400"/>
               <a:t>and</a:t>
             </a:r>
             <a:r>
-              <a:rPr lang="pt-PT" sz="1400" dirty="0"/>
+              <a:rPr lang="pt-PT" sz="1400"/>
               <a:t> ‘f’, </a:t>
             </a:r>
             <a:r>
-              <a:rPr lang="pt-PT" sz="1400" dirty="0" err="1"/>
+              <a:rPr lang="pt-PT" sz="1400"/>
               <a:t>respectively</a:t>
             </a:r>
             <a:r>
-              <a:rPr lang="pt-PT" sz="1400" dirty="0"/>
+              <a:rPr lang="pt-PT" sz="1400"/>
               <a:t>, </a:t>
             </a:r>
             <a:r>
-              <a:rPr lang="pt-PT" sz="1400" dirty="0" err="1"/>
+              <a:rPr lang="pt-PT" sz="1400"/>
               <a:t>each</a:t>
             </a:r>
             <a:r>
-              <a:rPr lang="pt-PT" sz="1400" dirty="0"/>
+              <a:rPr lang="pt-PT" sz="1400"/>
               <a:t> </a:t>
             </a:r>
             <a:r>
-              <a:rPr lang="pt-PT" sz="1400" dirty="0" err="1"/>
+              <a:rPr lang="pt-PT" sz="1400"/>
               <a:t>chess</a:t>
             </a:r>
             <a:r>
-              <a:rPr lang="pt-PT" sz="1400" dirty="0"/>
+              <a:rPr lang="pt-PT" sz="1400"/>
               <a:t> </a:t>
             </a:r>
             <a:r>
-              <a:rPr lang="pt-PT" sz="1400" dirty="0" err="1"/>
+              <a:rPr lang="pt-PT" sz="1400"/>
               <a:t>piece</a:t>
             </a:r>
             <a:r>
-              <a:rPr lang="pt-PT" sz="1400" dirty="0"/>
+              <a:rPr lang="pt-PT" sz="1400"/>
               <a:t> </a:t>
             </a:r>
             <a:r>
-              <a:rPr lang="pt-PT" sz="1400" dirty="0" err="1"/>
+              <a:rPr lang="pt-PT" sz="1400"/>
               <a:t>is</a:t>
             </a:r>
             <a:r>
-              <a:rPr lang="pt-PT" sz="1400" dirty="0"/>
+              <a:rPr lang="pt-PT" sz="1400"/>
               <a:t> </a:t>
             </a:r>
             <a:r>
-              <a:rPr lang="pt-PT" sz="1400" dirty="0" err="1"/>
+              <a:rPr lang="pt-PT" sz="1400"/>
               <a:t>also</a:t>
             </a:r>
             <a:r>
-              <a:rPr lang="pt-PT" sz="1400" dirty="0"/>
+              <a:rPr lang="pt-PT" sz="1400"/>
               <a:t> </a:t>
             </a:r>
             <a:r>
-              <a:rPr lang="pt-PT" sz="1400" dirty="0" err="1"/>
+              <a:rPr lang="pt-PT" sz="1400"/>
               <a:t>represented</a:t>
             </a:r>
             <a:r>
-              <a:rPr lang="pt-PT" sz="1400" dirty="0"/>
+              <a:rPr lang="pt-PT" sz="1400"/>
               <a:t> </a:t>
             </a:r>
             <a:r>
-              <a:rPr lang="pt-PT" sz="1400" dirty="0" err="1"/>
+              <a:rPr lang="pt-PT" sz="1400"/>
               <a:t>by</a:t>
             </a:r>
             <a:r>
-              <a:rPr lang="pt-PT" sz="1400" dirty="0"/>
+              <a:rPr lang="pt-PT" sz="1400"/>
               <a:t> a </a:t>
             </a:r>
             <a:r>
-              <a:rPr lang="pt-PT" sz="1400" dirty="0" err="1"/>
+              <a:rPr lang="pt-PT" sz="1400"/>
               <a:t>char</a:t>
             </a:r>
             <a:r>
-              <a:rPr lang="pt-PT" sz="1400" dirty="0"/>
+              <a:rPr lang="pt-PT" sz="1400"/>
               <a:t> (king – k, queen – q, </a:t>
             </a:r>
             <a:r>
-              <a:rPr lang="pt-PT" sz="1400" dirty="0" err="1"/>
+              <a:rPr lang="pt-PT" sz="1400"/>
               <a:t>bishop</a:t>
             </a:r>
             <a:r>
-              <a:rPr lang="pt-PT" sz="1400" dirty="0"/>
+              <a:rPr lang="pt-PT" sz="1400"/>
               <a:t> – b, </a:t>
             </a:r>
             <a:r>
-              <a:rPr lang="pt-PT" sz="1400" dirty="0" err="1"/>
+              <a:rPr lang="pt-PT" sz="1400"/>
               <a:t>knigth</a:t>
             </a:r>
             <a:r>
-              <a:rPr lang="pt-PT" sz="1400" dirty="0"/>
+              <a:rPr lang="pt-PT" sz="1400"/>
               <a:t> – n, </a:t>
             </a:r>
             <a:r>
-              <a:rPr lang="pt-PT" sz="1400" dirty="0" err="1"/>
+              <a:rPr lang="pt-PT" sz="1400"/>
               <a:t>rook</a:t>
             </a:r>
             <a:r>
-              <a:rPr lang="pt-PT" sz="1400" dirty="0"/>
+              <a:rPr lang="pt-PT" sz="1400"/>
               <a:t> –r </a:t>
             </a:r>
             <a:r>
-              <a:rPr lang="pt-PT" sz="1400" dirty="0" err="1"/>
+              <a:rPr lang="pt-PT" sz="1400"/>
               <a:t>and</a:t>
             </a:r>
             <a:r>
-              <a:rPr lang="pt-PT" sz="1400" dirty="0"/>
+              <a:rPr lang="pt-PT" sz="1400"/>
               <a:t> </a:t>
             </a:r>
             <a:r>
-              <a:rPr lang="pt-PT" sz="1400" dirty="0" err="1"/>
+              <a:rPr lang="pt-PT" sz="1400"/>
               <a:t>pawn</a:t>
             </a:r>
             <a:r>
-              <a:rPr lang="pt-PT" sz="1400" dirty="0"/>
+              <a:rPr lang="pt-PT" sz="1400"/>
               <a:t> - p) </a:t>
             </a:r>
             <a:r>
-              <a:rPr lang="pt-PT" sz="1400" dirty="0" err="1"/>
+              <a:rPr lang="pt-PT" sz="1400"/>
               <a:t>the</a:t>
             </a:r>
             <a:r>
-              <a:rPr lang="pt-PT" sz="1400" dirty="0"/>
+              <a:rPr lang="pt-PT" sz="1400"/>
               <a:t> </a:t>
             </a:r>
             <a:r>
-              <a:rPr lang="pt-PT" sz="1400" dirty="0" err="1"/>
+              <a:rPr lang="pt-PT" sz="1400"/>
               <a:t>path</a:t>
             </a:r>
             <a:r>
-              <a:rPr lang="pt-PT" sz="1400" dirty="0"/>
+              <a:rPr lang="pt-PT" sz="1400"/>
               <a:t> tiles are </a:t>
             </a:r>
             <a:r>
-              <a:rPr lang="pt-PT" sz="1400" dirty="0" err="1"/>
+              <a:rPr lang="pt-PT" sz="1400"/>
               <a:t>represented</a:t>
             </a:r>
             <a:r>
-              <a:rPr lang="pt-PT" sz="1400" dirty="0"/>
+              <a:rPr lang="pt-PT" sz="1400"/>
               <a:t> </a:t>
             </a:r>
             <a:r>
-              <a:rPr lang="pt-PT" sz="1400" dirty="0" err="1"/>
+              <a:rPr lang="pt-PT" sz="1400"/>
               <a:t>with</a:t>
             </a:r>
             <a:r>
-              <a:rPr lang="pt-PT" sz="1400" dirty="0"/>
+              <a:rPr lang="pt-PT" sz="1400"/>
               <a:t> a 1 </a:t>
             </a:r>
             <a:r>
-              <a:rPr lang="pt-PT" sz="1400" dirty="0" err="1"/>
+              <a:rPr lang="pt-PT" sz="1400"/>
               <a:t>and</a:t>
             </a:r>
             <a:r>
-              <a:rPr lang="pt-PT" sz="1400" dirty="0"/>
+              <a:rPr lang="pt-PT" sz="1400"/>
               <a:t> </a:t>
             </a:r>
             <a:r>
-              <a:rPr lang="pt-PT" sz="1400" dirty="0" err="1"/>
+              <a:rPr lang="pt-PT" sz="1400"/>
               <a:t>the</a:t>
             </a:r>
             <a:r>
-              <a:rPr lang="pt-PT" sz="1400" dirty="0"/>
+              <a:rPr lang="pt-PT" sz="1400"/>
               <a:t> </a:t>
             </a:r>
             <a:r>
-              <a:rPr lang="pt-PT" sz="1400" dirty="0" err="1"/>
+              <a:rPr lang="pt-PT" sz="1400"/>
               <a:t>empty</a:t>
             </a:r>
             <a:r>
-              <a:rPr lang="pt-PT" sz="1400" dirty="0"/>
+              <a:rPr lang="pt-PT" sz="1400"/>
               <a:t> tiles </a:t>
             </a:r>
             <a:r>
-              <a:rPr lang="pt-PT" sz="1400" dirty="0" err="1"/>
+              <a:rPr lang="pt-PT" sz="1400"/>
               <a:t>with</a:t>
             </a:r>
             <a:r>
-              <a:rPr lang="pt-PT" sz="1400" dirty="0"/>
+              <a:rPr lang="pt-PT" sz="1400"/>
               <a:t> a 0. Each chess piece has its own type and position as well as a counter that counts each time it attacks the snake, a list containing all the positions where it can attack. Every tile has a position (x, y) to store the corresponding index of the matrix  and theres also a snake object which stores the path selected.</a:t>
             </a:r>
-            <a:endParaRPr sz="1400" dirty="0"/>
-          </a:p>
-          <a:p>
-            <a:pPr>
-              <a:defRPr/>
-            </a:pPr>
-            <a:r>
-              <a:rPr lang="pt-PT" sz="1400" dirty="0"/>
+            <a:endParaRPr sz="1400"/>
+          </a:p>
+          <a:p>
+            <a:pPr>
+              <a:defRPr/>
+            </a:pPr>
+            <a:r>
+              <a:rPr lang="pt-PT" sz="1400"/>
               <a:t>Initial state: The initial state is represented with the given chess tiles defined in the board, the start and finish tiles well-marked, snake path with the initial tile and cost stars at 0  .</a:t>
             </a:r>
-            <a:endParaRPr sz="1400" dirty="0"/>
-          </a:p>
-          <a:p>
-            <a:pPr>
-              <a:defRPr/>
-            </a:pPr>
-            <a:r>
-              <a:rPr lang="pt-PT" sz="1400" dirty="0"/>
+            <a:endParaRPr sz="1400"/>
+          </a:p>
+          <a:p>
+            <a:pPr>
+              <a:defRPr/>
+            </a:pPr>
+            <a:r>
+              <a:rPr lang="pt-PT" sz="1400"/>
               <a:t>Final </a:t>
             </a:r>
             <a:r>
-              <a:rPr lang="pt-PT" sz="1400" dirty="0" err="1"/>
+              <a:rPr lang="pt-PT" sz="1400"/>
               <a:t>state</a:t>
             </a:r>
             <a:r>
-              <a:rPr lang="pt-PT" sz="1400" dirty="0"/>
+              <a:rPr lang="pt-PT" sz="1400"/>
               <a:t>: </a:t>
             </a:r>
             <a:r>
-              <a:rPr lang="pt-PT" sz="1400" dirty="0" err="1"/>
+              <a:rPr lang="pt-PT" sz="1400"/>
               <a:t>state</a:t>
             </a:r>
             <a:r>
-              <a:rPr lang="pt-PT" sz="1400" dirty="0"/>
+              <a:rPr lang="pt-PT" sz="1400"/>
               <a:t> </a:t>
             </a:r>
             <a:r>
-              <a:rPr lang="pt-PT" sz="1400" dirty="0" err="1"/>
+              <a:rPr lang="pt-PT" sz="1400"/>
               <a:t>with</a:t>
             </a:r>
             <a:r>
-              <a:rPr lang="pt-PT" sz="1400" dirty="0"/>
+              <a:rPr lang="pt-PT" sz="1400"/>
               <a:t> a </a:t>
             </a:r>
             <a:r>
-              <a:rPr lang="pt-PT" sz="1400" dirty="0" err="1"/>
+              <a:rPr lang="pt-PT" sz="1400"/>
               <a:t>chosen</a:t>
             </a:r>
             <a:r>
-              <a:rPr lang="pt-PT" sz="1400" dirty="0"/>
+              <a:rPr lang="pt-PT" sz="1400"/>
               <a:t> </a:t>
             </a:r>
             <a:r>
-              <a:rPr lang="pt-PT" sz="1400" dirty="0" err="1"/>
+              <a:rPr lang="pt-PT" sz="1400"/>
               <a:t>path</a:t>
             </a:r>
             <a:r>
-              <a:rPr lang="pt-PT" sz="1400" dirty="0"/>
+              <a:rPr lang="pt-PT" sz="1400"/>
               <a:t> </a:t>
             </a:r>
             <a:r>
-              <a:rPr lang="pt-PT" sz="1400" dirty="0" err="1"/>
+              <a:rPr lang="pt-PT" sz="1400"/>
               <a:t>which</a:t>
             </a:r>
             <a:r>
-              <a:rPr lang="pt-PT" sz="1400" dirty="0"/>
+              <a:rPr lang="pt-PT" sz="1400"/>
               <a:t> </a:t>
             </a:r>
             <a:r>
-              <a:rPr lang="pt-PT" sz="1400" dirty="0" err="1"/>
+              <a:rPr lang="pt-PT" sz="1400"/>
               <a:t>may</a:t>
             </a:r>
             <a:r>
-              <a:rPr lang="pt-PT" sz="1400" dirty="0"/>
+              <a:rPr lang="pt-PT" sz="1400"/>
               <a:t> </a:t>
             </a:r>
             <a:r>
-              <a:rPr lang="pt-PT" sz="1400" dirty="0" err="1"/>
+              <a:rPr lang="pt-PT" sz="1400"/>
               <a:t>follow</a:t>
             </a:r>
             <a:r>
-              <a:rPr lang="pt-PT" sz="1400" dirty="0"/>
+              <a:rPr lang="pt-PT" sz="1400"/>
               <a:t> </a:t>
             </a:r>
             <a:r>
-              <a:rPr lang="pt-PT" sz="1400" dirty="0" err="1"/>
+              <a:rPr lang="pt-PT" sz="1400"/>
               <a:t>the</a:t>
             </a:r>
             <a:r>
-              <a:rPr lang="pt-PT" sz="1400" dirty="0"/>
+              <a:rPr lang="pt-PT" sz="1400"/>
               <a:t> rules </a:t>
             </a:r>
             <a:r>
-              <a:rPr lang="pt-PT" sz="1400" dirty="0" err="1"/>
+              <a:rPr lang="pt-PT" sz="1400"/>
               <a:t>defined</a:t>
             </a:r>
             <a:r>
-              <a:rPr lang="pt-PT" sz="1400" dirty="0"/>
+              <a:rPr lang="pt-PT" sz="1400"/>
               <a:t> in </a:t>
             </a:r>
             <a:r>
-              <a:rPr lang="pt-PT" sz="1400" dirty="0" err="1"/>
+              <a:rPr lang="pt-PT" sz="1400"/>
               <a:t>the</a:t>
             </a:r>
             <a:r>
-              <a:rPr lang="pt-PT" sz="1400" dirty="0"/>
+              <a:rPr lang="pt-PT" sz="1400"/>
               <a:t> game </a:t>
             </a:r>
             <a:r>
-              <a:rPr lang="pt-PT" sz="1400" dirty="0" err="1"/>
+              <a:rPr lang="pt-PT" sz="1400"/>
               <a:t>description</a:t>
             </a:r>
             <a:r>
-              <a:rPr lang="pt-PT" sz="1400" dirty="0"/>
+              <a:rPr lang="pt-PT" sz="1400"/>
               <a:t>. So it will be a matrix similiar with the initial state but, in this case, with the tiles representing the solution path marked with a 1.</a:t>
             </a:r>
-            <a:endParaRPr sz="1400" dirty="0"/>
-          </a:p>
-          <a:p>
-            <a:pPr>
-              <a:defRPr/>
-            </a:pPr>
-            <a:r>
-              <a:rPr lang="pt-PT" sz="1400" dirty="0"/>
+            <a:endParaRPr sz="1400"/>
+          </a:p>
+          <a:p>
+            <a:pPr>
+              <a:defRPr/>
+            </a:pPr>
+            <a:r>
+              <a:rPr lang="pt-PT" sz="1400"/>
               <a:t>Solution Cost – Each move costs 1, so the final cost will be the total length of the snake. </a:t>
             </a:r>
-          </a:p>
-          <a:p>
-            <a:pPr>
-              <a:defRPr/>
-            </a:pPr>
-            <a:r>
-              <a:rPr lang="pt-PT" sz="1400" dirty="0"/>
+            <a:endParaRPr/>
+          </a:p>
+          <a:p>
+            <a:pPr>
+              <a:defRPr/>
+            </a:pPr>
+            <a:r>
+              <a:rPr lang="pt-PT" sz="1400"/>
               <a:t>Heuristic – As the main goal of the puzzle is to find a way to connect the 2 </a:t>
             </a:r>
             <a:r>
-              <a:rPr lang="pt-PT" sz="1400" dirty="0" err="1"/>
+              <a:rPr lang="pt-PT" sz="1400"/>
               <a:t>edges</a:t>
             </a:r>
             <a:r>
-              <a:rPr lang="pt-PT" sz="1400" dirty="0"/>
+              <a:rPr lang="pt-PT" sz="1400"/>
               <a:t> </a:t>
             </a:r>
             <a:r>
-              <a:rPr lang="pt-PT" sz="1400" dirty="0" err="1"/>
+              <a:rPr lang="pt-PT" sz="1400"/>
               <a:t>of</a:t>
             </a:r>
             <a:r>
-              <a:rPr lang="pt-PT" sz="1400" dirty="0"/>
+              <a:rPr lang="pt-PT" sz="1400"/>
               <a:t> the board, an heuristic function can be defined as the remaining Manhattan distance from the current snake block to the finish tile, the largest difference between the chess piece with most attacks and the one with least attacks or a combination of both</a:t>
             </a:r>
-            <a:endParaRPr sz="1400" dirty="0"/>
+            <a:endParaRPr sz="1400"/>
           </a:p>
         </p:txBody>
       </p:sp>
@@ -8250,17 +8180,25 @@
   <p:clrMapOvr>
     <a:masterClrMapping/>
   </p:clrMapOvr>
+  <mc:AlternateContent xmlns:mc="http://schemas.openxmlformats.org/markup-compatibility/2006">
+    <mc:Choice xmlns:p14="http://schemas.microsoft.com/office/powerpoint/2010/main" Requires="p14">
+      <p:transition p14:dur="2000" advClick="1"/>
+    </mc:Choice>
+    <mc:Fallback>
+      <p:transition advClick="1"/>
+    </mc:Fallback>
+  </mc:AlternateContent>
 </p:sld>
 </file>
 
 <file path=ppt/slides/slide4.xml><?xml version="1.0" encoding="utf-8"?>
-<p:sld xmlns:a="http://schemas.openxmlformats.org/drawingml/2006/main" xmlns:r="http://schemas.openxmlformats.org/officeDocument/2006/relationships" xmlns:p="http://schemas.openxmlformats.org/presentationml/2006/main" showMasterPhAnim="0">
-  <p:cSld>
+<p:sld xmlns:a="http://schemas.openxmlformats.org/drawingml/2006/main" xmlns:r="http://schemas.openxmlformats.org/officeDocument/2006/relationships" xmlns:p="http://schemas.openxmlformats.org/presentationml/2006/main" xmlns:m="http://schemas.openxmlformats.org/officeDocument/2006/math" xmlns:w="http://schemas.openxmlformats.org/wordprocessingml/2006/main" showMasterPhAnim="0" show="1">
+  <p:cSld name="">
     <p:spTree>
       <p:nvGrpSpPr>
-        <p:cNvPr id="1" name=""/>
+        <p:cNvPr id="1" name="" hidden="0"/>
         <p:cNvGrpSpPr/>
-        <p:nvPr/>
+        <p:nvPr isPhoto="0" userDrawn="0"/>
       </p:nvGrpSpPr>
       <p:grpSpPr bwMode="auto">
         <a:xfrm>
@@ -8272,12 +8210,12 @@
       </p:grpSpPr>
       <p:sp>
         <p:nvSpPr>
-          <p:cNvPr id="2" name="Title 1"/>
+          <p:cNvPr id="2" name="Title 1" hidden="0"/>
           <p:cNvSpPr>
             <a:spLocks noGrp="1"/>
           </p:cNvSpPr>
-          <p:nvPr>
-            <p:ph type="title"/>
+          <p:nvPr isPhoto="0" userDrawn="0">
+            <p:ph type="title" hasCustomPrompt="0"/>
           </p:nvPr>
         </p:nvSpPr>
         <p:spPr bwMode="auto">
@@ -8303,17 +8241,11 @@
       </p:sp>
       <p:graphicFrame>
         <p:nvGraphicFramePr>
-          <p:cNvPr id="4" name="Table 5"/>
+          <p:cNvPr id="4" name="Table 5" hidden="0"/>
           <p:cNvGraphicFramePr>
-            <a:graphicFrameLocks noGrp="1"/>
+            <a:graphicFrameLocks xmlns:a="http://schemas.openxmlformats.org/drawingml/2006/main" noGrp="1"/>
           </p:cNvGraphicFramePr>
-          <p:nvPr>
-            <p:extLst>
-              <p:ext uri="{D42A27DB-BD31-4B8C-83A1-F6EECF244321}">
-                <p14:modId xmlns:p14="http://schemas.microsoft.com/office/powerpoint/2010/main" val="1699867129"/>
-              </p:ext>
-            </p:extLst>
-          </p:nvPr>
+          <p:nvPr isPhoto="0" userDrawn="0"/>
         </p:nvGraphicFramePr>
         <p:xfrm>
           <a:off x="3119823" y="854138"/>
@@ -8322,44 +8254,19 @@
         <a:graphic>
           <a:graphicData uri="http://schemas.openxmlformats.org/drawingml/2006/table">
             <a:tbl>
-              <a:tblPr firstRow="1" bandRow="1">
-                <a:tableStyleId>{AFF03CC2-6BA7-71CA-834B-2A56201C08C8}</a:tableStyleId>
+              <a:tblPr firstRow="1" firstCol="0" lastRow="0" lastCol="0" bandRow="1" bandCol="0">
+                <a:tableStyleId>{0F74126A-0570-74A2-849E-5AD907545DB3}</a:tableStyleId>
               </a:tblPr>
               <a:tblGrid>
-                <a:gridCol w="1057086">
-                  <a:extLst>
-                    <a:ext uri="{9D8B030D-6E8A-4147-A177-3AD203B41FA5}">
-                      <a16:colId xmlns:a16="http://schemas.microsoft.com/office/drawing/2014/main" val="20000"/>
-                    </a:ext>
-                  </a:extLst>
-                </a:gridCol>
-                <a:gridCol w="3586543">
-                  <a:extLst>
-                    <a:ext uri="{9D8B030D-6E8A-4147-A177-3AD203B41FA5}">
-                      <a16:colId xmlns:a16="http://schemas.microsoft.com/office/drawing/2014/main" val="20001"/>
-                    </a:ext>
-                  </a:extLst>
-                </a:gridCol>
-                <a:gridCol w="3163708">
-                  <a:extLst>
-                    <a:ext uri="{9D8B030D-6E8A-4147-A177-3AD203B41FA5}">
-                      <a16:colId xmlns:a16="http://schemas.microsoft.com/office/drawing/2014/main" val="20002"/>
-                    </a:ext>
-                  </a:extLst>
-                </a:gridCol>
-                <a:gridCol w="943728">
-                  <a:extLst>
-                    <a:ext uri="{9D8B030D-6E8A-4147-A177-3AD203B41FA5}">
-                      <a16:colId xmlns:a16="http://schemas.microsoft.com/office/drawing/2014/main" val="20003"/>
-                    </a:ext>
-                  </a:extLst>
-                </a:gridCol>
+                <a:gridCol w="1057086"/>
+                <a:gridCol w="3586543"/>
+                <a:gridCol w="3163708"/>
+                <a:gridCol w="943728"/>
               </a:tblGrid>
               <a:tr h="152840">
                 <a:tc>
                   <a:txBody>
                     <a:bodyPr/>
-                    <a:lstStyle/>
                     <a:p>
                       <a:pPr algn="ctr">
                         <a:defRPr/>
@@ -8376,7 +8283,6 @@
                 <a:tc>
                   <a:txBody>
                     <a:bodyPr/>
-                    <a:lstStyle/>
                     <a:p>
                       <a:pPr algn="ctr">
                         <a:defRPr/>
@@ -8393,7 +8299,6 @@
                 <a:tc>
                   <a:txBody>
                     <a:bodyPr/>
-                    <a:lstStyle/>
                     <a:p>
                       <a:pPr algn="ctr">
                         <a:defRPr/>
@@ -8410,7 +8315,6 @@
                 <a:tc>
                   <a:txBody>
                     <a:bodyPr/>
-                    <a:lstStyle/>
                     <a:p>
                       <a:pPr algn="ctr">
                         <a:defRPr/>
@@ -8424,17 +8328,11 @@
                   </a:txBody>
                   <a:tcPr/>
                 </a:tc>
-                <a:extLst>
-                  <a:ext uri="{0D108BD9-81ED-4DB2-BD59-A6C34878D82A}">
-                    <a16:rowId xmlns:a16="http://schemas.microsoft.com/office/drawing/2014/main" val="10000"/>
-                  </a:ext>
-                </a:extLst>
               </a:tr>
               <a:tr h="895531">
                 <a:tc>
                   <a:txBody>
                     <a:bodyPr/>
-                    <a:lstStyle/>
                     <a:p>
                       <a:pPr algn="ctr">
                         <a:defRPr/>
@@ -8451,26 +8349,42 @@
                 <a:tc>
                   <a:txBody>
                     <a:bodyPr/>
-                    <a:lstStyle/>
                     <a:p>
                       <a:pPr>
                         <a:defRPr/>
                       </a:pPr>
                       <a:r>
-                        <a:rPr lang="en-GB" sz="1100" dirty="0"/>
+                        <a:rPr lang="en-GB" sz="1100"/>
                         <a:t>- The above tile of the last piece of the snake is empty ( no chess piece nor snake piece);</a:t>
                       </a:r>
-                      <a:endParaRPr sz="1400" dirty="0"/>
+                      <a:endParaRPr sz="1400"/>
                     </a:p>
                     <a:p>
                       <a:pPr>
                         <a:defRPr/>
                       </a:pPr>
                       <a:r>
-                        <a:rPr lang="en-GB" sz="1100" dirty="0"/>
+                        <a:rPr lang="en-GB" sz="1100"/>
                         <a:t>- The last tile of the snake is not on the top row.</a:t>
                       </a:r>
-                      <a:endParaRPr lang="pt-PT" sz="1100" dirty="0"/>
+                      <a:endParaRPr lang="en-GB" sz="1100"/>
+                    </a:p>
+                    <a:p>
+                      <a:pPr>
+                        <a:defRPr/>
+                      </a:pPr>
+                      <a:r>
+                        <a:rPr lang="en-GB" sz="1100" b="0" i="0" u="none" strike="noStrike" cap="none" spc="0">
+                          <a:solidFill>
+                            <a:schemeClr val="dk1"/>
+                          </a:solidFill>
+                          <a:latin typeface="+mn-lt"/>
+                          <a:ea typeface="+mn-ea"/>
+                          <a:cs typeface="+mn-cs"/>
+                        </a:rPr>
+                        <a:t>- The 5 adjacent tiles (including diagonal) are not another snake block</a:t>
+                      </a:r>
+                      <a:endParaRPr lang="pt-PT" sz="1100"/>
                     </a:p>
                   </a:txBody>
                   <a:tcPr/>
@@ -8478,7 +8392,6 @@
                 <a:tc>
                   <a:txBody>
                     <a:bodyPr/>
-                    <a:lstStyle/>
                     <a:p>
                       <a:pPr marL="285750" indent="-285750">
                         <a:buFontTx/>
@@ -8486,10 +8399,10 @@
                         <a:defRPr/>
                       </a:pPr>
                       <a:r>
-                        <a:rPr lang="en-GB" sz="1100" dirty="0"/>
+                        <a:rPr lang="en-GB" sz="1100"/>
                         <a:t>The above tile of the last piece of the snake is now part of the path too;</a:t>
                       </a:r>
-                      <a:endParaRPr sz="1400" dirty="0"/>
+                      <a:endParaRPr sz="1400"/>
                     </a:p>
                     <a:p>
                       <a:pPr marL="285750" indent="-285750">
@@ -8498,9 +8411,10 @@
                         <a:defRPr/>
                       </a:pPr>
                       <a:r>
-                        <a:rPr lang="en-GB" sz="1100" dirty="0"/>
+                        <a:rPr lang="en-GB" sz="1100"/>
                         <a:t>Update matrix’s values. (x, y-1) changes to 1.</a:t>
                       </a:r>
+                      <a:endParaRPr/>
                     </a:p>
                     <a:p>
                       <a:pPr marL="285750" indent="-285750">
@@ -8509,9 +8423,10 @@
                         <a:defRPr/>
                       </a:pPr>
                       <a:r>
-                        <a:rPr lang="en-GB" sz="1100" dirty="0"/>
+                        <a:rPr lang="en-GB" sz="1100"/>
                         <a:t>Updates the snake path</a:t>
                       </a:r>
+                      <a:endParaRPr/>
                     </a:p>
                     <a:p>
                       <a:pPr marL="285750" indent="-285750">
@@ -8520,9 +8435,10 @@
                         <a:defRPr/>
                       </a:pPr>
                       <a:r>
-                        <a:rPr lang="en-GB" sz="1100" dirty="0"/>
+                        <a:rPr lang="en-GB" sz="1100"/>
                         <a:t>Cost +=1</a:t>
                       </a:r>
+                      <a:endParaRPr/>
                     </a:p>
                     <a:p>
                       <a:pPr marL="285750" indent="-285750">
@@ -8531,10 +8447,10 @@
                         <a:defRPr/>
                       </a:pPr>
                       <a:r>
-                        <a:rPr lang="en-GB" sz="1100" dirty="0"/>
+                        <a:rPr lang="en-GB" sz="1100"/>
                         <a:t>Current position is now (x,y-1)</a:t>
                       </a:r>
-                      <a:endParaRPr lang="pt-PT" sz="1100" dirty="0"/>
+                      <a:endParaRPr lang="pt-PT" sz="1100"/>
                     </a:p>
                   </a:txBody>
                   <a:tcPr/>
@@ -8542,31 +8458,24 @@
                 <a:tc>
                   <a:txBody>
                     <a:bodyPr/>
-                    <a:lstStyle/>
                     <a:p>
                       <a:pPr algn="ctr">
                         <a:defRPr/>
                       </a:pPr>
                       <a:r>
-                        <a:rPr lang="en-GB" sz="1100" dirty="0"/>
+                        <a:rPr lang="en-GB" sz="1100"/>
                         <a:t>1</a:t>
                       </a:r>
-                      <a:endParaRPr lang="pt-PT" sz="1100" dirty="0"/>
+                      <a:endParaRPr lang="pt-PT" sz="1100"/>
                     </a:p>
                   </a:txBody>
                   <a:tcPr/>
                 </a:tc>
-                <a:extLst>
-                  <a:ext uri="{0D108BD9-81ED-4DB2-BD59-A6C34878D82A}">
-                    <a16:rowId xmlns:a16="http://schemas.microsoft.com/office/drawing/2014/main" val="10001"/>
-                  </a:ext>
-                </a:extLst>
               </a:tr>
               <a:tr h="1225462">
                 <a:tc>
                   <a:txBody>
                     <a:bodyPr/>
-                    <a:lstStyle/>
                     <a:p>
                       <a:pPr marL="0" marR="0" lvl="0" indent="0" algn="ctr" defTabSz="914400">
                         <a:lnSpc>
@@ -8602,7 +8511,6 @@
                 <a:tc>
                   <a:txBody>
                     <a:bodyPr/>
-                    <a:lstStyle/>
                     <a:p>
                       <a:pPr>
                         <a:defRPr/>
@@ -8621,6 +8529,34 @@
                         <a:rPr lang="en-GB" sz="1100"/>
                         <a:t>- The last tile of the snake is not on the last row.</a:t>
                       </a:r>
+                      <a:endParaRPr lang="en-GB" sz="1100"/>
+                    </a:p>
+                    <a:p>
+                      <a:pPr>
+                        <a:defRPr/>
+                      </a:pPr>
+                      <a:r>
+                        <a:rPr lang="en-GB" sz="1100" b="0" i="0" u="none" strike="noStrike" cap="none" spc="0">
+                          <a:solidFill>
+                            <a:schemeClr val="dk1"/>
+                          </a:solidFill>
+                          <a:latin typeface="+mn-lt"/>
+                          <a:ea typeface="+mn-ea"/>
+                          <a:cs typeface="+mn-cs"/>
+                        </a:rPr>
+                        <a:t>- </a:t>
+                      </a:r>
+                      <a:r>
+                        <a:rPr lang="en-GB" sz="1100" b="0" i="0" u="none" strike="noStrike" cap="none" spc="0">
+                          <a:solidFill>
+                            <a:schemeClr val="dk1"/>
+                          </a:solidFill>
+                          <a:latin typeface="Avenir Next LT Pro"/>
+                          <a:ea typeface="Arial"/>
+                          <a:cs typeface="Arial"/>
+                        </a:rPr>
+                        <a:t> The 5 adjacent tiles (including diagonal) are not another snake block</a:t>
+                      </a:r>
                       <a:endParaRPr lang="pt-PT" sz="1100"/>
                     </a:p>
                   </a:txBody>
@@ -8629,7 +8565,6 @@
                 <a:tc>
                   <a:txBody>
                     <a:bodyPr/>
-                    <a:lstStyle/>
                     <a:p>
                       <a:pPr marL="285750" marR="0" lvl="0" indent="-285750" algn="l" defTabSz="914400">
                         <a:lnSpc>
@@ -8648,10 +8583,10 @@
                         <a:defRPr/>
                       </a:pPr>
                       <a:r>
-                        <a:rPr lang="en-GB" sz="1100" dirty="0"/>
+                        <a:rPr lang="en-GB" sz="1100"/>
                         <a:t>The tile on the bottom of the last piece of the snake is now part of the path too;</a:t>
                       </a:r>
-                      <a:endParaRPr sz="1400" dirty="0"/>
+                      <a:endParaRPr sz="1400"/>
                     </a:p>
                     <a:p>
                       <a:pPr marL="285750" marR="0" lvl="0" indent="-285750" algn="l" defTabSz="914400">
@@ -8671,9 +8606,10 @@
                         <a:defRPr/>
                       </a:pPr>
                       <a:r>
-                        <a:rPr lang="en-GB" sz="1100" dirty="0"/>
+                        <a:rPr lang="en-GB" sz="1100"/>
                         <a:t>Update matrix’s values. (x, y+1) changes to 1.</a:t>
                       </a:r>
+                      <a:endParaRPr/>
                     </a:p>
                     <a:p>
                       <a:pPr marL="285750" indent="-285750">
@@ -8682,9 +8618,10 @@
                         <a:defRPr/>
                       </a:pPr>
                       <a:r>
-                        <a:rPr lang="en-GB" sz="1100" dirty="0"/>
+                        <a:rPr lang="en-GB" sz="1100"/>
                         <a:t>Updates the snake path</a:t>
                       </a:r>
+                      <a:endParaRPr/>
                     </a:p>
                     <a:p>
                       <a:pPr marL="285750" indent="-285750">
@@ -8693,9 +8630,10 @@
                         <a:defRPr/>
                       </a:pPr>
                       <a:r>
-                        <a:rPr lang="en-GB" sz="1100" dirty="0"/>
+                        <a:rPr lang="en-GB" sz="1100"/>
                         <a:t>Cost +=1</a:t>
                       </a:r>
+                      <a:endParaRPr/>
                     </a:p>
                     <a:p>
                       <a:pPr marL="285750" indent="-285750">
@@ -8704,10 +8642,10 @@
                         <a:defRPr/>
                       </a:pPr>
                       <a:r>
-                        <a:rPr lang="en-GB" sz="1100" dirty="0"/>
+                        <a:rPr lang="en-GB" sz="1100"/>
                         <a:t>Current position is now (x,y-1)</a:t>
                       </a:r>
-                      <a:endParaRPr lang="pt-PT" sz="1100" dirty="0"/>
+                      <a:endParaRPr lang="pt-PT" sz="1100"/>
                     </a:p>
                   </a:txBody>
                   <a:tcPr/>
@@ -8715,7 +8653,6 @@
                 <a:tc>
                   <a:txBody>
                     <a:bodyPr/>
-                    <a:lstStyle/>
                     <a:p>
                       <a:pPr algn="ctr">
                         <a:defRPr/>
@@ -8729,17 +8666,11 @@
                   </a:txBody>
                   <a:tcPr/>
                 </a:tc>
-                <a:extLst>
-                  <a:ext uri="{0D108BD9-81ED-4DB2-BD59-A6C34878D82A}">
-                    <a16:rowId xmlns:a16="http://schemas.microsoft.com/office/drawing/2014/main" val="10002"/>
-                  </a:ext>
-                </a:extLst>
               </a:tr>
               <a:tr h="916647">
                 <a:tc>
                   <a:txBody>
                     <a:bodyPr/>
-                    <a:lstStyle/>
                     <a:p>
                       <a:pPr marL="0" marR="0" lvl="0" indent="0" algn="ctr" defTabSz="914400">
                         <a:lnSpc>
@@ -8775,7 +8706,6 @@
                 <a:tc>
                   <a:txBody>
                     <a:bodyPr/>
-                    <a:lstStyle/>
                     <a:p>
                       <a:pPr>
                         <a:defRPr/>
@@ -8794,6 +8724,34 @@
                         <a:rPr lang="en-GB" sz="1100"/>
                         <a:t>- The last tile of the snake is not on the first column.</a:t>
                       </a:r>
+                      <a:endParaRPr lang="en-GB" sz="1100"/>
+                    </a:p>
+                    <a:p>
+                      <a:pPr>
+                        <a:defRPr/>
+                      </a:pPr>
+                      <a:r>
+                        <a:rPr lang="en-GB" sz="1100" b="0" i="0" u="none" strike="noStrike" cap="none" spc="0">
+                          <a:solidFill>
+                            <a:schemeClr val="dk1"/>
+                          </a:solidFill>
+                          <a:latin typeface="+mn-lt"/>
+                          <a:ea typeface="+mn-ea"/>
+                          <a:cs typeface="+mn-cs"/>
+                        </a:rPr>
+                        <a:t>- </a:t>
+                      </a:r>
+                      <a:r>
+                        <a:rPr lang="en-GB" sz="1100" b="0" i="0" u="none" strike="noStrike" cap="none" spc="0">
+                          <a:solidFill>
+                            <a:schemeClr val="dk1"/>
+                          </a:solidFill>
+                          <a:latin typeface="Avenir Next LT Pro"/>
+                          <a:ea typeface="Arial"/>
+                          <a:cs typeface="Arial"/>
+                        </a:rPr>
+                        <a:t> The 5 adjacent tiles (including diagonal) are not another snake block</a:t>
+                      </a:r>
                       <a:endParaRPr lang="pt-PT" sz="1100"/>
                     </a:p>
                   </a:txBody>
@@ -8802,7 +8760,6 @@
                 <a:tc>
                   <a:txBody>
                     <a:bodyPr/>
-                    <a:lstStyle/>
                     <a:p>
                       <a:pPr marL="285750" marR="0" lvl="0" indent="-285750" algn="l" defTabSz="914400">
                         <a:lnSpc>
@@ -8821,10 +8778,10 @@
                         <a:defRPr/>
                       </a:pPr>
                       <a:r>
-                        <a:rPr lang="en-GB" sz="1100" dirty="0"/>
+                        <a:rPr lang="en-GB" sz="1100"/>
                         <a:t>The tile on the left of the snake is now part of the path too;</a:t>
                       </a:r>
-                      <a:endParaRPr sz="1400" dirty="0"/>
+                      <a:endParaRPr sz="1400"/>
                     </a:p>
                     <a:p>
                       <a:pPr marL="285750" indent="-285750">
@@ -8833,9 +8790,10 @@
                         <a:defRPr/>
                       </a:pPr>
                       <a:r>
-                        <a:rPr lang="en-GB" sz="1100" dirty="0"/>
+                        <a:rPr lang="en-GB" sz="1100"/>
                         <a:t>Update matrix’s values. (x-1, y) changes to 1. </a:t>
                       </a:r>
+                      <a:endParaRPr/>
                     </a:p>
                     <a:p>
                       <a:pPr marL="285750" indent="-285750">
@@ -8844,9 +8802,10 @@
                         <a:defRPr/>
                       </a:pPr>
                       <a:r>
-                        <a:rPr lang="en-GB" sz="1100" dirty="0"/>
+                        <a:rPr lang="en-GB" sz="1100"/>
                         <a:t>Updates the snake path</a:t>
                       </a:r>
+                      <a:endParaRPr/>
                     </a:p>
                     <a:p>
                       <a:pPr marL="285750" indent="-285750">
@@ -8855,9 +8814,10 @@
                         <a:defRPr/>
                       </a:pPr>
                       <a:r>
-                        <a:rPr lang="en-GB" sz="1100" dirty="0"/>
+                        <a:rPr lang="en-GB" sz="1100"/>
                         <a:t>Cost +=1</a:t>
                       </a:r>
+                      <a:endParaRPr/>
                     </a:p>
                     <a:p>
                       <a:pPr marL="285750" indent="-285750">
@@ -8866,10 +8826,10 @@
                         <a:defRPr/>
                       </a:pPr>
                       <a:r>
-                        <a:rPr lang="en-GB" sz="1100" dirty="0"/>
+                        <a:rPr lang="en-GB" sz="1100"/>
                         <a:t>Current position is now (x,y-1)</a:t>
                       </a:r>
-                      <a:endParaRPr lang="pt-PT" sz="1100" dirty="0"/>
+                      <a:endParaRPr lang="pt-PT" sz="1100"/>
                     </a:p>
                   </a:txBody>
                   <a:tcPr/>
@@ -8877,7 +8837,6 @@
                 <a:tc>
                   <a:txBody>
                     <a:bodyPr/>
-                    <a:lstStyle/>
                     <a:p>
                       <a:pPr marL="0" marR="0" lvl="0" indent="0" algn="ctr" defTabSz="914400">
                         <a:lnSpc>
@@ -8904,17 +8863,11 @@
                   </a:txBody>
                   <a:tcPr/>
                 </a:tc>
-                <a:extLst>
-                  <a:ext uri="{0D108BD9-81ED-4DB2-BD59-A6C34878D82A}">
-                    <a16:rowId xmlns:a16="http://schemas.microsoft.com/office/drawing/2014/main" val="10003"/>
-                  </a:ext>
-                </a:extLst>
               </a:tr>
               <a:tr h="1060497">
                 <a:tc>
                   <a:txBody>
                     <a:bodyPr/>
-                    <a:lstStyle/>
                     <a:p>
                       <a:pPr marL="0" marR="0" lvl="0" indent="0" algn="ctr" defTabSz="914400">
                         <a:lnSpc>
@@ -8950,7 +8903,6 @@
                 <a:tc>
                   <a:txBody>
                     <a:bodyPr/>
-                    <a:lstStyle/>
                     <a:p>
                       <a:pPr>
                         <a:defRPr/>
@@ -8969,6 +8921,34 @@
                         <a:rPr lang="en-GB" sz="1100"/>
                         <a:t>- The last tile of the snake is not on the last column.</a:t>
                       </a:r>
+                      <a:endParaRPr lang="en-GB" sz="1100"/>
+                    </a:p>
+                    <a:p>
+                      <a:pPr>
+                        <a:defRPr/>
+                      </a:pPr>
+                      <a:r>
+                        <a:rPr lang="en-GB" sz="1100" b="0" i="0" u="none" strike="noStrike" cap="none" spc="0">
+                          <a:solidFill>
+                            <a:schemeClr val="dk1"/>
+                          </a:solidFill>
+                          <a:latin typeface="+mn-lt"/>
+                          <a:ea typeface="+mn-ea"/>
+                          <a:cs typeface="+mn-cs"/>
+                        </a:rPr>
+                        <a:t>- </a:t>
+                      </a:r>
+                      <a:r>
+                        <a:rPr lang="en-GB" sz="1100" b="0" i="0" u="none" strike="noStrike" cap="none" spc="0">
+                          <a:solidFill>
+                            <a:schemeClr val="dk1"/>
+                          </a:solidFill>
+                          <a:latin typeface="Avenir Next LT Pro"/>
+                          <a:ea typeface="Arial"/>
+                          <a:cs typeface="Arial"/>
+                        </a:rPr>
+                        <a:t> The 5 adjacent tiles (including diagonal) are not another snake block</a:t>
+                      </a:r>
                       <a:endParaRPr lang="pt-PT" sz="1100"/>
                     </a:p>
                   </a:txBody>
@@ -8977,7 +8957,6 @@
                 <a:tc>
                   <a:txBody>
                     <a:bodyPr/>
-                    <a:lstStyle/>
                     <a:p>
                       <a:pPr marL="0" marR="0" lvl="0" indent="0" algn="l" defTabSz="914400">
                         <a:lnSpc>
@@ -8996,10 +8975,10 @@
                         <a:defRPr/>
                       </a:pPr>
                       <a:r>
-                        <a:rPr lang="en-GB" sz="1100" dirty="0"/>
+                        <a:rPr lang="en-GB" sz="1100"/>
                         <a:t>- The tile on the right of the snake is now part of the path too;</a:t>
                       </a:r>
-                      <a:endParaRPr sz="1400" dirty="0"/>
+                      <a:endParaRPr sz="1400"/>
                     </a:p>
                     <a:p>
                       <a:pPr marL="0" marR="0" lvl="0" indent="0" algn="l" defTabSz="914400">
@@ -9019,9 +8998,10 @@
                         <a:defRPr/>
                       </a:pPr>
                       <a:r>
-                        <a:rPr lang="en-GB" sz="1100" dirty="0"/>
+                        <a:rPr lang="en-GB" sz="1100"/>
                         <a:t>- Update matrix’s values. (x+1, y) changes to 1.</a:t>
                       </a:r>
+                      <a:endParaRPr/>
                     </a:p>
                     <a:p>
                       <a:pPr marL="285750" indent="-285750">
@@ -9030,9 +9010,10 @@
                         <a:defRPr/>
                       </a:pPr>
                       <a:r>
-                        <a:rPr lang="en-GB" sz="1100" dirty="0"/>
+                        <a:rPr lang="en-GB" sz="1100"/>
                         <a:t>Updates the snake path</a:t>
                       </a:r>
+                      <a:endParaRPr/>
                     </a:p>
                     <a:p>
                       <a:pPr marL="285750" indent="-285750">
@@ -9041,9 +9022,10 @@
                         <a:defRPr/>
                       </a:pPr>
                       <a:r>
-                        <a:rPr lang="en-GB" sz="1100" dirty="0"/>
+                        <a:rPr lang="en-GB" sz="1100"/>
                         <a:t>Cost +=1</a:t>
                       </a:r>
+                      <a:endParaRPr/>
                     </a:p>
                     <a:p>
                       <a:pPr marL="285750" indent="-285750">
@@ -9052,10 +9034,10 @@
                         <a:defRPr/>
                       </a:pPr>
                       <a:r>
-                        <a:rPr lang="en-GB" sz="1100" dirty="0"/>
+                        <a:rPr lang="en-GB" sz="1100"/>
                         <a:t>Current position is now (x,y-1)</a:t>
                       </a:r>
-                      <a:endParaRPr lang="pt-PT" sz="1100" dirty="0"/>
+                      <a:endParaRPr lang="pt-PT" sz="1100"/>
                     </a:p>
                   </a:txBody>
                   <a:tcPr/>
@@ -9063,25 +9045,19 @@
                 <a:tc>
                   <a:txBody>
                     <a:bodyPr/>
-                    <a:lstStyle/>
                     <a:p>
                       <a:pPr algn="ctr">
                         <a:defRPr/>
                       </a:pPr>
                       <a:r>
-                        <a:rPr lang="en-GB" sz="1100" dirty="0"/>
+                        <a:rPr lang="en-GB" sz="1100"/>
                         <a:t>1</a:t>
                       </a:r>
-                      <a:endParaRPr lang="pt-PT" sz="1100" dirty="0"/>
+                      <a:endParaRPr lang="pt-PT" sz="1100"/>
                     </a:p>
                   </a:txBody>
                   <a:tcPr/>
                 </a:tc>
-                <a:extLst>
-                  <a:ext uri="{0D108BD9-81ED-4DB2-BD59-A6C34878D82A}">
-                    <a16:rowId xmlns:a16="http://schemas.microsoft.com/office/drawing/2014/main" val="10004"/>
-                  </a:ext>
-                </a:extLst>
               </a:tr>
             </a:tbl>
           </a:graphicData>
@@ -9089,12 +9065,12 @@
       </p:graphicFrame>
       <p:sp>
         <p:nvSpPr>
-          <p:cNvPr id="8" name="Marcador de Posição de Conteúdo 2"/>
+          <p:cNvPr id="8" name="Marcador de Posição de Conteúdo 2" hidden="0"/>
           <p:cNvSpPr>
             <a:spLocks noGrp="1"/>
           </p:cNvSpPr>
-          <p:nvPr>
-            <p:ph idx="1"/>
+          <p:nvPr isPhoto="0" userDrawn="0">
+            <p:ph idx="1" hasCustomPrompt="0"/>
           </p:nvPr>
         </p:nvSpPr>
         <p:spPr bwMode="auto">
@@ -9125,17 +9101,25 @@
   <p:clrMapOvr>
     <a:masterClrMapping/>
   </p:clrMapOvr>
+  <mc:AlternateContent xmlns:mc="http://schemas.openxmlformats.org/markup-compatibility/2006">
+    <mc:Choice xmlns:p14="http://schemas.microsoft.com/office/powerpoint/2010/main" Requires="p14">
+      <p:transition p14:dur="2000" advClick="1"/>
+    </mc:Choice>
+    <mc:Fallback>
+      <p:transition advClick="1"/>
+    </mc:Fallback>
+  </mc:AlternateContent>
 </p:sld>
 </file>
 
 <file path=ppt/slides/slide5.xml><?xml version="1.0" encoding="utf-8"?>
-<p:sld xmlns:a="http://schemas.openxmlformats.org/drawingml/2006/main" xmlns:r="http://schemas.openxmlformats.org/officeDocument/2006/relationships" xmlns:p="http://schemas.openxmlformats.org/presentationml/2006/main" showMasterPhAnim="0">
-  <p:cSld>
+<p:sld xmlns:a="http://schemas.openxmlformats.org/drawingml/2006/main" xmlns:r="http://schemas.openxmlformats.org/officeDocument/2006/relationships" xmlns:p="http://schemas.openxmlformats.org/presentationml/2006/main" xmlns:m="http://schemas.openxmlformats.org/officeDocument/2006/math" xmlns:w="http://schemas.openxmlformats.org/wordprocessingml/2006/main" showMasterPhAnim="0" show="1">
+  <p:cSld name="">
     <p:spTree>
       <p:nvGrpSpPr>
-        <p:cNvPr id="1" name=""/>
+        <p:cNvPr id="1" name="" hidden="0"/>
         <p:cNvGrpSpPr/>
-        <p:nvPr/>
+        <p:nvPr isPhoto="0" userDrawn="0"/>
       </p:nvGrpSpPr>
       <p:grpSpPr bwMode="auto">
         <a:xfrm>
@@ -9147,12 +9131,12 @@
       </p:grpSpPr>
       <p:sp>
         <p:nvSpPr>
-          <p:cNvPr id="2" name="Título 1"/>
+          <p:cNvPr id="2" name="Título 1" hidden="0"/>
           <p:cNvSpPr>
             <a:spLocks noGrp="1"/>
           </p:cNvSpPr>
-          <p:nvPr>
-            <p:ph type="title"/>
+          <p:nvPr isPhoto="0" userDrawn="0">
+            <p:ph type="title" hasCustomPrompt="0"/>
           </p:nvPr>
         </p:nvSpPr>
         <p:spPr bwMode="auto"/>
@@ -9167,17 +9151,18 @@
               <a:rPr lang="pt-PT"/>
               <a:t>Implementation</a:t>
             </a:r>
+            <a:endParaRPr/>
           </a:p>
         </p:txBody>
       </p:sp>
       <p:sp>
         <p:nvSpPr>
-          <p:cNvPr id="3" name="Marcador de Posição de Conteúdo 2"/>
+          <p:cNvPr id="3" name="Marcador de Posição de Conteúdo 2" hidden="0"/>
           <p:cNvSpPr>
             <a:spLocks noGrp="1"/>
           </p:cNvSpPr>
-          <p:nvPr>
-            <p:ph idx="1"/>
+          <p:nvPr isPhoto="0" userDrawn="0">
+            <p:ph idx="1" hasCustomPrompt="0"/>
           </p:nvPr>
         </p:nvSpPr>
         <p:spPr bwMode="auto"/>
@@ -9191,146 +9176,146 @@
               <a:defRPr/>
             </a:pPr>
             <a:r>
-              <a:rPr lang="pt-PT" dirty="0"/>
+              <a:rPr lang="pt-PT"/>
               <a:t>Prefered Languages: Python.</a:t>
             </a:r>
-            <a:endParaRPr dirty="0"/>
-          </a:p>
-          <a:p>
-            <a:pPr>
-              <a:defRPr/>
-            </a:pPr>
-            <a:r>
-              <a:rPr lang="pt-PT" dirty="0"/>
+            <a:endParaRPr/>
+          </a:p>
+          <a:p>
+            <a:pPr>
+              <a:defRPr/>
+            </a:pPr>
+            <a:r>
+              <a:rPr lang="pt-PT"/>
               <a:t>Data structures: </a:t>
             </a:r>
             <a:r>
-              <a:rPr lang="pt-PT" b="1" dirty="0"/>
+              <a:rPr lang="pt-PT" b="1"/>
               <a:t>astar</a:t>
             </a:r>
             <a:r>
-              <a:rPr lang="pt-PT" dirty="0"/>
+              <a:rPr lang="pt-PT"/>
               <a:t> (</a:t>
             </a:r>
             <a:r>
-              <a:rPr lang="en-US" dirty="0"/>
+              <a:rPr lang="en-US"/>
               <a:t>A class used to implement a-star algorithm</a:t>
             </a:r>
             <a:r>
-              <a:rPr lang="pt-PT" dirty="0"/>
+              <a:rPr lang="pt-PT"/>
               <a:t>), </a:t>
             </a:r>
             <a:r>
-              <a:rPr lang="pt-PT" b="1" dirty="0"/>
+              <a:rPr lang="pt-PT" b="1"/>
               <a:t>board</a:t>
             </a:r>
             <a:r>
-              <a:rPr lang="pt-PT" dirty="0"/>
+              <a:rPr lang="pt-PT"/>
               <a:t> (</a:t>
             </a:r>
             <a:r>
-              <a:rPr lang="en-US" dirty="0"/>
+              <a:rPr lang="en-US"/>
               <a:t>A class used to implement the game logic and its status), </a:t>
             </a:r>
             <a:r>
-              <a:rPr lang="en-US" b="1" dirty="0" err="1"/>
+              <a:rPr lang="en-US" b="1"/>
               <a:t>dfs</a:t>
             </a:r>
             <a:r>
-              <a:rPr lang="en-US" dirty="0"/>
+              <a:rPr lang="en-US"/>
               <a:t> (A class used to implement the </a:t>
             </a:r>
             <a:r>
-              <a:rPr lang="en-US" dirty="0" err="1"/>
+              <a:rPr lang="en-US"/>
               <a:t>dfs</a:t>
             </a:r>
             <a:r>
-              <a:rPr lang="en-US" dirty="0"/>
+              <a:rPr lang="en-US"/>
               <a:t> algorithm), </a:t>
             </a:r>
             <a:r>
-              <a:rPr lang="en-US" b="1" dirty="0"/>
+              <a:rPr lang="en-US" b="1"/>
               <a:t>display</a:t>
             </a:r>
             <a:r>
-              <a:rPr lang="en-US" dirty="0"/>
+              <a:rPr lang="en-US"/>
               <a:t> (A class used to implement graphic interface using </a:t>
             </a:r>
             <a:r>
-              <a:rPr lang="en-US" dirty="0" err="1"/>
+              <a:rPr lang="en-US"/>
               <a:t>pygame</a:t>
             </a:r>
             <a:r>
-              <a:rPr lang="en-US" dirty="0"/>
+              <a:rPr lang="en-US"/>
               <a:t>), </a:t>
             </a:r>
             <a:r>
-              <a:rPr lang="en-US" b="1" dirty="0"/>
+              <a:rPr lang="en-US" b="1"/>
               <a:t>greedy</a:t>
             </a:r>
             <a:r>
-              <a:rPr lang="en-US" dirty="0"/>
+              <a:rPr lang="en-US"/>
               <a:t> (A class used to implement Greedy algorithm), </a:t>
             </a:r>
             <a:r>
-              <a:rPr lang="en-US" b="1" dirty="0"/>
+              <a:rPr lang="en-US" b="1"/>
               <a:t>menu</a:t>
             </a:r>
             <a:r>
-              <a:rPr lang="en-US" dirty="0"/>
+              <a:rPr lang="en-US"/>
               <a:t> (A class used to implement the menu in the terminal), </a:t>
             </a:r>
             <a:r>
-              <a:rPr lang="en-US" b="1" dirty="0"/>
+              <a:rPr lang="en-US" b="1"/>
               <a:t>pieces</a:t>
             </a:r>
             <a:r>
-              <a:rPr lang="en-US" dirty="0"/>
+              <a:rPr lang="en-US"/>
               <a:t> (A class used to represent the chess piece), </a:t>
             </a:r>
             <a:r>
-              <a:rPr lang="en-US" b="1" dirty="0"/>
+              <a:rPr lang="en-US" b="1"/>
               <a:t>snake</a:t>
             </a:r>
             <a:r>
-              <a:rPr lang="en-US" dirty="0"/>
+              <a:rPr lang="en-US"/>
               <a:t> (A class used to represent the snake/path) and </a:t>
             </a:r>
             <a:r>
-              <a:rPr lang="en-US" b="1" dirty="0"/>
+              <a:rPr lang="en-US" b="1"/>
               <a:t>state</a:t>
             </a:r>
             <a:r>
-              <a:rPr lang="en-US" dirty="0"/>
+              <a:rPr lang="en-US"/>
               <a:t> (A class used to represent a game state for algorithms).</a:t>
             </a:r>
-            <a:endParaRPr lang="pt-PT" dirty="0"/>
-          </a:p>
-          <a:p>
-            <a:pPr>
-              <a:defRPr/>
-            </a:pPr>
-            <a:r>
-              <a:rPr lang="pt-PT" dirty="0"/>
+            <a:endParaRPr lang="pt-PT"/>
+          </a:p>
+          <a:p>
+            <a:pPr>
+              <a:defRPr/>
+            </a:pPr>
+            <a:r>
+              <a:rPr lang="pt-PT"/>
               <a:t>The initial state is defined by reading the saved text files with board information.</a:t>
             </a:r>
-            <a:endParaRPr dirty="0"/>
-          </a:p>
-          <a:p>
-            <a:pPr>
-              <a:defRPr/>
-            </a:pPr>
-            <a:r>
-              <a:rPr lang="pt-PT" dirty="0"/>
+            <a:endParaRPr/>
+          </a:p>
+          <a:p>
+            <a:pPr>
+              <a:defRPr/>
+            </a:pPr>
+            <a:r>
+              <a:rPr lang="pt-PT"/>
               <a:t>Implemented libraries: numpy, pygame</a:t>
             </a:r>
-            <a:endParaRPr dirty="0"/>
-          </a:p>
-          <a:p>
-            <a:pPr>
-              <a:defRPr/>
-            </a:pPr>
-            <a:endParaRPr lang="pt-PT" dirty="0"/>
+            <a:endParaRPr/>
+          </a:p>
+          <a:p>
+            <a:pPr>
+              <a:defRPr/>
+            </a:pPr>
+            <a:endParaRPr lang="pt-PT"/>
           </a:p>
         </p:txBody>
       </p:sp>
@@ -9339,19 +9324,27 @@
   <p:clrMapOvr>
     <a:masterClrMapping/>
   </p:clrMapOvr>
+  <mc:AlternateContent xmlns:mc="http://schemas.openxmlformats.org/markup-compatibility/2006">
+    <mc:Choice xmlns:p14="http://schemas.microsoft.com/office/powerpoint/2010/main" Requires="p14">
+      <p:transition p14:dur="2000" advClick="1"/>
+    </mc:Choice>
+    <mc:Fallback>
+      <p:transition advClick="1"/>
+    </mc:Fallback>
+  </mc:AlternateContent>
 </p:sld>
 </file>
 
 <file path=ppt/slides/slide6.xml><?xml version="1.0" encoding="utf-8"?>
-<p:sld xmlns:a="http://schemas.openxmlformats.org/drawingml/2006/main" xmlns:r="http://schemas.openxmlformats.org/officeDocument/2006/relationships" xmlns:p="http://schemas.openxmlformats.org/presentationml/2006/main">
-  <p:cSld>
+<p:sld xmlns:a="http://schemas.openxmlformats.org/drawingml/2006/main" xmlns:r="http://schemas.openxmlformats.org/officeDocument/2006/relationships" xmlns:p="http://schemas.openxmlformats.org/presentationml/2006/main" xmlns:m="http://schemas.openxmlformats.org/officeDocument/2006/math" xmlns:w="http://schemas.openxmlformats.org/wordprocessingml/2006/main" showMasterPhAnim="0" show="1">
+  <p:cSld name="">
     <p:spTree>
       <p:nvGrpSpPr>
-        <p:cNvPr id="1" name=""/>
+        <p:cNvPr id="1" name="" hidden="0"/>
         <p:cNvGrpSpPr/>
-        <p:nvPr/>
+        <p:nvPr isPhoto="0" userDrawn="0"/>
       </p:nvGrpSpPr>
-      <p:grpSpPr>
+      <p:grpSpPr bwMode="auto">
         <a:xfrm>
           <a:off x="0" y="0"/>
           <a:ext cx="0" cy="0"/>
@@ -9361,362 +9354,384 @@
       </p:grpSpPr>
       <p:sp>
         <p:nvSpPr>
-          <p:cNvPr id="2" name="Título 1">
-            <a:extLst>
-              <a:ext uri="{FF2B5EF4-FFF2-40B4-BE49-F238E27FC236}">
-                <a16:creationId xmlns:a16="http://schemas.microsoft.com/office/drawing/2014/main" id="{843EF381-BCFA-590A-77E6-541A3A688A5B}"/>
-              </a:ext>
-            </a:extLst>
-          </p:cNvPr>
+          <p:cNvPr id="2" name="Título 1" hidden="0"/>
           <p:cNvSpPr>
             <a:spLocks noGrp="1"/>
           </p:cNvSpPr>
-          <p:nvPr>
-            <p:ph type="title"/>
+          <p:nvPr isPhoto="0" userDrawn="0">
+            <p:ph type="title" hasCustomPrompt="0"/>
           </p:nvPr>
         </p:nvSpPr>
-        <p:spPr/>
+        <p:spPr bwMode="auto"/>
         <p:txBody>
           <a:bodyPr/>
           <a:lstStyle/>
           <a:p>
-            <a:r>
-              <a:rPr lang="pt-PT" dirty="0" err="1"/>
+            <a:pPr>
+              <a:defRPr/>
+            </a:pPr>
+            <a:r>
+              <a:rPr lang="pt-PT"/>
               <a:t>Approach</a:t>
             </a:r>
-            <a:endParaRPr lang="pt-PT" dirty="0"/>
+            <a:endParaRPr lang="pt-PT"/>
           </a:p>
         </p:txBody>
       </p:sp>
       <p:sp>
         <p:nvSpPr>
-          <p:cNvPr id="3" name="Marcador de Posição de Conteúdo 2">
-            <a:extLst>
-              <a:ext uri="{FF2B5EF4-FFF2-40B4-BE49-F238E27FC236}">
-                <a16:creationId xmlns:a16="http://schemas.microsoft.com/office/drawing/2014/main" id="{2D332176-E858-8927-48C6-57123435F282}"/>
-              </a:ext>
-            </a:extLst>
-          </p:cNvPr>
+          <p:cNvPr id="3" name="Marcador de Posição de Conteúdo 2" hidden="0"/>
           <p:cNvSpPr>
             <a:spLocks noGrp="1"/>
           </p:cNvSpPr>
-          <p:nvPr>
-            <p:ph idx="1"/>
+          <p:nvPr isPhoto="0" userDrawn="0">
+            <p:ph idx="1" hasCustomPrompt="0"/>
           </p:nvPr>
         </p:nvSpPr>
-        <p:spPr/>
+        <p:spPr bwMode="auto"/>
         <p:txBody>
           <a:bodyPr>
             <a:normAutofit fontScale="47500" lnSpcReduction="20000"/>
           </a:bodyPr>
           <a:lstStyle/>
           <a:p>
-            <a:r>
-              <a:rPr lang="pt-PT" dirty="0"/>
+            <a:pPr>
+              <a:defRPr/>
+            </a:pPr>
+            <a:r>
+              <a:rPr lang="pt-PT"/>
               <a:t>The game allows two possible interactions between user and machine. </a:t>
             </a:r>
             <a:r>
-              <a:rPr lang="pt-PT" b="1" dirty="0"/>
+              <a:rPr lang="pt-PT" b="1"/>
               <a:t>First</a:t>
             </a:r>
             <a:r>
-              <a:rPr lang="pt-PT" dirty="0"/>
+              <a:rPr lang="pt-PT"/>
               <a:t>, we developed a single player mode, where the user can create his own path and then check if it is correct or not based on the game’s rules;</a:t>
             </a:r>
-          </a:p>
-          <a:p>
-            <a:r>
-              <a:rPr lang="pt-PT" b="1" dirty="0"/>
+            <a:endParaRPr/>
+          </a:p>
+          <a:p>
+            <a:pPr>
+              <a:defRPr/>
+            </a:pPr>
+            <a:r>
+              <a:rPr lang="pt-PT" b="1"/>
               <a:t>Then</a:t>
             </a:r>
             <a:r>
-              <a:rPr lang="pt-PT" dirty="0"/>
+              <a:rPr lang="pt-PT"/>
               <a:t>, we created an AI mode, that based on chosen level, generates a correct answer, using many algorithms such as:</a:t>
             </a:r>
-          </a:p>
-          <a:p>
-            <a:pPr lvl="1"/>
-            <a:r>
-              <a:rPr lang="pt-PT" dirty="0"/>
+            <a:endParaRPr/>
+          </a:p>
+          <a:p>
+            <a:pPr lvl="1">
+              <a:defRPr/>
+            </a:pPr>
+            <a:r>
+              <a:rPr lang="pt-PT"/>
               <a:t>DFS, </a:t>
             </a:r>
             <a:r>
-              <a:rPr lang="pt-PT" dirty="0" err="1"/>
+              <a:rPr lang="pt-PT"/>
               <a:t>Greedy</a:t>
             </a:r>
             <a:r>
-              <a:rPr lang="pt-PT" dirty="0"/>
+              <a:rPr lang="pt-PT"/>
               <a:t> </a:t>
             </a:r>
             <a:r>
-              <a:rPr lang="pt-PT" dirty="0" err="1"/>
+              <a:rPr lang="pt-PT"/>
               <a:t>and</a:t>
             </a:r>
             <a:r>
-              <a:rPr lang="pt-PT" dirty="0"/>
+              <a:rPr lang="pt-PT"/>
               <a:t> </a:t>
             </a:r>
             <a:r>
-              <a:rPr lang="pt-PT" dirty="0" err="1"/>
+              <a:rPr lang="pt-PT"/>
               <a:t>A-Star</a:t>
             </a:r>
             <a:r>
-              <a:rPr lang="pt-PT" dirty="0"/>
+              <a:rPr lang="pt-PT"/>
               <a:t> (</a:t>
             </a:r>
             <a:r>
-              <a:rPr lang="pt-PT" dirty="0" err="1"/>
+              <a:rPr lang="pt-PT"/>
               <a:t>these</a:t>
             </a:r>
             <a:r>
-              <a:rPr lang="pt-PT" dirty="0"/>
+              <a:rPr lang="pt-PT"/>
               <a:t> </a:t>
             </a:r>
             <a:r>
-              <a:rPr lang="pt-PT" dirty="0" err="1"/>
+              <a:rPr lang="pt-PT"/>
               <a:t>last</a:t>
             </a:r>
             <a:r>
-              <a:rPr lang="pt-PT" dirty="0"/>
+              <a:rPr lang="pt-PT"/>
               <a:t> 2 </a:t>
             </a:r>
             <a:r>
-              <a:rPr lang="pt-PT" dirty="0" err="1"/>
+              <a:rPr lang="pt-PT"/>
               <a:t>featuring</a:t>
             </a:r>
             <a:r>
-              <a:rPr lang="pt-PT" dirty="0"/>
+              <a:rPr lang="pt-PT"/>
               <a:t> 3 </a:t>
             </a:r>
             <a:r>
-              <a:rPr lang="pt-PT" dirty="0" err="1"/>
+              <a:rPr lang="pt-PT"/>
               <a:t>distinct</a:t>
             </a:r>
             <a:r>
-              <a:rPr lang="pt-PT" dirty="0"/>
+              <a:rPr lang="pt-PT"/>
               <a:t> </a:t>
             </a:r>
             <a:r>
-              <a:rPr lang="pt-PT" dirty="0" err="1"/>
+              <a:rPr lang="pt-PT"/>
               <a:t>heuristics</a:t>
             </a:r>
             <a:r>
-              <a:rPr lang="pt-PT" dirty="0"/>
+              <a:rPr lang="pt-PT"/>
               <a:t>) to </a:t>
             </a:r>
             <a:r>
-              <a:rPr lang="pt-PT" dirty="0" err="1"/>
+              <a:rPr lang="pt-PT"/>
               <a:t>calculate</a:t>
             </a:r>
             <a:r>
-              <a:rPr lang="pt-PT" dirty="0"/>
+              <a:rPr lang="pt-PT"/>
               <a:t> </a:t>
             </a:r>
             <a:r>
-              <a:rPr lang="pt-PT" dirty="0" err="1"/>
+              <a:rPr lang="pt-PT"/>
               <a:t>the</a:t>
             </a:r>
             <a:r>
-              <a:rPr lang="pt-PT" dirty="0"/>
+              <a:rPr lang="pt-PT"/>
               <a:t> </a:t>
             </a:r>
             <a:r>
-              <a:rPr lang="pt-PT" dirty="0" err="1"/>
+              <a:rPr lang="pt-PT"/>
               <a:t>best</a:t>
             </a:r>
             <a:r>
-              <a:rPr lang="pt-PT" dirty="0"/>
+              <a:rPr lang="pt-PT"/>
               <a:t> </a:t>
             </a:r>
             <a:r>
-              <a:rPr lang="pt-PT" dirty="0" err="1"/>
+              <a:rPr lang="pt-PT"/>
               <a:t>path</a:t>
             </a:r>
             <a:r>
-              <a:rPr lang="pt-PT" dirty="0"/>
+              <a:rPr lang="pt-PT"/>
               <a:t> </a:t>
             </a:r>
             <a:r>
-              <a:rPr lang="pt-PT" dirty="0" err="1"/>
+              <a:rPr lang="pt-PT"/>
               <a:t>from</a:t>
             </a:r>
             <a:r>
-              <a:rPr lang="pt-PT" dirty="0"/>
+              <a:rPr lang="pt-PT"/>
               <a:t> </a:t>
             </a:r>
             <a:r>
-              <a:rPr lang="pt-PT" dirty="0" err="1"/>
+              <a:rPr lang="pt-PT"/>
               <a:t>Start</a:t>
             </a:r>
             <a:r>
-              <a:rPr lang="pt-PT" dirty="0"/>
+              <a:rPr lang="pt-PT"/>
               <a:t> Tile to Final Tile. </a:t>
             </a:r>
             <a:r>
-              <a:rPr lang="pt-PT" dirty="0" err="1"/>
+              <a:rPr lang="pt-PT"/>
               <a:t>Each</a:t>
             </a:r>
             <a:r>
-              <a:rPr lang="pt-PT" dirty="0"/>
+              <a:rPr lang="pt-PT"/>
               <a:t> </a:t>
             </a:r>
             <a:r>
-              <a:rPr lang="pt-PT" dirty="0" err="1"/>
+              <a:rPr lang="pt-PT"/>
               <a:t>one</a:t>
             </a:r>
             <a:r>
-              <a:rPr lang="pt-PT" dirty="0"/>
+              <a:rPr lang="pt-PT"/>
               <a:t> </a:t>
             </a:r>
             <a:r>
-              <a:rPr lang="pt-PT" dirty="0" err="1"/>
+              <a:rPr lang="pt-PT"/>
               <a:t>had</a:t>
             </a:r>
             <a:r>
-              <a:rPr lang="pt-PT" dirty="0"/>
+              <a:rPr lang="pt-PT"/>
               <a:t> a </a:t>
             </a:r>
             <a:r>
-              <a:rPr lang="pt-PT" dirty="0" err="1"/>
+              <a:rPr lang="pt-PT"/>
               <a:t>different</a:t>
             </a:r>
             <a:r>
-              <a:rPr lang="pt-PT" dirty="0"/>
+              <a:rPr lang="pt-PT"/>
               <a:t> performance </a:t>
             </a:r>
             <a:r>
-              <a:rPr lang="pt-PT" dirty="0" err="1"/>
+              <a:rPr lang="pt-PT"/>
               <a:t>that</a:t>
             </a:r>
             <a:r>
-              <a:rPr lang="pt-PT" dirty="0"/>
+              <a:rPr lang="pt-PT"/>
               <a:t> </a:t>
             </a:r>
             <a:r>
-              <a:rPr lang="pt-PT" dirty="0" err="1"/>
+              <a:rPr lang="pt-PT"/>
               <a:t>will</a:t>
             </a:r>
             <a:r>
-              <a:rPr lang="pt-PT" dirty="0"/>
+              <a:rPr lang="pt-PT"/>
               <a:t> </a:t>
             </a:r>
             <a:r>
-              <a:rPr lang="pt-PT" dirty="0" err="1"/>
+              <a:rPr lang="pt-PT"/>
               <a:t>be</a:t>
             </a:r>
             <a:r>
-              <a:rPr lang="pt-PT" dirty="0"/>
+              <a:rPr lang="pt-PT"/>
               <a:t> </a:t>
             </a:r>
             <a:r>
-              <a:rPr lang="pt-PT" dirty="0" err="1"/>
+              <a:rPr lang="pt-PT"/>
               <a:t>analyzed</a:t>
             </a:r>
             <a:r>
-              <a:rPr lang="pt-PT" dirty="0"/>
+              <a:rPr lang="pt-PT"/>
               <a:t> later.</a:t>
             </a:r>
-          </a:p>
-          <a:p>
-            <a:r>
-              <a:rPr lang="pt-PT" dirty="0"/>
+            <a:endParaRPr/>
+          </a:p>
+          <a:p>
+            <a:pPr>
+              <a:defRPr/>
+            </a:pPr>
+            <a:r>
+              <a:rPr lang="pt-PT"/>
               <a:t> </a:t>
             </a:r>
             <a:r>
-              <a:rPr lang="pt-PT" b="1" dirty="0"/>
+              <a:rPr lang="pt-PT" b="1"/>
               <a:t>Evaluation Function</a:t>
             </a:r>
             <a:r>
-              <a:rPr lang="pt-PT" dirty="0"/>
+              <a:rPr lang="pt-PT"/>
               <a:t>: The path created from the start until the of end file should respect the rules such as the non existance of collisions between snake blocks, chess pieces may not be crossed by the path ( both evaluated in the course of the search) and each chess piece attacks an equal number of squares of the choose path (calculated when the end tile is reached; if ok returns otherwise continues the search);</a:t>
             </a:r>
-          </a:p>
-          <a:p>
-            <a:r>
-              <a:rPr lang="pt-PT" b="1" dirty="0"/>
+            <a:endParaRPr/>
+          </a:p>
+          <a:p>
+            <a:pPr>
+              <a:defRPr/>
+            </a:pPr>
+            <a:r>
+              <a:rPr lang="pt-PT" b="1"/>
               <a:t>Heuristics</a:t>
             </a:r>
             <a:r>
-              <a:rPr lang="pt-PT" dirty="0"/>
+              <a:rPr lang="pt-PT"/>
               <a:t>: For the AI mode, heuristics were important for implementing A-star and Greedy Algorithms and to generate the solution more efficiently:</a:t>
             </a:r>
-          </a:p>
-          <a:p>
-            <a:pPr lvl="1"/>
-            <a:r>
-              <a:rPr lang="pt-PT" dirty="0"/>
+            <a:endParaRPr/>
+          </a:p>
+          <a:p>
+            <a:pPr lvl="1">
+              <a:defRPr/>
+            </a:pPr>
+            <a:r>
+              <a:rPr lang="pt-PT"/>
               <a:t>Heuristic 1: Manhattan Distance;</a:t>
             </a:r>
-          </a:p>
-          <a:p>
-            <a:pPr lvl="1"/>
-            <a:r>
-              <a:rPr lang="pt-PT" dirty="0"/>
+            <a:endParaRPr/>
+          </a:p>
+          <a:p>
+            <a:pPr lvl="1">
+              <a:defRPr/>
+            </a:pPr>
+            <a:r>
+              <a:rPr lang="pt-PT"/>
               <a:t>Heuristic 2: </a:t>
             </a:r>
             <a:r>
-              <a:rPr lang="en-US" dirty="0">
+              <a:rPr lang="en-US">
                 <a:solidFill>
                   <a:srgbClr val="D4D4D4"/>
                 </a:solidFill>
-                <a:effectLst/>
               </a:rPr>
               <a:t>Maximum Chess Piece Attacks Difference ( we want the attacks to be as close as possible )</a:t>
             </a:r>
-          </a:p>
-          <a:p>
-            <a:pPr lvl="1"/>
-            <a:r>
-              <a:rPr lang="pt-PT" dirty="0"/>
+            <a:endParaRPr/>
+          </a:p>
+          <a:p>
+            <a:pPr lvl="1">
+              <a:defRPr/>
+            </a:pPr>
+            <a:r>
+              <a:rPr lang="pt-PT"/>
               <a:t>Heuristic 3: Manhattan Distance + </a:t>
             </a:r>
             <a:r>
-              <a:rPr lang="en-US" dirty="0">
+              <a:rPr lang="en-US">
                 <a:solidFill>
                   <a:srgbClr val="D4D4D4"/>
                 </a:solidFill>
-                <a:effectLst/>
               </a:rPr>
               <a:t>Maximum Chess Piece Attacks Difference</a:t>
             </a:r>
-          </a:p>
-          <a:p>
-            <a:pPr lvl="1"/>
-            <a:r>
-              <a:rPr lang="en-US" dirty="0">
+            <a:endParaRPr/>
+          </a:p>
+          <a:p>
+            <a:pPr lvl="1">
+              <a:defRPr/>
+            </a:pPr>
+            <a:r>
+              <a:rPr lang="en-US">
                 <a:solidFill>
                   <a:srgbClr val="D4D4D4"/>
                 </a:solidFill>
               </a:rPr>
               <a:t>Note: For the A-Star algorithm we used the function f ( f (n) = g(n) + h(n)) where g is the total cost (path distance) and h was the chosen heuristic.</a:t>
             </a:r>
-            <a:endParaRPr lang="pt-PT" dirty="0"/>
+            <a:endParaRPr lang="pt-PT"/>
           </a:p>
         </p:txBody>
       </p:sp>
     </p:spTree>
-    <p:extLst>
-      <p:ext uri="{BB962C8B-B14F-4D97-AF65-F5344CB8AC3E}">
-        <p14:creationId xmlns:p14="http://schemas.microsoft.com/office/powerpoint/2010/main" val="2821232108"/>
-      </p:ext>
-    </p:extLst>
   </p:cSld>
   <p:clrMapOvr>
     <a:masterClrMapping/>
   </p:clrMapOvr>
+  <mc:AlternateContent xmlns:mc="http://schemas.openxmlformats.org/markup-compatibility/2006">
+    <mc:Choice xmlns:p14="http://schemas.microsoft.com/office/powerpoint/2010/main" Requires="p14">
+      <p:transition p14:dur="2000" advClick="1"/>
+    </mc:Choice>
+    <mc:Fallback>
+      <p:transition advClick="1"/>
+    </mc:Fallback>
+  </mc:AlternateContent>
 </p:sld>
 </file>
 
 <file path=ppt/slides/slide7.xml><?xml version="1.0" encoding="utf-8"?>
-<p:sld xmlns:a="http://schemas.openxmlformats.org/drawingml/2006/main" xmlns:r="http://schemas.openxmlformats.org/officeDocument/2006/relationships" xmlns:p="http://schemas.openxmlformats.org/presentationml/2006/main">
-  <p:cSld>
+<p:sld xmlns:a="http://schemas.openxmlformats.org/drawingml/2006/main" xmlns:r="http://schemas.openxmlformats.org/officeDocument/2006/relationships" xmlns:p="http://schemas.openxmlformats.org/presentationml/2006/main" xmlns:m="http://schemas.openxmlformats.org/officeDocument/2006/math" xmlns:w="http://schemas.openxmlformats.org/wordprocessingml/2006/main" showMasterPhAnim="0" show="1">
+  <p:cSld name="">
     <p:spTree>
       <p:nvGrpSpPr>
-        <p:cNvPr id="1" name=""/>
+        <p:cNvPr id="1" name="" hidden="0"/>
         <p:cNvGrpSpPr/>
-        <p:nvPr/>
+        <p:nvPr isPhoto="0" userDrawn="0"/>
       </p:nvGrpSpPr>
-      <p:grpSpPr>
+      <p:grpSpPr bwMode="auto">
         <a:xfrm>
           <a:off x="0" y="0"/>
           <a:ext cx="0" cy="0"/>
@@ -9726,21 +9741,15 @@
       </p:grpSpPr>
       <p:sp>
         <p:nvSpPr>
-          <p:cNvPr id="2" name="Título 1">
-            <a:extLst>
-              <a:ext uri="{FF2B5EF4-FFF2-40B4-BE49-F238E27FC236}">
-                <a16:creationId xmlns:a16="http://schemas.microsoft.com/office/drawing/2014/main" id="{E70BA73C-3D95-AE9A-DD35-0162B6825A1C}"/>
-              </a:ext>
-            </a:extLst>
-          </p:cNvPr>
+          <p:cNvPr id="2" name="Título 1" hidden="0"/>
           <p:cNvSpPr>
             <a:spLocks noGrp="1"/>
           </p:cNvSpPr>
-          <p:nvPr>
-            <p:ph type="title"/>
+          <p:nvPr isPhoto="0" userDrawn="0">
+            <p:ph type="title" hasCustomPrompt="0"/>
           </p:nvPr>
         </p:nvSpPr>
-        <p:spPr>
+        <p:spPr bwMode="auto">
           <a:xfrm>
             <a:off x="762000" y="192867"/>
             <a:ext cx="10668000" cy="1524000"/>
@@ -9750,33 +9759,24 @@
           <a:bodyPr/>
           <a:lstStyle/>
           <a:p>
-            <a:r>
-              <a:rPr lang="pt-PT" dirty="0" err="1"/>
+            <a:pPr>
+              <a:defRPr/>
+            </a:pPr>
+            <a:r>
+              <a:rPr lang="pt-PT"/>
               <a:t>Results</a:t>
             </a:r>
-            <a:endParaRPr lang="pt-PT" dirty="0"/>
+            <a:endParaRPr lang="pt-PT"/>
           </a:p>
         </p:txBody>
       </p:sp>
       <p:graphicFrame>
         <p:nvGraphicFramePr>
-          <p:cNvPr id="7" name="Marcador de Posição de Conteúdo 3">
-            <a:extLst>
-              <a:ext uri="{FF2B5EF4-FFF2-40B4-BE49-F238E27FC236}">
-                <a16:creationId xmlns:a16="http://schemas.microsoft.com/office/drawing/2014/main" id="{E71EE01E-51C0-4538-8A33-100DC49D0A10}"/>
-              </a:ext>
-            </a:extLst>
-          </p:cNvPr>
+          <p:cNvPr id="7" name="Marcador de Posição de Conteúdo 3" hidden="0"/>
           <p:cNvGraphicFramePr>
-            <a:graphicFrameLocks/>
+            <a:graphicFrameLocks xmlns:a="http://schemas.openxmlformats.org/drawingml/2006/main"/>
           </p:cNvGraphicFramePr>
-          <p:nvPr>
-            <p:extLst>
-              <p:ext uri="{D42A27DB-BD31-4B8C-83A1-F6EECF244321}">
-                <p14:modId xmlns:p14="http://schemas.microsoft.com/office/powerpoint/2010/main" val="3564716119"/>
-              </p:ext>
-            </p:extLst>
-          </p:nvPr>
+          <p:nvPr isPhoto="0" userDrawn="0"/>
         </p:nvGraphicFramePr>
         <p:xfrm>
           <a:off x="412776" y="1696442"/>
@@ -9790,23 +9790,11 @@
       </p:graphicFrame>
       <p:graphicFrame>
         <p:nvGraphicFramePr>
-          <p:cNvPr id="8" name="Marcador de Posição de Conteúdo 3">
-            <a:extLst>
-              <a:ext uri="{FF2B5EF4-FFF2-40B4-BE49-F238E27FC236}">
-                <a16:creationId xmlns:a16="http://schemas.microsoft.com/office/drawing/2014/main" id="{5998C934-CF5B-4085-9EB6-7295C56FFCA1}"/>
-              </a:ext>
-            </a:extLst>
-          </p:cNvPr>
+          <p:cNvPr id="8" name="Marcador de Posição de Conteúdo 3" hidden="0"/>
           <p:cNvGraphicFramePr>
-            <a:graphicFrameLocks/>
+            <a:graphicFrameLocks xmlns:a="http://schemas.openxmlformats.org/drawingml/2006/main"/>
           </p:cNvGraphicFramePr>
-          <p:nvPr>
-            <p:extLst>
-              <p:ext uri="{D42A27DB-BD31-4B8C-83A1-F6EECF244321}">
-                <p14:modId xmlns:p14="http://schemas.microsoft.com/office/powerpoint/2010/main" val="1290710945"/>
-              </p:ext>
-            </p:extLst>
-          </p:nvPr>
+          <p:nvPr isPhoto="0" userDrawn="0"/>
         </p:nvGraphicFramePr>
         <p:xfrm>
           <a:off x="6312024" y="1700808"/>
@@ -9820,17 +9808,11 @@
       </p:graphicFrame>
       <p:sp>
         <p:nvSpPr>
-          <p:cNvPr id="10" name="CaixaDeTexto 9">
-            <a:extLst>
-              <a:ext uri="{FF2B5EF4-FFF2-40B4-BE49-F238E27FC236}">
-                <a16:creationId xmlns:a16="http://schemas.microsoft.com/office/drawing/2014/main" id="{7A0B4B7F-F751-43AC-A53C-E7C7E19A1558}"/>
-              </a:ext>
-            </a:extLst>
-          </p:cNvPr>
+          <p:cNvPr id="10" name="CaixaDeTexto 9" hidden="0"/>
           <p:cNvSpPr txBox="1"/>
-          <p:nvPr/>
+          <p:nvPr isPhoto="0" userDrawn="0"/>
         </p:nvSpPr>
-        <p:spPr>
+        <p:spPr bwMode="auto">
           <a:xfrm>
             <a:off x="412776" y="5350711"/>
             <a:ext cx="5237312" cy="646331"/>
@@ -9850,25 +9832,20 @@
               <a:defRPr/>
             </a:pPr>
             <a:r>
-              <a:rPr lang="en-US" dirty="0"/>
+              <a:rPr lang="en-US"/>
               <a:t>Graphic 1: Time that each algorithm takes to solve the puzzle</a:t>
             </a:r>
+            <a:endParaRPr/>
           </a:p>
         </p:txBody>
       </p:sp>
       <p:sp>
         <p:nvSpPr>
-          <p:cNvPr id="11" name="CaixaDeTexto 10">
-            <a:extLst>
-              <a:ext uri="{FF2B5EF4-FFF2-40B4-BE49-F238E27FC236}">
-                <a16:creationId xmlns:a16="http://schemas.microsoft.com/office/drawing/2014/main" id="{A31FCF7C-6A4E-4921-B60B-D96A5A20E3BB}"/>
-              </a:ext>
-            </a:extLst>
-          </p:cNvPr>
+          <p:cNvPr id="11" name="CaixaDeTexto 10" hidden="0"/>
           <p:cNvSpPr txBox="1"/>
-          <p:nvPr/>
+          <p:nvPr isPhoto="0" userDrawn="0"/>
         </p:nvSpPr>
-        <p:spPr>
+        <p:spPr bwMode="auto">
           <a:xfrm>
             <a:off x="6279666" y="5350710"/>
             <a:ext cx="5237312" cy="646331"/>
@@ -9888,35 +9865,39 @@
               <a:defRPr/>
             </a:pPr>
             <a:r>
-              <a:rPr lang="en-US" dirty="0"/>
+              <a:rPr lang="en-US"/>
               <a:t>Graphic 2: Number of nodes that each algorithm visits to solve the puzzle</a:t>
             </a:r>
+            <a:endParaRPr/>
           </a:p>
         </p:txBody>
       </p:sp>
     </p:spTree>
-    <p:extLst>
-      <p:ext uri="{BB962C8B-B14F-4D97-AF65-F5344CB8AC3E}">
-        <p14:creationId xmlns:p14="http://schemas.microsoft.com/office/powerpoint/2010/main" val="1535208297"/>
-      </p:ext>
-    </p:extLst>
   </p:cSld>
   <p:clrMapOvr>
     <a:masterClrMapping/>
   </p:clrMapOvr>
+  <mc:AlternateContent xmlns:mc="http://schemas.openxmlformats.org/markup-compatibility/2006">
+    <mc:Choice xmlns:p14="http://schemas.microsoft.com/office/powerpoint/2010/main" Requires="p14">
+      <p:transition p14:dur="2000" advClick="1"/>
+    </mc:Choice>
+    <mc:Fallback>
+      <p:transition advClick="1"/>
+    </mc:Fallback>
+  </mc:AlternateContent>
 </p:sld>
 </file>
 
 <file path=ppt/slides/slide8.xml><?xml version="1.0" encoding="utf-8"?>
-<p:sld xmlns:a="http://schemas.openxmlformats.org/drawingml/2006/main" xmlns:r="http://schemas.openxmlformats.org/officeDocument/2006/relationships" xmlns:p="http://schemas.openxmlformats.org/presentationml/2006/main">
-  <p:cSld>
+<p:sld xmlns:a="http://schemas.openxmlformats.org/drawingml/2006/main" xmlns:r="http://schemas.openxmlformats.org/officeDocument/2006/relationships" xmlns:p="http://schemas.openxmlformats.org/presentationml/2006/main" xmlns:m="http://schemas.openxmlformats.org/officeDocument/2006/math" xmlns:w="http://schemas.openxmlformats.org/wordprocessingml/2006/main" showMasterPhAnim="0" show="1">
+  <p:cSld name="">
     <p:spTree>
       <p:nvGrpSpPr>
-        <p:cNvPr id="1" name=""/>
+        <p:cNvPr id="1" name="" hidden="0"/>
         <p:cNvGrpSpPr/>
-        <p:nvPr/>
+        <p:nvPr isPhoto="0" userDrawn="0"/>
       </p:nvGrpSpPr>
-      <p:grpSpPr>
+      <p:grpSpPr bwMode="auto">
         <a:xfrm>
           <a:off x="0" y="0"/>
           <a:ext cx="0" cy="0"/>
@@ -9926,66 +9907,57 @@
       </p:grpSpPr>
       <p:sp>
         <p:nvSpPr>
-          <p:cNvPr id="2" name="Título 1">
-            <a:extLst>
-              <a:ext uri="{FF2B5EF4-FFF2-40B4-BE49-F238E27FC236}">
-                <a16:creationId xmlns:a16="http://schemas.microsoft.com/office/drawing/2014/main" id="{F371DB74-2FD4-4603-9FFF-7314A30D18A7}"/>
-              </a:ext>
-            </a:extLst>
-          </p:cNvPr>
+          <p:cNvPr id="2" name="Título 1" hidden="0"/>
           <p:cNvSpPr>
             <a:spLocks noGrp="1"/>
           </p:cNvSpPr>
-          <p:nvPr>
-            <p:ph type="title"/>
+          <p:nvPr isPhoto="0" userDrawn="0">
+            <p:ph type="title" hasCustomPrompt="0"/>
           </p:nvPr>
         </p:nvSpPr>
-        <p:spPr/>
+        <p:spPr bwMode="auto"/>
         <p:txBody>
           <a:bodyPr/>
           <a:lstStyle/>
           <a:p>
-            <a:r>
-              <a:rPr lang="pt-PT" dirty="0" err="1"/>
+            <a:pPr>
+              <a:defRPr/>
+            </a:pPr>
+            <a:r>
+              <a:rPr lang="pt-PT"/>
               <a:t>Statistics</a:t>
             </a:r>
             <a:r>
-              <a:rPr lang="pt-PT" dirty="0"/>
+              <a:rPr lang="pt-PT"/>
               <a:t> – </a:t>
             </a:r>
             <a:r>
-              <a:rPr lang="pt-PT" dirty="0" err="1"/>
+              <a:rPr lang="pt-PT"/>
               <a:t>Algorithm</a:t>
             </a:r>
             <a:r>
-              <a:rPr lang="pt-PT" dirty="0"/>
+              <a:rPr lang="pt-PT"/>
               <a:t> </a:t>
             </a:r>
             <a:r>
-              <a:rPr lang="pt-PT" dirty="0" err="1"/>
+              <a:rPr lang="pt-PT"/>
               <a:t>analysis</a:t>
             </a:r>
-            <a:endParaRPr lang="pt-PT" dirty="0"/>
+            <a:endParaRPr lang="pt-PT"/>
           </a:p>
         </p:txBody>
       </p:sp>
       <p:sp>
         <p:nvSpPr>
-          <p:cNvPr id="3" name="Marcador de Posição de Conteúdo 2">
-            <a:extLst>
-              <a:ext uri="{FF2B5EF4-FFF2-40B4-BE49-F238E27FC236}">
-                <a16:creationId xmlns:a16="http://schemas.microsoft.com/office/drawing/2014/main" id="{B1649DA8-2340-4C5A-BADA-2C5CB896519D}"/>
-              </a:ext>
-            </a:extLst>
-          </p:cNvPr>
+          <p:cNvPr id="3" name="Marcador de Posição de Conteúdo 2" hidden="0"/>
           <p:cNvSpPr>
             <a:spLocks noGrp="1"/>
           </p:cNvSpPr>
-          <p:nvPr>
-            <p:ph idx="1"/>
+          <p:nvPr isPhoto="0" userDrawn="0">
+            <p:ph idx="1" hasCustomPrompt="0"/>
           </p:nvPr>
         </p:nvSpPr>
-        <p:spPr>
+        <p:spPr bwMode="auto">
           <a:xfrm>
             <a:off x="407368" y="2060848"/>
             <a:ext cx="11377264" cy="4043235"/>
@@ -9999,61 +9971,82 @@
           <a:p>
             <a:pPr marL="0" indent="0">
               <a:buNone/>
-            </a:pPr>
-            <a:r>
-              <a:rPr lang="pt-PT" dirty="0"/>
+              <a:defRPr/>
+            </a:pPr>
+            <a:r>
+              <a:rPr lang="pt-PT"/>
               <a:t>Analysing the results obtained for each algorithm, we observe that:</a:t>
             </a:r>
-          </a:p>
-          <a:p>
-            <a:r>
-              <a:rPr lang="pt-PT" dirty="0"/>
+            <a:endParaRPr/>
+          </a:p>
+          <a:p>
+            <a:pPr>
+              <a:defRPr/>
+            </a:pPr>
+            <a:r>
+              <a:rPr lang="pt-PT"/>
               <a:t>DFS has, on average, the biggest number of expanded nodes, which results on more memory used;</a:t>
             </a:r>
-          </a:p>
-          <a:p>
-            <a:r>
-              <a:rPr lang="pt-PT" dirty="0"/>
+            <a:endParaRPr/>
+          </a:p>
+          <a:p>
+            <a:pPr>
+              <a:defRPr/>
+            </a:pPr>
+            <a:r>
+              <a:rPr lang="pt-PT"/>
               <a:t>Greedy is the fastest in execution time and has the lowest number of expanded nodes;</a:t>
             </a:r>
-          </a:p>
-          <a:p>
-            <a:r>
-              <a:rPr lang="pt-PT" dirty="0"/>
+            <a:endParaRPr/>
+          </a:p>
+          <a:p>
+            <a:pPr>
+              <a:defRPr/>
+            </a:pPr>
+            <a:r>
+              <a:rPr lang="pt-PT"/>
               <a:t>A-star is the most incosistent algorithm in terms of execution time, although for expanded nodes is the DFS algorithm;</a:t>
             </a:r>
-          </a:p>
-          <a:p>
-            <a:r>
-              <a:rPr lang="pt-PT" dirty="0"/>
+            <a:endParaRPr/>
+          </a:p>
+          <a:p>
+            <a:pPr>
+              <a:defRPr/>
+            </a:pPr>
+            <a:r>
+              <a:rPr lang="pt-PT"/>
               <a:t>One condition that could affect the results are the order of nodes are expanded. We used a simple list with all 4 possible moves (Up, Down, Left, Right) and the order that each move is used may allow different execution times with some puzzles being faster and others slower.</a:t>
             </a:r>
+            <a:endParaRPr/>
           </a:p>
         </p:txBody>
       </p:sp>
     </p:spTree>
-    <p:extLst>
-      <p:ext uri="{BB962C8B-B14F-4D97-AF65-F5344CB8AC3E}">
-        <p14:creationId xmlns:p14="http://schemas.microsoft.com/office/powerpoint/2010/main" val="1016600409"/>
-      </p:ext>
-    </p:extLst>
   </p:cSld>
   <p:clrMapOvr>
     <a:masterClrMapping/>
   </p:clrMapOvr>
+  <mc:AlternateContent xmlns:mc="http://schemas.openxmlformats.org/markup-compatibility/2006">
+    <mc:Choice xmlns:p14="http://schemas.microsoft.com/office/powerpoint/2010/main" Requires="p14">
+      <p:transition p14:dur="2000" advClick="1"/>
+    </mc:Choice>
+    <mc:Fallback>
+      <p:transition advClick="1"/>
+    </mc:Fallback>
+  </mc:AlternateContent>
 </p:sld>
 </file>
 
 <file path=ppt/slides/slide9.xml><?xml version="1.0" encoding="utf-8"?>
-<p:sld xmlns:a="http://schemas.openxmlformats.org/drawingml/2006/main" xmlns:r="http://schemas.openxmlformats.org/officeDocument/2006/relationships" xmlns:p="http://schemas.openxmlformats.org/presentationml/2006/main">
-  <p:cSld>
+<p:sld xmlns:a="http://schemas.openxmlformats.org/drawingml/2006/main" xmlns:r="http://schemas.openxmlformats.org/officeDocument/2006/relationships" xmlns:p="http://schemas.openxmlformats.org/presentationml/2006/main" xmlns:m="http://schemas.openxmlformats.org/officeDocument/2006/math" xmlns:w="http://schemas.openxmlformats.org/wordprocessingml/2006/main" showMasterPhAnim="0" show="1">
+  <p:cSld name="">
     <p:spTree>
       <p:nvGrpSpPr>
-        <p:cNvPr id="1" name=""/>
+        <p:cNvPr id="1" name="" hidden="0"/>
         <p:cNvGrpSpPr/>
-        <p:nvPr/>
+        <p:nvPr isPhoto="0" userDrawn="0"/>
       </p:nvGrpSpPr>
-      <p:grpSpPr>
+      <p:grpSpPr bwMode="auto">
         <a:xfrm>
           <a:off x="0" y="0"/>
           <a:ext cx="0" cy="0"/>
@@ -10063,66 +10056,57 @@
       </p:grpSpPr>
       <p:sp>
         <p:nvSpPr>
-          <p:cNvPr id="2" name="Título 1">
-            <a:extLst>
-              <a:ext uri="{FF2B5EF4-FFF2-40B4-BE49-F238E27FC236}">
-                <a16:creationId xmlns:a16="http://schemas.microsoft.com/office/drawing/2014/main" id="{29CEFD32-A1AB-42FD-9AA3-CA0E1394BA0A}"/>
-              </a:ext>
-            </a:extLst>
-          </p:cNvPr>
+          <p:cNvPr id="2" name="Título 1" hidden="0"/>
           <p:cNvSpPr>
             <a:spLocks noGrp="1"/>
           </p:cNvSpPr>
-          <p:nvPr>
-            <p:ph type="title"/>
+          <p:nvPr isPhoto="0" userDrawn="0">
+            <p:ph type="title" hasCustomPrompt="0"/>
           </p:nvPr>
         </p:nvSpPr>
-        <p:spPr/>
+        <p:spPr bwMode="auto"/>
         <p:txBody>
           <a:bodyPr/>
           <a:lstStyle/>
           <a:p>
-            <a:r>
-              <a:rPr lang="pt-PT" dirty="0" err="1"/>
+            <a:pPr>
+              <a:defRPr/>
+            </a:pPr>
+            <a:r>
+              <a:rPr lang="pt-PT"/>
               <a:t>Statistics</a:t>
             </a:r>
             <a:r>
-              <a:rPr lang="pt-PT" dirty="0"/>
+              <a:rPr lang="pt-PT"/>
               <a:t> – </a:t>
             </a:r>
             <a:r>
-              <a:rPr lang="pt-PT" dirty="0" err="1"/>
+              <a:rPr lang="pt-PT"/>
               <a:t>Heuristic</a:t>
             </a:r>
             <a:r>
-              <a:rPr lang="pt-PT" dirty="0"/>
+              <a:rPr lang="pt-PT"/>
               <a:t> </a:t>
             </a:r>
             <a:r>
-              <a:rPr lang="pt-PT" dirty="0" err="1"/>
+              <a:rPr lang="pt-PT"/>
               <a:t>analysis</a:t>
             </a:r>
-            <a:endParaRPr lang="pt-PT" dirty="0"/>
+            <a:endParaRPr lang="pt-PT"/>
           </a:p>
         </p:txBody>
       </p:sp>
       <p:sp>
         <p:nvSpPr>
-          <p:cNvPr id="3" name="Marcador de Posição de Conteúdo 2">
-            <a:extLst>
-              <a:ext uri="{FF2B5EF4-FFF2-40B4-BE49-F238E27FC236}">
-                <a16:creationId xmlns:a16="http://schemas.microsoft.com/office/drawing/2014/main" id="{097C90B0-CFCF-4550-9F52-B398103B8C43}"/>
-              </a:ext>
-            </a:extLst>
-          </p:cNvPr>
+          <p:cNvPr id="3" name="Marcador de Posição de Conteúdo 2" hidden="0"/>
           <p:cNvSpPr>
             <a:spLocks noGrp="1"/>
           </p:cNvSpPr>
-          <p:nvPr>
-            <p:ph idx="1"/>
+          <p:nvPr isPhoto="0" userDrawn="0">
+            <p:ph idx="1" hasCustomPrompt="0"/>
           </p:nvPr>
         </p:nvSpPr>
-        <p:spPr>
+        <p:spPr bwMode="auto">
           <a:xfrm>
             <a:off x="407368" y="2132856"/>
             <a:ext cx="11305256" cy="3971227"/>
@@ -10136,268 +10120,306 @@
           <a:p>
             <a:pPr marL="0" indent="0">
               <a:buNone/>
-            </a:pPr>
-            <a:r>
-              <a:rPr lang="pt-PT" dirty="0" err="1"/>
+              <a:defRPr/>
+            </a:pPr>
+            <a:r>
+              <a:rPr lang="pt-PT"/>
               <a:t>Analysing</a:t>
             </a:r>
             <a:r>
-              <a:rPr lang="pt-PT" dirty="0"/>
+              <a:rPr lang="pt-PT"/>
               <a:t> </a:t>
             </a:r>
             <a:r>
-              <a:rPr lang="pt-PT" dirty="0" err="1"/>
+              <a:rPr lang="pt-PT"/>
               <a:t>the</a:t>
             </a:r>
             <a:r>
-              <a:rPr lang="pt-PT" dirty="0"/>
+              <a:rPr lang="pt-PT"/>
               <a:t> </a:t>
             </a:r>
             <a:r>
-              <a:rPr lang="pt-PT" dirty="0" err="1"/>
+              <a:rPr lang="pt-PT"/>
               <a:t>results</a:t>
             </a:r>
             <a:r>
-              <a:rPr lang="pt-PT" dirty="0"/>
+              <a:rPr lang="pt-PT"/>
               <a:t> </a:t>
             </a:r>
             <a:r>
-              <a:rPr lang="pt-PT" dirty="0" err="1"/>
+              <a:rPr lang="pt-PT"/>
               <a:t>obtained</a:t>
             </a:r>
             <a:r>
-              <a:rPr lang="pt-PT" dirty="0"/>
+              <a:rPr lang="pt-PT"/>
               <a:t> for </a:t>
             </a:r>
             <a:r>
-              <a:rPr lang="pt-PT" dirty="0" err="1"/>
+              <a:rPr lang="pt-PT"/>
               <a:t>each</a:t>
             </a:r>
             <a:r>
-              <a:rPr lang="pt-PT" dirty="0"/>
+              <a:rPr lang="pt-PT"/>
               <a:t> </a:t>
             </a:r>
             <a:r>
-              <a:rPr lang="pt-PT" dirty="0" err="1"/>
+              <a:rPr lang="pt-PT"/>
               <a:t>heuristic</a:t>
             </a:r>
             <a:r>
-              <a:rPr lang="pt-PT" dirty="0"/>
+              <a:rPr lang="pt-PT"/>
               <a:t>, </a:t>
             </a:r>
             <a:r>
-              <a:rPr lang="pt-PT" dirty="0" err="1"/>
+              <a:rPr lang="pt-PT"/>
               <a:t>we</a:t>
             </a:r>
             <a:r>
-              <a:rPr lang="pt-PT" dirty="0"/>
+              <a:rPr lang="pt-PT"/>
               <a:t> observe </a:t>
             </a:r>
             <a:r>
-              <a:rPr lang="pt-PT" dirty="0" err="1"/>
+              <a:rPr lang="pt-PT"/>
               <a:t>that</a:t>
             </a:r>
             <a:r>
-              <a:rPr lang="pt-PT" dirty="0"/>
+              <a:rPr lang="pt-PT"/>
               <a:t> :</a:t>
             </a:r>
-          </a:p>
-          <a:p>
-            <a:r>
-              <a:rPr lang="pt-PT" dirty="0" err="1"/>
+            <a:endParaRPr/>
+          </a:p>
+          <a:p>
+            <a:pPr>
+              <a:defRPr/>
+            </a:pPr>
+            <a:r>
+              <a:rPr lang="pt-PT"/>
               <a:t>Heuristic</a:t>
             </a:r>
             <a:r>
-              <a:rPr lang="pt-PT" dirty="0"/>
+              <a:rPr lang="pt-PT"/>
               <a:t> 2 </a:t>
             </a:r>
             <a:r>
-              <a:rPr lang="pt-PT" dirty="0" err="1"/>
+              <a:rPr lang="pt-PT"/>
               <a:t>is</a:t>
             </a:r>
             <a:r>
-              <a:rPr lang="pt-PT" dirty="0"/>
+              <a:rPr lang="pt-PT"/>
               <a:t> </a:t>
             </a:r>
             <a:r>
-              <a:rPr lang="pt-PT" dirty="0" err="1"/>
+              <a:rPr lang="pt-PT"/>
               <a:t>the</a:t>
             </a:r>
             <a:r>
-              <a:rPr lang="pt-PT" dirty="0"/>
+              <a:rPr lang="pt-PT"/>
               <a:t> </a:t>
             </a:r>
             <a:r>
-              <a:rPr lang="pt-PT" dirty="0" err="1"/>
+              <a:rPr lang="pt-PT"/>
               <a:t>fastest</a:t>
             </a:r>
             <a:r>
-              <a:rPr lang="pt-PT" dirty="0"/>
+              <a:rPr lang="pt-PT"/>
               <a:t> in </a:t>
             </a:r>
             <a:r>
-              <a:rPr lang="pt-PT" dirty="0" err="1"/>
+              <a:rPr lang="pt-PT"/>
               <a:t>terms</a:t>
             </a:r>
             <a:r>
-              <a:rPr lang="pt-PT" dirty="0"/>
+              <a:rPr lang="pt-PT"/>
               <a:t> </a:t>
             </a:r>
             <a:r>
-              <a:rPr lang="pt-PT" dirty="0" err="1"/>
+              <a:rPr lang="pt-PT"/>
               <a:t>of</a:t>
             </a:r>
             <a:r>
-              <a:rPr lang="pt-PT" dirty="0"/>
+              <a:rPr lang="pt-PT"/>
               <a:t> </a:t>
             </a:r>
             <a:r>
-              <a:rPr lang="pt-PT" dirty="0" err="1"/>
+              <a:rPr lang="pt-PT"/>
               <a:t>execution</a:t>
             </a:r>
             <a:r>
-              <a:rPr lang="pt-PT" dirty="0"/>
+              <a:rPr lang="pt-PT"/>
               <a:t> time </a:t>
             </a:r>
             <a:r>
-              <a:rPr lang="pt-PT" dirty="0" err="1"/>
+              <a:rPr lang="pt-PT"/>
               <a:t>and</a:t>
             </a:r>
             <a:r>
-              <a:rPr lang="pt-PT" dirty="0"/>
+              <a:rPr lang="pt-PT"/>
               <a:t> </a:t>
             </a:r>
             <a:r>
-              <a:rPr lang="pt-PT" dirty="0" err="1"/>
+              <a:rPr lang="pt-PT"/>
               <a:t>memory</a:t>
             </a:r>
             <a:r>
-              <a:rPr lang="pt-PT" dirty="0"/>
+              <a:rPr lang="pt-PT"/>
               <a:t> </a:t>
             </a:r>
             <a:r>
-              <a:rPr lang="pt-PT" dirty="0" err="1"/>
+              <a:rPr lang="pt-PT"/>
               <a:t>usage</a:t>
             </a:r>
             <a:r>
-              <a:rPr lang="pt-PT" dirty="0"/>
+              <a:rPr lang="pt-PT"/>
               <a:t> </a:t>
             </a:r>
             <a:r>
-              <a:rPr lang="pt-PT" dirty="0" err="1"/>
+              <a:rPr lang="pt-PT"/>
               <a:t>with</a:t>
             </a:r>
             <a:r>
-              <a:rPr lang="pt-PT" dirty="0"/>
+              <a:rPr lang="pt-PT"/>
               <a:t> </a:t>
             </a:r>
             <a:r>
-              <a:rPr lang="pt-PT" dirty="0" err="1"/>
+              <a:rPr lang="pt-PT"/>
               <a:t>Greedy</a:t>
             </a:r>
             <a:r>
-              <a:rPr lang="pt-PT" dirty="0"/>
+              <a:rPr lang="pt-PT"/>
               <a:t> </a:t>
             </a:r>
             <a:r>
-              <a:rPr lang="pt-PT" dirty="0" err="1"/>
+              <a:rPr lang="pt-PT"/>
               <a:t>algorithm</a:t>
             </a:r>
             <a:r>
-              <a:rPr lang="pt-PT" dirty="0"/>
+              <a:rPr lang="pt-PT"/>
               <a:t>. </a:t>
             </a:r>
             <a:r>
-              <a:rPr lang="pt-PT" dirty="0" err="1"/>
+              <a:rPr lang="pt-PT"/>
               <a:t>With</a:t>
             </a:r>
             <a:r>
-              <a:rPr lang="pt-PT" dirty="0"/>
+              <a:rPr lang="pt-PT"/>
               <a:t> A*, </a:t>
             </a:r>
             <a:r>
-              <a:rPr lang="pt-PT" dirty="0" err="1"/>
+              <a:rPr lang="pt-PT"/>
               <a:t>heuristic</a:t>
             </a:r>
             <a:r>
-              <a:rPr lang="pt-PT" dirty="0"/>
+              <a:rPr lang="pt-PT"/>
               <a:t> 1 </a:t>
             </a:r>
             <a:r>
-              <a:rPr lang="pt-PT" dirty="0" err="1"/>
+              <a:rPr lang="pt-PT"/>
               <a:t>is</a:t>
             </a:r>
             <a:r>
-              <a:rPr lang="pt-PT" dirty="0"/>
+              <a:rPr lang="pt-PT"/>
               <a:t> </a:t>
             </a:r>
             <a:r>
-              <a:rPr lang="pt-PT" dirty="0" err="1"/>
+              <a:rPr lang="pt-PT"/>
               <a:t>the</a:t>
             </a:r>
             <a:r>
-              <a:rPr lang="pt-PT" dirty="0"/>
+              <a:rPr lang="pt-PT"/>
               <a:t> </a:t>
             </a:r>
             <a:r>
-              <a:rPr lang="pt-PT" dirty="0" err="1"/>
+              <a:rPr lang="pt-PT"/>
               <a:t>fastest</a:t>
             </a:r>
             <a:r>
-              <a:rPr lang="pt-PT" dirty="0"/>
+              <a:rPr lang="pt-PT"/>
               <a:t>;</a:t>
             </a:r>
-          </a:p>
-          <a:p>
-            <a:r>
-              <a:rPr lang="pt-PT" dirty="0"/>
+            <a:endParaRPr/>
+          </a:p>
+          <a:p>
+            <a:pPr>
+              <a:defRPr/>
+            </a:pPr>
+            <a:r>
+              <a:rPr lang="pt-PT"/>
               <a:t>In general heuristic 3 is the most consistent, in all algorithms;</a:t>
             </a:r>
-          </a:p>
-          <a:p>
-            <a:r>
-              <a:rPr lang="pt-PT" dirty="0"/>
+            <a:endParaRPr/>
+          </a:p>
+          <a:p>
+            <a:pPr>
+              <a:defRPr/>
+            </a:pPr>
+            <a:r>
+              <a:rPr lang="pt-PT"/>
               <a:t>A simple explanation for the heuristic results, might be the fact that the cost (path distance) is no directly associated with the solution, because a good solution is a solution that guarantees that each chess piece attacks an equal number of snake blocks and not the shortest one.</a:t>
             </a:r>
-          </a:p>
-          <a:p>
-            <a:endParaRPr lang="pt-PT" dirty="0"/>
-          </a:p>
-          <a:p>
-            <a:endParaRPr lang="pt-PT" dirty="0"/>
-          </a:p>
-          <a:p>
-            <a:endParaRPr lang="pt-PT" dirty="0"/>
-          </a:p>
-          <a:p>
-            <a:endParaRPr lang="pt-PT" dirty="0"/>
-          </a:p>
-          <a:p>
-            <a:endParaRPr lang="pt-PT" dirty="0"/>
-          </a:p>
-          <a:p>
-            <a:endParaRPr lang="pt-PT" dirty="0"/>
-          </a:p>
-          <a:p>
-            <a:endParaRPr lang="pt-PT" dirty="0"/>
+            <a:endParaRPr/>
+          </a:p>
+          <a:p>
+            <a:pPr>
+              <a:defRPr/>
+            </a:pPr>
+            <a:endParaRPr lang="pt-PT"/>
+          </a:p>
+          <a:p>
+            <a:pPr>
+              <a:defRPr/>
+            </a:pPr>
+            <a:endParaRPr lang="pt-PT"/>
+          </a:p>
+          <a:p>
+            <a:pPr>
+              <a:defRPr/>
+            </a:pPr>
+            <a:endParaRPr lang="pt-PT"/>
+          </a:p>
+          <a:p>
+            <a:pPr>
+              <a:defRPr/>
+            </a:pPr>
+            <a:endParaRPr lang="pt-PT"/>
+          </a:p>
+          <a:p>
+            <a:pPr>
+              <a:defRPr/>
+            </a:pPr>
+            <a:endParaRPr lang="pt-PT"/>
+          </a:p>
+          <a:p>
+            <a:pPr>
+              <a:defRPr/>
+            </a:pPr>
+            <a:endParaRPr lang="pt-PT"/>
+          </a:p>
+          <a:p>
+            <a:pPr>
+              <a:defRPr/>
+            </a:pPr>
+            <a:endParaRPr lang="pt-PT"/>
           </a:p>
         </p:txBody>
       </p:sp>
     </p:spTree>
-    <p:extLst>
-      <p:ext uri="{BB962C8B-B14F-4D97-AF65-F5344CB8AC3E}">
-        <p14:creationId xmlns:p14="http://schemas.microsoft.com/office/powerpoint/2010/main" val="1044334232"/>
-      </p:ext>
-    </p:extLst>
   </p:cSld>
   <p:clrMapOvr>
     <a:masterClrMapping/>
   </p:clrMapOvr>
+  <mc:AlternateContent xmlns:mc="http://schemas.openxmlformats.org/markup-compatibility/2006">
+    <mc:Choice xmlns:p14="http://schemas.microsoft.com/office/powerpoint/2010/main" Requires="p14">
+      <p:transition p14:dur="2000" advClick="1"/>
+    </mc:Choice>
+    <mc:Fallback>
+      <p:transition advClick="1"/>
+    </mc:Fallback>
+  </mc:AlternateContent>
 </p:sld>
 </file>
 
 <file path=ppt/theme/theme1.xml><?xml version="1.0" encoding="utf-8"?>
-<a:theme xmlns:a="http://schemas.openxmlformats.org/drawingml/2006/main" name="PebbleVTI">
+<a:theme xmlns:a="http://schemas.openxmlformats.org/drawingml/2006/main" xmlns:r="http://schemas.openxmlformats.org/officeDocument/2006/relationships" xmlns:p="http://schemas.openxmlformats.org/presentationml/2006/main" name="PebbleVTI">
   <a:themeElements>
     <a:clrScheme name="Blush 3">
       <a:dk1>
@@ -10600,6 +10622,5 @@
     </a:fmtScheme>
   </a:themeElements>
   <a:objectDefaults/>
-  <a:extraClrSchemeLst/>
 </a:theme>
 </file>